--- a/PPT/02- Angular Databinding.pptx
+++ b/PPT/02- Angular Databinding.pptx
@@ -15,7 +15,7 @@
     <p:sldId id="261" r:id="rId6"/>
     <p:sldId id="262" r:id="rId7"/>
     <p:sldId id="294" r:id="rId8"/>
-    <p:sldId id="263" r:id="rId9"/>
+    <p:sldId id="300" r:id="rId9"/>
     <p:sldId id="264" r:id="rId10"/>
     <p:sldId id="295" r:id="rId11"/>
     <p:sldId id="296" r:id="rId12"/>
@@ -3080,6 +3080,11 @@
         </p:txBody>
       </p:sp>
     </p:spTree>
+    <p:extLst>
+      <p:ext uri="{BB962C8B-B14F-4D97-AF65-F5344CB8AC3E}">
+        <p14:creationId xmlns:p14="http://schemas.microsoft.com/office/powerpoint/2010/main" val="4088011003"/>
+      </p:ext>
+    </p:extLst>
   </p:cSld>
   <p:clrMapOvr>
     <a:masterClrMapping/>
@@ -3243,7 +3248,7 @@
           <a:p>
             <a:fld id="{14471771-6CF3-0A4E-92CD-0AAA74C1AC74}" type="datetime1">
               <a:rPr lang="en-US" smtClean="0"/>
-              <a:t>4/21/21</a:t>
+              <a:t>12/17/21</a:t>
             </a:fld>
             <a:endParaRPr lang="en-US"/>
           </a:p>
@@ -3402,7 +3407,7 @@
           <a:p>
             <a:fld id="{AFA0C4A9-B9CF-204F-845A-78855C677058}" type="datetime1">
               <a:rPr lang="en-US" smtClean="0"/>
-              <a:t>4/21/21</a:t>
+              <a:t>12/17/21</a:t>
             </a:fld>
             <a:endParaRPr lang="en-US"/>
           </a:p>
@@ -3593,7 +3598,7 @@
           <a:p>
             <a:fld id="{19FA71EB-BBB9-284F-A0BA-D21452800DEF}" type="datetime1">
               <a:rPr lang="en-US" smtClean="0"/>
-              <a:t>4/21/21</a:t>
+              <a:t>12/17/21</a:t>
             </a:fld>
             <a:endParaRPr lang="en-US"/>
           </a:p>
@@ -3718,7 +3723,7 @@
           <a:p>
             <a:fld id="{4FD675FF-E717-2A40-AC09-B7D72BBC8572}" type="datetime1">
               <a:rPr lang="en-US" smtClean="0"/>
-              <a:t>4/21/21</a:t>
+              <a:t>12/17/21</a:t>
             </a:fld>
             <a:endParaRPr lang="en-US"/>
           </a:p>
@@ -3814,7 +3819,7 @@
           <a:p>
             <a:fld id="{50269BC5-4D28-1B46-B364-F1D1817E9371}" type="datetime1">
               <a:rPr lang="en-US" smtClean="0"/>
-              <a:t>4/21/21</a:t>
+              <a:t>12/17/21</a:t>
             </a:fld>
             <a:endParaRPr lang="en-US"/>
           </a:p>
@@ -4048,7 +4053,7 @@
           <a:p>
             <a:fld id="{0E34B6BF-76F8-634E-A5E2-C7F984B93D64}" type="datetime1">
               <a:rPr lang="en-US" smtClean="0"/>
-              <a:t>4/21/21</a:t>
+              <a:t>12/17/21</a:t>
             </a:fld>
             <a:endParaRPr lang="en-US"/>
           </a:p>
@@ -7628,44 +7633,6 @@
               </a:rPr>
               <a:t>f</a:t>
             </a:r>
-            <a:r>
-              <a:rPr sz="1950" spc="25" dirty="0">
-                <a:highlight>
-                  <a:srgbClr val="FFFF00"/>
-                </a:highlight>
-                <a:latin typeface="Times New Roman"/>
-                <a:cs typeface="Times New Roman"/>
-              </a:rPr>
-              <a:t> </a:t>
-            </a:r>
-            <a:r>
-              <a:rPr sz="1950" spc="-15" dirty="0">
-                <a:latin typeface="Arial"/>
-                <a:cs typeface="Arial"/>
-              </a:rPr>
-              <a:t>(</a:t>
-            </a:r>
-            <a:r>
-              <a:rPr lang="nl-NL" sz="1950" spc="-15" dirty="0" err="1">
-                <a:latin typeface="Arial"/>
-                <a:cs typeface="Arial"/>
-              </a:rPr>
-              <a:t>use</a:t>
-            </a:r>
-            <a:r>
-              <a:rPr lang="nl-NL" sz="1950" spc="-15" dirty="0">
-                <a:latin typeface="Arial"/>
-                <a:cs typeface="Arial"/>
-              </a:rPr>
-              <a:t> a star</a:t>
-            </a:r>
-            <a:r>
-              <a:rPr sz="1950" spc="-15" dirty="0">
-                <a:latin typeface="Arial"/>
-                <a:cs typeface="Arial"/>
-              </a:rPr>
-              <a:t>!)</a:t>
-            </a:r>
             <a:endParaRPr sz="1950" dirty="0">
               <a:latin typeface="Arial"/>
               <a:cs typeface="Arial"/>
@@ -10249,7 +10216,7 @@
         <p:spPr>
           <a:xfrm>
             <a:off x="1277368" y="2308805"/>
-            <a:ext cx="4283722" cy="592470"/>
+            <a:ext cx="4283722" cy="661720"/>
           </a:xfrm>
           <a:prstGeom prst="rect">
             <a:avLst/>
@@ -10281,11 +10248,39 @@
               <a:t> </a:t>
             </a:r>
             <a:r>
+              <a:rPr lang="nl-NL" sz="1950" b="1" i="1" spc="-20" dirty="0" err="1">
+                <a:latin typeface="Verdana"/>
+                <a:cs typeface="Verdana"/>
+              </a:rPr>
+              <a:t>round</a:t>
+            </a:r>
+            <a:r>
+              <a:rPr lang="nl-NL" sz="1950" b="1" i="1" spc="-20" dirty="0">
+                <a:latin typeface="Verdana"/>
+                <a:cs typeface="Verdana"/>
+              </a:rPr>
+              <a:t> </a:t>
+            </a:r>
+            <a:r>
+              <a:rPr lang="nl-NL" sz="1950" b="1" i="1" spc="-20" dirty="0" err="1">
+                <a:latin typeface="Verdana"/>
+                <a:cs typeface="Verdana"/>
+              </a:rPr>
+              <a:t>brackets</a:t>
+            </a:r>
+            <a:r>
+              <a:rPr lang="nl-NL" sz="1950" b="1" i="1" spc="-20" dirty="0">
+                <a:latin typeface="Verdana"/>
+                <a:cs typeface="Verdana"/>
+              </a:rPr>
+              <a:t> </a:t>
+            </a:r>
+            <a:r>
               <a:rPr lang="nl-NL" sz="1950" spc="-20" dirty="0" err="1">
                 <a:latin typeface="Verdana"/>
                 <a:cs typeface="Verdana"/>
               </a:rPr>
-              <a:t>round</a:t>
+              <a:t>for</a:t>
             </a:r>
             <a:r>
               <a:rPr lang="nl-NL" sz="1950" spc="-20" dirty="0">
@@ -10295,53 +10290,32 @@
               <a:t> </a:t>
             </a:r>
             <a:r>
-              <a:rPr lang="nl-NL" sz="1950" spc="-20" dirty="0" err="1">
+              <a:rPr sz="2400" u="sng" spc="-20" dirty="0">
                 <a:latin typeface="Verdana"/>
                 <a:cs typeface="Verdana"/>
               </a:rPr>
-              <a:t>brackets</a:t>
-            </a:r>
-            <a:r>
-              <a:rPr lang="nl-NL" sz="1950" spc="-20" dirty="0">
+              <a:t>e</a:t>
+            </a:r>
+            <a:r>
+              <a:rPr sz="2400" u="sng" spc="-35" dirty="0">
                 <a:latin typeface="Verdana"/>
                 <a:cs typeface="Verdana"/>
               </a:rPr>
-              <a:t> </a:t>
-            </a:r>
-            <a:r>
-              <a:rPr lang="nl-NL" sz="1950" spc="-20" dirty="0" err="1">
+              <a:t>v</a:t>
+            </a:r>
+            <a:r>
+              <a:rPr sz="2400" u="sng" spc="-20" dirty="0">
                 <a:latin typeface="Verdana"/>
                 <a:cs typeface="Verdana"/>
               </a:rPr>
-              <a:t>for</a:t>
-            </a:r>
-            <a:r>
-              <a:rPr lang="nl-NL" sz="1950" spc="-20" dirty="0">
-                <a:latin typeface="Verdana"/>
-                <a:cs typeface="Verdana"/>
-              </a:rPr>
-              <a:t> </a:t>
+              <a:t>ents</a:t>
             </a:r>
             <a:r>
               <a:rPr sz="1950" spc="-20" dirty="0">
                 <a:latin typeface="Verdana"/>
                 <a:cs typeface="Verdana"/>
               </a:rPr>
-              <a:t>e</a:t>
-            </a:r>
-            <a:r>
-              <a:rPr sz="1950" spc="-35" dirty="0">
-                <a:latin typeface="Verdana"/>
-                <a:cs typeface="Verdana"/>
-              </a:rPr>
-              <a:t>v</a:t>
-            </a:r>
-            <a:r>
-              <a:rPr sz="1950" spc="-20" dirty="0">
-                <a:latin typeface="Verdana"/>
-                <a:cs typeface="Verdana"/>
-              </a:rPr>
-              <a:t>ents:</a:t>
+              <a:t>:</a:t>
             </a:r>
             <a:endParaRPr sz="1950" dirty="0">
               <a:latin typeface="Verdana"/>
@@ -10363,14 +10337,14 @@
       </p:sp>
       <p:sp>
         <p:nvSpPr>
-          <p:cNvPr id="7" name="object 7"/>
+          <p:cNvPr id="8" name="object 8"/>
           <p:cNvSpPr txBox="1"/>
           <p:nvPr/>
         </p:nvSpPr>
         <p:spPr>
           <a:xfrm>
-            <a:off x="329290" y="3959236"/>
-            <a:ext cx="1751363" cy="400110"/>
+            <a:off x="756225" y="3951334"/>
+            <a:ext cx="9296400" cy="400110"/>
           </a:xfrm>
           <a:prstGeom prst="rect">
             <a:avLst/>
@@ -10382,17 +10356,54 @@
           </a:bodyPr>
           <a:lstStyle/>
           <a:p>
-            <a:pPr marL="12700">
-              <a:lnSpc>
-                <a:spcPct val="100000"/>
-              </a:lnSpc>
-            </a:pPr>
+            <a:pPr marL="12700"/>
+            <a:r>
+              <a:rPr lang="en-US" sz="2600" spc="-25" dirty="0">
+                <a:latin typeface="Courier New"/>
+                <a:cs typeface="Courier New"/>
+              </a:rPr>
+              <a:t>&lt;button</a:t>
+            </a:r>
+            <a:r>
+              <a:rPr sz="2600" b="1" spc="-25" dirty="0">
+                <a:solidFill>
+                  <a:srgbClr val="FF0000"/>
+                </a:solidFill>
+                <a:latin typeface="Courier New"/>
+                <a:cs typeface="Courier New"/>
+              </a:rPr>
+              <a:t>(click</a:t>
+            </a:r>
+            <a:r>
+              <a:rPr sz="2600" b="1" spc="-30" dirty="0">
+                <a:solidFill>
+                  <a:srgbClr val="FF0000"/>
+                </a:solidFill>
+                <a:latin typeface="Courier New"/>
+                <a:cs typeface="Courier New"/>
+              </a:rPr>
+              <a:t>)</a:t>
+            </a:r>
             <a:r>
               <a:rPr sz="2600" spc="-25" dirty="0">
                 <a:latin typeface="Courier New"/>
                 <a:cs typeface="Courier New"/>
               </a:rPr>
-              <a:t>&lt;</a:t>
+              <a:t>=“</a:t>
+            </a:r>
+            <a:r>
+              <a:rPr sz="2600" spc="-25" dirty="0" err="1">
+                <a:latin typeface="Courier New"/>
+                <a:cs typeface="Courier New"/>
+              </a:rPr>
+              <a:t>handleClick</a:t>
+            </a:r>
+            <a:r>
+              <a:rPr sz="2600" spc="-25" dirty="0">
+                <a:latin typeface="Courier New"/>
+                <a:cs typeface="Courier New"/>
+              </a:rPr>
+              <a:t>()”&gt;…&lt;/</a:t>
             </a:r>
             <a:r>
               <a:rPr lang="nl-NL" sz="2600" spc="-25" dirty="0">
@@ -10401,183 +10412,12 @@
               </a:rPr>
               <a:t>button</a:t>
             </a:r>
-            <a:endParaRPr sz="2600" dirty="0">
-              <a:latin typeface="Courier New"/>
-              <a:cs typeface="Courier New"/>
-            </a:endParaRPr>
-          </a:p>
-        </p:txBody>
-      </p:sp>
-      <p:sp>
-        <p:nvSpPr>
-          <p:cNvPr id="8" name="object 8"/>
-          <p:cNvSpPr txBox="1"/>
-          <p:nvPr/>
-        </p:nvSpPr>
-        <p:spPr>
-          <a:xfrm>
-            <a:off x="2252613" y="3959236"/>
-            <a:ext cx="8111497" cy="400110"/>
-          </a:xfrm>
-          <a:prstGeom prst="rect">
-            <a:avLst/>
-          </a:prstGeom>
-        </p:spPr>
-        <p:txBody>
-          <a:bodyPr vert="horz" wrap="square" lIns="0" tIns="0" rIns="0" bIns="0" rtlCol="0">
-            <a:spAutoFit/>
-          </a:bodyPr>
-          <a:lstStyle/>
-          <a:p>
-            <a:pPr marL="12700">
-              <a:lnSpc>
-                <a:spcPct val="100000"/>
-              </a:lnSpc>
-            </a:pPr>
-            <a:r>
-              <a:rPr sz="2600" b="1" spc="-25" dirty="0">
-                <a:solidFill>
-                  <a:srgbClr val="FF0000"/>
-                </a:solidFill>
-                <a:latin typeface="Courier New"/>
-                <a:cs typeface="Courier New"/>
-              </a:rPr>
-              <a:t>(click</a:t>
-            </a:r>
-            <a:r>
-              <a:rPr sz="2600" b="1" spc="-30" dirty="0">
-                <a:solidFill>
-                  <a:srgbClr val="FF0000"/>
-                </a:solidFill>
-                <a:latin typeface="Courier New"/>
-                <a:cs typeface="Courier New"/>
-              </a:rPr>
-              <a:t>)</a:t>
-            </a:r>
             <a:r>
               <a:rPr sz="2600" spc="-25" dirty="0">
                 <a:latin typeface="Courier New"/>
                 <a:cs typeface="Courier New"/>
               </a:rPr>
-              <a:t>=“</a:t>
-            </a:r>
-            <a:r>
-              <a:rPr sz="2600" spc="-25" dirty="0" err="1">
-                <a:latin typeface="Courier New"/>
-                <a:cs typeface="Courier New"/>
-              </a:rPr>
-              <a:t>handleClick</a:t>
-            </a:r>
-            <a:r>
-              <a:rPr sz="2600" spc="-25" dirty="0">
-                <a:latin typeface="Courier New"/>
-                <a:cs typeface="Courier New"/>
-              </a:rPr>
-              <a:t>()”&gt;…&lt;/</a:t>
-            </a:r>
-            <a:r>
-              <a:rPr lang="nl-NL" sz="2600" spc="-25" dirty="0">
-                <a:latin typeface="Courier New"/>
-                <a:cs typeface="Courier New"/>
-              </a:rPr>
-              <a:t>button</a:t>
-            </a:r>
-            <a:r>
-              <a:rPr sz="2600" spc="-25" dirty="0">
-                <a:latin typeface="Courier New"/>
-                <a:cs typeface="Courier New"/>
-              </a:rPr>
               <a:t>&gt;</a:t>
-            </a:r>
-            <a:endParaRPr sz="2600" dirty="0">
-              <a:latin typeface="Courier New"/>
-              <a:cs typeface="Courier New"/>
-            </a:endParaRPr>
-          </a:p>
-        </p:txBody>
-      </p:sp>
-      <p:sp>
-        <p:nvSpPr>
-          <p:cNvPr id="9" name="object 9"/>
-          <p:cNvSpPr txBox="1"/>
-          <p:nvPr/>
-        </p:nvSpPr>
-        <p:spPr>
-          <a:xfrm>
-            <a:off x="1266572" y="4907176"/>
-            <a:ext cx="814069" cy="354965"/>
-          </a:xfrm>
-          <a:prstGeom prst="rect">
-            <a:avLst/>
-          </a:prstGeom>
-        </p:spPr>
-        <p:txBody>
-          <a:bodyPr vert="horz" wrap="square" lIns="0" tIns="0" rIns="0" bIns="0" rtlCol="0">
-            <a:spAutoFit/>
-          </a:bodyPr>
-          <a:lstStyle/>
-          <a:p>
-            <a:pPr marL="12700">
-              <a:lnSpc>
-                <a:spcPct val="100000"/>
-              </a:lnSpc>
-            </a:pPr>
-            <a:r>
-              <a:rPr sz="2600" spc="-25" dirty="0">
-                <a:latin typeface="Courier New"/>
-                <a:cs typeface="Courier New"/>
-              </a:rPr>
-              <a:t>&lt;div</a:t>
-            </a:r>
-            <a:endParaRPr sz="2600" dirty="0">
-              <a:latin typeface="Courier New"/>
-              <a:cs typeface="Courier New"/>
-            </a:endParaRPr>
-          </a:p>
-        </p:txBody>
-      </p:sp>
-      <p:sp>
-        <p:nvSpPr>
-          <p:cNvPr id="10" name="object 10"/>
-          <p:cNvSpPr txBox="1"/>
-          <p:nvPr/>
-        </p:nvSpPr>
-        <p:spPr>
-          <a:xfrm>
-            <a:off x="2252613" y="4907178"/>
-            <a:ext cx="4952365" cy="354965"/>
-          </a:xfrm>
-          <a:prstGeom prst="rect">
-            <a:avLst/>
-          </a:prstGeom>
-        </p:spPr>
-        <p:txBody>
-          <a:bodyPr vert="horz" wrap="square" lIns="0" tIns="0" rIns="0" bIns="0" rtlCol="0">
-            <a:spAutoFit/>
-          </a:bodyPr>
-          <a:lstStyle/>
-          <a:p>
-            <a:pPr marL="12700">
-              <a:lnSpc>
-                <a:spcPct val="100000"/>
-              </a:lnSpc>
-            </a:pPr>
-            <a:r>
-              <a:rPr sz="2600" b="1" spc="-25" dirty="0">
-                <a:solidFill>
-                  <a:srgbClr val="FF0000"/>
-                </a:solidFill>
-                <a:latin typeface="Courier New"/>
-                <a:cs typeface="Courier New"/>
-              </a:rPr>
-              <a:t>(blur)</a:t>
-            </a:r>
-            <a:r>
-              <a:rPr sz="2600" spc="-25" dirty="0">
-                <a:latin typeface="Courier New"/>
-                <a:cs typeface="Courier New"/>
-              </a:rPr>
-              <a:t>=“onBlur()”&gt;…&lt;/div&gt;</a:t>
             </a:r>
             <a:endParaRPr sz="2600" dirty="0">
               <a:latin typeface="Courier New"/>
@@ -12768,7 +12608,7 @@
         <p:spPr>
           <a:xfrm>
             <a:off x="1270382" y="1250147"/>
-            <a:ext cx="7416800" cy="5383525"/>
+            <a:ext cx="7416800" cy="5937523"/>
           </a:xfrm>
           <a:prstGeom prst="rect">
             <a:avLst/>
@@ -12803,7 +12643,7 @@
               </a:spcBef>
             </a:pPr>
             <a:r>
-              <a:rPr sz="1500" i="1" dirty="0">
+              <a:rPr i="1" dirty="0">
                 <a:solidFill>
                   <a:srgbClr val="12B124"/>
                 </a:solidFill>
@@ -12813,7 +12653,7 @@
               <a:t>&lt;!</a:t>
             </a:r>
             <a:r>
-              <a:rPr sz="1500" i="1" spc="5" dirty="0">
+              <a:rPr i="1" spc="5" dirty="0">
                 <a:solidFill>
                   <a:srgbClr val="12B124"/>
                 </a:solidFill>
@@ -12823,7 +12663,7 @@
               <a:t>‐</a:t>
             </a:r>
             <a:r>
-              <a:rPr sz="1500" i="1" dirty="0">
+              <a:rPr i="1" dirty="0">
                 <a:solidFill>
                   <a:srgbClr val="12B124"/>
                 </a:solidFill>
@@ -12833,7 +12673,7 @@
               <a:t>‐</a:t>
             </a:r>
             <a:r>
-              <a:rPr sz="1500" i="1" spc="10" dirty="0">
+              <a:rPr i="1" spc="10" dirty="0">
                 <a:solidFill>
                   <a:srgbClr val="12B124"/>
                 </a:solidFill>
@@ -12843,7 +12683,7 @@
               <a:t> </a:t>
             </a:r>
             <a:r>
-              <a:rPr sz="1500" i="1" spc="5" dirty="0">
+              <a:rPr i="1" spc="5" dirty="0">
                 <a:solidFill>
                   <a:srgbClr val="12B124"/>
                 </a:solidFill>
@@ -12853,7 +12693,7 @@
               <a:t>Even</a:t>
             </a:r>
             <a:r>
-              <a:rPr sz="1500" i="1" dirty="0">
+              <a:rPr i="1" dirty="0">
                 <a:solidFill>
                   <a:srgbClr val="12B124"/>
                 </a:solidFill>
@@ -12863,7 +12703,7 @@
               <a:t>t</a:t>
             </a:r>
             <a:r>
-              <a:rPr sz="1500" i="1" dirty="0">
+              <a:rPr i="1" dirty="0">
                 <a:solidFill>
                   <a:srgbClr val="12B124"/>
                 </a:solidFill>
@@ -12873,7 +12713,7 @@
               <a:t> </a:t>
             </a:r>
             <a:r>
-              <a:rPr sz="1500" i="1" spc="90" dirty="0">
+              <a:rPr i="1" spc="90" dirty="0">
                 <a:solidFill>
                   <a:srgbClr val="12B124"/>
                 </a:solidFill>
@@ -12883,7 +12723,7 @@
               <a:t> </a:t>
             </a:r>
             <a:r>
-              <a:rPr sz="1500" i="1" spc="5" dirty="0">
+              <a:rPr i="1" spc="5" dirty="0">
                 <a:solidFill>
                   <a:srgbClr val="12B124"/>
                 </a:solidFill>
@@ -12893,7 +12733,7 @@
               <a:t>bindin</a:t>
             </a:r>
             <a:r>
-              <a:rPr sz="1500" i="1" dirty="0">
+              <a:rPr i="1" dirty="0">
                 <a:solidFill>
                   <a:srgbClr val="12B124"/>
                 </a:solidFill>
@@ -12903,7 +12743,7 @@
               <a:t>g</a:t>
             </a:r>
             <a:r>
-              <a:rPr sz="1500" i="1" dirty="0">
+              <a:rPr i="1" dirty="0">
                 <a:solidFill>
                   <a:srgbClr val="12B124"/>
                 </a:solidFill>
@@ -12913,7 +12753,7 @@
               <a:t> </a:t>
             </a:r>
             <a:r>
-              <a:rPr sz="1500" i="1" spc="80" dirty="0">
+              <a:rPr i="1" spc="80" dirty="0">
                 <a:solidFill>
                   <a:srgbClr val="12B124"/>
                 </a:solidFill>
@@ -12923,7 +12763,7 @@
               <a:t> </a:t>
             </a:r>
             <a:r>
-              <a:rPr sz="1500" i="1" spc="5" dirty="0">
+              <a:rPr i="1" spc="5" dirty="0">
                 <a:solidFill>
                   <a:srgbClr val="12B124"/>
                 </a:solidFill>
@@ -12933,7 +12773,7 @@
               <a:t>voo</a:t>
             </a:r>
             <a:r>
-              <a:rPr sz="1500" i="1" dirty="0">
+              <a:rPr i="1" dirty="0">
                 <a:solidFill>
                   <a:srgbClr val="12B124"/>
                 </a:solidFill>
@@ -12943,7 +12783,7 @@
               <a:t>r</a:t>
             </a:r>
             <a:r>
-              <a:rPr sz="1500" i="1" dirty="0">
+              <a:rPr i="1" dirty="0">
                 <a:solidFill>
                   <a:srgbClr val="12B124"/>
                 </a:solidFill>
@@ -12953,7 +12793,7 @@
               <a:t> </a:t>
             </a:r>
             <a:r>
-              <a:rPr sz="1500" i="1" spc="90" dirty="0">
+              <a:rPr i="1" spc="90" dirty="0">
                 <a:solidFill>
                   <a:srgbClr val="12B124"/>
                 </a:solidFill>
@@ -12963,7 +12803,7 @@
               <a:t> </a:t>
             </a:r>
             <a:r>
-              <a:rPr sz="1500" i="1" dirty="0">
+              <a:rPr i="1" dirty="0">
                 <a:solidFill>
                   <a:srgbClr val="12B124"/>
                 </a:solidFill>
@@ -12973,7 +12813,7 @@
               <a:t>een</a:t>
             </a:r>
             <a:r>
-              <a:rPr sz="1500" i="1" dirty="0">
+              <a:rPr i="1" dirty="0">
                 <a:solidFill>
                   <a:srgbClr val="12B124"/>
                 </a:solidFill>
@@ -12983,7 +12823,7 @@
               <a:t> </a:t>
             </a:r>
             <a:r>
-              <a:rPr sz="1500" i="1" spc="95" dirty="0">
+              <a:rPr i="1" spc="95" dirty="0">
                 <a:solidFill>
                   <a:srgbClr val="12B124"/>
                 </a:solidFill>
@@ -12993,7 +12833,7 @@
               <a:t> </a:t>
             </a:r>
             <a:r>
-              <a:rPr sz="1500" i="1" dirty="0">
+              <a:rPr i="1" dirty="0">
                 <a:solidFill>
                   <a:srgbClr val="12B124"/>
                 </a:solidFill>
@@ -13003,7 +12843,7 @@
               <a:t>button</a:t>
             </a:r>
             <a:r>
-              <a:rPr sz="1500" i="1" dirty="0">
+              <a:rPr i="1" dirty="0">
                 <a:solidFill>
                   <a:srgbClr val="12B124"/>
                 </a:solidFill>
@@ -13013,7 +12853,7 @@
               <a:t> </a:t>
             </a:r>
             <a:r>
-              <a:rPr sz="1500" i="1" spc="95" dirty="0">
+              <a:rPr i="1" spc="95" dirty="0">
                 <a:solidFill>
                   <a:srgbClr val="12B124"/>
                 </a:solidFill>
@@ -13023,7 +12863,7 @@
               <a:t> </a:t>
             </a:r>
             <a:r>
-              <a:rPr sz="1500" i="1" spc="5" dirty="0">
+              <a:rPr i="1" spc="5" dirty="0">
                 <a:solidFill>
                   <a:srgbClr val="12B124"/>
                 </a:solidFill>
@@ -13033,7 +12873,7 @@
               <a:t>‐</a:t>
             </a:r>
             <a:r>
-              <a:rPr sz="1500" i="1" dirty="0">
+              <a:rPr i="1" dirty="0">
                 <a:solidFill>
                   <a:srgbClr val="12B124"/>
                 </a:solidFill>
@@ -13042,7 +12882,7 @@
               </a:rPr>
               <a:t>‐&gt;</a:t>
             </a:r>
-            <a:endParaRPr sz="1500" dirty="0">
+            <a:endParaRPr dirty="0">
               <a:latin typeface="Consolas"/>
               <a:cs typeface="Consolas"/>
             </a:endParaRPr>
@@ -13057,14 +12897,14 @@
               </a:spcBef>
             </a:pPr>
             <a:r>
-              <a:rPr sz="1500" dirty="0">
+              <a:rPr dirty="0">
                 <a:latin typeface="Consolas"/>
                 <a:cs typeface="Consolas"/>
               </a:rPr>
               <a:t>&lt;</a:t>
             </a:r>
             <a:r>
-              <a:rPr sz="1500" b="1" spc="5" dirty="0">
+              <a:rPr b="1" spc="5" dirty="0">
                 <a:solidFill>
                   <a:srgbClr val="000080"/>
                 </a:solidFill>
@@ -13074,7 +12914,7 @@
               <a:t>butto</a:t>
             </a:r>
             <a:r>
-              <a:rPr sz="1500" b="1" dirty="0">
+              <a:rPr b="1" dirty="0">
                 <a:solidFill>
                   <a:srgbClr val="000080"/>
                 </a:solidFill>
@@ -13084,7 +12924,7 @@
               <a:t>n</a:t>
             </a:r>
             <a:r>
-              <a:rPr sz="1500" b="1" dirty="0">
+              <a:rPr b="1" dirty="0">
                 <a:solidFill>
                   <a:srgbClr val="000080"/>
                 </a:solidFill>
@@ -13094,7 +12934,7 @@
               <a:t> </a:t>
             </a:r>
             <a:r>
-              <a:rPr sz="1500" b="1" spc="90" dirty="0">
+              <a:rPr b="1" spc="90" dirty="0">
                 <a:solidFill>
                   <a:srgbClr val="000080"/>
                 </a:solidFill>
@@ -13104,14 +12944,14 @@
               <a:t> </a:t>
             </a:r>
             <a:r>
-              <a:rPr sz="1500" spc="5" dirty="0">
+              <a:rPr spc="5" dirty="0">
                 <a:latin typeface="Consolas"/>
                 <a:cs typeface="Consolas"/>
               </a:rPr>
               <a:t>class=</a:t>
             </a:r>
             <a:r>
-              <a:rPr sz="1500" b="1" spc="5" dirty="0">
+              <a:rPr b="1" spc="5" dirty="0">
                 <a:solidFill>
                   <a:srgbClr val="008000"/>
                 </a:solidFill>
@@ -13121,7 +12961,7 @@
               <a:t>"bt</a:t>
             </a:r>
             <a:r>
-              <a:rPr sz="1500" b="1" dirty="0">
+              <a:rPr b="1" dirty="0">
                 <a:solidFill>
                   <a:srgbClr val="008000"/>
                 </a:solidFill>
@@ -13131,27 +12971,27 @@
               <a:t>n</a:t>
             </a:r>
             <a:r>
-              <a:rPr sz="1500" b="1" dirty="0">
-                <a:solidFill>
-                  <a:srgbClr val="008000"/>
-                </a:solidFill>
-                <a:latin typeface="Times New Roman"/>
-                <a:cs typeface="Times New Roman"/>
-              </a:rPr>
-              <a:t> </a:t>
-            </a:r>
-            <a:r>
-              <a:rPr sz="1500" b="1" spc="85" dirty="0">
-                <a:solidFill>
-                  <a:srgbClr val="008000"/>
-                </a:solidFill>
-                <a:latin typeface="Times New Roman"/>
-                <a:cs typeface="Times New Roman"/>
-              </a:rPr>
-              <a:t> </a:t>
-            </a:r>
-            <a:r>
-              <a:rPr sz="1500" b="1" spc="5" dirty="0">
+              <a:rPr b="1" dirty="0">
+                <a:solidFill>
+                  <a:srgbClr val="008000"/>
+                </a:solidFill>
+                <a:latin typeface="Times New Roman"/>
+                <a:cs typeface="Times New Roman"/>
+              </a:rPr>
+              <a:t> </a:t>
+            </a:r>
+            <a:r>
+              <a:rPr b="1" spc="85" dirty="0">
+                <a:solidFill>
+                  <a:srgbClr val="008000"/>
+                </a:solidFill>
+                <a:latin typeface="Times New Roman"/>
+                <a:cs typeface="Times New Roman"/>
+              </a:rPr>
+              <a:t> </a:t>
+            </a:r>
+            <a:r>
+              <a:rPr b="1" spc="5" dirty="0">
                 <a:solidFill>
                   <a:srgbClr val="008000"/>
                 </a:solidFill>
@@ -13161,7 +13001,7 @@
               <a:t>bt</a:t>
             </a:r>
             <a:r>
-              <a:rPr sz="1500" b="1" spc="-5" dirty="0">
+              <a:rPr b="1" spc="-5" dirty="0">
                 <a:solidFill>
                   <a:srgbClr val="008000"/>
                 </a:solidFill>
@@ -13171,7 +13011,7 @@
               <a:t>n</a:t>
             </a:r>
             <a:r>
-              <a:rPr sz="1500" b="1" dirty="0">
+              <a:rPr b="1" dirty="0">
                 <a:solidFill>
                   <a:srgbClr val="008000"/>
                 </a:solidFill>
@@ -13181,7 +13021,7 @@
               <a:t>‐</a:t>
             </a:r>
             <a:r>
-              <a:rPr sz="1500" b="1" spc="5" dirty="0">
+              <a:rPr b="1" spc="5" dirty="0">
                 <a:solidFill>
                   <a:srgbClr val="008000"/>
                 </a:solidFill>
@@ -13190,7 +13030,7 @@
               </a:rPr>
               <a:t>success"</a:t>
             </a:r>
-            <a:endParaRPr sz="1500" dirty="0">
+            <a:endParaRPr dirty="0">
               <a:latin typeface="Consolas"/>
               <a:cs typeface="Consolas"/>
             </a:endParaRPr>
@@ -13205,7 +13045,7 @@
               </a:spcBef>
             </a:pPr>
             <a:r>
-              <a:rPr sz="1500" spc="5" dirty="0">
+              <a:rPr spc="5" dirty="0">
                 <a:solidFill>
                   <a:srgbClr val="C00000"/>
                 </a:solidFill>
@@ -13215,14 +13055,14 @@
               <a:t>(click)</a:t>
             </a:r>
             <a:r>
-              <a:rPr sz="1500" spc="5" dirty="0">
+              <a:rPr spc="5" dirty="0">
                 <a:latin typeface="Consolas"/>
                 <a:cs typeface="Consolas"/>
               </a:rPr>
               <a:t>=</a:t>
             </a:r>
             <a:r>
-              <a:rPr sz="1500" b="1" spc="5" dirty="0">
+              <a:rPr b="1" spc="5" dirty="0">
                 <a:solidFill>
                   <a:srgbClr val="008000"/>
                 </a:solidFill>
@@ -13232,7 +13072,7 @@
               <a:t>"btnClick()</a:t>
             </a:r>
             <a:r>
-              <a:rPr sz="1500" b="1" dirty="0">
+              <a:rPr b="1" dirty="0">
                 <a:solidFill>
                   <a:srgbClr val="008000"/>
                 </a:solidFill>
@@ -13242,105 +13082,105 @@
               <a:t>"</a:t>
             </a:r>
             <a:r>
-              <a:rPr sz="1500" spc="5" dirty="0">
+              <a:rPr spc="5" dirty="0">
                 <a:latin typeface="Consolas"/>
                 <a:cs typeface="Consolas"/>
               </a:rPr>
               <a:t>&gt;I</a:t>
             </a:r>
             <a:r>
-              <a:rPr sz="1500" dirty="0">
+              <a:rPr dirty="0">
                 <a:latin typeface="Consolas"/>
                 <a:cs typeface="Consolas"/>
               </a:rPr>
               <a:t>k</a:t>
             </a:r>
             <a:r>
-              <a:rPr sz="1500" dirty="0">
-                <a:latin typeface="Times New Roman"/>
-                <a:cs typeface="Times New Roman"/>
-              </a:rPr>
-              <a:t> </a:t>
-            </a:r>
-            <a:r>
-              <a:rPr sz="1500" spc="85" dirty="0">
-                <a:latin typeface="Times New Roman"/>
-                <a:cs typeface="Times New Roman"/>
-              </a:rPr>
-              <a:t> </a:t>
-            </a:r>
-            <a:r>
-              <a:rPr sz="1500" spc="5" dirty="0">
+              <a:rPr dirty="0">
+                <a:latin typeface="Times New Roman"/>
+                <a:cs typeface="Times New Roman"/>
+              </a:rPr>
+              <a:t> </a:t>
+            </a:r>
+            <a:r>
+              <a:rPr spc="85" dirty="0">
+                <a:latin typeface="Times New Roman"/>
+                <a:cs typeface="Times New Roman"/>
+              </a:rPr>
+              <a:t> </a:t>
+            </a:r>
+            <a:r>
+              <a:rPr spc="5" dirty="0">
                 <a:latin typeface="Consolas"/>
                 <a:cs typeface="Consolas"/>
               </a:rPr>
               <a:t>be</a:t>
             </a:r>
             <a:r>
-              <a:rPr sz="1500" dirty="0">
+              <a:rPr dirty="0">
                 <a:latin typeface="Consolas"/>
                 <a:cs typeface="Consolas"/>
               </a:rPr>
               <a:t>n</a:t>
             </a:r>
             <a:r>
-              <a:rPr sz="1500" dirty="0">
-                <a:latin typeface="Times New Roman"/>
-                <a:cs typeface="Times New Roman"/>
-              </a:rPr>
-              <a:t> </a:t>
-            </a:r>
-            <a:r>
-              <a:rPr sz="1500" spc="90" dirty="0">
-                <a:latin typeface="Times New Roman"/>
-                <a:cs typeface="Times New Roman"/>
-              </a:rPr>
-              <a:t> </a:t>
-            </a:r>
-            <a:r>
-              <a:rPr sz="1500" spc="5" dirty="0">
+              <a:rPr dirty="0">
+                <a:latin typeface="Times New Roman"/>
+                <a:cs typeface="Times New Roman"/>
+              </a:rPr>
+              <a:t> </a:t>
+            </a:r>
+            <a:r>
+              <a:rPr spc="90" dirty="0">
+                <a:latin typeface="Times New Roman"/>
+                <a:cs typeface="Times New Roman"/>
+              </a:rPr>
+              <a:t> </a:t>
+            </a:r>
+            <a:r>
+              <a:rPr spc="5" dirty="0">
                 <a:latin typeface="Consolas"/>
                 <a:cs typeface="Consolas"/>
               </a:rPr>
               <a:t>ee</a:t>
             </a:r>
             <a:r>
-              <a:rPr sz="1500" dirty="0">
+              <a:rPr dirty="0">
                 <a:latin typeface="Consolas"/>
                 <a:cs typeface="Consolas"/>
               </a:rPr>
               <a:t>n</a:t>
             </a:r>
             <a:r>
-              <a:rPr sz="1500" dirty="0">
-                <a:latin typeface="Times New Roman"/>
-                <a:cs typeface="Times New Roman"/>
-              </a:rPr>
-              <a:t> </a:t>
-            </a:r>
-            <a:r>
-              <a:rPr sz="1500" spc="90" dirty="0">
-                <a:latin typeface="Times New Roman"/>
-                <a:cs typeface="Times New Roman"/>
-              </a:rPr>
-              <a:t> </a:t>
-            </a:r>
-            <a:r>
-              <a:rPr sz="1500" spc="5" dirty="0">
+              <a:rPr dirty="0">
+                <a:latin typeface="Times New Roman"/>
+                <a:cs typeface="Times New Roman"/>
+              </a:rPr>
+              <a:t> </a:t>
+            </a:r>
+            <a:r>
+              <a:rPr spc="90" dirty="0">
+                <a:latin typeface="Times New Roman"/>
+                <a:cs typeface="Times New Roman"/>
+              </a:rPr>
+              <a:t> </a:t>
+            </a:r>
+            <a:r>
+              <a:rPr spc="5" dirty="0">
                 <a:latin typeface="Consolas"/>
                 <a:cs typeface="Consolas"/>
               </a:rPr>
               <a:t>button&lt;</a:t>
             </a:r>
             <a:r>
-              <a:rPr sz="1500" dirty="0">
+              <a:rPr dirty="0">
                 <a:latin typeface="Consolas"/>
                 <a:cs typeface="Consolas"/>
               </a:rPr>
               <a:t>/</a:t>
             </a:r>
             <a:r>
-              <a:rPr sz="1500" b="1" spc="5" dirty="0">
+              <a:rPr b="1" spc="5" dirty="0">
                 <a:solidFill>
                   <a:srgbClr val="000080"/>
                 </a:solidFill>
@@ -13350,7 +13190,7 @@
               <a:t>button</a:t>
             </a:r>
             <a:r>
-              <a:rPr sz="1500" dirty="0">
+              <a:rPr dirty="0">
                 <a:latin typeface="Consolas"/>
                 <a:cs typeface="Consolas"/>
               </a:rPr>
@@ -13363,7 +13203,7 @@
                 <a:spcPct val="100000"/>
               </a:lnSpc>
             </a:pPr>
-            <a:endParaRPr sz="1500" dirty="0">
+            <a:endParaRPr dirty="0">
               <a:latin typeface="Times New Roman"/>
               <a:cs typeface="Times New Roman"/>
             </a:endParaRPr>
@@ -13421,7 +13261,7 @@
               </a:spcBef>
             </a:pPr>
             <a:r>
-              <a:rPr sz="1700" b="1" spc="-5" dirty="0">
+              <a:rPr b="1" spc="-5" dirty="0">
                 <a:solidFill>
                   <a:srgbClr val="000080"/>
                 </a:solidFill>
@@ -13431,7 +13271,7 @@
               <a:t>expor</a:t>
             </a:r>
             <a:r>
-              <a:rPr sz="1700" b="1" spc="5" dirty="0">
+              <a:rPr b="1" spc="5" dirty="0">
                 <a:solidFill>
                   <a:srgbClr val="000080"/>
                 </a:solidFill>
@@ -13441,7 +13281,7 @@
               <a:t>t</a:t>
             </a:r>
             <a:r>
-              <a:rPr sz="1700" b="1" dirty="0">
+              <a:rPr b="1" dirty="0">
                 <a:solidFill>
                   <a:srgbClr val="000080"/>
                 </a:solidFill>
@@ -13451,7 +13291,7 @@
               <a:t> </a:t>
             </a:r>
             <a:r>
-              <a:rPr sz="1700" b="1" spc="90" dirty="0">
+              <a:rPr b="1" spc="90" dirty="0">
                 <a:solidFill>
                   <a:srgbClr val="000080"/>
                 </a:solidFill>
@@ -13461,7 +13301,7 @@
               <a:t> </a:t>
             </a:r>
             <a:r>
-              <a:rPr sz="1700" b="1" spc="-5" dirty="0">
+              <a:rPr b="1" spc="-5" dirty="0">
                 <a:solidFill>
                   <a:srgbClr val="000080"/>
                 </a:solidFill>
@@ -13471,7 +13311,7 @@
               <a:t>clas</a:t>
             </a:r>
             <a:r>
-              <a:rPr sz="1700" b="1" spc="5" dirty="0">
+              <a:rPr b="1" spc="5" dirty="0">
                 <a:solidFill>
                   <a:srgbClr val="000080"/>
                 </a:solidFill>
@@ -13481,7 +13321,7 @@
               <a:t>s</a:t>
             </a:r>
             <a:r>
-              <a:rPr sz="1700" b="1" dirty="0">
+              <a:rPr b="1" dirty="0">
                 <a:solidFill>
                   <a:srgbClr val="000080"/>
                 </a:solidFill>
@@ -13491,7 +13331,7 @@
               <a:t> </a:t>
             </a:r>
             <a:r>
-              <a:rPr sz="1700" b="1" spc="90" dirty="0">
+              <a:rPr b="1" spc="90" dirty="0">
                 <a:solidFill>
                   <a:srgbClr val="000080"/>
                 </a:solidFill>
@@ -13501,7 +13341,7 @@
               <a:t> </a:t>
             </a:r>
             <a:r>
-              <a:rPr sz="1700" spc="-5" dirty="0">
+              <a:rPr spc="-5" dirty="0">
                 <a:solidFill>
                   <a:srgbClr val="C00000"/>
                 </a:solidFill>
@@ -13511,7 +13351,7 @@
               <a:t>AppComponen</a:t>
             </a:r>
             <a:r>
-              <a:rPr sz="1700" spc="5" dirty="0">
+              <a:rPr spc="5" dirty="0">
                 <a:solidFill>
                   <a:srgbClr val="C00000"/>
                 </a:solidFill>
@@ -13521,27 +13361,27 @@
               <a:t>t</a:t>
             </a:r>
             <a:r>
-              <a:rPr sz="1700" dirty="0">
-                <a:latin typeface="Times New Roman"/>
-                <a:cs typeface="Times New Roman"/>
-              </a:rPr>
-              <a:t> </a:t>
-            </a:r>
-            <a:r>
-              <a:rPr sz="1700" spc="90" dirty="0">
-                <a:latin typeface="Times New Roman"/>
-                <a:cs typeface="Times New Roman"/>
-              </a:rPr>
-              <a:t> </a:t>
-            </a:r>
-            <a:r>
-              <a:rPr sz="1700" spc="5" dirty="0">
+              <a:rPr dirty="0">
+                <a:latin typeface="Times New Roman"/>
+                <a:cs typeface="Times New Roman"/>
+              </a:rPr>
+              <a:t> </a:t>
+            </a:r>
+            <a:r>
+              <a:rPr spc="90" dirty="0">
+                <a:latin typeface="Times New Roman"/>
+                <a:cs typeface="Times New Roman"/>
+              </a:rPr>
+              <a:t> </a:t>
+            </a:r>
+            <a:r>
+              <a:rPr spc="5" dirty="0">
                 <a:latin typeface="Consolas"/>
                 <a:cs typeface="Consolas"/>
               </a:rPr>
               <a:t>{</a:t>
             </a:r>
-            <a:endParaRPr sz="1700" dirty="0">
+            <a:endParaRPr dirty="0">
               <a:latin typeface="Consolas"/>
               <a:cs typeface="Consolas"/>
             </a:endParaRPr>
@@ -13556,35 +13396,35 @@
               </a:spcBef>
             </a:pPr>
             <a:r>
-              <a:rPr sz="1700" spc="-5" dirty="0">
+              <a:rPr spc="-5" dirty="0">
                 <a:latin typeface="Consolas"/>
                 <a:cs typeface="Consolas"/>
               </a:rPr>
               <a:t>counter</a:t>
             </a:r>
             <a:r>
-              <a:rPr sz="1700" spc="5" dirty="0">
+              <a:rPr spc="5" dirty="0">
                 <a:latin typeface="Consolas"/>
                 <a:cs typeface="Consolas"/>
               </a:rPr>
               <a:t>:</a:t>
             </a:r>
             <a:r>
-              <a:rPr sz="1700" dirty="0">
-                <a:latin typeface="Times New Roman"/>
-                <a:cs typeface="Times New Roman"/>
-              </a:rPr>
-              <a:t> </a:t>
-            </a:r>
-            <a:r>
-              <a:rPr sz="1700" spc="80" dirty="0">
-                <a:latin typeface="Times New Roman"/>
-                <a:cs typeface="Times New Roman"/>
-              </a:rPr>
-              <a:t> </a:t>
-            </a:r>
-            <a:r>
-              <a:rPr sz="1700" b="1" spc="-5" dirty="0">
+              <a:rPr dirty="0">
+                <a:latin typeface="Times New Roman"/>
+                <a:cs typeface="Times New Roman"/>
+              </a:rPr>
+              <a:t> </a:t>
+            </a:r>
+            <a:r>
+              <a:rPr spc="80" dirty="0">
+                <a:latin typeface="Times New Roman"/>
+                <a:cs typeface="Times New Roman"/>
+              </a:rPr>
+              <a:t> </a:t>
+            </a:r>
+            <a:r>
+              <a:rPr b="1" spc="-5" dirty="0">
                 <a:solidFill>
                   <a:srgbClr val="000080"/>
                 </a:solidFill>
@@ -13594,7 +13434,7 @@
               <a:t>numbe</a:t>
             </a:r>
             <a:r>
-              <a:rPr sz="1700" b="1" spc="5" dirty="0">
+              <a:rPr b="1" spc="5" dirty="0">
                 <a:solidFill>
                   <a:srgbClr val="000080"/>
                 </a:solidFill>
@@ -13604,7 +13444,7 @@
               <a:t>r</a:t>
             </a:r>
             <a:r>
-              <a:rPr sz="1700" b="1" dirty="0">
+              <a:rPr b="1" dirty="0">
                 <a:solidFill>
                   <a:srgbClr val="000080"/>
                 </a:solidFill>
@@ -13614,7 +13454,7 @@
               <a:t> </a:t>
             </a:r>
             <a:r>
-              <a:rPr sz="1700" b="1" spc="90" dirty="0">
+              <a:rPr b="1" spc="90" dirty="0">
                 <a:solidFill>
                   <a:srgbClr val="000080"/>
                 </a:solidFill>
@@ -13624,14 +13464,14 @@
               <a:t> </a:t>
             </a:r>
             <a:r>
-              <a:rPr sz="1700" spc="-5" dirty="0">
+              <a:rPr spc="-5" dirty="0">
                 <a:latin typeface="Consolas"/>
                 <a:cs typeface="Consolas"/>
               </a:rPr>
               <a:t>=</a:t>
             </a:r>
             <a:r>
-              <a:rPr sz="1700" dirty="0">
+              <a:rPr dirty="0">
                 <a:solidFill>
                   <a:srgbClr val="0000FF"/>
                 </a:solidFill>
@@ -13641,13 +13481,13 @@
               <a:t>0</a:t>
             </a:r>
             <a:r>
-              <a:rPr sz="1700" spc="5" dirty="0">
+              <a:rPr spc="5" dirty="0">
                 <a:latin typeface="Consolas"/>
                 <a:cs typeface="Consolas"/>
               </a:rPr>
               <a:t>;</a:t>
             </a:r>
-            <a:endParaRPr sz="1700" dirty="0">
+            <a:endParaRPr dirty="0">
               <a:latin typeface="Consolas"/>
               <a:cs typeface="Consolas"/>
             </a:endParaRPr>
@@ -13658,7 +13498,7 @@
                 <a:spcPct val="100000"/>
               </a:lnSpc>
             </a:pPr>
-            <a:endParaRPr sz="1700" dirty="0">
+            <a:endParaRPr dirty="0">
               <a:latin typeface="Times New Roman"/>
               <a:cs typeface="Times New Roman"/>
             </a:endParaRPr>
@@ -13672,7 +13512,7 @@
                 <a:spcPts val="36"/>
               </a:spcBef>
             </a:pPr>
-            <a:endParaRPr sz="1900" dirty="0">
+            <a:endParaRPr dirty="0">
               <a:latin typeface="Times New Roman"/>
               <a:cs typeface="Times New Roman"/>
             </a:endParaRPr>
@@ -13684,13 +13524,13 @@
               </a:lnSpc>
             </a:pPr>
             <a:r>
-              <a:rPr sz="1700" spc="-5" dirty="0">
+              <a:rPr spc="-5" dirty="0">
                 <a:latin typeface="Consolas"/>
                 <a:cs typeface="Consolas"/>
               </a:rPr>
               <a:t>btnClick(){</a:t>
             </a:r>
-            <a:endParaRPr sz="1700" dirty="0">
+            <a:endParaRPr dirty="0">
               <a:latin typeface="Consolas"/>
               <a:cs typeface="Consolas"/>
             </a:endParaRPr>
@@ -13705,14 +13545,14 @@
               </a:spcBef>
             </a:pPr>
             <a:r>
-              <a:rPr sz="1700" spc="-5" dirty="0">
+              <a:rPr spc="-5" dirty="0">
                 <a:latin typeface="Consolas"/>
                 <a:cs typeface="Consolas"/>
               </a:rPr>
               <a:t>alert(</a:t>
             </a:r>
             <a:r>
-              <a:rPr sz="1700" b="1" dirty="0">
+              <a:rPr b="1" dirty="0">
                 <a:solidFill>
                   <a:srgbClr val="008000"/>
                 </a:solidFill>
@@ -13722,7 +13562,7 @@
               <a:t>'J</a:t>
             </a:r>
             <a:r>
-              <a:rPr sz="1700" b="1" spc="5" dirty="0">
+              <a:rPr b="1" spc="5" dirty="0">
                 <a:solidFill>
                   <a:srgbClr val="008000"/>
                 </a:solidFill>
@@ -13732,27 +13572,27 @@
               <a:t>e</a:t>
             </a:r>
             <a:r>
-              <a:rPr sz="1700" b="1" dirty="0">
-                <a:solidFill>
-                  <a:srgbClr val="008000"/>
-                </a:solidFill>
-                <a:latin typeface="Times New Roman"/>
-                <a:cs typeface="Times New Roman"/>
-              </a:rPr>
-              <a:t> </a:t>
-            </a:r>
-            <a:r>
-              <a:rPr sz="1700" b="1" spc="85" dirty="0">
-                <a:solidFill>
-                  <a:srgbClr val="008000"/>
-                </a:solidFill>
-                <a:latin typeface="Times New Roman"/>
-                <a:cs typeface="Times New Roman"/>
-              </a:rPr>
-              <a:t> </a:t>
-            </a:r>
-            <a:r>
-              <a:rPr sz="1700" b="1" spc="-5" dirty="0">
+              <a:rPr b="1" dirty="0">
+                <a:solidFill>
+                  <a:srgbClr val="008000"/>
+                </a:solidFill>
+                <a:latin typeface="Times New Roman"/>
+                <a:cs typeface="Times New Roman"/>
+              </a:rPr>
+              <a:t> </a:t>
+            </a:r>
+            <a:r>
+              <a:rPr b="1" spc="85" dirty="0">
+                <a:solidFill>
+                  <a:srgbClr val="008000"/>
+                </a:solidFill>
+                <a:latin typeface="Times New Roman"/>
+                <a:cs typeface="Times New Roman"/>
+              </a:rPr>
+              <a:t> </a:t>
+            </a:r>
+            <a:r>
+              <a:rPr b="1" spc="-5" dirty="0">
                 <a:solidFill>
                   <a:srgbClr val="008000"/>
                 </a:solidFill>
@@ -13762,7 +13602,7 @@
               <a:t>heb</a:t>
             </a:r>
             <a:r>
-              <a:rPr sz="1700" b="1" spc="5" dirty="0">
+              <a:rPr b="1" spc="5" dirty="0">
                 <a:solidFill>
                   <a:srgbClr val="008000"/>
                 </a:solidFill>
@@ -13772,27 +13612,27 @@
               <a:t>t</a:t>
             </a:r>
             <a:r>
-              <a:rPr sz="1700" b="1" dirty="0">
-                <a:solidFill>
-                  <a:srgbClr val="008000"/>
-                </a:solidFill>
-                <a:latin typeface="Times New Roman"/>
-                <a:cs typeface="Times New Roman"/>
-              </a:rPr>
-              <a:t> </a:t>
-            </a:r>
-            <a:r>
-              <a:rPr sz="1700" b="1" spc="85" dirty="0">
-                <a:solidFill>
-                  <a:srgbClr val="008000"/>
-                </a:solidFill>
-                <a:latin typeface="Times New Roman"/>
-                <a:cs typeface="Times New Roman"/>
-              </a:rPr>
-              <a:t> </a:t>
-            </a:r>
-            <a:r>
-              <a:rPr sz="1700" b="1" spc="-5" dirty="0">
+              <a:rPr b="1" dirty="0">
+                <a:solidFill>
+                  <a:srgbClr val="008000"/>
+                </a:solidFill>
+                <a:latin typeface="Times New Roman"/>
+                <a:cs typeface="Times New Roman"/>
+              </a:rPr>
+              <a:t> </a:t>
+            </a:r>
+            <a:r>
+              <a:rPr b="1" spc="85" dirty="0">
+                <a:solidFill>
+                  <a:srgbClr val="008000"/>
+                </a:solidFill>
+                <a:latin typeface="Times New Roman"/>
+                <a:cs typeface="Times New Roman"/>
+              </a:rPr>
+              <a:t> </a:t>
+            </a:r>
+            <a:r>
+              <a:rPr b="1" spc="-5" dirty="0">
                 <a:solidFill>
                   <a:srgbClr val="008000"/>
                 </a:solidFill>
@@ -13802,42 +13642,42 @@
               <a:t>'</a:t>
             </a:r>
             <a:r>
-              <a:rPr sz="1700" spc="5" dirty="0">
+              <a:rPr spc="5" dirty="0">
                 <a:latin typeface="Consolas"/>
                 <a:cs typeface="Consolas"/>
               </a:rPr>
               <a:t>+</a:t>
             </a:r>
             <a:r>
-              <a:rPr sz="1700" dirty="0">
-                <a:latin typeface="Times New Roman"/>
-                <a:cs typeface="Times New Roman"/>
-              </a:rPr>
-              <a:t> </a:t>
-            </a:r>
-            <a:r>
-              <a:rPr sz="1700" spc="80" dirty="0">
-                <a:latin typeface="Times New Roman"/>
-                <a:cs typeface="Times New Roman"/>
-              </a:rPr>
-              <a:t> </a:t>
-            </a:r>
-            <a:r>
-              <a:rPr sz="1700" dirty="0">
+              <a:rPr dirty="0">
+                <a:latin typeface="Times New Roman"/>
+                <a:cs typeface="Times New Roman"/>
+              </a:rPr>
+              <a:t> </a:t>
+            </a:r>
+            <a:r>
+              <a:rPr spc="80" dirty="0">
+                <a:latin typeface="Times New Roman"/>
+                <a:cs typeface="Times New Roman"/>
+              </a:rPr>
+              <a:t> </a:t>
+            </a:r>
+            <a:r>
+              <a:rPr dirty="0">
                 <a:latin typeface="Consolas"/>
                 <a:cs typeface="Consolas"/>
               </a:rPr>
               <a:t>+</a:t>
             </a:r>
             <a:r>
-              <a:rPr sz="1700" spc="-5" dirty="0">
+              <a:rPr spc="-5" dirty="0">
                 <a:latin typeface="Consolas"/>
                 <a:cs typeface="Consolas"/>
               </a:rPr>
               <a:t>+</a:t>
             </a:r>
             <a:r>
-              <a:rPr sz="1700" b="1" spc="-5" dirty="0">
+              <a:rPr b="1" spc="-5" dirty="0">
                 <a:solidFill>
                   <a:srgbClr val="000080"/>
                 </a:solidFill>
@@ -13847,42 +13687,42 @@
               <a:t>this</a:t>
             </a:r>
             <a:r>
-              <a:rPr sz="1700" spc="-5" dirty="0">
+              <a:rPr spc="-5" dirty="0">
                 <a:latin typeface="Consolas"/>
                 <a:cs typeface="Consolas"/>
               </a:rPr>
               <a:t>.counte</a:t>
             </a:r>
             <a:r>
-              <a:rPr sz="1700" spc="5" dirty="0">
+              <a:rPr spc="5" dirty="0">
                 <a:latin typeface="Consolas"/>
                 <a:cs typeface="Consolas"/>
               </a:rPr>
               <a:t>r</a:t>
             </a:r>
             <a:r>
-              <a:rPr sz="1700" dirty="0">
-                <a:latin typeface="Times New Roman"/>
-                <a:cs typeface="Times New Roman"/>
-              </a:rPr>
-              <a:t> </a:t>
-            </a:r>
-            <a:r>
-              <a:rPr sz="1700" spc="90" dirty="0">
-                <a:latin typeface="Times New Roman"/>
-                <a:cs typeface="Times New Roman"/>
-              </a:rPr>
-              <a:t> </a:t>
-            </a:r>
-            <a:r>
-              <a:rPr sz="1700" spc="-10" dirty="0">
+              <a:rPr dirty="0">
+                <a:latin typeface="Times New Roman"/>
+                <a:cs typeface="Times New Roman"/>
+              </a:rPr>
+              <a:t> </a:t>
+            </a:r>
+            <a:r>
+              <a:rPr spc="90" dirty="0">
+                <a:latin typeface="Times New Roman"/>
+                <a:cs typeface="Times New Roman"/>
+              </a:rPr>
+              <a:t> </a:t>
+            </a:r>
+            <a:r>
+              <a:rPr spc="-10" dirty="0">
                 <a:latin typeface="Consolas"/>
                 <a:cs typeface="Consolas"/>
               </a:rPr>
               <a:t>+</a:t>
             </a:r>
             <a:r>
-              <a:rPr sz="1700" b="1" spc="5" dirty="0">
+              <a:rPr b="1" spc="5" dirty="0">
                 <a:solidFill>
                   <a:srgbClr val="008000"/>
                 </a:solidFill>
@@ -13892,27 +13732,27 @@
               <a:t>'</a:t>
             </a:r>
             <a:r>
-              <a:rPr sz="1700" b="1" dirty="0">
-                <a:solidFill>
-                  <a:srgbClr val="008000"/>
-                </a:solidFill>
-                <a:latin typeface="Times New Roman"/>
-                <a:cs typeface="Times New Roman"/>
-              </a:rPr>
-              <a:t> </a:t>
-            </a:r>
-            <a:r>
-              <a:rPr sz="1700" b="1" spc="80" dirty="0">
-                <a:solidFill>
-                  <a:srgbClr val="008000"/>
-                </a:solidFill>
-                <a:latin typeface="Times New Roman"/>
-                <a:cs typeface="Times New Roman"/>
-              </a:rPr>
-              <a:t> </a:t>
-            </a:r>
-            <a:r>
-              <a:rPr sz="1700" b="1" dirty="0">
+              <a:rPr b="1" dirty="0">
+                <a:solidFill>
+                  <a:srgbClr val="008000"/>
+                </a:solidFill>
+                <a:latin typeface="Times New Roman"/>
+                <a:cs typeface="Times New Roman"/>
+              </a:rPr>
+              <a:t> </a:t>
+            </a:r>
+            <a:r>
+              <a:rPr b="1" spc="80" dirty="0">
+                <a:solidFill>
+                  <a:srgbClr val="008000"/>
+                </a:solidFill>
+                <a:latin typeface="Times New Roman"/>
+                <a:cs typeface="Times New Roman"/>
+              </a:rPr>
+              <a:t> </a:t>
+            </a:r>
+            <a:r>
+              <a:rPr b="1" dirty="0">
                 <a:solidFill>
                   <a:srgbClr val="008000"/>
                 </a:solidFill>
@@ -13922,7 +13762,7 @@
               <a:t>kee</a:t>
             </a:r>
             <a:r>
-              <a:rPr sz="1700" b="1" spc="5" dirty="0">
+              <a:rPr b="1" spc="5" dirty="0">
                 <a:solidFill>
                   <a:srgbClr val="008000"/>
                 </a:solidFill>
@@ -13932,27 +13772,27 @@
               <a:t>r</a:t>
             </a:r>
             <a:r>
-              <a:rPr sz="1700" b="1" dirty="0">
-                <a:solidFill>
-                  <a:srgbClr val="008000"/>
-                </a:solidFill>
-                <a:latin typeface="Times New Roman"/>
-                <a:cs typeface="Times New Roman"/>
-              </a:rPr>
-              <a:t> </a:t>
-            </a:r>
-            <a:r>
-              <a:rPr sz="1700" b="1" spc="80" dirty="0">
-                <a:solidFill>
-                  <a:srgbClr val="008000"/>
-                </a:solidFill>
-                <a:latin typeface="Times New Roman"/>
-                <a:cs typeface="Times New Roman"/>
-              </a:rPr>
-              <a:t> </a:t>
-            </a:r>
-            <a:r>
-              <a:rPr sz="1700" b="1" spc="-5" dirty="0">
+              <a:rPr b="1" dirty="0">
+                <a:solidFill>
+                  <a:srgbClr val="008000"/>
+                </a:solidFill>
+                <a:latin typeface="Times New Roman"/>
+                <a:cs typeface="Times New Roman"/>
+              </a:rPr>
+              <a:t> </a:t>
+            </a:r>
+            <a:r>
+              <a:rPr b="1" spc="80" dirty="0">
+                <a:solidFill>
+                  <a:srgbClr val="008000"/>
+                </a:solidFill>
+                <a:latin typeface="Times New Roman"/>
+                <a:cs typeface="Times New Roman"/>
+              </a:rPr>
+              <a:t> </a:t>
+            </a:r>
+            <a:r>
+              <a:rPr b="1" spc="-5" dirty="0">
                 <a:solidFill>
                   <a:srgbClr val="008000"/>
                 </a:solidFill>
@@ -13962,7 +13802,7 @@
               <a:t>geklikt</a:t>
             </a:r>
             <a:r>
-              <a:rPr sz="1700" b="1" dirty="0">
+              <a:rPr b="1" dirty="0">
                 <a:solidFill>
                   <a:srgbClr val="008000"/>
                 </a:solidFill>
@@ -13972,13 +13812,13 @@
               <a:t>'</a:t>
             </a:r>
             <a:r>
-              <a:rPr sz="1700" spc="-5" dirty="0">
+              <a:rPr spc="-5" dirty="0">
                 <a:latin typeface="Consolas"/>
                 <a:cs typeface="Consolas"/>
               </a:rPr>
               <a:t>);</a:t>
             </a:r>
-            <a:endParaRPr sz="1700" dirty="0">
+            <a:endParaRPr dirty="0">
               <a:latin typeface="Consolas"/>
               <a:cs typeface="Consolas"/>
             </a:endParaRPr>
@@ -13993,13 +13833,13 @@
               </a:spcBef>
             </a:pPr>
             <a:r>
-              <a:rPr sz="1700" spc="5" dirty="0">
+              <a:rPr spc="5" dirty="0">
                 <a:latin typeface="Consolas"/>
                 <a:cs typeface="Consolas"/>
               </a:rPr>
               <a:t>}</a:t>
             </a:r>
-            <a:endParaRPr sz="1700" dirty="0">
+            <a:endParaRPr dirty="0">
               <a:latin typeface="Consolas"/>
               <a:cs typeface="Consolas"/>
             </a:endParaRPr>
@@ -14014,13 +13854,13 @@
               </a:spcBef>
             </a:pPr>
             <a:r>
-              <a:rPr sz="1700" spc="5" dirty="0">
+              <a:rPr spc="5" dirty="0">
                 <a:latin typeface="Consolas"/>
                 <a:cs typeface="Consolas"/>
               </a:rPr>
               <a:t>}</a:t>
             </a:r>
-            <a:endParaRPr sz="1700" dirty="0">
+            <a:endParaRPr dirty="0">
               <a:latin typeface="Consolas"/>
               <a:cs typeface="Consolas"/>
             </a:endParaRPr>
@@ -14135,7 +13975,7 @@
         <p:spPr>
           <a:xfrm>
             <a:off x="1270394" y="1250149"/>
-            <a:ext cx="8794115" cy="4408386"/>
+            <a:ext cx="9257906" cy="5150705"/>
           </a:xfrm>
           <a:prstGeom prst="rect">
             <a:avLst/>
@@ -14170,14 +14010,14 @@
               </a:spcBef>
             </a:pPr>
             <a:r>
-              <a:rPr sz="1500" dirty="0">
+              <a:rPr dirty="0">
                 <a:latin typeface="Consolas"/>
                 <a:cs typeface="Consolas"/>
               </a:rPr>
               <a:t>&lt;</a:t>
             </a:r>
             <a:r>
-              <a:rPr sz="1500" b="1" dirty="0">
+              <a:rPr b="1" dirty="0">
                 <a:solidFill>
                   <a:srgbClr val="000080"/>
                 </a:solidFill>
@@ -14187,7 +14027,7 @@
               <a:t>input</a:t>
             </a:r>
             <a:r>
-              <a:rPr sz="1500" b="1" dirty="0">
+              <a:rPr b="1" dirty="0">
                 <a:solidFill>
                   <a:srgbClr val="000080"/>
                 </a:solidFill>
@@ -14197,7 +14037,7 @@
               <a:t> </a:t>
             </a:r>
             <a:r>
-              <a:rPr sz="1500" b="1" spc="95" dirty="0">
+              <a:rPr b="1" spc="95" dirty="0">
                 <a:solidFill>
                   <a:srgbClr val="000080"/>
                 </a:solidFill>
@@ -14207,14 +14047,14 @@
               <a:t> </a:t>
             </a:r>
             <a:r>
-              <a:rPr sz="1500" dirty="0">
+              <a:rPr dirty="0">
                 <a:latin typeface="Consolas"/>
                 <a:cs typeface="Consolas"/>
               </a:rPr>
               <a:t>type=</a:t>
             </a:r>
             <a:r>
-              <a:rPr sz="1500" b="1" spc="5" dirty="0">
+              <a:rPr b="1" spc="5" dirty="0">
                 <a:solidFill>
                   <a:srgbClr val="008000"/>
                 </a:solidFill>
@@ -14224,7 +14064,7 @@
               <a:t>"text</a:t>
             </a:r>
             <a:r>
-              <a:rPr sz="1500" b="1" dirty="0">
+              <a:rPr b="1" dirty="0">
                 <a:solidFill>
                   <a:srgbClr val="008000"/>
                 </a:solidFill>
@@ -14234,41 +14074,41 @@
               <a:t>"</a:t>
             </a:r>
             <a:r>
-              <a:rPr sz="1500" b="1" dirty="0">
-                <a:solidFill>
-                  <a:srgbClr val="008000"/>
-                </a:solidFill>
-                <a:latin typeface="Times New Roman"/>
-                <a:cs typeface="Times New Roman"/>
-              </a:rPr>
-              <a:t> </a:t>
-            </a:r>
-            <a:r>
-              <a:rPr sz="1500" b="1" spc="85" dirty="0">
-                <a:solidFill>
-                  <a:srgbClr val="008000"/>
-                </a:solidFill>
-                <a:latin typeface="Times New Roman"/>
-                <a:cs typeface="Times New Roman"/>
-              </a:rPr>
-              <a:t> </a:t>
-            </a:r>
-            <a:r>
-              <a:rPr sz="1500" spc="5" dirty="0">
+              <a:rPr b="1" dirty="0">
+                <a:solidFill>
+                  <a:srgbClr val="008000"/>
+                </a:solidFill>
+                <a:latin typeface="Times New Roman"/>
+                <a:cs typeface="Times New Roman"/>
+              </a:rPr>
+              <a:t> </a:t>
+            </a:r>
+            <a:r>
+              <a:rPr b="1" spc="85" dirty="0">
+                <a:solidFill>
+                  <a:srgbClr val="008000"/>
+                </a:solidFill>
+                <a:latin typeface="Times New Roman"/>
+                <a:cs typeface="Times New Roman"/>
+              </a:rPr>
+              <a:t> </a:t>
+            </a:r>
+            <a:r>
+              <a:rPr spc="5" dirty="0">
                 <a:latin typeface="Consolas"/>
                 <a:cs typeface="Consolas"/>
               </a:rPr>
               <a:t>class</a:t>
             </a:r>
             <a:r>
-              <a:rPr sz="1500" dirty="0">
+              <a:rPr dirty="0">
                 <a:latin typeface="Consolas"/>
                 <a:cs typeface="Consolas"/>
               </a:rPr>
               <a:t>=</a:t>
             </a:r>
             <a:r>
-              <a:rPr sz="1500" b="1" spc="5" dirty="0">
+              <a:rPr b="1" spc="5" dirty="0">
                 <a:solidFill>
                   <a:srgbClr val="008000"/>
                 </a:solidFill>
@@ -14278,7 +14118,7 @@
               <a:t>"input</a:t>
             </a:r>
             <a:r>
-              <a:rPr sz="1500" b="1" dirty="0">
+              <a:rPr b="1" dirty="0">
                 <a:solidFill>
                   <a:srgbClr val="008000"/>
                 </a:solidFill>
@@ -14288,7 +14128,7 @@
               <a:t>‐</a:t>
             </a:r>
             <a:r>
-              <a:rPr sz="1500" b="1" spc="5" dirty="0">
+              <a:rPr b="1" spc="5" dirty="0">
                 <a:solidFill>
                   <a:srgbClr val="008000"/>
                 </a:solidFill>
@@ -14298,7 +14138,7 @@
               <a:t>lg</a:t>
             </a:r>
             <a:r>
-              <a:rPr sz="1500" b="1" dirty="0">
+              <a:rPr b="1" dirty="0">
                 <a:solidFill>
                   <a:srgbClr val="008000"/>
                 </a:solidFill>
@@ -14308,54 +14148,74 @@
               <a:t>"</a:t>
             </a:r>
             <a:r>
-              <a:rPr sz="1500" b="1" dirty="0">
-                <a:solidFill>
-                  <a:srgbClr val="008000"/>
-                </a:solidFill>
-                <a:latin typeface="Times New Roman"/>
-                <a:cs typeface="Times New Roman"/>
-              </a:rPr>
-              <a:t> </a:t>
-            </a:r>
-            <a:r>
-              <a:rPr sz="1500" b="1" spc="90" dirty="0">
-                <a:solidFill>
-                  <a:srgbClr val="008000"/>
-                </a:solidFill>
-                <a:latin typeface="Times New Roman"/>
-                <a:cs typeface="Times New Roman"/>
-              </a:rPr>
-              <a:t> </a:t>
-            </a:r>
-            <a:r>
-              <a:rPr sz="1500" spc="5" dirty="0">
+              <a:rPr b="1" dirty="0">
+                <a:solidFill>
+                  <a:srgbClr val="008000"/>
+                </a:solidFill>
+                <a:latin typeface="Times New Roman"/>
+                <a:cs typeface="Times New Roman"/>
+              </a:rPr>
+              <a:t> </a:t>
+            </a:r>
+            <a:r>
+              <a:rPr b="1" spc="90" dirty="0">
+                <a:solidFill>
+                  <a:srgbClr val="008000"/>
+                </a:solidFill>
+                <a:latin typeface="Times New Roman"/>
+                <a:cs typeface="Times New Roman"/>
+              </a:rPr>
+              <a:t> </a:t>
+            </a:r>
+            <a:r>
+              <a:rPr spc="5" dirty="0">
                 <a:latin typeface="Consolas"/>
                 <a:cs typeface="Consolas"/>
               </a:rPr>
               <a:t>placeholder=</a:t>
             </a:r>
             <a:r>
-              <a:rPr sz="1500" b="1" spc="5" dirty="0">
-                <a:solidFill>
-                  <a:srgbClr val="008000"/>
-                </a:solidFill>
-                <a:latin typeface="Consolas"/>
-                <a:cs typeface="Consolas"/>
-              </a:rPr>
-              <a:t>"Plaatsnaam..."</a:t>
-            </a:r>
-            <a:r>
-              <a:rPr sz="1500" b="1" spc="5" dirty="0">
-                <a:solidFill>
-                  <a:srgbClr val="008000"/>
-                </a:solidFill>
-                <a:latin typeface="Times New Roman"/>
-                <a:cs typeface="Times New Roman"/>
-              </a:rPr>
-              <a:t> </a:t>
-            </a:r>
-            <a:r>
-              <a:rPr sz="1500" spc="5" dirty="0">
+              <a:rPr b="1" spc="5" dirty="0">
+                <a:solidFill>
+                  <a:srgbClr val="008000"/>
+                </a:solidFill>
+                <a:latin typeface="Consolas"/>
+                <a:cs typeface="Consolas"/>
+              </a:rPr>
+              <a:t>"</a:t>
+            </a:r>
+            <a:r>
+              <a:rPr b="1" spc="5" dirty="0" err="1">
+                <a:solidFill>
+                  <a:srgbClr val="008000"/>
+                </a:solidFill>
+                <a:latin typeface="Consolas"/>
+                <a:cs typeface="Consolas"/>
+              </a:rPr>
+              <a:t>Plaatsnaam</a:t>
+            </a:r>
+            <a:r>
+              <a:rPr b="1" spc="5" dirty="0">
+                <a:solidFill>
+                  <a:srgbClr val="008000"/>
+                </a:solidFill>
+                <a:latin typeface="Consolas"/>
+                <a:cs typeface="Consolas"/>
+              </a:rPr>
+              <a:t>..."</a:t>
+            </a:r>
+            <a:r>
+              <a:rPr lang="en-NL" b="1" spc="5" dirty="0">
+                <a:solidFill>
+                  <a:srgbClr val="008000"/>
+                </a:solidFill>
+                <a:latin typeface="Times New Roman"/>
+                <a:cs typeface="Times New Roman"/>
+              </a:rPr>
+              <a:t> </a:t>
+            </a:r>
+            <a:r>
+              <a:rPr spc="5" dirty="0">
                 <a:solidFill>
                   <a:srgbClr val="C00000"/>
                 </a:solidFill>
@@ -14365,14 +14225,14 @@
               <a:t>(keyup)</a:t>
             </a:r>
             <a:r>
-              <a:rPr sz="1500" spc="5" dirty="0">
+              <a:rPr spc="5" dirty="0">
                 <a:latin typeface="Consolas"/>
                 <a:cs typeface="Consolas"/>
               </a:rPr>
               <a:t>=</a:t>
             </a:r>
             <a:r>
-              <a:rPr sz="1500" b="1" spc="5" dirty="0">
+              <a:rPr b="1" spc="5" dirty="0">
                 <a:solidFill>
                   <a:srgbClr val="008000"/>
                 </a:solidFill>
@@ -14382,7 +14242,7 @@
               <a:t>"onKeyUp(</a:t>
             </a:r>
             <a:r>
-              <a:rPr sz="1500" b="1" spc="5" dirty="0">
+              <a:rPr b="1" spc="5" dirty="0">
                 <a:solidFill>
                   <a:srgbClr val="C00000"/>
                 </a:solidFill>
@@ -14392,7 +14252,7 @@
               <a:t>$event</a:t>
             </a:r>
             <a:r>
-              <a:rPr sz="1500" b="1" spc="5" dirty="0">
+              <a:rPr b="1" spc="5" dirty="0">
                 <a:solidFill>
                   <a:srgbClr val="008000"/>
                 </a:solidFill>
@@ -14402,24 +14262,7 @@
               <a:t>)"</a:t>
             </a:r>
             <a:r>
-              <a:rPr sz="1500" dirty="0">
-                <a:latin typeface="Consolas"/>
-                <a:cs typeface="Consolas"/>
-              </a:rPr>
-              <a:t>&gt;&lt;</a:t>
-            </a:r>
-            <a:r>
-              <a:rPr sz="1500" b="1" spc="5" dirty="0">
-                <a:solidFill>
-                  <a:srgbClr val="000080"/>
-                </a:solidFill>
-                <a:latin typeface="Consolas"/>
-                <a:cs typeface="Consolas"/>
-              </a:rPr>
-              <a:t>br</a:t>
-            </a:r>
-            <a:r>
-              <a:rPr sz="1500" dirty="0">
+              <a:rPr dirty="0">
                 <a:latin typeface="Consolas"/>
                 <a:cs typeface="Consolas"/>
               </a:rPr>
@@ -14436,14 +14279,14 @@
               </a:spcBef>
             </a:pPr>
             <a:r>
-              <a:rPr sz="1500" dirty="0">
+              <a:rPr dirty="0">
                 <a:latin typeface="Consolas"/>
                 <a:cs typeface="Consolas"/>
               </a:rPr>
               <a:t>&lt;</a:t>
             </a:r>
             <a:r>
-              <a:rPr sz="1500" b="1" dirty="0">
+              <a:rPr b="1" dirty="0">
                 <a:solidFill>
                   <a:srgbClr val="000080"/>
                 </a:solidFill>
@@ -14453,49 +14296,42 @@
               <a:t>p</a:t>
             </a:r>
             <a:r>
-              <a:rPr sz="1500" spc="5" dirty="0">
+              <a:rPr spc="5" dirty="0">
                 <a:latin typeface="Consolas"/>
                 <a:cs typeface="Consolas"/>
               </a:rPr>
               <a:t>&gt;{</a:t>
             </a:r>
             <a:r>
-              <a:rPr sz="1500" dirty="0">
+              <a:rPr dirty="0">
                 <a:latin typeface="Consolas"/>
                 <a:cs typeface="Consolas"/>
               </a:rPr>
               <a:t>{</a:t>
             </a:r>
             <a:r>
-              <a:rPr sz="1500" dirty="0">
-                <a:latin typeface="Times New Roman"/>
-                <a:cs typeface="Times New Roman"/>
-              </a:rPr>
-              <a:t> </a:t>
-            </a:r>
-            <a:r>
-              <a:rPr sz="1500" spc="90" dirty="0">
-                <a:latin typeface="Times New Roman"/>
-                <a:cs typeface="Times New Roman"/>
-              </a:rPr>
-              <a:t> </a:t>
-            </a:r>
-            <a:r>
-              <a:rPr sz="1500" spc="5" dirty="0">
-                <a:latin typeface="Consolas"/>
-                <a:cs typeface="Consolas"/>
-              </a:rPr>
-              <a:t>txtKeyUp}}&lt;</a:t>
-            </a:r>
-            <a:r>
-              <a:rPr sz="1500" spc="-5" dirty="0">
+              <a:rPr spc="5" dirty="0" err="1">
+                <a:latin typeface="Consolas"/>
+                <a:cs typeface="Consolas"/>
+              </a:rPr>
+              <a:t>txtKeyUp</a:t>
+            </a:r>
+            <a:r>
+              <a:rPr spc="5" dirty="0">
+                <a:latin typeface="Consolas"/>
+                <a:cs typeface="Consolas"/>
+              </a:rPr>
+              <a:t>}}&lt;</a:t>
+            </a:r>
+            <a:r>
+              <a:rPr spc="-5" dirty="0">
                 <a:latin typeface="Consolas"/>
                 <a:cs typeface="Consolas"/>
               </a:rPr>
               <a:t>/</a:t>
             </a:r>
             <a:r>
-              <a:rPr sz="1500" b="1" dirty="0">
+              <a:rPr b="1" dirty="0">
                 <a:solidFill>
                   <a:srgbClr val="000080"/>
                 </a:solidFill>
@@ -14505,7 +14341,7 @@
               <a:t>p</a:t>
             </a:r>
             <a:r>
-              <a:rPr sz="1500" dirty="0">
+              <a:rPr dirty="0">
                 <a:latin typeface="Consolas"/>
                 <a:cs typeface="Consolas"/>
               </a:rPr>
@@ -14870,14 +14706,14 @@
               </a:spcBef>
             </a:pPr>
             <a:r>
-              <a:rPr sz="1500" spc="5" dirty="0">
+              <a:rPr spc="5" dirty="0">
                 <a:latin typeface="Consolas"/>
                 <a:cs typeface="Consolas"/>
               </a:rPr>
               <a:t>onKeyUp(</a:t>
             </a:r>
             <a:r>
-              <a:rPr sz="1500" spc="5" dirty="0">
+              <a:rPr spc="5" dirty="0">
                 <a:highlight>
                   <a:srgbClr val="FFFF00"/>
                 </a:highlight>
@@ -14887,7 +14723,7 @@
               <a:t>event:</a:t>
             </a:r>
             <a:r>
-              <a:rPr sz="1500" b="1" dirty="0">
+              <a:rPr b="1" dirty="0">
                 <a:solidFill>
                   <a:srgbClr val="000080"/>
                 </a:solidFill>
@@ -14900,7 +14736,7 @@
               <a:t>an</a:t>
             </a:r>
             <a:r>
-              <a:rPr sz="1500" b="1" spc="5" dirty="0">
+              <a:rPr b="1" spc="5" dirty="0">
                 <a:solidFill>
                   <a:srgbClr val="000080"/>
                 </a:solidFill>
@@ -14913,7 +14749,7 @@
               <a:t>y</a:t>
             </a:r>
             <a:r>
-              <a:rPr sz="1500" dirty="0">
+              <a:rPr dirty="0">
                 <a:latin typeface="Consolas"/>
                 <a:cs typeface="Consolas"/>
               </a:rPr>
@@ -14930,7 +14766,7 @@
               </a:spcBef>
             </a:pPr>
             <a:r>
-              <a:rPr sz="1500" b="1" spc="5" dirty="0">
+              <a:rPr b="1" spc="5" dirty="0">
                 <a:solidFill>
                   <a:srgbClr val="000080"/>
                 </a:solidFill>
@@ -14940,105 +14776,105 @@
               <a:t>this</a:t>
             </a:r>
             <a:r>
-              <a:rPr sz="1500" spc="5" dirty="0">
+              <a:rPr spc="5" dirty="0">
                 <a:latin typeface="Consolas"/>
                 <a:cs typeface="Consolas"/>
               </a:rPr>
               <a:t>.txtKeyU</a:t>
             </a:r>
             <a:r>
-              <a:rPr sz="1500" dirty="0">
+              <a:rPr dirty="0">
                 <a:latin typeface="Consolas"/>
                 <a:cs typeface="Consolas"/>
               </a:rPr>
               <a:t>p</a:t>
             </a:r>
             <a:r>
-              <a:rPr sz="1500" dirty="0">
-                <a:latin typeface="Times New Roman"/>
-                <a:cs typeface="Times New Roman"/>
-              </a:rPr>
-              <a:t> </a:t>
-            </a:r>
-            <a:r>
-              <a:rPr sz="1500" spc="90" dirty="0">
-                <a:latin typeface="Times New Roman"/>
-                <a:cs typeface="Times New Roman"/>
-              </a:rPr>
-              <a:t> </a:t>
-            </a:r>
-            <a:r>
-              <a:rPr sz="1500" dirty="0">
+              <a:rPr dirty="0">
+                <a:latin typeface="Times New Roman"/>
+                <a:cs typeface="Times New Roman"/>
+              </a:rPr>
+              <a:t> </a:t>
+            </a:r>
+            <a:r>
+              <a:rPr spc="90" dirty="0">
+                <a:latin typeface="Times New Roman"/>
+                <a:cs typeface="Times New Roman"/>
+              </a:rPr>
+              <a:t> </a:t>
+            </a:r>
+            <a:r>
+              <a:rPr dirty="0">
                 <a:latin typeface="Consolas"/>
                 <a:cs typeface="Consolas"/>
               </a:rPr>
               <a:t>=</a:t>
             </a:r>
             <a:r>
-              <a:rPr sz="1500" dirty="0">
-                <a:latin typeface="Times New Roman"/>
-                <a:cs typeface="Times New Roman"/>
-              </a:rPr>
-              <a:t> </a:t>
-            </a:r>
-            <a:r>
-              <a:rPr sz="1500" spc="85" dirty="0">
-                <a:latin typeface="Times New Roman"/>
-                <a:cs typeface="Times New Roman"/>
-              </a:rPr>
-              <a:t> </a:t>
-            </a:r>
-            <a:r>
-              <a:rPr sz="1500" spc="5" dirty="0">
+              <a:rPr dirty="0">
+                <a:latin typeface="Times New Roman"/>
+                <a:cs typeface="Times New Roman"/>
+              </a:rPr>
+              <a:t> </a:t>
+            </a:r>
+            <a:r>
+              <a:rPr spc="85" dirty="0">
+                <a:latin typeface="Times New Roman"/>
+                <a:cs typeface="Times New Roman"/>
+              </a:rPr>
+              <a:t> </a:t>
+            </a:r>
+            <a:r>
+              <a:rPr spc="5" dirty="0">
                 <a:latin typeface="Consolas"/>
                 <a:cs typeface="Consolas"/>
               </a:rPr>
               <a:t>event.target.valu</a:t>
             </a:r>
             <a:r>
-              <a:rPr sz="1500" dirty="0">
+              <a:rPr dirty="0">
                 <a:latin typeface="Consolas"/>
                 <a:cs typeface="Consolas"/>
               </a:rPr>
               <a:t>e</a:t>
             </a:r>
             <a:r>
-              <a:rPr sz="1500" dirty="0">
-                <a:latin typeface="Times New Roman"/>
-                <a:cs typeface="Times New Roman"/>
-              </a:rPr>
-              <a:t> </a:t>
-            </a:r>
-            <a:r>
-              <a:rPr sz="1500" spc="85" dirty="0">
-                <a:latin typeface="Times New Roman"/>
-                <a:cs typeface="Times New Roman"/>
-              </a:rPr>
-              <a:t> </a:t>
-            </a:r>
-            <a:r>
-              <a:rPr sz="1500" dirty="0">
+              <a:rPr dirty="0">
+                <a:latin typeface="Times New Roman"/>
+                <a:cs typeface="Times New Roman"/>
+              </a:rPr>
+              <a:t> </a:t>
+            </a:r>
+            <a:r>
+              <a:rPr spc="85" dirty="0">
+                <a:latin typeface="Times New Roman"/>
+                <a:cs typeface="Times New Roman"/>
+              </a:rPr>
+              <a:t> </a:t>
+            </a:r>
+            <a:r>
+              <a:rPr dirty="0">
                 <a:latin typeface="Consolas"/>
                 <a:cs typeface="Consolas"/>
               </a:rPr>
               <a:t>+</a:t>
             </a:r>
             <a:r>
-              <a:rPr sz="1500" dirty="0">
-                <a:latin typeface="Times New Roman"/>
-                <a:cs typeface="Times New Roman"/>
-              </a:rPr>
-              <a:t> </a:t>
-            </a:r>
-            <a:r>
-              <a:rPr sz="1500" spc="85" dirty="0">
-                <a:latin typeface="Times New Roman"/>
-                <a:cs typeface="Times New Roman"/>
-              </a:rPr>
-              <a:t> </a:t>
-            </a:r>
-            <a:r>
-              <a:rPr sz="1500" b="1" dirty="0">
+              <a:rPr dirty="0">
+                <a:latin typeface="Times New Roman"/>
+                <a:cs typeface="Times New Roman"/>
+              </a:rPr>
+              <a:t> </a:t>
+            </a:r>
+            <a:r>
+              <a:rPr spc="85" dirty="0">
+                <a:latin typeface="Times New Roman"/>
+                <a:cs typeface="Times New Roman"/>
+              </a:rPr>
+              <a:t> </a:t>
+            </a:r>
+            <a:r>
+              <a:rPr b="1" dirty="0">
                 <a:solidFill>
                   <a:srgbClr val="008000"/>
                 </a:solidFill>
@@ -15048,27 +14884,27 @@
               <a:t>'</a:t>
             </a:r>
             <a:r>
-              <a:rPr sz="1500" b="1" dirty="0">
-                <a:solidFill>
-                  <a:srgbClr val="008000"/>
-                </a:solidFill>
-                <a:latin typeface="Times New Roman"/>
-                <a:cs typeface="Times New Roman"/>
-              </a:rPr>
-              <a:t> </a:t>
-            </a:r>
-            <a:r>
-              <a:rPr sz="1500" b="1" spc="95" dirty="0">
-                <a:solidFill>
-                  <a:srgbClr val="008000"/>
-                </a:solidFill>
-                <a:latin typeface="Times New Roman"/>
-                <a:cs typeface="Times New Roman"/>
-              </a:rPr>
-              <a:t> </a:t>
-            </a:r>
-            <a:r>
-              <a:rPr sz="1500" b="1" dirty="0">
+              <a:rPr b="1" dirty="0">
+                <a:solidFill>
+                  <a:srgbClr val="008000"/>
+                </a:solidFill>
+                <a:latin typeface="Times New Roman"/>
+                <a:cs typeface="Times New Roman"/>
+              </a:rPr>
+              <a:t> </a:t>
+            </a:r>
+            <a:r>
+              <a:rPr b="1" spc="95" dirty="0">
+                <a:solidFill>
+                  <a:srgbClr val="008000"/>
+                </a:solidFill>
+                <a:latin typeface="Times New Roman"/>
+                <a:cs typeface="Times New Roman"/>
+              </a:rPr>
+              <a:t> </a:t>
+            </a:r>
+            <a:r>
+              <a:rPr b="1" dirty="0">
                 <a:solidFill>
                   <a:srgbClr val="008000"/>
                 </a:solidFill>
@@ -15078,17 +14914,17 @@
               <a:t>‐</a:t>
             </a:r>
             <a:r>
-              <a:rPr sz="1500" b="1" spc="10" dirty="0">
-                <a:solidFill>
-                  <a:srgbClr val="008000"/>
-                </a:solidFill>
-                <a:latin typeface="Consolas"/>
-                <a:cs typeface="Consolas"/>
-              </a:rPr>
-              <a:t> </a:t>
-            </a:r>
-            <a:r>
-              <a:rPr sz="1500" b="1" spc="5" dirty="0">
+              <a:rPr b="1" spc="10" dirty="0">
+                <a:solidFill>
+                  <a:srgbClr val="008000"/>
+                </a:solidFill>
+                <a:latin typeface="Consolas"/>
+                <a:cs typeface="Consolas"/>
+              </a:rPr>
+              <a:t> </a:t>
+            </a:r>
+            <a:r>
+              <a:rPr b="1" spc="5" dirty="0">
                 <a:solidFill>
                   <a:srgbClr val="008000"/>
                 </a:solidFill>
@@ -15098,7 +14934,7 @@
               <a:t>'</a:t>
             </a:r>
             <a:r>
-              <a:rPr sz="1500" dirty="0">
+              <a:rPr dirty="0">
                 <a:latin typeface="Consolas"/>
                 <a:cs typeface="Consolas"/>
               </a:rPr>
@@ -15115,7 +14951,7 @@
               </a:spcBef>
             </a:pPr>
             <a:r>
-              <a:rPr sz="1500" dirty="0">
+              <a:rPr dirty="0">
                 <a:latin typeface="Consolas"/>
                 <a:cs typeface="Consolas"/>
               </a:rPr>
@@ -17407,7 +17243,7 @@
         <p:spPr>
           <a:xfrm>
             <a:off x="1270394" y="1250149"/>
-            <a:ext cx="8266430" cy="5283200"/>
+            <a:ext cx="8266430" cy="6258508"/>
           </a:xfrm>
           <a:prstGeom prst="rect">
             <a:avLst/>
@@ -17442,14 +17278,14 @@
               </a:spcBef>
             </a:pPr>
             <a:r>
-              <a:rPr sz="1500" dirty="0">
+              <a:rPr dirty="0">
                 <a:latin typeface="Consolas"/>
                 <a:cs typeface="Consolas"/>
               </a:rPr>
               <a:t>&lt;</a:t>
             </a:r>
             <a:r>
-              <a:rPr sz="1500" b="1" dirty="0">
+              <a:rPr b="1" dirty="0">
                 <a:solidFill>
                   <a:srgbClr val="000080"/>
                 </a:solidFill>
@@ -17459,7 +17295,7 @@
               <a:t>input</a:t>
             </a:r>
             <a:r>
-              <a:rPr sz="1500" b="1" dirty="0">
+              <a:rPr b="1" dirty="0">
                 <a:solidFill>
                   <a:srgbClr val="000080"/>
                 </a:solidFill>
@@ -17469,7 +17305,7 @@
               <a:t> </a:t>
             </a:r>
             <a:r>
-              <a:rPr sz="1500" b="1" spc="95" dirty="0">
+              <a:rPr b="1" spc="95" dirty="0">
                 <a:solidFill>
                   <a:srgbClr val="000080"/>
                 </a:solidFill>
@@ -17479,14 +17315,14 @@
               <a:t> </a:t>
             </a:r>
             <a:r>
-              <a:rPr sz="1500" dirty="0">
+              <a:rPr dirty="0">
                 <a:latin typeface="Consolas"/>
                 <a:cs typeface="Consolas"/>
               </a:rPr>
               <a:t>type=</a:t>
             </a:r>
             <a:r>
-              <a:rPr sz="1500" b="1" spc="5" dirty="0">
+              <a:rPr b="1" spc="5" dirty="0">
                 <a:solidFill>
                   <a:srgbClr val="008000"/>
                 </a:solidFill>
@@ -17496,7 +17332,7 @@
               <a:t>"text</a:t>
             </a:r>
             <a:r>
-              <a:rPr sz="1500" b="1" dirty="0">
+              <a:rPr b="1" dirty="0">
                 <a:solidFill>
                   <a:srgbClr val="008000"/>
                 </a:solidFill>
@@ -17506,41 +17342,41 @@
               <a:t>"</a:t>
             </a:r>
             <a:r>
-              <a:rPr sz="1500" b="1" dirty="0">
-                <a:solidFill>
-                  <a:srgbClr val="008000"/>
-                </a:solidFill>
-                <a:latin typeface="Times New Roman"/>
-                <a:cs typeface="Times New Roman"/>
-              </a:rPr>
-              <a:t> </a:t>
-            </a:r>
-            <a:r>
-              <a:rPr sz="1500" b="1" spc="85" dirty="0">
-                <a:solidFill>
-                  <a:srgbClr val="008000"/>
-                </a:solidFill>
-                <a:latin typeface="Times New Roman"/>
-                <a:cs typeface="Times New Roman"/>
-              </a:rPr>
-              <a:t> </a:t>
-            </a:r>
-            <a:r>
-              <a:rPr sz="1500" spc="5" dirty="0">
+              <a:rPr b="1" dirty="0">
+                <a:solidFill>
+                  <a:srgbClr val="008000"/>
+                </a:solidFill>
+                <a:latin typeface="Times New Roman"/>
+                <a:cs typeface="Times New Roman"/>
+              </a:rPr>
+              <a:t> </a:t>
+            </a:r>
+            <a:r>
+              <a:rPr b="1" spc="85" dirty="0">
+                <a:solidFill>
+                  <a:srgbClr val="008000"/>
+                </a:solidFill>
+                <a:latin typeface="Times New Roman"/>
+                <a:cs typeface="Times New Roman"/>
+              </a:rPr>
+              <a:t> </a:t>
+            </a:r>
+            <a:r>
+              <a:rPr spc="5" dirty="0">
                 <a:latin typeface="Consolas"/>
                 <a:cs typeface="Consolas"/>
               </a:rPr>
               <a:t>class</a:t>
             </a:r>
             <a:r>
-              <a:rPr sz="1500" dirty="0">
+              <a:rPr dirty="0">
                 <a:latin typeface="Consolas"/>
                 <a:cs typeface="Consolas"/>
               </a:rPr>
               <a:t>=</a:t>
             </a:r>
             <a:r>
-              <a:rPr sz="1500" b="1" spc="5" dirty="0">
+              <a:rPr b="1" spc="5" dirty="0">
                 <a:solidFill>
                   <a:srgbClr val="008000"/>
                 </a:solidFill>
@@ -17550,7 +17386,7 @@
               <a:t>"input</a:t>
             </a:r>
             <a:r>
-              <a:rPr sz="1500" b="1" dirty="0">
+              <a:rPr b="1" dirty="0">
                 <a:solidFill>
                   <a:srgbClr val="008000"/>
                 </a:solidFill>
@@ -17560,7 +17396,7 @@
               <a:t>‐</a:t>
             </a:r>
             <a:r>
-              <a:rPr sz="1500" b="1" spc="5" dirty="0">
+              <a:rPr b="1" spc="5" dirty="0">
                 <a:solidFill>
                   <a:srgbClr val="008000"/>
                 </a:solidFill>
@@ -17570,7 +17406,7 @@
               <a:t>lg</a:t>
             </a:r>
             <a:r>
-              <a:rPr sz="1500" b="1" dirty="0">
+              <a:rPr b="1" dirty="0">
                 <a:solidFill>
                   <a:srgbClr val="008000"/>
                 </a:solidFill>
@@ -17580,34 +17416,34 @@
               <a:t>"</a:t>
             </a:r>
             <a:r>
-              <a:rPr sz="1500" b="1" dirty="0">
-                <a:solidFill>
-                  <a:srgbClr val="008000"/>
-                </a:solidFill>
-                <a:latin typeface="Times New Roman"/>
-                <a:cs typeface="Times New Roman"/>
-              </a:rPr>
-              <a:t> </a:t>
-            </a:r>
-            <a:r>
-              <a:rPr sz="1500" b="1" spc="90" dirty="0">
-                <a:solidFill>
-                  <a:srgbClr val="008000"/>
-                </a:solidFill>
-                <a:latin typeface="Times New Roman"/>
-                <a:cs typeface="Times New Roman"/>
-              </a:rPr>
-              <a:t> </a:t>
-            </a:r>
-            <a:r>
-              <a:rPr sz="1500" spc="5" dirty="0">
+              <a:rPr b="1" dirty="0">
+                <a:solidFill>
+                  <a:srgbClr val="008000"/>
+                </a:solidFill>
+                <a:latin typeface="Times New Roman"/>
+                <a:cs typeface="Times New Roman"/>
+              </a:rPr>
+              <a:t> </a:t>
+            </a:r>
+            <a:r>
+              <a:rPr b="1" spc="90" dirty="0">
+                <a:solidFill>
+                  <a:srgbClr val="008000"/>
+                </a:solidFill>
+                <a:latin typeface="Times New Roman"/>
+                <a:cs typeface="Times New Roman"/>
+              </a:rPr>
+              <a:t> </a:t>
+            </a:r>
+            <a:r>
+              <a:rPr spc="5" dirty="0">
                 <a:latin typeface="Consolas"/>
                 <a:cs typeface="Consolas"/>
               </a:rPr>
               <a:t>placeholder=</a:t>
             </a:r>
             <a:r>
-              <a:rPr sz="1500" b="1" spc="5" dirty="0">
+              <a:rPr b="1" spc="5" dirty="0">
                 <a:solidFill>
                   <a:srgbClr val="008000"/>
                 </a:solidFill>
@@ -17617,7 +17453,7 @@
               <a:t>"Plaatsnaam...</a:t>
             </a:r>
             <a:r>
-              <a:rPr sz="1500" b="1" dirty="0">
+              <a:rPr b="1" dirty="0">
                 <a:solidFill>
                   <a:srgbClr val="008000"/>
                 </a:solidFill>
@@ -17627,27 +17463,27 @@
               <a:t>"</a:t>
             </a:r>
             <a:r>
-              <a:rPr sz="1500" b="1" dirty="0">
-                <a:solidFill>
-                  <a:srgbClr val="008000"/>
-                </a:solidFill>
-                <a:latin typeface="Times New Roman"/>
-                <a:cs typeface="Times New Roman"/>
-              </a:rPr>
-              <a:t> </a:t>
-            </a:r>
-            <a:r>
-              <a:rPr sz="1500" b="1" spc="85" dirty="0">
-                <a:solidFill>
-                  <a:srgbClr val="008000"/>
-                </a:solidFill>
-                <a:latin typeface="Times New Roman"/>
-                <a:cs typeface="Times New Roman"/>
-              </a:rPr>
-              <a:t> </a:t>
-            </a:r>
-            <a:r>
-              <a:rPr sz="1500" b="1" spc="5" dirty="0">
+              <a:rPr b="1" dirty="0">
+                <a:solidFill>
+                  <a:srgbClr val="008000"/>
+                </a:solidFill>
+                <a:latin typeface="Times New Roman"/>
+                <a:cs typeface="Times New Roman"/>
+              </a:rPr>
+              <a:t> </a:t>
+            </a:r>
+            <a:r>
+              <a:rPr b="1" spc="85" dirty="0">
+                <a:solidFill>
+                  <a:srgbClr val="008000"/>
+                </a:solidFill>
+                <a:latin typeface="Times New Roman"/>
+                <a:cs typeface="Times New Roman"/>
+              </a:rPr>
+              <a:t> </a:t>
+            </a:r>
+            <a:r>
+              <a:rPr b="1" spc="5" dirty="0">
                 <a:solidFill>
                   <a:srgbClr val="C00000"/>
                 </a:solidFill>
@@ -17660,13 +17496,13 @@
               <a:t>#txtCity</a:t>
             </a:r>
             <a:r>
-              <a:rPr sz="1500" spc="5" dirty="0">
+              <a:rPr spc="5" dirty="0">
                 <a:latin typeface="Consolas"/>
                 <a:cs typeface="Consolas"/>
               </a:rPr>
               <a:t>&gt;</a:t>
             </a:r>
-            <a:endParaRPr sz="1500" dirty="0">
+            <a:endParaRPr dirty="0">
               <a:latin typeface="Consolas"/>
               <a:cs typeface="Consolas"/>
             </a:endParaRPr>
@@ -17681,14 +17517,14 @@
               </a:spcBef>
             </a:pPr>
             <a:r>
-              <a:rPr sz="1500" dirty="0">
+              <a:rPr dirty="0">
                 <a:latin typeface="Consolas"/>
                 <a:cs typeface="Consolas"/>
               </a:rPr>
               <a:t>&lt;</a:t>
             </a:r>
             <a:r>
-              <a:rPr sz="1500" b="1" spc="5" dirty="0">
+              <a:rPr b="1" spc="5" dirty="0">
                 <a:solidFill>
                   <a:srgbClr val="000080"/>
                 </a:solidFill>
@@ -17698,7 +17534,7 @@
               <a:t>butto</a:t>
             </a:r>
             <a:r>
-              <a:rPr sz="1500" b="1" dirty="0">
+              <a:rPr b="1" dirty="0">
                 <a:solidFill>
                   <a:srgbClr val="000080"/>
                 </a:solidFill>
@@ -17708,7 +17544,7 @@
               <a:t>n</a:t>
             </a:r>
             <a:r>
-              <a:rPr sz="1500" b="1" dirty="0">
+              <a:rPr b="1" dirty="0">
                 <a:solidFill>
                   <a:srgbClr val="000080"/>
                 </a:solidFill>
@@ -17718,7 +17554,7 @@
               <a:t> </a:t>
             </a:r>
             <a:r>
-              <a:rPr sz="1500" b="1" spc="90" dirty="0">
+              <a:rPr b="1" spc="90" dirty="0">
                 <a:solidFill>
                   <a:srgbClr val="000080"/>
                 </a:solidFill>
@@ -17728,14 +17564,14 @@
               <a:t> </a:t>
             </a:r>
             <a:r>
-              <a:rPr sz="1500" spc="5" dirty="0">
+              <a:rPr spc="5" dirty="0">
                 <a:latin typeface="Consolas"/>
                 <a:cs typeface="Consolas"/>
               </a:rPr>
               <a:t>class=</a:t>
             </a:r>
             <a:r>
-              <a:rPr sz="1500" b="1" spc="5" dirty="0">
+              <a:rPr b="1" spc="5" dirty="0">
                 <a:solidFill>
                   <a:srgbClr val="008000"/>
                 </a:solidFill>
@@ -17745,7 +17581,7 @@
               <a:t>"bt</a:t>
             </a:r>
             <a:r>
-              <a:rPr sz="1500" b="1" dirty="0">
+              <a:rPr b="1" dirty="0">
                 <a:solidFill>
                   <a:srgbClr val="008000"/>
                 </a:solidFill>
@@ -17755,27 +17591,27 @@
               <a:t>n</a:t>
             </a:r>
             <a:r>
-              <a:rPr sz="1500" b="1" dirty="0">
-                <a:solidFill>
-                  <a:srgbClr val="008000"/>
-                </a:solidFill>
-                <a:latin typeface="Times New Roman"/>
-                <a:cs typeface="Times New Roman"/>
-              </a:rPr>
-              <a:t> </a:t>
-            </a:r>
-            <a:r>
-              <a:rPr sz="1500" b="1" spc="85" dirty="0">
-                <a:solidFill>
-                  <a:srgbClr val="008000"/>
-                </a:solidFill>
-                <a:latin typeface="Times New Roman"/>
-                <a:cs typeface="Times New Roman"/>
-              </a:rPr>
-              <a:t> </a:t>
-            </a:r>
-            <a:r>
-              <a:rPr sz="1500" b="1" spc="5" dirty="0">
+              <a:rPr b="1" dirty="0">
+                <a:solidFill>
+                  <a:srgbClr val="008000"/>
+                </a:solidFill>
+                <a:latin typeface="Times New Roman"/>
+                <a:cs typeface="Times New Roman"/>
+              </a:rPr>
+              <a:t> </a:t>
+            </a:r>
+            <a:r>
+              <a:rPr b="1" spc="85" dirty="0">
+                <a:solidFill>
+                  <a:srgbClr val="008000"/>
+                </a:solidFill>
+                <a:latin typeface="Times New Roman"/>
+                <a:cs typeface="Times New Roman"/>
+              </a:rPr>
+              <a:t> </a:t>
+            </a:r>
+            <a:r>
+              <a:rPr b="1" spc="5" dirty="0">
                 <a:solidFill>
                   <a:srgbClr val="008000"/>
                 </a:solidFill>
@@ -17785,7 +17621,7 @@
               <a:t>bt</a:t>
             </a:r>
             <a:r>
-              <a:rPr sz="1500" b="1" spc="-5" dirty="0">
+              <a:rPr b="1" spc="-5" dirty="0">
                 <a:solidFill>
                   <a:srgbClr val="008000"/>
                 </a:solidFill>
@@ -17795,7 +17631,7 @@
               <a:t>n</a:t>
             </a:r>
             <a:r>
-              <a:rPr sz="1500" b="1" dirty="0">
+              <a:rPr b="1" dirty="0">
                 <a:solidFill>
                   <a:srgbClr val="008000"/>
                 </a:solidFill>
@@ -17805,7 +17641,7 @@
               <a:t>‐</a:t>
             </a:r>
             <a:r>
-              <a:rPr sz="1500" b="1" spc="5" dirty="0">
+              <a:rPr b="1" spc="5" dirty="0">
                 <a:solidFill>
                   <a:srgbClr val="008000"/>
                 </a:solidFill>
@@ -17814,7 +17650,7 @@
               </a:rPr>
               <a:t>success"</a:t>
             </a:r>
-            <a:endParaRPr sz="1500" dirty="0">
+            <a:endParaRPr dirty="0">
               <a:latin typeface="Consolas"/>
               <a:cs typeface="Consolas"/>
             </a:endParaRPr>
@@ -17829,14 +17665,14 @@
               </a:spcBef>
             </a:pPr>
             <a:r>
-              <a:rPr sz="1500" spc="5" dirty="0">
+              <a:rPr spc="5" dirty="0">
                 <a:latin typeface="Consolas"/>
                 <a:cs typeface="Consolas"/>
               </a:rPr>
               <a:t>(click)=</a:t>
             </a:r>
             <a:r>
-              <a:rPr sz="1500" b="1" spc="5" dirty="0">
+              <a:rPr b="1" spc="5" dirty="0">
                 <a:solidFill>
                   <a:srgbClr val="008000"/>
                 </a:solidFill>
@@ -17846,7 +17682,7 @@
               <a:t>"addCity(</a:t>
             </a:r>
             <a:r>
-              <a:rPr sz="1500" b="1" i="1" spc="5" dirty="0">
+              <a:rPr b="1" i="1" spc="5" dirty="0">
                 <a:solidFill>
                   <a:srgbClr val="C00000"/>
                 </a:solidFill>
@@ -17856,7 +17692,7 @@
               <a:t>txtCity</a:t>
             </a:r>
             <a:r>
-              <a:rPr sz="1500" b="1" spc="5" dirty="0">
+              <a:rPr b="1" spc="5" dirty="0">
                 <a:solidFill>
                   <a:srgbClr val="008000"/>
                 </a:solidFill>
@@ -17866,7 +17702,7 @@
               <a:t>)</a:t>
             </a:r>
             <a:r>
-              <a:rPr sz="1500" b="1" spc="-5" dirty="0">
+              <a:rPr b="1" spc="-5" dirty="0">
                 <a:solidFill>
                   <a:srgbClr val="008000"/>
                 </a:solidFill>
@@ -17876,13 +17712,13 @@
               <a:t>"</a:t>
             </a:r>
             <a:r>
-              <a:rPr sz="1500" spc="5" dirty="0">
+              <a:rPr spc="5" dirty="0">
                 <a:latin typeface="Consolas"/>
                 <a:cs typeface="Consolas"/>
               </a:rPr>
               <a:t>&gt;Toevoegen</a:t>
             </a:r>
-            <a:endParaRPr sz="1500" dirty="0">
+            <a:endParaRPr dirty="0">
               <a:latin typeface="Consolas"/>
               <a:cs typeface="Consolas"/>
             </a:endParaRPr>
@@ -17897,14 +17733,14 @@
               </a:spcBef>
             </a:pPr>
             <a:r>
-              <a:rPr sz="1500" dirty="0">
+              <a:rPr dirty="0">
                 <a:latin typeface="Consolas"/>
                 <a:cs typeface="Consolas"/>
               </a:rPr>
               <a:t>&lt;/</a:t>
             </a:r>
             <a:r>
-              <a:rPr sz="1500" b="1" spc="5" dirty="0">
+              <a:rPr b="1" spc="5" dirty="0">
                 <a:solidFill>
                   <a:srgbClr val="000080"/>
                 </a:solidFill>
@@ -17914,7 +17750,7 @@
               <a:t>butto</a:t>
             </a:r>
             <a:r>
-              <a:rPr sz="1500" b="1" spc="-5" dirty="0">
+              <a:rPr b="1" spc="-5" dirty="0">
                 <a:solidFill>
                   <a:srgbClr val="000080"/>
                 </a:solidFill>
@@ -17924,7 +17760,7 @@
               <a:t>n</a:t>
             </a:r>
             <a:r>
-              <a:rPr sz="1500" dirty="0">
+              <a:rPr dirty="0">
                 <a:latin typeface="Consolas"/>
                 <a:cs typeface="Consolas"/>
               </a:rPr>
@@ -17962,7 +17798,7 @@
               </a:spcBef>
             </a:pPr>
             <a:r>
-              <a:rPr sz="1500" b="1" dirty="0">
+              <a:rPr b="1" dirty="0">
                 <a:solidFill>
                   <a:srgbClr val="000080"/>
                 </a:solidFill>
@@ -17972,7 +17808,7 @@
               <a:t>export</a:t>
             </a:r>
             <a:r>
-              <a:rPr sz="1500" b="1" dirty="0">
+              <a:rPr b="1" dirty="0">
                 <a:solidFill>
                   <a:srgbClr val="000080"/>
                 </a:solidFill>
@@ -17982,7 +17818,7 @@
               <a:t> </a:t>
             </a:r>
             <a:r>
-              <a:rPr sz="1500" b="1" spc="95" dirty="0">
+              <a:rPr b="1" spc="95" dirty="0">
                 <a:solidFill>
                   <a:srgbClr val="000080"/>
                 </a:solidFill>
@@ -17992,7 +17828,7 @@
               <a:t> </a:t>
             </a:r>
             <a:r>
-              <a:rPr sz="1500" b="1" dirty="0">
+              <a:rPr b="1" dirty="0">
                 <a:solidFill>
                   <a:srgbClr val="000080"/>
                 </a:solidFill>
@@ -18002,7 +17838,7 @@
               <a:t>class</a:t>
             </a:r>
             <a:r>
-              <a:rPr sz="1500" b="1" dirty="0">
+              <a:rPr b="1" dirty="0">
                 <a:solidFill>
                   <a:srgbClr val="000080"/>
                 </a:solidFill>
@@ -18012,7 +17848,7 @@
               <a:t> </a:t>
             </a:r>
             <a:r>
-              <a:rPr sz="1500" b="1" spc="90" dirty="0">
+              <a:rPr b="1" spc="90" dirty="0">
                 <a:solidFill>
                   <a:srgbClr val="000080"/>
                 </a:solidFill>
@@ -18022,35 +17858,35 @@
               <a:t> </a:t>
             </a:r>
             <a:r>
-              <a:rPr sz="1500" spc="5" dirty="0">
+              <a:rPr spc="5" dirty="0">
                 <a:latin typeface="Consolas"/>
                 <a:cs typeface="Consolas"/>
               </a:rPr>
               <a:t>AppComponen</a:t>
             </a:r>
             <a:r>
-              <a:rPr sz="1500" dirty="0">
+              <a:rPr dirty="0">
                 <a:latin typeface="Consolas"/>
                 <a:cs typeface="Consolas"/>
               </a:rPr>
               <a:t>t</a:t>
             </a:r>
             <a:r>
-              <a:rPr sz="1500" dirty="0">
-                <a:latin typeface="Times New Roman"/>
-                <a:cs typeface="Times New Roman"/>
-              </a:rPr>
-              <a:t> </a:t>
-            </a:r>
-            <a:r>
-              <a:rPr sz="1500" spc="85" dirty="0">
-                <a:latin typeface="Times New Roman"/>
-                <a:cs typeface="Times New Roman"/>
-              </a:rPr>
-              <a:t> </a:t>
-            </a:r>
-            <a:r>
-              <a:rPr sz="1500" dirty="0">
+              <a:rPr dirty="0">
+                <a:latin typeface="Times New Roman"/>
+                <a:cs typeface="Times New Roman"/>
+              </a:rPr>
+              <a:t> </a:t>
+            </a:r>
+            <a:r>
+              <a:rPr spc="85" dirty="0">
+                <a:latin typeface="Times New Roman"/>
+                <a:cs typeface="Times New Roman"/>
+              </a:rPr>
+              <a:t> </a:t>
+            </a:r>
+            <a:r>
+              <a:rPr dirty="0">
                 <a:latin typeface="Consolas"/>
                 <a:cs typeface="Consolas"/>
               </a:rPr>
@@ -18067,7 +17903,7 @@
               </a:spcBef>
             </a:pPr>
             <a:r>
-              <a:rPr sz="1500" i="1" dirty="0">
+              <a:rPr i="1" dirty="0">
                 <a:solidFill>
                   <a:srgbClr val="46C249"/>
                 </a:solidFill>
@@ -18077,7 +17913,7 @@
               <a:t>//</a:t>
             </a:r>
             <a:r>
-              <a:rPr sz="1500" i="1" dirty="0">
+              <a:rPr i="1" dirty="0">
                 <a:solidFill>
                   <a:srgbClr val="46C249"/>
                 </a:solidFill>
@@ -18087,7 +17923,7 @@
               <a:t> </a:t>
             </a:r>
             <a:r>
-              <a:rPr sz="1500" i="1" spc="90" dirty="0">
+              <a:rPr i="1" spc="90" dirty="0">
                 <a:solidFill>
                   <a:srgbClr val="46C249"/>
                 </a:solidFill>
@@ -18097,7 +17933,7 @@
               <a:t> </a:t>
             </a:r>
             <a:r>
-              <a:rPr sz="1500" i="1" spc="5" dirty="0">
+              <a:rPr i="1" spc="5" dirty="0">
                 <a:solidFill>
                   <a:srgbClr val="46C249"/>
                 </a:solidFill>
@@ -18107,7 +17943,7 @@
               <a:t>Propertie</a:t>
             </a:r>
             <a:r>
-              <a:rPr sz="1500" i="1" dirty="0">
+              <a:rPr i="1" dirty="0">
                 <a:solidFill>
                   <a:srgbClr val="46C249"/>
                 </a:solidFill>
@@ -18117,7 +17953,7 @@
               <a:t>s</a:t>
             </a:r>
             <a:r>
-              <a:rPr sz="1500" i="1" dirty="0">
+              <a:rPr i="1" dirty="0">
                 <a:solidFill>
                   <a:srgbClr val="46C249"/>
                 </a:solidFill>
@@ -18127,7 +17963,7 @@
               <a:t> </a:t>
             </a:r>
             <a:r>
-              <a:rPr sz="1500" i="1" spc="90" dirty="0">
+              <a:rPr i="1" spc="90" dirty="0">
                 <a:solidFill>
                   <a:srgbClr val="46C249"/>
                 </a:solidFill>
@@ -18137,7 +17973,7 @@
               <a:t> </a:t>
             </a:r>
             <a:r>
-              <a:rPr sz="1500" i="1" spc="5" dirty="0">
+              <a:rPr i="1" spc="5" dirty="0">
                 <a:solidFill>
                   <a:srgbClr val="46C249"/>
                 </a:solidFill>
@@ -18147,7 +17983,7 @@
               <a:t>voo</a:t>
             </a:r>
             <a:r>
-              <a:rPr sz="1500" i="1" dirty="0">
+              <a:rPr i="1" dirty="0">
                 <a:solidFill>
                   <a:srgbClr val="46C249"/>
                 </a:solidFill>
@@ -18157,7 +17993,7 @@
               <a:t>r</a:t>
             </a:r>
             <a:r>
-              <a:rPr sz="1500" i="1" dirty="0">
+              <a:rPr i="1" dirty="0">
                 <a:solidFill>
                   <a:srgbClr val="46C249"/>
                 </a:solidFill>
@@ -18167,7 +18003,7 @@
               <a:t> </a:t>
             </a:r>
             <a:r>
-              <a:rPr sz="1500" i="1" spc="85" dirty="0">
+              <a:rPr i="1" spc="85" dirty="0">
                 <a:solidFill>
                   <a:srgbClr val="46C249"/>
                 </a:solidFill>
@@ -18177,7 +18013,7 @@
               <a:t> </a:t>
             </a:r>
             <a:r>
-              <a:rPr sz="1500" i="1" dirty="0">
+              <a:rPr i="1" dirty="0">
                 <a:solidFill>
                   <a:srgbClr val="46C249"/>
                 </a:solidFill>
@@ -18187,7 +18023,7 @@
               <a:t>de</a:t>
             </a:r>
             <a:r>
-              <a:rPr sz="1500" i="1" dirty="0">
+              <a:rPr i="1" dirty="0">
                 <a:solidFill>
                   <a:srgbClr val="46C249"/>
                 </a:solidFill>
@@ -18197,7 +18033,7 @@
               <a:t> </a:t>
             </a:r>
             <a:r>
-              <a:rPr sz="1500" i="1" spc="90" dirty="0">
+              <a:rPr i="1" spc="90" dirty="0">
                 <a:solidFill>
                   <a:srgbClr val="46C249"/>
                 </a:solidFill>
@@ -18207,7 +18043,7 @@
               <a:t> </a:t>
             </a:r>
             <a:r>
-              <a:rPr sz="1500" i="1" spc="5" dirty="0">
+              <a:rPr i="1" spc="5" dirty="0">
                 <a:solidFill>
                   <a:srgbClr val="46C249"/>
                 </a:solidFill>
@@ -18216,7 +18052,7 @@
               </a:rPr>
               <a:t>component/class</a:t>
             </a:r>
-            <a:endParaRPr sz="1500" dirty="0">
+            <a:endParaRPr dirty="0">
               <a:latin typeface="Consolas"/>
               <a:cs typeface="Consolas"/>
             </a:endParaRPr>
@@ -18231,7 +18067,7 @@
               </a:spcBef>
             </a:pPr>
             <a:r>
-              <a:rPr sz="1500" i="1" dirty="0">
+              <a:rPr i="1" dirty="0">
                 <a:solidFill>
                   <a:srgbClr val="46C249"/>
                 </a:solidFill>
@@ -18240,7 +18076,7 @@
               </a:rPr>
               <a:t>…</a:t>
             </a:r>
-            <a:endParaRPr sz="1500" dirty="0">
+            <a:endParaRPr dirty="0">
               <a:latin typeface="Consolas"/>
               <a:cs typeface="Consolas"/>
             </a:endParaRPr>
@@ -18255,14 +18091,14 @@
               </a:spcBef>
             </a:pPr>
             <a:r>
-              <a:rPr sz="1500" spc="5" dirty="0">
+              <a:rPr spc="5" dirty="0">
                 <a:latin typeface="Consolas"/>
                 <a:cs typeface="Consolas"/>
               </a:rPr>
               <a:t>addCity(</a:t>
             </a:r>
             <a:r>
-              <a:rPr sz="1500" b="1" spc="5" dirty="0">
+              <a:rPr b="1" spc="5" dirty="0">
                 <a:solidFill>
                   <a:srgbClr val="C00000"/>
                 </a:solidFill>
@@ -18272,28 +18108,28 @@
               <a:t>txtCity</a:t>
             </a:r>
             <a:r>
-              <a:rPr sz="1500" dirty="0">
+              <a:rPr dirty="0">
                 <a:latin typeface="Consolas"/>
                 <a:cs typeface="Consolas"/>
               </a:rPr>
               <a:t>)</a:t>
             </a:r>
             <a:r>
-              <a:rPr sz="1500" dirty="0">
-                <a:latin typeface="Times New Roman"/>
-                <a:cs typeface="Times New Roman"/>
-              </a:rPr>
-              <a:t> </a:t>
-            </a:r>
-            <a:r>
-              <a:rPr sz="1500" spc="90" dirty="0">
-                <a:latin typeface="Times New Roman"/>
-                <a:cs typeface="Times New Roman"/>
-              </a:rPr>
-              <a:t> </a:t>
-            </a:r>
-            <a:r>
-              <a:rPr sz="1500" dirty="0">
+              <a:rPr dirty="0">
+                <a:latin typeface="Times New Roman"/>
+                <a:cs typeface="Times New Roman"/>
+              </a:rPr>
+              <a:t> </a:t>
+            </a:r>
+            <a:r>
+              <a:rPr spc="90" dirty="0">
+                <a:latin typeface="Times New Roman"/>
+                <a:cs typeface="Times New Roman"/>
+              </a:rPr>
+              <a:t> </a:t>
+            </a:r>
+            <a:r>
+              <a:rPr dirty="0">
                 <a:latin typeface="Consolas"/>
                 <a:cs typeface="Consolas"/>
               </a:rPr>
@@ -18313,7 +18149,7 @@
               </a:tabLst>
             </a:pPr>
             <a:r>
-              <a:rPr sz="1500" b="1" spc="5" dirty="0">
+              <a:rPr b="1" spc="5" dirty="0">
                 <a:solidFill>
                   <a:srgbClr val="000080"/>
                 </a:solidFill>
@@ -18323,7 +18159,7 @@
               <a:t>le</a:t>
             </a:r>
             <a:r>
-              <a:rPr sz="1500" b="1" dirty="0">
+              <a:rPr b="1" dirty="0">
                 <a:solidFill>
                   <a:srgbClr val="000080"/>
                 </a:solidFill>
@@ -18333,7 +18169,7 @@
               <a:t>t</a:t>
             </a:r>
             <a:r>
-              <a:rPr sz="1500" b="1" dirty="0">
+              <a:rPr b="1" dirty="0">
                 <a:solidFill>
                   <a:srgbClr val="000080"/>
                 </a:solidFill>
@@ -18343,7 +18179,7 @@
               <a:t> </a:t>
             </a:r>
             <a:r>
-              <a:rPr sz="1500" b="1" spc="90" dirty="0">
+              <a:rPr b="1" spc="90" dirty="0">
                 <a:solidFill>
                   <a:srgbClr val="000080"/>
                 </a:solidFill>
@@ -18353,49 +18189,49 @@
               <a:t> </a:t>
             </a:r>
             <a:r>
-              <a:rPr sz="1500" spc="5" dirty="0">
+              <a:rPr spc="5" dirty="0">
                 <a:latin typeface="Consolas"/>
                 <a:cs typeface="Consolas"/>
               </a:rPr>
               <a:t>newI</a:t>
             </a:r>
             <a:r>
-              <a:rPr sz="1500" dirty="0">
+              <a:rPr dirty="0">
                 <a:latin typeface="Consolas"/>
                 <a:cs typeface="Consolas"/>
               </a:rPr>
               <a:t>D</a:t>
             </a:r>
             <a:r>
-              <a:rPr sz="1500" dirty="0">
+              <a:rPr dirty="0">
                 <a:latin typeface="Times New Roman"/>
                 <a:cs typeface="Times New Roman"/>
               </a:rPr>
               <a:t>	</a:t>
             </a:r>
             <a:r>
-              <a:rPr sz="1500" dirty="0">
+              <a:rPr dirty="0">
                 <a:latin typeface="Consolas"/>
                 <a:cs typeface="Consolas"/>
               </a:rPr>
               <a:t>=</a:t>
             </a:r>
             <a:r>
-              <a:rPr sz="1500" dirty="0">
-                <a:latin typeface="Times New Roman"/>
-                <a:cs typeface="Times New Roman"/>
-              </a:rPr>
-              <a:t> </a:t>
-            </a:r>
-            <a:r>
-              <a:rPr sz="1500" spc="85" dirty="0">
-                <a:latin typeface="Times New Roman"/>
-                <a:cs typeface="Times New Roman"/>
-              </a:rPr>
-              <a:t> </a:t>
-            </a:r>
-            <a:r>
-              <a:rPr sz="1500" b="1" dirty="0">
+              <a:rPr dirty="0">
+                <a:latin typeface="Times New Roman"/>
+                <a:cs typeface="Times New Roman"/>
+              </a:rPr>
+              <a:t> </a:t>
+            </a:r>
+            <a:r>
+              <a:rPr spc="85" dirty="0">
+                <a:latin typeface="Times New Roman"/>
+                <a:cs typeface="Times New Roman"/>
+              </a:rPr>
+              <a:t> </a:t>
+            </a:r>
+            <a:r>
+              <a:rPr b="1" dirty="0">
                 <a:solidFill>
                   <a:srgbClr val="000080"/>
                 </a:solidFill>
@@ -18405,7 +18241,7 @@
               <a:t>thi</a:t>
             </a:r>
             <a:r>
-              <a:rPr sz="1500" b="1" spc="5" dirty="0">
+              <a:rPr b="1" spc="5" dirty="0">
                 <a:solidFill>
                   <a:srgbClr val="000080"/>
                 </a:solidFill>
@@ -18415,56 +18251,56 @@
               <a:t>s</a:t>
             </a:r>
             <a:r>
-              <a:rPr sz="1500" spc="5" dirty="0">
+              <a:rPr spc="5" dirty="0">
                 <a:latin typeface="Consolas"/>
                 <a:cs typeface="Consolas"/>
               </a:rPr>
               <a:t>.cities.lengt</a:t>
             </a:r>
             <a:r>
-              <a:rPr sz="1500" dirty="0">
+              <a:rPr dirty="0">
                 <a:latin typeface="Consolas"/>
                 <a:cs typeface="Consolas"/>
               </a:rPr>
               <a:t>h</a:t>
             </a:r>
             <a:r>
-              <a:rPr sz="1500" dirty="0">
-                <a:latin typeface="Times New Roman"/>
-                <a:cs typeface="Times New Roman"/>
-              </a:rPr>
-              <a:t> </a:t>
-            </a:r>
-            <a:r>
-              <a:rPr sz="1500" spc="90" dirty="0">
-                <a:latin typeface="Times New Roman"/>
-                <a:cs typeface="Times New Roman"/>
-              </a:rPr>
-              <a:t> </a:t>
-            </a:r>
-            <a:r>
-              <a:rPr sz="1500" dirty="0">
+              <a:rPr dirty="0">
+                <a:latin typeface="Times New Roman"/>
+                <a:cs typeface="Times New Roman"/>
+              </a:rPr>
+              <a:t> </a:t>
+            </a:r>
+            <a:r>
+              <a:rPr spc="90" dirty="0">
+                <a:latin typeface="Times New Roman"/>
+                <a:cs typeface="Times New Roman"/>
+              </a:rPr>
+              <a:t> </a:t>
+            </a:r>
+            <a:r>
+              <a:rPr dirty="0">
                 <a:latin typeface="Consolas"/>
                 <a:cs typeface="Consolas"/>
               </a:rPr>
               <a:t>+</a:t>
             </a:r>
             <a:r>
-              <a:rPr sz="1500" dirty="0">
-                <a:latin typeface="Times New Roman"/>
-                <a:cs typeface="Times New Roman"/>
-              </a:rPr>
-              <a:t> </a:t>
-            </a:r>
-            <a:r>
-              <a:rPr sz="1500" spc="90" dirty="0">
-                <a:latin typeface="Times New Roman"/>
-                <a:cs typeface="Times New Roman"/>
-              </a:rPr>
-              <a:t> </a:t>
-            </a:r>
-            <a:r>
-              <a:rPr sz="1500" spc="5" dirty="0">
+              <a:rPr dirty="0">
+                <a:latin typeface="Times New Roman"/>
+                <a:cs typeface="Times New Roman"/>
+              </a:rPr>
+              <a:t> </a:t>
+            </a:r>
+            <a:r>
+              <a:rPr spc="90" dirty="0">
+                <a:latin typeface="Times New Roman"/>
+                <a:cs typeface="Times New Roman"/>
+              </a:rPr>
+              <a:t> </a:t>
+            </a:r>
+            <a:r>
+              <a:rPr spc="5" dirty="0">
                 <a:solidFill>
                   <a:srgbClr val="0000FF"/>
                 </a:solidFill>
@@ -18474,7 +18310,7 @@
               <a:t>1</a:t>
             </a:r>
             <a:r>
-              <a:rPr sz="1500" dirty="0">
+              <a:rPr dirty="0">
                 <a:latin typeface="Consolas"/>
                 <a:cs typeface="Consolas"/>
               </a:rPr>
@@ -18488,7 +18324,7 @@
               </a:lnSpc>
             </a:pPr>
             <a:r>
-              <a:rPr sz="1500" b="1" spc="5" dirty="0">
+              <a:rPr b="1" spc="5" dirty="0">
                 <a:solidFill>
                   <a:srgbClr val="000080"/>
                 </a:solidFill>
@@ -18498,7 +18334,7 @@
               <a:t>le</a:t>
             </a:r>
             <a:r>
-              <a:rPr sz="1500" b="1" dirty="0">
+              <a:rPr b="1" dirty="0">
                 <a:solidFill>
                   <a:srgbClr val="000080"/>
                 </a:solidFill>
@@ -18508,7 +18344,7 @@
               <a:t>t</a:t>
             </a:r>
             <a:r>
-              <a:rPr sz="1500" b="1" dirty="0">
+              <a:rPr b="1" dirty="0">
                 <a:solidFill>
                   <a:srgbClr val="000080"/>
                 </a:solidFill>
@@ -18518,7 +18354,7 @@
               <a:t> </a:t>
             </a:r>
             <a:r>
-              <a:rPr sz="1500" b="1" spc="90" dirty="0">
+              <a:rPr b="1" spc="90" dirty="0">
                 <a:solidFill>
                   <a:srgbClr val="000080"/>
                 </a:solidFill>
@@ -18528,49 +18364,49 @@
               <a:t> </a:t>
             </a:r>
             <a:r>
-              <a:rPr sz="1500" dirty="0">
+              <a:rPr dirty="0">
                 <a:latin typeface="Consolas"/>
                 <a:cs typeface="Consolas"/>
               </a:rPr>
               <a:t>newCity</a:t>
             </a:r>
             <a:r>
-              <a:rPr sz="1500" dirty="0">
-                <a:latin typeface="Times New Roman"/>
-                <a:cs typeface="Times New Roman"/>
-              </a:rPr>
-              <a:t> </a:t>
-            </a:r>
-            <a:r>
-              <a:rPr sz="1500" spc="90" dirty="0">
-                <a:latin typeface="Times New Roman"/>
-                <a:cs typeface="Times New Roman"/>
-              </a:rPr>
-              <a:t> </a:t>
-            </a:r>
-            <a:r>
-              <a:rPr sz="1500" dirty="0">
+              <a:rPr dirty="0">
+                <a:latin typeface="Times New Roman"/>
+                <a:cs typeface="Times New Roman"/>
+              </a:rPr>
+              <a:t> </a:t>
+            </a:r>
+            <a:r>
+              <a:rPr spc="90" dirty="0">
+                <a:latin typeface="Times New Roman"/>
+                <a:cs typeface="Times New Roman"/>
+              </a:rPr>
+              <a:t> </a:t>
+            </a:r>
+            <a:r>
+              <a:rPr dirty="0">
                 <a:latin typeface="Consolas"/>
                 <a:cs typeface="Consolas"/>
               </a:rPr>
               <a:t>=</a:t>
             </a:r>
             <a:r>
-              <a:rPr sz="1500" dirty="0">
-                <a:latin typeface="Times New Roman"/>
-                <a:cs typeface="Times New Roman"/>
-              </a:rPr>
-              <a:t> </a:t>
-            </a:r>
-            <a:r>
-              <a:rPr sz="1500" spc="90" dirty="0">
-                <a:latin typeface="Times New Roman"/>
-                <a:cs typeface="Times New Roman"/>
-              </a:rPr>
-              <a:t> </a:t>
-            </a:r>
-            <a:r>
-              <a:rPr sz="1500" b="1" spc="5" dirty="0">
+              <a:rPr dirty="0">
+                <a:latin typeface="Times New Roman"/>
+                <a:cs typeface="Times New Roman"/>
+              </a:rPr>
+              <a:t> </a:t>
+            </a:r>
+            <a:r>
+              <a:rPr spc="90" dirty="0">
+                <a:latin typeface="Times New Roman"/>
+                <a:cs typeface="Times New Roman"/>
+              </a:rPr>
+              <a:t> </a:t>
+            </a:r>
+            <a:r>
+              <a:rPr b="1" spc="5" dirty="0">
                 <a:solidFill>
                   <a:srgbClr val="000080"/>
                 </a:solidFill>
@@ -18580,7 +18416,7 @@
               <a:t>ne</a:t>
             </a:r>
             <a:r>
-              <a:rPr sz="1500" b="1" dirty="0">
+              <a:rPr b="1" dirty="0">
                 <a:solidFill>
                   <a:srgbClr val="000080"/>
                 </a:solidFill>
@@ -18590,7 +18426,7 @@
               <a:t>w</a:t>
             </a:r>
             <a:r>
-              <a:rPr sz="1500" b="1" dirty="0">
+              <a:rPr b="1" dirty="0">
                 <a:solidFill>
                   <a:srgbClr val="000080"/>
                 </a:solidFill>
@@ -18600,7 +18436,7 @@
               <a:t> </a:t>
             </a:r>
             <a:r>
-              <a:rPr sz="1500" b="1" spc="90" dirty="0">
+              <a:rPr b="1" spc="90" dirty="0">
                 <a:solidFill>
                   <a:srgbClr val="000080"/>
                 </a:solidFill>
@@ -18610,35 +18446,35 @@
               <a:t> </a:t>
             </a:r>
             <a:r>
-              <a:rPr sz="1500" spc="5" dirty="0">
+              <a:rPr spc="5" dirty="0">
                 <a:latin typeface="Consolas"/>
                 <a:cs typeface="Consolas"/>
               </a:rPr>
               <a:t>City(newID</a:t>
             </a:r>
             <a:r>
-              <a:rPr sz="1500" dirty="0">
+              <a:rPr dirty="0">
                 <a:latin typeface="Consolas"/>
                 <a:cs typeface="Consolas"/>
               </a:rPr>
               <a:t>,</a:t>
             </a:r>
             <a:r>
-              <a:rPr sz="1500" dirty="0">
-                <a:latin typeface="Times New Roman"/>
-                <a:cs typeface="Times New Roman"/>
-              </a:rPr>
-              <a:t> </a:t>
-            </a:r>
-            <a:r>
-              <a:rPr sz="1500" spc="85" dirty="0">
-                <a:latin typeface="Times New Roman"/>
-                <a:cs typeface="Times New Roman"/>
-              </a:rPr>
-              <a:t> </a:t>
-            </a:r>
-            <a:r>
-              <a:rPr sz="1500" b="1" i="1" spc="5" dirty="0">
+              <a:rPr dirty="0">
+                <a:latin typeface="Times New Roman"/>
+                <a:cs typeface="Times New Roman"/>
+              </a:rPr>
+              <a:t> </a:t>
+            </a:r>
+            <a:r>
+              <a:rPr spc="85" dirty="0">
+                <a:latin typeface="Times New Roman"/>
+                <a:cs typeface="Times New Roman"/>
+              </a:rPr>
+              <a:t> </a:t>
+            </a:r>
+            <a:r>
+              <a:rPr b="1" i="1" spc="5" dirty="0">
                 <a:solidFill>
                   <a:srgbClr val="C00000"/>
                 </a:solidFill>
@@ -18648,14 +18484,14 @@
               <a:t>txtCity</a:t>
             </a:r>
             <a:r>
-              <a:rPr sz="1500" spc="5" dirty="0">
+              <a:rPr spc="5" dirty="0">
                 <a:latin typeface="Consolas"/>
                 <a:cs typeface="Consolas"/>
               </a:rPr>
               <a:t>.</a:t>
             </a:r>
             <a:r>
-              <a:rPr sz="1500" spc="5" dirty="0">
+              <a:rPr spc="5" dirty="0">
                 <a:solidFill>
                   <a:srgbClr val="C00000"/>
                 </a:solidFill>
@@ -18665,28 +18501,28 @@
               <a:t>value</a:t>
             </a:r>
             <a:r>
-              <a:rPr sz="1500" dirty="0">
+              <a:rPr dirty="0">
                 <a:latin typeface="Consolas"/>
                 <a:cs typeface="Consolas"/>
               </a:rPr>
               <a:t>,</a:t>
             </a:r>
             <a:r>
-              <a:rPr sz="1500" dirty="0">
-                <a:latin typeface="Times New Roman"/>
-                <a:cs typeface="Times New Roman"/>
-              </a:rPr>
-              <a:t> </a:t>
-            </a:r>
-            <a:r>
-              <a:rPr sz="1500" spc="75" dirty="0">
-                <a:latin typeface="Times New Roman"/>
-                <a:cs typeface="Times New Roman"/>
-              </a:rPr>
-              <a:t> </a:t>
-            </a:r>
-            <a:r>
-              <a:rPr sz="1500" b="1" spc="5" dirty="0">
+              <a:rPr dirty="0">
+                <a:latin typeface="Times New Roman"/>
+                <a:cs typeface="Times New Roman"/>
+              </a:rPr>
+              <a:t> </a:t>
+            </a:r>
+            <a:r>
+              <a:rPr spc="75" dirty="0">
+                <a:latin typeface="Times New Roman"/>
+                <a:cs typeface="Times New Roman"/>
+              </a:rPr>
+              <a:t> </a:t>
+            </a:r>
+            <a:r>
+              <a:rPr b="1" spc="5" dirty="0">
                 <a:solidFill>
                   <a:srgbClr val="008000"/>
                 </a:solidFill>
@@ -18696,7 +18532,7 @@
               <a:t>'Onbekend</a:t>
             </a:r>
             <a:r>
-              <a:rPr sz="1500" b="1" dirty="0">
+              <a:rPr b="1" dirty="0">
                 <a:solidFill>
                   <a:srgbClr val="008000"/>
                 </a:solidFill>
@@ -18706,21 +18542,21 @@
               <a:t>'</a:t>
             </a:r>
             <a:r>
-              <a:rPr sz="1500" spc="5" dirty="0">
+              <a:rPr spc="5" dirty="0">
                 <a:latin typeface="Consolas"/>
                 <a:cs typeface="Consolas"/>
               </a:rPr>
               <a:t>);</a:t>
             </a:r>
             <a:r>
-              <a:rPr sz="1500" spc="5" dirty="0">
-                <a:latin typeface="Times New Roman"/>
-                <a:cs typeface="Times New Roman"/>
-              </a:rPr>
-              <a:t> </a:t>
-            </a:r>
-            <a:r>
-              <a:rPr sz="1500" b="1" dirty="0">
+              <a:rPr spc="5" dirty="0">
+                <a:latin typeface="Times New Roman"/>
+                <a:cs typeface="Times New Roman"/>
+              </a:rPr>
+              <a:t> </a:t>
+            </a:r>
+            <a:r>
+              <a:rPr b="1" dirty="0">
                 <a:solidFill>
                   <a:srgbClr val="000080"/>
                 </a:solidFill>
@@ -18730,7 +18566,7 @@
               <a:t>thi</a:t>
             </a:r>
             <a:r>
-              <a:rPr sz="1500" b="1" spc="5" dirty="0">
+              <a:rPr b="1" spc="5" dirty="0">
                 <a:solidFill>
                   <a:srgbClr val="000080"/>
                 </a:solidFill>
@@ -18740,13 +18576,13 @@
               <a:t>s</a:t>
             </a:r>
             <a:r>
-              <a:rPr sz="1500" spc="5" dirty="0">
+              <a:rPr spc="5" dirty="0">
                 <a:latin typeface="Consolas"/>
                 <a:cs typeface="Consolas"/>
               </a:rPr>
               <a:t>.cities.push(newCity);</a:t>
             </a:r>
-            <a:endParaRPr sz="1500" dirty="0">
+            <a:endParaRPr dirty="0">
               <a:latin typeface="Consolas"/>
               <a:cs typeface="Consolas"/>
             </a:endParaRPr>
@@ -18761,56 +18597,56 @@
               </a:spcBef>
             </a:pPr>
             <a:r>
-              <a:rPr sz="1500" spc="5" dirty="0">
+              <a:rPr spc="5" dirty="0">
                 <a:latin typeface="Consolas"/>
                 <a:cs typeface="Consolas"/>
               </a:rPr>
               <a:t>txtCity.valu</a:t>
             </a:r>
             <a:r>
-              <a:rPr sz="1500" dirty="0">
+              <a:rPr dirty="0">
                 <a:latin typeface="Consolas"/>
                 <a:cs typeface="Consolas"/>
               </a:rPr>
               <a:t>e</a:t>
             </a:r>
             <a:r>
-              <a:rPr sz="1500" dirty="0">
-                <a:latin typeface="Times New Roman"/>
-                <a:cs typeface="Times New Roman"/>
-              </a:rPr>
-              <a:t> </a:t>
-            </a:r>
-            <a:r>
-              <a:rPr sz="1500" spc="90" dirty="0">
-                <a:latin typeface="Times New Roman"/>
-                <a:cs typeface="Times New Roman"/>
-              </a:rPr>
-              <a:t> </a:t>
-            </a:r>
-            <a:r>
-              <a:rPr sz="1500" dirty="0">
+              <a:rPr dirty="0">
+                <a:latin typeface="Times New Roman"/>
+                <a:cs typeface="Times New Roman"/>
+              </a:rPr>
+              <a:t> </a:t>
+            </a:r>
+            <a:r>
+              <a:rPr spc="90" dirty="0">
+                <a:latin typeface="Times New Roman"/>
+                <a:cs typeface="Times New Roman"/>
+              </a:rPr>
+              <a:t> </a:t>
+            </a:r>
+            <a:r>
+              <a:rPr dirty="0">
                 <a:latin typeface="Consolas"/>
                 <a:cs typeface="Consolas"/>
               </a:rPr>
               <a:t>=</a:t>
             </a:r>
             <a:r>
-              <a:rPr sz="1500" dirty="0">
-                <a:latin typeface="Times New Roman"/>
-                <a:cs typeface="Times New Roman"/>
-              </a:rPr>
-              <a:t> </a:t>
-            </a:r>
-            <a:r>
-              <a:rPr sz="1500" spc="90" dirty="0">
-                <a:latin typeface="Times New Roman"/>
-                <a:cs typeface="Times New Roman"/>
-              </a:rPr>
-              <a:t> </a:t>
-            </a:r>
-            <a:r>
-              <a:rPr sz="1500" b="1" dirty="0">
+              <a:rPr dirty="0">
+                <a:latin typeface="Times New Roman"/>
+                <a:cs typeface="Times New Roman"/>
+              </a:rPr>
+              <a:t> </a:t>
+            </a:r>
+            <a:r>
+              <a:rPr spc="90" dirty="0">
+                <a:latin typeface="Times New Roman"/>
+                <a:cs typeface="Times New Roman"/>
+              </a:rPr>
+              <a:t> </a:t>
+            </a:r>
+            <a:r>
+              <a:rPr b="1" dirty="0">
                 <a:solidFill>
                   <a:srgbClr val="008000"/>
                 </a:solidFill>
@@ -18820,7 +18656,7 @@
               <a:t>'</a:t>
             </a:r>
             <a:r>
-              <a:rPr sz="1500" b="1" spc="5" dirty="0">
+              <a:rPr b="1" spc="5" dirty="0">
                 <a:solidFill>
                   <a:srgbClr val="008000"/>
                 </a:solidFill>
@@ -18830,69 +18666,33 @@
               <a:t>'</a:t>
             </a:r>
             <a:r>
-              <a:rPr sz="1500" dirty="0">
+              <a:rPr dirty="0">
                 <a:latin typeface="Consolas"/>
                 <a:cs typeface="Consolas"/>
               </a:rPr>
               <a:t>;</a:t>
             </a:r>
-          </a:p>
-          <a:p>
-            <a:pPr marL="816610">
+            <a:endParaRPr lang="nl-NL" dirty="0">
+              <a:latin typeface="Consolas"/>
+              <a:cs typeface="Consolas"/>
+            </a:endParaRPr>
+          </a:p>
+          <a:p>
+            <a:pPr marL="1134745">
               <a:lnSpc>
                 <a:spcPct val="100000"/>
               </a:lnSpc>
               <a:spcBef>
-                <a:spcPts val="915"/>
+                <a:spcPts val="925"/>
               </a:spcBef>
             </a:pPr>
             <a:r>
-              <a:rPr sz="1500" dirty="0">
+              <a:rPr dirty="0">
                 <a:latin typeface="Consolas"/>
                 <a:cs typeface="Consolas"/>
               </a:rPr>
               <a:t>}</a:t>
             </a:r>
-          </a:p>
-        </p:txBody>
-      </p:sp>
-      <p:sp>
-        <p:nvSpPr>
-          <p:cNvPr id="4" name="object 4"/>
-          <p:cNvSpPr txBox="1"/>
-          <p:nvPr/>
-        </p:nvSpPr>
-        <p:spPr>
-          <a:xfrm>
-            <a:off x="1755853" y="6660729"/>
-            <a:ext cx="131445" cy="217804"/>
-          </a:xfrm>
-          <a:prstGeom prst="rect">
-            <a:avLst/>
-          </a:prstGeom>
-        </p:spPr>
-        <p:txBody>
-          <a:bodyPr vert="horz" wrap="square" lIns="0" tIns="0" rIns="0" bIns="0" rtlCol="0">
-            <a:spAutoFit/>
-          </a:bodyPr>
-          <a:lstStyle/>
-          <a:p>
-            <a:pPr marL="12700">
-              <a:lnSpc>
-                <a:spcPct val="100000"/>
-              </a:lnSpc>
-            </a:pPr>
-            <a:r>
-              <a:rPr sz="1500" dirty="0">
-                <a:latin typeface="Consolas"/>
-                <a:cs typeface="Consolas"/>
-              </a:rPr>
-              <a:t>}</a:t>
-            </a:r>
-            <a:endParaRPr sz="1500">
-              <a:latin typeface="Consolas"/>
-              <a:cs typeface="Consolas"/>
-            </a:endParaRPr>
           </a:p>
         </p:txBody>
       </p:sp>
@@ -20025,7 +19825,7 @@
         </p:nvSpPr>
         <p:spPr>
           <a:xfrm>
-            <a:off x="1266584" y="1367259"/>
+            <a:off x="1266584" y="1658122"/>
             <a:ext cx="7214870" cy="1740989"/>
           </a:xfrm>
           <a:prstGeom prst="rect">
@@ -20433,34 +20233,34 @@
               </a:lnSpc>
             </a:pPr>
             <a:r>
-              <a:rPr sz="1950" spc="-25" dirty="0">
+              <a:rPr sz="1950" b="1" spc="-25" dirty="0">
                 <a:latin typeface="Verdana"/>
                 <a:cs typeface="Verdana"/>
               </a:rPr>
               <a:t>O</a:t>
             </a:r>
             <a:r>
-              <a:rPr lang="nl-NL" sz="1950" spc="-10" dirty="0">
+              <a:rPr lang="nl-NL" sz="1950" b="1" spc="-10" dirty="0">
                 <a:latin typeface="Verdana"/>
                 <a:cs typeface="Verdana"/>
               </a:rPr>
               <a:t>r</a:t>
             </a:r>
             <a:r>
-              <a:rPr sz="1950" spc="195" dirty="0">
-                <a:latin typeface="Times New Roman"/>
-                <a:cs typeface="Times New Roman"/>
-              </a:rPr>
-              <a:t> </a:t>
-            </a:r>
-            <a:r>
-              <a:rPr sz="1950" spc="-10" dirty="0">
+              <a:rPr sz="1950" b="1" spc="195" dirty="0">
+                <a:latin typeface="Times New Roman"/>
+                <a:cs typeface="Times New Roman"/>
+              </a:rPr>
+              <a:t> </a:t>
+            </a:r>
+            <a:r>
+              <a:rPr sz="1950" b="1" spc="-10" dirty="0">
                 <a:latin typeface="Verdana"/>
                 <a:cs typeface="Verdana"/>
               </a:rPr>
               <a:t>:</a:t>
             </a:r>
-            <a:endParaRPr lang="nl-NL" sz="1950" spc="-10" dirty="0">
+            <a:endParaRPr lang="nl-NL" sz="1950" b="1" spc="-10" dirty="0">
               <a:latin typeface="Verdana"/>
               <a:cs typeface="Verdana"/>
             </a:endParaRPr>
@@ -21997,7 +21797,7 @@
         <p:spPr>
           <a:xfrm>
             <a:off x="366000" y="1612623"/>
-            <a:ext cx="9961399" cy="2164695"/>
+            <a:ext cx="9961399" cy="2418611"/>
           </a:xfrm>
           <a:prstGeom prst="rect">
             <a:avLst/>
@@ -22020,37 +21820,37 @@
               </a:tabLst>
             </a:pPr>
             <a:r>
-              <a:rPr lang="nl-NL" sz="1950" spc="-20" dirty="0"/>
+              <a:rPr lang="nl-NL" sz="2000" spc="-20" dirty="0"/>
               <a:t>New syntax </a:t>
             </a:r>
             <a:r>
-              <a:rPr sz="1950" spc="-15" dirty="0"/>
+              <a:rPr sz="2000" spc="-15" dirty="0"/>
               <a:t>in</a:t>
             </a:r>
             <a:r>
-              <a:rPr sz="1950" spc="215" dirty="0">
-                <a:latin typeface="Times New Roman"/>
-                <a:cs typeface="Times New Roman"/>
-              </a:rPr>
-              <a:t> </a:t>
-            </a:r>
-            <a:r>
-              <a:rPr sz="1950" spc="-20" dirty="0"/>
+              <a:rPr sz="2000" spc="215" dirty="0">
+                <a:latin typeface="Times New Roman"/>
+                <a:cs typeface="Times New Roman"/>
+              </a:rPr>
+              <a:t> </a:t>
+            </a:r>
+            <a:r>
+              <a:rPr sz="2000" spc="-20" dirty="0"/>
               <a:t>HTM</a:t>
             </a:r>
             <a:r>
-              <a:rPr sz="1950" spc="-165" dirty="0"/>
+              <a:rPr sz="2000" spc="-165" dirty="0"/>
               <a:t>L</a:t>
             </a:r>
             <a:r>
-              <a:rPr sz="1950" spc="-50" dirty="0"/>
+              <a:rPr sz="2000" spc="-50" dirty="0"/>
               <a:t>-</a:t>
             </a:r>
             <a:r>
-              <a:rPr sz="1950" spc="-15" dirty="0"/>
+              <a:rPr sz="2000" spc="-15" dirty="0"/>
               <a:t>views/partials.</a:t>
             </a:r>
-            <a:endParaRPr sz="1950" dirty="0">
+            <a:endParaRPr sz="2000" dirty="0">
               <a:latin typeface="Times New Roman"/>
               <a:cs typeface="Times New Roman"/>
             </a:endParaRPr>
@@ -22070,48 +21870,48 @@
               </a:tabLst>
             </a:pPr>
             <a:r>
-              <a:rPr sz="1600" spc="-10" dirty="0">
+              <a:rPr sz="2000" spc="-10" dirty="0">
                 <a:latin typeface="Verdana"/>
                 <a:cs typeface="Verdana"/>
               </a:rPr>
               <a:t>Simple</a:t>
             </a:r>
             <a:r>
-              <a:rPr sz="1600" spc="155" dirty="0">
-                <a:latin typeface="Times New Roman"/>
-                <a:cs typeface="Times New Roman"/>
-              </a:rPr>
-              <a:t> </a:t>
-            </a:r>
-            <a:r>
-              <a:rPr sz="1600" spc="-15" dirty="0">
+              <a:rPr sz="2000" spc="155" dirty="0">
+                <a:latin typeface="Times New Roman"/>
+                <a:cs typeface="Times New Roman"/>
+              </a:rPr>
+              <a:t> </a:t>
+            </a:r>
+            <a:r>
+              <a:rPr sz="2000" spc="-15" dirty="0">
                 <a:latin typeface="Verdana"/>
                 <a:cs typeface="Verdana"/>
               </a:rPr>
               <a:t>dat</a:t>
             </a:r>
             <a:r>
-              <a:rPr sz="1600" spc="-10" dirty="0">
+              <a:rPr sz="2000" spc="-10" dirty="0">
                 <a:latin typeface="Verdana"/>
                 <a:cs typeface="Verdana"/>
               </a:rPr>
               <a:t>a</a:t>
             </a:r>
             <a:r>
-              <a:rPr sz="1600" spc="165" dirty="0">
-                <a:latin typeface="Times New Roman"/>
-                <a:cs typeface="Times New Roman"/>
-              </a:rPr>
-              <a:t> </a:t>
-            </a:r>
-            <a:r>
-              <a:rPr sz="1600" spc="-15" dirty="0">
+              <a:rPr sz="2000" spc="165" dirty="0">
+                <a:latin typeface="Times New Roman"/>
+                <a:cs typeface="Times New Roman"/>
+              </a:rPr>
+              <a:t> </a:t>
+            </a:r>
+            <a:r>
+              <a:rPr sz="2000" spc="-15" dirty="0">
                 <a:latin typeface="Verdana"/>
                 <a:cs typeface="Verdana"/>
               </a:rPr>
               <a:t>binding</a:t>
             </a:r>
-            <a:endParaRPr sz="1600" dirty="0">
+            <a:endParaRPr sz="2000" dirty="0">
               <a:latin typeface="Verdana"/>
               <a:cs typeface="Verdana"/>
             </a:endParaRPr>
@@ -22131,48 +21931,48 @@
               </a:tabLst>
             </a:pPr>
             <a:r>
-              <a:rPr sz="1600" spc="-20" dirty="0">
+              <a:rPr sz="2000" spc="-20" dirty="0">
                 <a:latin typeface="Verdana"/>
                 <a:cs typeface="Verdana"/>
               </a:rPr>
               <a:t>E</a:t>
             </a:r>
             <a:r>
-              <a:rPr sz="1600" spc="-25" dirty="0">
+              <a:rPr sz="2000" spc="-25" dirty="0">
                 <a:latin typeface="Verdana"/>
                 <a:cs typeface="Verdana"/>
               </a:rPr>
               <a:t>v</a:t>
             </a:r>
             <a:r>
-              <a:rPr sz="1600" spc="-15" dirty="0">
+              <a:rPr sz="2000" spc="-15" dirty="0">
                 <a:latin typeface="Verdana"/>
                 <a:cs typeface="Verdana"/>
               </a:rPr>
               <a:t>en</a:t>
             </a:r>
             <a:r>
-              <a:rPr sz="1600" spc="-10" dirty="0">
+              <a:rPr sz="2000" spc="-10" dirty="0">
                 <a:latin typeface="Verdana"/>
                 <a:cs typeface="Verdana"/>
               </a:rPr>
               <a:t>t</a:t>
             </a:r>
             <a:r>
-              <a:rPr sz="1600" spc="170" dirty="0">
-                <a:latin typeface="Times New Roman"/>
-                <a:cs typeface="Times New Roman"/>
-              </a:rPr>
-              <a:t> </a:t>
-            </a:r>
-            <a:r>
-              <a:rPr sz="1600" spc="-15" dirty="0">
+              <a:rPr sz="2000" spc="170" dirty="0">
+                <a:latin typeface="Times New Roman"/>
+                <a:cs typeface="Times New Roman"/>
+              </a:rPr>
+              <a:t> </a:t>
+            </a:r>
+            <a:r>
+              <a:rPr sz="2000" spc="-15" dirty="0">
                 <a:latin typeface="Verdana"/>
                 <a:cs typeface="Verdana"/>
               </a:rPr>
               <a:t>binding</a:t>
             </a:r>
-            <a:endParaRPr sz="1600" dirty="0">
+            <a:endParaRPr sz="2000" dirty="0">
               <a:latin typeface="Verdana"/>
               <a:cs typeface="Verdana"/>
             </a:endParaRPr>
@@ -22192,76 +21992,76 @@
               </a:tabLst>
             </a:pPr>
             <a:r>
-              <a:rPr sz="1600" spc="-20" dirty="0">
+              <a:rPr sz="2000" spc="-20" dirty="0">
                 <a:latin typeface="Verdana"/>
                 <a:cs typeface="Verdana"/>
               </a:rPr>
               <a:t>One</a:t>
             </a:r>
             <a:r>
-              <a:rPr sz="1600" spc="-30" dirty="0">
+              <a:rPr sz="2000" spc="-30" dirty="0">
                 <a:latin typeface="Verdana"/>
                 <a:cs typeface="Verdana"/>
               </a:rPr>
               <a:t>-</a:t>
             </a:r>
             <a:r>
-              <a:rPr sz="1600" spc="-35" dirty="0">
+              <a:rPr sz="2000" spc="-35" dirty="0">
                 <a:latin typeface="Verdana"/>
                 <a:cs typeface="Verdana"/>
               </a:rPr>
               <a:t>w</a:t>
             </a:r>
             <a:r>
-              <a:rPr sz="1600" spc="-20" dirty="0">
+              <a:rPr sz="2000" spc="-20" dirty="0">
                 <a:latin typeface="Verdana"/>
                 <a:cs typeface="Verdana"/>
               </a:rPr>
               <a:t>a</a:t>
             </a:r>
             <a:r>
-              <a:rPr sz="1600" spc="-10" dirty="0">
+              <a:rPr sz="2000" spc="-10" dirty="0">
                 <a:latin typeface="Verdana"/>
                 <a:cs typeface="Verdana"/>
               </a:rPr>
               <a:t>y</a:t>
             </a:r>
             <a:r>
-              <a:rPr sz="1600" spc="175" dirty="0">
-                <a:latin typeface="Times New Roman"/>
-                <a:cs typeface="Times New Roman"/>
-              </a:rPr>
-              <a:t> </a:t>
-            </a:r>
-            <a:r>
-              <a:rPr sz="1600" spc="-15" dirty="0">
+              <a:rPr sz="2000" spc="175" dirty="0">
+                <a:latin typeface="Times New Roman"/>
+                <a:cs typeface="Times New Roman"/>
+              </a:rPr>
+              <a:t> </a:t>
+            </a:r>
+            <a:r>
+              <a:rPr sz="2000" spc="-15" dirty="0">
                 <a:latin typeface="Verdana"/>
                 <a:cs typeface="Verdana"/>
               </a:rPr>
               <a:t>dat</a:t>
             </a:r>
             <a:r>
-              <a:rPr sz="1600" spc="-10" dirty="0">
+              <a:rPr sz="2000" spc="-10" dirty="0">
                 <a:latin typeface="Verdana"/>
                 <a:cs typeface="Verdana"/>
               </a:rPr>
               <a:t>a</a:t>
             </a:r>
             <a:r>
-              <a:rPr sz="1600" spc="165" dirty="0">
-                <a:latin typeface="Times New Roman"/>
-                <a:cs typeface="Times New Roman"/>
-              </a:rPr>
-              <a:t> </a:t>
-            </a:r>
-            <a:r>
-              <a:rPr sz="1600" spc="-15" dirty="0">
+              <a:rPr sz="2000" spc="165" dirty="0">
+                <a:latin typeface="Times New Roman"/>
+                <a:cs typeface="Times New Roman"/>
+              </a:rPr>
+              <a:t> </a:t>
+            </a:r>
+            <a:r>
+              <a:rPr sz="2000" spc="-15" dirty="0">
                 <a:latin typeface="Verdana"/>
                 <a:cs typeface="Verdana"/>
               </a:rPr>
               <a:t>binding</a:t>
             </a:r>
-            <a:endParaRPr sz="1600" dirty="0">
+            <a:endParaRPr sz="2000" dirty="0">
               <a:latin typeface="Verdana"/>
               <a:cs typeface="Verdana"/>
             </a:endParaRPr>
@@ -22281,83 +22081,83 @@
               </a:tabLst>
             </a:pPr>
             <a:r>
-              <a:rPr sz="1600" spc="-170" dirty="0">
+              <a:rPr sz="2000" spc="-170" dirty="0">
                 <a:latin typeface="Verdana"/>
                 <a:cs typeface="Verdana"/>
               </a:rPr>
               <a:t>T</a:t>
             </a:r>
             <a:r>
-              <a:rPr sz="1600" spc="-15" dirty="0">
+              <a:rPr sz="2000" spc="-15" dirty="0">
                 <a:latin typeface="Verdana"/>
                 <a:cs typeface="Verdana"/>
               </a:rPr>
               <a:t>wo</a:t>
             </a:r>
             <a:r>
-              <a:rPr sz="1600" spc="-30" dirty="0">
+              <a:rPr sz="2000" spc="-30" dirty="0">
                 <a:latin typeface="Verdana"/>
                 <a:cs typeface="Verdana"/>
               </a:rPr>
               <a:t>-</a:t>
             </a:r>
             <a:r>
-              <a:rPr sz="1600" spc="-35" dirty="0">
+              <a:rPr sz="2000" spc="-35" dirty="0">
                 <a:latin typeface="Verdana"/>
                 <a:cs typeface="Verdana"/>
               </a:rPr>
               <a:t>w</a:t>
             </a:r>
             <a:r>
-              <a:rPr sz="1600" spc="-20" dirty="0">
+              <a:rPr sz="2000" spc="-20" dirty="0">
                 <a:latin typeface="Verdana"/>
                 <a:cs typeface="Verdana"/>
               </a:rPr>
               <a:t>a</a:t>
             </a:r>
             <a:r>
-              <a:rPr sz="1600" spc="-10" dirty="0">
+              <a:rPr sz="2000" spc="-10" dirty="0">
                 <a:latin typeface="Verdana"/>
                 <a:cs typeface="Verdana"/>
               </a:rPr>
               <a:t>y</a:t>
             </a:r>
             <a:r>
-              <a:rPr sz="1600" spc="180" dirty="0">
-                <a:latin typeface="Times New Roman"/>
-                <a:cs typeface="Times New Roman"/>
-              </a:rPr>
-              <a:t> </a:t>
-            </a:r>
-            <a:r>
-              <a:rPr sz="1600" spc="-15" dirty="0">
+              <a:rPr sz="2000" spc="180" dirty="0">
+                <a:latin typeface="Times New Roman"/>
+                <a:cs typeface="Times New Roman"/>
+              </a:rPr>
+              <a:t> </a:t>
+            </a:r>
+            <a:r>
+              <a:rPr sz="2000" spc="-15" dirty="0">
                 <a:latin typeface="Verdana"/>
                 <a:cs typeface="Verdana"/>
               </a:rPr>
               <a:t>dat</a:t>
             </a:r>
             <a:r>
-              <a:rPr sz="1600" spc="-10" dirty="0">
+              <a:rPr sz="2000" spc="-10" dirty="0">
                 <a:latin typeface="Verdana"/>
                 <a:cs typeface="Verdana"/>
               </a:rPr>
               <a:t>a</a:t>
             </a:r>
             <a:r>
-              <a:rPr sz="1600" spc="170" dirty="0">
-                <a:latin typeface="Times New Roman"/>
-                <a:cs typeface="Times New Roman"/>
-              </a:rPr>
-              <a:t> </a:t>
-            </a:r>
-            <a:r>
-              <a:rPr sz="1600" spc="-15" dirty="0">
+              <a:rPr sz="2000" spc="170" dirty="0">
+                <a:latin typeface="Times New Roman"/>
+                <a:cs typeface="Times New Roman"/>
+              </a:rPr>
+              <a:t> </a:t>
+            </a:r>
+            <a:r>
+              <a:rPr sz="2000" spc="-15" dirty="0">
                 <a:latin typeface="Verdana"/>
                 <a:cs typeface="Verdana"/>
               </a:rPr>
               <a:t>binding</a:t>
             </a:r>
-            <a:endParaRPr sz="1600" dirty="0">
+            <a:endParaRPr sz="2000" dirty="0">
               <a:latin typeface="Verdana"/>
               <a:cs typeface="Verdana"/>
             </a:endParaRPr>
@@ -29997,8 +29797,8 @@
         </p:nvSpPr>
         <p:spPr>
           <a:xfrm>
-            <a:off x="1272673" y="1029679"/>
-            <a:ext cx="7178040" cy="4228850"/>
+            <a:off x="469900" y="1029679"/>
+            <a:ext cx="10223500" cy="5752857"/>
           </a:xfrm>
           <a:prstGeom prst="rect">
             <a:avLst/>
@@ -30572,6 +30372,23 @@
               </a:rPr>
               <a:t>&lt;/ul&gt;</a:t>
             </a:r>
+            <a:endParaRPr lang="nl-NL" sz="1500" dirty="0">
+              <a:solidFill>
+                <a:srgbClr val="008000"/>
+              </a:solidFill>
+              <a:latin typeface="Consolas"/>
+              <a:cs typeface="Consolas"/>
+            </a:endParaRPr>
+          </a:p>
+          <a:p>
+            <a:pPr marL="364490">
+              <a:lnSpc>
+                <a:spcPct val="100000"/>
+              </a:lnSpc>
+              <a:spcBef>
+                <a:spcPts val="915"/>
+              </a:spcBef>
+            </a:pPr>
             <a:endParaRPr sz="1500" dirty="0">
               <a:latin typeface="Consolas"/>
               <a:cs typeface="Consolas"/>
@@ -30579,14 +30396,18 @@
           </a:p>
           <a:p>
             <a:pPr marL="19050">
-              <a:lnSpc>
-                <a:spcPct val="100000"/>
-              </a:lnSpc>
               <a:spcBef>
                 <a:spcPts val="635"/>
               </a:spcBef>
             </a:pPr>
             <a:r>
+              <a:rPr lang="nl-NL" sz="2150" spc="-5" dirty="0">
+                <a:latin typeface="Arial"/>
+                <a:cs typeface="Arial"/>
+              </a:rPr>
+              <a:t>    </a:t>
+            </a:r>
+            <a:r>
               <a:rPr sz="2150" spc="-5" dirty="0">
                 <a:latin typeface="Arial"/>
                 <a:cs typeface="Arial"/>
@@ -30599,1103 +30420,138 @@
             </a:endParaRPr>
           </a:p>
           <a:p>
-            <a:pPr marL="364490" indent="-635">
-              <a:lnSpc>
-                <a:spcPct val="100000"/>
-              </a:lnSpc>
-              <a:spcBef>
-                <a:spcPts val="490"/>
-              </a:spcBef>
-            </a:pPr>
-            <a:r>
-              <a:rPr sz="1500" i="1" dirty="0">
-                <a:solidFill>
-                  <a:srgbClr val="46C249"/>
-                </a:solidFill>
-                <a:latin typeface="Consolas"/>
-                <a:cs typeface="Consolas"/>
-              </a:rPr>
-              <a:t>//</a:t>
-            </a:r>
-            <a:r>
-              <a:rPr sz="1500" i="1" dirty="0">
-                <a:solidFill>
-                  <a:srgbClr val="46C249"/>
-                </a:solidFill>
-                <a:latin typeface="Times New Roman"/>
-                <a:cs typeface="Times New Roman"/>
-              </a:rPr>
-              <a:t> </a:t>
-            </a:r>
-            <a:r>
-              <a:rPr sz="1500" i="1" spc="90" dirty="0">
-                <a:solidFill>
-                  <a:srgbClr val="46C249"/>
-                </a:solidFill>
-                <a:latin typeface="Times New Roman"/>
-                <a:cs typeface="Times New Roman"/>
-              </a:rPr>
-              <a:t> </a:t>
-            </a:r>
-            <a:r>
-              <a:rPr sz="1500" i="1" spc="5" dirty="0">
-                <a:solidFill>
-                  <a:srgbClr val="46C249"/>
-                </a:solidFill>
-                <a:latin typeface="Consolas"/>
-                <a:cs typeface="Consolas"/>
-              </a:rPr>
-              <a:t>Clas</a:t>
-            </a:r>
-            <a:r>
-              <a:rPr sz="1500" i="1" dirty="0">
-                <a:solidFill>
-                  <a:srgbClr val="46C249"/>
-                </a:solidFill>
-                <a:latin typeface="Consolas"/>
-                <a:cs typeface="Consolas"/>
-              </a:rPr>
-              <a:t>s</a:t>
-            </a:r>
-            <a:r>
-              <a:rPr sz="1500" i="1" dirty="0">
-                <a:solidFill>
-                  <a:srgbClr val="46C249"/>
-                </a:solidFill>
-                <a:latin typeface="Times New Roman"/>
-                <a:cs typeface="Times New Roman"/>
-              </a:rPr>
-              <a:t> </a:t>
-            </a:r>
-            <a:r>
-              <a:rPr sz="1500" i="1" spc="80" dirty="0">
-                <a:solidFill>
-                  <a:srgbClr val="46C249"/>
-                </a:solidFill>
-                <a:latin typeface="Times New Roman"/>
-                <a:cs typeface="Times New Roman"/>
-              </a:rPr>
-              <a:t> </a:t>
-            </a:r>
-            <a:r>
-              <a:rPr lang="nl-NL" sz="1500" i="1" spc="5" dirty="0" err="1">
-                <a:solidFill>
-                  <a:srgbClr val="46C249"/>
-                </a:solidFill>
-                <a:latin typeface="Consolas"/>
-                <a:cs typeface="Consolas"/>
-              </a:rPr>
-              <a:t>with</a:t>
-            </a:r>
-            <a:r>
-              <a:rPr sz="1500" i="1" dirty="0">
-                <a:solidFill>
-                  <a:srgbClr val="46C249"/>
-                </a:solidFill>
-                <a:latin typeface="Times New Roman"/>
-                <a:cs typeface="Times New Roman"/>
-              </a:rPr>
-              <a:t> </a:t>
-            </a:r>
-            <a:r>
-              <a:rPr sz="1500" i="1" spc="90" dirty="0">
-                <a:solidFill>
-                  <a:srgbClr val="46C249"/>
-                </a:solidFill>
-                <a:latin typeface="Times New Roman"/>
-                <a:cs typeface="Times New Roman"/>
-              </a:rPr>
-              <a:t> </a:t>
-            </a:r>
-            <a:r>
-              <a:rPr sz="1500" i="1" spc="5" dirty="0">
-                <a:solidFill>
-                  <a:srgbClr val="46C249"/>
-                </a:solidFill>
-                <a:latin typeface="Consolas"/>
-                <a:cs typeface="Consolas"/>
-              </a:rPr>
-              <a:t>properties</a:t>
-            </a:r>
-            <a:r>
-              <a:rPr sz="1500" i="1" dirty="0">
-                <a:solidFill>
-                  <a:srgbClr val="46C249"/>
-                </a:solidFill>
-                <a:latin typeface="Consolas"/>
-                <a:cs typeface="Consolas"/>
-              </a:rPr>
-              <a:t>,</a:t>
-            </a:r>
-            <a:r>
-              <a:rPr sz="1500" i="1" dirty="0">
-                <a:solidFill>
-                  <a:srgbClr val="46C249"/>
-                </a:solidFill>
-                <a:latin typeface="Times New Roman"/>
-                <a:cs typeface="Times New Roman"/>
-              </a:rPr>
-              <a:t> </a:t>
-            </a:r>
-            <a:r>
-              <a:rPr sz="1500" i="1" spc="90" dirty="0">
-                <a:solidFill>
-                  <a:srgbClr val="46C249"/>
-                </a:solidFill>
-                <a:latin typeface="Times New Roman"/>
-                <a:cs typeface="Times New Roman"/>
-              </a:rPr>
-              <a:t> </a:t>
-            </a:r>
-            <a:r>
-              <a:rPr sz="1500" i="1" spc="5" dirty="0">
-                <a:solidFill>
-                  <a:srgbClr val="46C249"/>
-                </a:solidFill>
-                <a:latin typeface="Consolas"/>
-                <a:cs typeface="Consolas"/>
-              </a:rPr>
-              <a:t>arra</a:t>
-            </a:r>
-            <a:r>
-              <a:rPr sz="1500" i="1" dirty="0">
-                <a:solidFill>
-                  <a:srgbClr val="46C249"/>
-                </a:solidFill>
-                <a:latin typeface="Consolas"/>
-                <a:cs typeface="Consolas"/>
-              </a:rPr>
-              <a:t>y</a:t>
-            </a:r>
-            <a:r>
-              <a:rPr sz="1500" i="1" dirty="0">
-                <a:solidFill>
-                  <a:srgbClr val="46C249"/>
-                </a:solidFill>
-                <a:latin typeface="Times New Roman"/>
-                <a:cs typeface="Times New Roman"/>
-              </a:rPr>
-              <a:t> </a:t>
-            </a:r>
-            <a:r>
-              <a:rPr sz="1500" i="1" spc="90" dirty="0">
-                <a:solidFill>
-                  <a:srgbClr val="46C249"/>
-                </a:solidFill>
-                <a:latin typeface="Times New Roman"/>
-                <a:cs typeface="Times New Roman"/>
-              </a:rPr>
-              <a:t> </a:t>
-            </a:r>
-            <a:r>
-              <a:rPr lang="nl-NL" sz="1500" i="1" dirty="0" err="1">
-                <a:solidFill>
-                  <a:srgbClr val="46C249"/>
-                </a:solidFill>
-                <a:latin typeface="Consolas"/>
-                <a:cs typeface="Consolas"/>
-              </a:rPr>
-              <a:t>with</a:t>
-            </a:r>
-            <a:r>
-              <a:rPr sz="1500" i="1" dirty="0">
-                <a:solidFill>
-                  <a:srgbClr val="46C249"/>
-                </a:solidFill>
-                <a:latin typeface="Times New Roman"/>
-                <a:cs typeface="Times New Roman"/>
-              </a:rPr>
-              <a:t> </a:t>
-            </a:r>
-            <a:r>
-              <a:rPr sz="1500" i="1" spc="95" dirty="0">
-                <a:solidFill>
-                  <a:srgbClr val="46C249"/>
-                </a:solidFill>
-                <a:latin typeface="Times New Roman"/>
-                <a:cs typeface="Times New Roman"/>
-              </a:rPr>
-              <a:t> </a:t>
-            </a:r>
-            <a:r>
-              <a:rPr sz="1500" i="1" dirty="0">
-                <a:solidFill>
-                  <a:srgbClr val="46C249"/>
-                </a:solidFill>
-                <a:latin typeface="Consolas"/>
-                <a:cs typeface="Consolas"/>
-              </a:rPr>
-              <a:t>cities</a:t>
-            </a:r>
-            <a:endParaRPr sz="1500" dirty="0">
+            <a:pPr marL="683260" marR="3937635" indent="-318770"/>
+            <a:endParaRPr lang="nl-NL" sz="1500" b="1" dirty="0">
+              <a:solidFill>
+                <a:srgbClr val="000080"/>
+              </a:solidFill>
               <a:latin typeface="Consolas"/>
               <a:cs typeface="Consolas"/>
             </a:endParaRPr>
           </a:p>
           <a:p>
-            <a:pPr marL="683260" marR="3937635" indent="-318770">
-              <a:lnSpc>
-                <a:spcPct val="151000"/>
-              </a:lnSpc>
-            </a:pPr>
-            <a:r>
-              <a:rPr sz="1500" b="1" dirty="0">
-                <a:solidFill>
-                  <a:srgbClr val="000080"/>
-                </a:solidFill>
-                <a:latin typeface="Consolas"/>
-                <a:cs typeface="Consolas"/>
-              </a:rPr>
-              <a:t>export</a:t>
-            </a:r>
-            <a:r>
-              <a:rPr sz="1500" b="1" dirty="0">
-                <a:solidFill>
-                  <a:srgbClr val="000080"/>
-                </a:solidFill>
-                <a:latin typeface="Times New Roman"/>
-                <a:cs typeface="Times New Roman"/>
-              </a:rPr>
-              <a:t> </a:t>
-            </a:r>
-            <a:r>
-              <a:rPr sz="1500" b="1" spc="95" dirty="0">
-                <a:solidFill>
-                  <a:srgbClr val="000080"/>
-                </a:solidFill>
-                <a:latin typeface="Times New Roman"/>
-                <a:cs typeface="Times New Roman"/>
-              </a:rPr>
-              <a:t> </a:t>
-            </a:r>
-            <a:r>
-              <a:rPr sz="1500" b="1" dirty="0">
-                <a:solidFill>
-                  <a:srgbClr val="000080"/>
-                </a:solidFill>
-                <a:latin typeface="Consolas"/>
-                <a:cs typeface="Consolas"/>
-              </a:rPr>
-              <a:t>class</a:t>
-            </a:r>
-            <a:r>
-              <a:rPr sz="1500" b="1" dirty="0">
-                <a:solidFill>
-                  <a:srgbClr val="000080"/>
-                </a:solidFill>
-                <a:latin typeface="Times New Roman"/>
-                <a:cs typeface="Times New Roman"/>
-              </a:rPr>
-              <a:t> </a:t>
-            </a:r>
-            <a:r>
-              <a:rPr sz="1500" b="1" spc="90" dirty="0">
-                <a:solidFill>
-                  <a:srgbClr val="000080"/>
-                </a:solidFill>
-                <a:latin typeface="Times New Roman"/>
-                <a:cs typeface="Times New Roman"/>
-              </a:rPr>
-              <a:t> </a:t>
-            </a:r>
-            <a:r>
-              <a:rPr sz="1500" spc="5" dirty="0">
-                <a:latin typeface="Consolas"/>
-                <a:cs typeface="Consolas"/>
-              </a:rPr>
-              <a:t>AppComponen</a:t>
-            </a:r>
-            <a:r>
-              <a:rPr sz="1500" dirty="0">
-                <a:latin typeface="Consolas"/>
-                <a:cs typeface="Consolas"/>
-              </a:rPr>
-              <a:t>t</a:t>
-            </a:r>
-            <a:r>
-              <a:rPr sz="1500" dirty="0">
-                <a:latin typeface="Times New Roman"/>
-                <a:cs typeface="Times New Roman"/>
-              </a:rPr>
-              <a:t> </a:t>
-            </a:r>
-            <a:r>
-              <a:rPr sz="1500" spc="85" dirty="0">
-                <a:latin typeface="Times New Roman"/>
-                <a:cs typeface="Times New Roman"/>
-              </a:rPr>
-              <a:t> </a:t>
-            </a:r>
-            <a:r>
-              <a:rPr sz="1500" dirty="0">
-                <a:latin typeface="Consolas"/>
-                <a:cs typeface="Consolas"/>
-              </a:rPr>
-              <a:t>{</a:t>
-            </a:r>
-            <a:r>
-              <a:rPr sz="1500" dirty="0">
-                <a:latin typeface="Times New Roman"/>
-                <a:cs typeface="Times New Roman"/>
-              </a:rPr>
-              <a:t> </a:t>
-            </a:r>
-            <a:r>
-              <a:rPr sz="1500" spc="5" dirty="0">
-                <a:latin typeface="Consolas"/>
-                <a:cs typeface="Consolas"/>
-              </a:rPr>
-              <a:t>name</a:t>
-            </a:r>
-            <a:r>
-              <a:rPr sz="1500" spc="-5" dirty="0">
-                <a:latin typeface="Consolas"/>
-                <a:cs typeface="Consolas"/>
-              </a:rPr>
-              <a:t>:</a:t>
-            </a:r>
-            <a:r>
-              <a:rPr sz="1500" b="1" spc="5" dirty="0">
-                <a:solidFill>
-                  <a:srgbClr val="000080"/>
-                </a:solidFill>
-                <a:latin typeface="Consolas"/>
-                <a:cs typeface="Consolas"/>
-              </a:rPr>
-              <a:t>string</a:t>
-            </a:r>
-            <a:r>
-              <a:rPr sz="1500" dirty="0">
-                <a:latin typeface="Consolas"/>
-                <a:cs typeface="Consolas"/>
-              </a:rPr>
+            <a:pPr marL="683260" marR="3937635" indent="-318770"/>
+            <a:r>
+              <a:rPr lang="en-US" dirty="0"/>
+              <a:t>export  class  </a:t>
+            </a:r>
+            <a:r>
+              <a:rPr lang="en-US" dirty="0" err="1"/>
+              <a:t>AppComponent</a:t>
+            </a:r>
+            <a:r>
+              <a:rPr lang="en-US" dirty="0"/>
+              <a:t>  {</a:t>
+            </a:r>
+            <a:br>
+              <a:rPr lang="en-US" dirty="0"/>
+            </a:br>
+            <a:r>
+              <a:rPr lang="en-US" dirty="0"/>
+              <a:t>  </a:t>
+            </a:r>
+            <a:r>
+              <a:rPr lang="en-US" dirty="0" err="1"/>
+              <a:t>name:string</a:t>
+            </a:r>
+            <a:r>
+              <a:rPr lang="en-US" dirty="0"/>
               <a:t>;</a:t>
             </a:r>
-          </a:p>
-          <a:p>
-            <a:pPr marL="683260">
-              <a:lnSpc>
-                <a:spcPct val="100000"/>
-              </a:lnSpc>
-              <a:spcBef>
-                <a:spcPts val="919"/>
-              </a:spcBef>
-            </a:pPr>
-            <a:r>
-              <a:rPr sz="1500" dirty="0">
-                <a:latin typeface="Consolas"/>
-                <a:cs typeface="Consolas"/>
-              </a:rPr>
-              <a:t>cities</a:t>
-            </a:r>
-            <a:r>
-              <a:rPr sz="1500" spc="5" dirty="0">
-                <a:latin typeface="Consolas"/>
-                <a:cs typeface="Consolas"/>
-              </a:rPr>
-              <a:t>:</a:t>
-            </a:r>
-            <a:r>
-              <a:rPr sz="1500" b="1" spc="5" dirty="0">
-                <a:solidFill>
-                  <a:srgbClr val="000080"/>
-                </a:solidFill>
-                <a:latin typeface="Consolas"/>
-                <a:cs typeface="Consolas"/>
-              </a:rPr>
-              <a:t>strin</a:t>
-            </a:r>
-            <a:r>
-              <a:rPr sz="1500" b="1" dirty="0">
-                <a:solidFill>
-                  <a:srgbClr val="000080"/>
-                </a:solidFill>
-                <a:latin typeface="Consolas"/>
-                <a:cs typeface="Consolas"/>
-              </a:rPr>
-              <a:t>g</a:t>
-            </a:r>
-            <a:r>
-              <a:rPr sz="1500" spc="5" dirty="0">
-                <a:latin typeface="Consolas"/>
-                <a:cs typeface="Consolas"/>
-              </a:rPr>
+            <a:br>
+              <a:rPr lang="en-US" dirty="0"/>
+            </a:br>
+            <a:r>
+              <a:rPr lang="en-US" dirty="0"/>
+              <a:t>  </a:t>
+            </a:r>
+            <a:r>
+              <a:rPr lang="en-US" dirty="0" err="1"/>
+              <a:t>cities:string</a:t>
+            </a:r>
+            <a:r>
+              <a:rPr lang="en-US" dirty="0"/>
               <a:t>[];</a:t>
             </a:r>
+            <a:br>
+              <a:rPr lang="en-US" dirty="0"/>
+            </a:br>
+            <a:r>
+              <a:rPr lang="en-US" dirty="0"/>
+              <a:t>  </a:t>
+            </a:r>
+            <a:br>
+              <a:rPr lang="en-US" dirty="0"/>
+            </a:br>
+            <a:r>
+              <a:rPr lang="en-US" dirty="0"/>
+              <a:t>  constructor()  {</a:t>
+            </a:r>
+            <a:br>
+              <a:rPr lang="en-US" dirty="0"/>
+            </a:br>
+            <a:br>
+              <a:rPr lang="en-US" dirty="0"/>
+            </a:br>
+            <a:r>
+              <a:rPr lang="en-US" dirty="0"/>
+              <a:t>    </a:t>
+            </a:r>
+            <a:r>
+              <a:rPr lang="en-US" dirty="0" err="1"/>
+              <a:t>this.name</a:t>
+            </a:r>
+            <a:r>
+              <a:rPr lang="en-US" dirty="0"/>
+              <a:t> = 'Peter  Eijgermans’; </a:t>
+            </a:r>
+            <a:br>
+              <a:rPr lang="en-US" dirty="0"/>
+            </a:br>
+            <a:r>
+              <a:rPr lang="en-US" dirty="0"/>
+              <a:t>    </a:t>
+            </a:r>
+            <a:r>
+              <a:rPr lang="en-US" dirty="0" err="1"/>
+              <a:t>this.cities</a:t>
+            </a:r>
+            <a:r>
+              <a:rPr lang="en-US" dirty="0"/>
+              <a:t> = ['Groningen',  '</a:t>
+            </a:r>
+            <a:r>
+              <a:rPr lang="en-US" dirty="0" err="1"/>
+              <a:t>Hengelo','Den</a:t>
+            </a:r>
+            <a:r>
+              <a:rPr lang="en-US" dirty="0"/>
+              <a:t>  Haag'];</a:t>
+            </a:r>
+            <a:br>
+              <a:rPr lang="en-US" dirty="0"/>
+            </a:br>
+            <a:r>
+              <a:rPr lang="en-US" dirty="0"/>
+              <a:t>  }</a:t>
+            </a:r>
+          </a:p>
+          <a:p>
+            <a:pPr marL="683260" marR="3937635" indent="-318770"/>
+            <a:r>
+              <a:rPr lang="en-US" dirty="0"/>
+              <a:t>}</a:t>
+            </a:r>
+            <a:br>
+              <a:rPr lang="en-US" sz="1600" dirty="0"/>
+            </a:br>
             <a:endParaRPr sz="1500" dirty="0">
-              <a:latin typeface="Consolas"/>
-              <a:cs typeface="Consolas"/>
+              <a:latin typeface="Arial" panose="020B0604020202020204" pitchFamily="34" charset="0"/>
+              <a:cs typeface="Arial" panose="020B0604020202020204" pitchFamily="34" charset="0"/>
             </a:endParaRPr>
-          </a:p>
-          <a:p>
-            <a:pPr>
-              <a:lnSpc>
-                <a:spcPct val="100000"/>
-              </a:lnSpc>
-            </a:pPr>
-            <a:endParaRPr sz="1500" dirty="0">
-              <a:latin typeface="Times New Roman"/>
-              <a:cs typeface="Times New Roman"/>
-            </a:endParaRPr>
-          </a:p>
-          <a:p>
-            <a:pPr>
-              <a:lnSpc>
-                <a:spcPct val="100000"/>
-              </a:lnSpc>
-              <a:spcBef>
-                <a:spcPts val="13"/>
-              </a:spcBef>
-            </a:pPr>
-            <a:endParaRPr sz="1650" dirty="0">
-              <a:latin typeface="Times New Roman"/>
-              <a:cs typeface="Times New Roman"/>
-            </a:endParaRPr>
-          </a:p>
-          <a:p>
-            <a:pPr marL="683260">
-              <a:lnSpc>
-                <a:spcPct val="100000"/>
-              </a:lnSpc>
-            </a:pPr>
-            <a:r>
-              <a:rPr sz="1500" b="1" spc="5" dirty="0">
-                <a:solidFill>
-                  <a:srgbClr val="000080"/>
-                </a:solidFill>
-                <a:latin typeface="Consolas"/>
-                <a:cs typeface="Consolas"/>
-              </a:rPr>
-              <a:t>constructor</a:t>
-            </a:r>
-            <a:r>
-              <a:rPr sz="1500" dirty="0">
-                <a:latin typeface="Consolas"/>
-                <a:cs typeface="Consolas"/>
-              </a:rPr>
-              <a:t>()</a:t>
-            </a:r>
-            <a:r>
-              <a:rPr sz="1500" dirty="0">
-                <a:latin typeface="Times New Roman"/>
-                <a:cs typeface="Times New Roman"/>
-              </a:rPr>
-              <a:t> </a:t>
-            </a:r>
-            <a:r>
-              <a:rPr sz="1500" spc="90" dirty="0">
-                <a:latin typeface="Times New Roman"/>
-                <a:cs typeface="Times New Roman"/>
-              </a:rPr>
-              <a:t> </a:t>
-            </a:r>
-            <a:r>
-              <a:rPr sz="1500" dirty="0">
-                <a:latin typeface="Consolas"/>
-                <a:cs typeface="Consolas"/>
-              </a:rPr>
-              <a:t>{</a:t>
-            </a:r>
           </a:p>
         </p:txBody>
       </p:sp>
-      <p:sp>
-        <p:nvSpPr>
-          <p:cNvPr id="9" name="object 9"/>
-          <p:cNvSpPr txBox="1"/>
-          <p:nvPr/>
-        </p:nvSpPr>
-        <p:spPr>
-          <a:xfrm>
-            <a:off x="1943304" y="6352132"/>
-            <a:ext cx="131445" cy="217804"/>
-          </a:xfrm>
-          <a:prstGeom prst="rect">
-            <a:avLst/>
-          </a:prstGeom>
-        </p:spPr>
-        <p:txBody>
-          <a:bodyPr vert="horz" wrap="square" lIns="0" tIns="0" rIns="0" bIns="0" rtlCol="0">
-            <a:spAutoFit/>
-          </a:bodyPr>
-          <a:lstStyle/>
-          <a:p>
-            <a:pPr marL="12700">
-              <a:lnSpc>
-                <a:spcPct val="100000"/>
-              </a:lnSpc>
-            </a:pPr>
-            <a:r>
-              <a:rPr sz="1500" dirty="0">
-                <a:latin typeface="Consolas"/>
-                <a:cs typeface="Consolas"/>
-              </a:rPr>
-              <a:t>}</a:t>
-            </a:r>
-          </a:p>
-        </p:txBody>
-      </p:sp>
-      <p:sp>
-        <p:nvSpPr>
-          <p:cNvPr id="10" name="object 10"/>
-          <p:cNvSpPr txBox="1"/>
-          <p:nvPr/>
-        </p:nvSpPr>
-        <p:spPr>
-          <a:xfrm>
-            <a:off x="1624777" y="6697306"/>
-            <a:ext cx="131445" cy="217804"/>
-          </a:xfrm>
-          <a:prstGeom prst="rect">
-            <a:avLst/>
-          </a:prstGeom>
-        </p:spPr>
-        <p:txBody>
-          <a:bodyPr vert="horz" wrap="square" lIns="0" tIns="0" rIns="0" bIns="0" rtlCol="0">
-            <a:spAutoFit/>
-          </a:bodyPr>
-          <a:lstStyle/>
-          <a:p>
-            <a:pPr marL="12700">
-              <a:lnSpc>
-                <a:spcPct val="100000"/>
-              </a:lnSpc>
-            </a:pPr>
-            <a:r>
-              <a:rPr sz="1500" dirty="0">
-                <a:latin typeface="Consolas"/>
-                <a:cs typeface="Consolas"/>
-              </a:rPr>
-              <a:t>}</a:t>
-            </a:r>
-            <a:endParaRPr sz="1500">
-              <a:latin typeface="Consolas"/>
-              <a:cs typeface="Consolas"/>
-            </a:endParaRPr>
-          </a:p>
-        </p:txBody>
-      </p:sp>
-      <p:graphicFrame>
-        <p:nvGraphicFramePr>
-          <p:cNvPr id="8" name="object 8"/>
-          <p:cNvGraphicFramePr>
-            <a:graphicFrameLocks noGrp="1"/>
-          </p:cNvGraphicFramePr>
-          <p:nvPr>
-            <p:extLst>
-              <p:ext uri="{D42A27DB-BD31-4B8C-83A1-F6EECF244321}">
-                <p14:modId xmlns:p14="http://schemas.microsoft.com/office/powerpoint/2010/main" val="1118571761"/>
-              </p:ext>
-            </p:extLst>
-          </p:nvPr>
-        </p:nvGraphicFramePr>
-        <p:xfrm>
-          <a:off x="2222500" y="5456925"/>
-          <a:ext cx="6656263" cy="664968"/>
-        </p:xfrm>
-        <a:graphic>
-          <a:graphicData uri="http://schemas.openxmlformats.org/drawingml/2006/table">
-            <a:tbl>
-              <a:tblPr firstRow="1" bandRow="1">
-                <a:tableStyleId>{2D5ABB26-0587-4C30-8999-92F81FD0307C}</a:tableStyleId>
-              </a:tblPr>
-              <a:tblGrid>
-                <a:gridCol w="1256520">
-                  <a:extLst>
-                    <a:ext uri="{9D8B030D-6E8A-4147-A177-3AD203B41FA5}">
-                      <a16:colId xmlns:a16="http://schemas.microsoft.com/office/drawing/2014/main" val="20000"/>
-                    </a:ext>
-                  </a:extLst>
-                </a:gridCol>
-                <a:gridCol w="212328">
-                  <a:extLst>
-                    <a:ext uri="{9D8B030D-6E8A-4147-A177-3AD203B41FA5}">
-                      <a16:colId xmlns:a16="http://schemas.microsoft.com/office/drawing/2014/main" val="20001"/>
-                    </a:ext>
-                  </a:extLst>
-                </a:gridCol>
-                <a:gridCol w="2656342">
-                  <a:extLst>
-                    <a:ext uri="{9D8B030D-6E8A-4147-A177-3AD203B41FA5}">
-                      <a16:colId xmlns:a16="http://schemas.microsoft.com/office/drawing/2014/main" val="20002"/>
-                    </a:ext>
-                  </a:extLst>
-                </a:gridCol>
-                <a:gridCol w="2531073">
-                  <a:extLst>
-                    <a:ext uri="{9D8B030D-6E8A-4147-A177-3AD203B41FA5}">
-                      <a16:colId xmlns:a16="http://schemas.microsoft.com/office/drawing/2014/main" val="20003"/>
-                    </a:ext>
-                  </a:extLst>
-                </a:gridCol>
-              </a:tblGrid>
-              <a:tr h="332484">
-                <a:tc>
-                  <a:txBody>
-                    <a:bodyPr/>
-                    <a:lstStyle/>
-                    <a:p>
-                      <a:pPr marL="34925">
-                        <a:lnSpc>
-                          <a:spcPct val="100000"/>
-                        </a:lnSpc>
-                      </a:pPr>
-                      <a:r>
-                        <a:rPr sz="1500" b="1" dirty="0">
-                          <a:solidFill>
-                            <a:srgbClr val="000080"/>
-                          </a:solidFill>
-                          <a:latin typeface="Consolas"/>
-                          <a:cs typeface="Consolas"/>
-                        </a:rPr>
-                        <a:t>thi</a:t>
-                      </a:r>
-                      <a:r>
-                        <a:rPr sz="1500" b="1" spc="5" dirty="0">
-                          <a:solidFill>
-                            <a:srgbClr val="000080"/>
-                          </a:solidFill>
-                          <a:latin typeface="Consolas"/>
-                          <a:cs typeface="Consolas"/>
-                        </a:rPr>
-                        <a:t>s</a:t>
-                      </a:r>
-                      <a:r>
-                        <a:rPr sz="1500" spc="5" dirty="0">
-                          <a:latin typeface="Consolas"/>
-                          <a:cs typeface="Consolas"/>
-                        </a:rPr>
-                        <a:t>.name</a:t>
-                      </a:r>
-                      <a:endParaRPr sz="1500">
-                        <a:latin typeface="Consolas"/>
-                        <a:cs typeface="Consolas"/>
-                      </a:endParaRPr>
-                    </a:p>
-                  </a:txBody>
-                  <a:tcPr marL="0" marR="0" marT="0" marB="0"/>
-                </a:tc>
-                <a:tc>
-                  <a:txBody>
-                    <a:bodyPr/>
-                    <a:lstStyle/>
-                    <a:p>
-                      <a:pPr marL="52705">
-                        <a:lnSpc>
-                          <a:spcPct val="100000"/>
-                        </a:lnSpc>
-                      </a:pPr>
-                      <a:r>
-                        <a:rPr sz="1500" dirty="0">
-                          <a:latin typeface="Consolas"/>
-                          <a:cs typeface="Consolas"/>
-                        </a:rPr>
-                        <a:t>=</a:t>
-                      </a:r>
-                      <a:endParaRPr sz="1500">
-                        <a:latin typeface="Consolas"/>
-                        <a:cs typeface="Consolas"/>
-                      </a:endParaRPr>
-                    </a:p>
-                  </a:txBody>
-                  <a:tcPr marL="0" marR="0" marT="0" marB="0"/>
-                </a:tc>
-                <a:tc>
-                  <a:txBody>
-                    <a:bodyPr/>
-                    <a:lstStyle/>
-                    <a:p>
-                      <a:pPr marL="53340">
-                        <a:lnSpc>
-                          <a:spcPct val="100000"/>
-                        </a:lnSpc>
-                      </a:pPr>
-                      <a:r>
-                        <a:rPr sz="1500" b="1" spc="5" dirty="0">
-                          <a:solidFill>
-                            <a:srgbClr val="008000"/>
-                          </a:solidFill>
-                          <a:latin typeface="Consolas"/>
-                          <a:cs typeface="Consolas"/>
-                        </a:rPr>
-                        <a:t>'Pete</a:t>
-                      </a:r>
-                      <a:r>
-                        <a:rPr sz="1500" b="1" dirty="0">
-                          <a:solidFill>
-                            <a:srgbClr val="008000"/>
-                          </a:solidFill>
-                          <a:latin typeface="Consolas"/>
-                          <a:cs typeface="Consolas"/>
-                        </a:rPr>
-                        <a:t>r</a:t>
-                      </a:r>
-                      <a:r>
-                        <a:rPr sz="1500" b="1" dirty="0">
-                          <a:solidFill>
-                            <a:srgbClr val="008000"/>
-                          </a:solidFill>
-                          <a:latin typeface="Times New Roman"/>
-                          <a:cs typeface="Times New Roman"/>
-                        </a:rPr>
-                        <a:t> </a:t>
-                      </a:r>
-                      <a:r>
-                        <a:rPr sz="1500" b="1" spc="90" dirty="0">
-                          <a:solidFill>
-                            <a:srgbClr val="008000"/>
-                          </a:solidFill>
-                          <a:latin typeface="Times New Roman"/>
-                          <a:cs typeface="Times New Roman"/>
-                        </a:rPr>
-                        <a:t> </a:t>
-                      </a:r>
-                      <a:r>
-                        <a:rPr lang="nl-NL" sz="1500" b="1" spc="90" dirty="0">
-                          <a:solidFill>
-                            <a:srgbClr val="008000"/>
-                          </a:solidFill>
-                          <a:latin typeface="Times New Roman"/>
-                          <a:cs typeface="Times New Roman"/>
-                        </a:rPr>
-                        <a:t>Eijgermans</a:t>
-                      </a:r>
-                      <a:r>
-                        <a:rPr sz="1500" b="1" spc="-5" dirty="0">
-                          <a:solidFill>
-                            <a:srgbClr val="008000"/>
-                          </a:solidFill>
-                          <a:latin typeface="Consolas"/>
-                          <a:cs typeface="Consolas"/>
-                        </a:rPr>
-                        <a:t>'</a:t>
-                      </a:r>
-                      <a:r>
-                        <a:rPr sz="1500" dirty="0">
-                          <a:latin typeface="Consolas"/>
-                          <a:cs typeface="Consolas"/>
-                        </a:rPr>
-                        <a:t>;</a:t>
-                      </a:r>
-                    </a:p>
-                  </a:txBody>
-                  <a:tcPr marL="0" marR="0" marT="0" marB="0"/>
-                </a:tc>
-                <a:tc>
-                  <a:txBody>
-                    <a:bodyPr/>
-                    <a:lstStyle/>
-                    <a:p>
-                      <a:endParaRPr sz="1500">
-                        <a:latin typeface="Consolas"/>
-                        <a:cs typeface="Consolas"/>
-                      </a:endParaRPr>
-                    </a:p>
-                  </a:txBody>
-                  <a:tcPr marL="0" marR="0" marT="0" marB="0"/>
-                </a:tc>
-                <a:extLst>
-                  <a:ext uri="{0D108BD9-81ED-4DB2-BD59-A6C34878D82A}">
-                    <a16:rowId xmlns:a16="http://schemas.microsoft.com/office/drawing/2014/main" val="10000"/>
-                  </a:ext>
-                </a:extLst>
-              </a:tr>
-              <a:tr h="332484">
-                <a:tc>
-                  <a:txBody>
-                    <a:bodyPr/>
-                    <a:lstStyle/>
-                    <a:p>
-                      <a:pPr marL="34925">
-                        <a:lnSpc>
-                          <a:spcPct val="100000"/>
-                        </a:lnSpc>
-                      </a:pPr>
-                      <a:r>
-                        <a:rPr sz="1500" b="1" dirty="0">
-                          <a:solidFill>
-                            <a:srgbClr val="000080"/>
-                          </a:solidFill>
-                          <a:latin typeface="Consolas"/>
-                          <a:cs typeface="Consolas"/>
-                        </a:rPr>
-                        <a:t>thi</a:t>
-                      </a:r>
-                      <a:r>
-                        <a:rPr sz="1500" b="1" spc="5" dirty="0">
-                          <a:solidFill>
-                            <a:srgbClr val="000080"/>
-                          </a:solidFill>
-                          <a:latin typeface="Consolas"/>
-                          <a:cs typeface="Consolas"/>
-                        </a:rPr>
-                        <a:t>s</a:t>
-                      </a:r>
-                      <a:r>
-                        <a:rPr sz="1500" dirty="0">
-                          <a:latin typeface="Consolas"/>
-                          <a:cs typeface="Consolas"/>
-                        </a:rPr>
-                        <a:t>.cities</a:t>
-                      </a:r>
-                      <a:endParaRPr sz="1500">
-                        <a:latin typeface="Consolas"/>
-                        <a:cs typeface="Consolas"/>
-                      </a:endParaRPr>
-                    </a:p>
-                  </a:txBody>
-                  <a:tcPr marL="0" marR="0" marT="0" marB="0"/>
-                </a:tc>
-                <a:tc>
-                  <a:txBody>
-                    <a:bodyPr/>
-                    <a:lstStyle/>
-                    <a:p>
-                      <a:pPr marL="52705">
-                        <a:lnSpc>
-                          <a:spcPct val="100000"/>
-                        </a:lnSpc>
-                      </a:pPr>
-                      <a:r>
-                        <a:rPr sz="1500" dirty="0">
-                          <a:latin typeface="Consolas"/>
-                          <a:cs typeface="Consolas"/>
-                        </a:rPr>
-                        <a:t>=</a:t>
-                      </a:r>
-                      <a:endParaRPr sz="1500">
-                        <a:latin typeface="Consolas"/>
-                        <a:cs typeface="Consolas"/>
-                      </a:endParaRPr>
-                    </a:p>
-                  </a:txBody>
-                  <a:tcPr marL="0" marR="0" marT="0" marB="0"/>
-                </a:tc>
-                <a:tc>
-                  <a:txBody>
-                    <a:bodyPr/>
-                    <a:lstStyle/>
-                    <a:p>
-                      <a:pPr marL="53340">
-                        <a:lnSpc>
-                          <a:spcPct val="100000"/>
-                        </a:lnSpc>
-                      </a:pPr>
-                      <a:r>
-                        <a:rPr sz="1500" spc="5" dirty="0">
-                          <a:latin typeface="Consolas"/>
-                          <a:cs typeface="Consolas"/>
-                        </a:rPr>
-                        <a:t>[</a:t>
-                      </a:r>
-                      <a:r>
-                        <a:rPr sz="1500" b="1" spc="5" dirty="0">
-                          <a:solidFill>
-                            <a:srgbClr val="008000"/>
-                          </a:solidFill>
-                          <a:latin typeface="Consolas"/>
-                          <a:cs typeface="Consolas"/>
-                        </a:rPr>
-                        <a:t>'Groningen</a:t>
-                      </a:r>
-                      <a:r>
-                        <a:rPr sz="1500" b="1" spc="-5" dirty="0">
-                          <a:solidFill>
-                            <a:srgbClr val="008000"/>
-                          </a:solidFill>
-                          <a:latin typeface="Consolas"/>
-                          <a:cs typeface="Consolas"/>
-                        </a:rPr>
-                        <a:t>'</a:t>
-                      </a:r>
-                      <a:r>
-                        <a:rPr sz="1500" dirty="0">
-                          <a:latin typeface="Consolas"/>
-                          <a:cs typeface="Consolas"/>
-                        </a:rPr>
-                        <a:t>,</a:t>
-                      </a:r>
-                      <a:r>
-                        <a:rPr sz="1500" dirty="0">
-                          <a:latin typeface="Times New Roman"/>
-                          <a:cs typeface="Times New Roman"/>
-                        </a:rPr>
-                        <a:t> </a:t>
-                      </a:r>
-                      <a:r>
-                        <a:rPr sz="1500" spc="90" dirty="0">
-                          <a:latin typeface="Times New Roman"/>
-                          <a:cs typeface="Times New Roman"/>
-                        </a:rPr>
-                        <a:t> </a:t>
-                      </a:r>
-                      <a:r>
-                        <a:rPr sz="1500" b="1" spc="5" dirty="0">
-                          <a:solidFill>
-                            <a:srgbClr val="008000"/>
-                          </a:solidFill>
-                          <a:latin typeface="Consolas"/>
-                          <a:cs typeface="Consolas"/>
-                        </a:rPr>
-                        <a:t>'Hengelo</a:t>
-                      </a:r>
-                      <a:r>
-                        <a:rPr sz="1500" b="1" spc="-5" dirty="0">
-                          <a:solidFill>
-                            <a:srgbClr val="008000"/>
-                          </a:solidFill>
-                          <a:latin typeface="Consolas"/>
-                          <a:cs typeface="Consolas"/>
-                        </a:rPr>
-                        <a:t>'</a:t>
-                      </a:r>
-                      <a:r>
-                        <a:rPr sz="1500" dirty="0">
-                          <a:latin typeface="Consolas"/>
-                          <a:cs typeface="Consolas"/>
-                        </a:rPr>
-                        <a:t>,</a:t>
-                      </a:r>
-                      <a:endParaRPr sz="1500">
-                        <a:latin typeface="Consolas"/>
-                        <a:cs typeface="Consolas"/>
-                      </a:endParaRPr>
-                    </a:p>
-                  </a:txBody>
-                  <a:tcPr marL="0" marR="0" marT="0" marB="0"/>
-                </a:tc>
-                <a:tc>
-                  <a:txBody>
-                    <a:bodyPr/>
-                    <a:lstStyle/>
-                    <a:p>
-                      <a:pPr marL="53340">
-                        <a:lnSpc>
-                          <a:spcPct val="100000"/>
-                        </a:lnSpc>
-                      </a:pPr>
-                      <a:r>
-                        <a:rPr sz="1500" b="1" spc="5" dirty="0">
-                          <a:solidFill>
-                            <a:srgbClr val="008000"/>
-                          </a:solidFill>
-                          <a:latin typeface="Consolas"/>
-                          <a:cs typeface="Consolas"/>
-                        </a:rPr>
-                        <a:t>'De</a:t>
-                      </a:r>
-                      <a:r>
-                        <a:rPr sz="1500" b="1" dirty="0">
-                          <a:solidFill>
-                            <a:srgbClr val="008000"/>
-                          </a:solidFill>
-                          <a:latin typeface="Consolas"/>
-                          <a:cs typeface="Consolas"/>
-                        </a:rPr>
-                        <a:t>n</a:t>
-                      </a:r>
-                      <a:r>
-                        <a:rPr sz="1500" b="1" dirty="0">
-                          <a:solidFill>
-                            <a:srgbClr val="008000"/>
-                          </a:solidFill>
-                          <a:latin typeface="Times New Roman"/>
-                          <a:cs typeface="Times New Roman"/>
-                        </a:rPr>
-                        <a:t> </a:t>
-                      </a:r>
-                      <a:r>
-                        <a:rPr sz="1500" b="1" spc="90" dirty="0">
-                          <a:solidFill>
-                            <a:srgbClr val="008000"/>
-                          </a:solidFill>
-                          <a:latin typeface="Times New Roman"/>
-                          <a:cs typeface="Times New Roman"/>
-                        </a:rPr>
-                        <a:t> </a:t>
-                      </a:r>
-                      <a:r>
-                        <a:rPr sz="1500" b="1" dirty="0">
-                          <a:solidFill>
-                            <a:srgbClr val="008000"/>
-                          </a:solidFill>
-                          <a:latin typeface="Consolas"/>
-                          <a:cs typeface="Consolas"/>
-                        </a:rPr>
-                        <a:t>Haag</a:t>
-                      </a:r>
-                      <a:r>
-                        <a:rPr sz="1500" b="1" spc="5" dirty="0">
-                          <a:solidFill>
-                            <a:srgbClr val="008000"/>
-                          </a:solidFill>
-                          <a:latin typeface="Consolas"/>
-                          <a:cs typeface="Consolas"/>
-                        </a:rPr>
-                        <a:t>'</a:t>
-                      </a:r>
-                      <a:r>
-                        <a:rPr sz="1500" dirty="0">
-                          <a:latin typeface="Consolas"/>
-                          <a:cs typeface="Consolas"/>
-                        </a:rPr>
-                        <a:t>,</a:t>
-                      </a:r>
-                      <a:r>
-                        <a:rPr sz="1500" dirty="0">
-                          <a:latin typeface="Times New Roman"/>
-                          <a:cs typeface="Times New Roman"/>
-                        </a:rPr>
-                        <a:t> </a:t>
-                      </a:r>
-                      <a:r>
-                        <a:rPr sz="1500" spc="90" dirty="0">
-                          <a:latin typeface="Times New Roman"/>
-                          <a:cs typeface="Times New Roman"/>
-                        </a:rPr>
-                        <a:t> </a:t>
-                      </a:r>
-                      <a:r>
-                        <a:rPr sz="1500" b="1" spc="5" dirty="0">
-                          <a:solidFill>
-                            <a:srgbClr val="008000"/>
-                          </a:solidFill>
-                          <a:latin typeface="Consolas"/>
-                          <a:cs typeface="Consolas"/>
-                        </a:rPr>
-                        <a:t>'Enschede</a:t>
-                      </a:r>
-                      <a:r>
-                        <a:rPr sz="1500" b="1" spc="-5" dirty="0">
-                          <a:solidFill>
-                            <a:srgbClr val="008000"/>
-                          </a:solidFill>
-                          <a:latin typeface="Consolas"/>
-                          <a:cs typeface="Consolas"/>
-                        </a:rPr>
-                        <a:t>'</a:t>
-                      </a:r>
-                      <a:r>
-                        <a:rPr sz="1500" dirty="0">
-                          <a:latin typeface="Consolas"/>
-                          <a:cs typeface="Consolas"/>
-                        </a:rPr>
-                        <a:t>]</a:t>
-                      </a:r>
-                    </a:p>
-                  </a:txBody>
-                  <a:tcPr marL="0" marR="0" marT="0" marB="0"/>
-                </a:tc>
-                <a:extLst>
-                  <a:ext uri="{0D108BD9-81ED-4DB2-BD59-A6C34878D82A}">
-                    <a16:rowId xmlns:a16="http://schemas.microsoft.com/office/drawing/2014/main" val="10001"/>
-                  </a:ext>
-                </a:extLst>
-              </a:tr>
-            </a:tbl>
-          </a:graphicData>
-        </a:graphic>
-      </p:graphicFrame>
     </p:spTree>
     <p:extLst>
       <p:ext uri="{BB962C8B-B14F-4D97-AF65-F5344CB8AC3E}">
@@ -31710,7 +30566,7 @@
 </file>
 
 <file path=ppt/slides/slide8.xml><?xml version="1.0" encoding="utf-8"?>
-<p:sld xmlns:a="http://schemas.openxmlformats.org/drawingml/2006/main" xmlns:r="http://schemas.openxmlformats.org/officeDocument/2006/relationships" xmlns:p="http://schemas.openxmlformats.org/presentationml/2006/main" showMasterSp="0">
+<p:sld xmlns:a="http://schemas.openxmlformats.org/drawingml/2006/main" xmlns:r="http://schemas.openxmlformats.org/officeDocument/2006/relationships" xmlns:p="http://schemas.openxmlformats.org/presentationml/2006/main">
   <p:cSld>
     <p:spTree>
       <p:nvGrpSpPr>
@@ -31789,6 +30645,9 @@
               <a:t>Lifecyclehook</a:t>
             </a:r>
             <a:endParaRPr spc="10" dirty="0">
+              <a:highlight>
+                <a:srgbClr val="FFFF00"/>
+              </a:highlight>
               <a:latin typeface="Courier New"/>
               <a:cs typeface="Courier New"/>
             </a:endParaRPr>
@@ -31803,8 +30662,8 @@
         </p:nvSpPr>
         <p:spPr>
           <a:xfrm>
-            <a:off x="1272672" y="1029679"/>
-            <a:ext cx="9174229" cy="5065426"/>
+            <a:off x="469900" y="1029679"/>
+            <a:ext cx="9905999" cy="5824415"/>
           </a:xfrm>
           <a:prstGeom prst="rect">
             <a:avLst/>
@@ -31815,6 +30674,62 @@
             <a:spAutoFit/>
           </a:bodyPr>
           <a:lstStyle/>
+          <a:p>
+            <a:pPr marR="5955665" algn="ctr">
+              <a:lnSpc>
+                <a:spcPct val="100000"/>
+              </a:lnSpc>
+            </a:pPr>
+            <a:r>
+              <a:rPr sz="2150" spc="-240" dirty="0">
+                <a:latin typeface="Arial"/>
+                <a:cs typeface="Arial"/>
+              </a:rPr>
+              <a:t>T</a:t>
+            </a:r>
+            <a:r>
+              <a:rPr sz="2150" spc="-5" dirty="0">
+                <a:latin typeface="Arial"/>
+                <a:cs typeface="Arial"/>
+              </a:rPr>
+              <a:t>e</a:t>
+            </a:r>
+            <a:r>
+              <a:rPr sz="2150" dirty="0">
+                <a:latin typeface="Arial"/>
+                <a:cs typeface="Arial"/>
+              </a:rPr>
+              <a:t>m</a:t>
+            </a:r>
+            <a:r>
+              <a:rPr sz="2150" spc="-5" dirty="0">
+                <a:latin typeface="Arial"/>
+                <a:cs typeface="Arial"/>
+              </a:rPr>
+              <a:t>p</a:t>
+            </a:r>
+            <a:r>
+              <a:rPr sz="2150" dirty="0">
+                <a:latin typeface="Arial"/>
+                <a:cs typeface="Arial"/>
+              </a:rPr>
+              <a:t>l</a:t>
+            </a:r>
+            <a:r>
+              <a:rPr sz="2150" spc="-5" dirty="0">
+                <a:latin typeface="Arial"/>
+                <a:cs typeface="Arial"/>
+              </a:rPr>
+              <a:t>ate</a:t>
+            </a:r>
+            <a:r>
+              <a:rPr sz="2150" dirty="0">
+                <a:latin typeface="Arial"/>
+                <a:cs typeface="Arial"/>
+              </a:rPr>
+              <a:t>:</a:t>
+            </a:r>
+          </a:p>
           <a:p>
             <a:pPr marL="364490">
               <a:lnSpc>
@@ -31828,47 +30743,17 @@
               </a:tabLst>
             </a:pPr>
             <a:r>
-              <a:rPr lang="en-GB" sz="2000" spc="5" dirty="0">
-                <a:latin typeface="Arial" panose="020B0604020202020204" pitchFamily="34" charset="0"/>
-                <a:cs typeface="Arial" panose="020B0604020202020204" pitchFamily="34" charset="0"/>
-              </a:rPr>
-              <a:t>Template:</a:t>
-            </a:r>
-          </a:p>
-          <a:p>
-            <a:pPr marL="364490">
-              <a:lnSpc>
-                <a:spcPct val="100000"/>
-              </a:lnSpc>
-              <a:spcBef>
-                <a:spcPts val="1310"/>
-              </a:spcBef>
-              <a:tabLst>
-                <a:tab pos="3232785" algn="l"/>
-              </a:tabLst>
-            </a:pPr>
-            <a:r>
-              <a:rPr lang="en-GB" sz="1500" spc="5" dirty="0">
-                <a:solidFill>
-                  <a:srgbClr val="008000"/>
-                </a:solidFill>
-                <a:latin typeface="Consolas"/>
-                <a:cs typeface="Consolas"/>
-              </a:rPr>
-              <a:t>&lt;h2&gt;</a:t>
-            </a:r>
-            <a:r>
-              <a:rPr lang="en-GB" sz="1500" spc="5" dirty="0" err="1">
-                <a:solidFill>
-                  <a:srgbClr val="008000"/>
-                </a:solidFill>
-                <a:latin typeface="Consolas"/>
-                <a:cs typeface="Consolas"/>
-              </a:rPr>
-              <a:t>Mij</a:t>
-            </a:r>
-            <a:r>
-              <a:rPr lang="en-GB" sz="1500" dirty="0" err="1">
+              <a:rPr sz="1500" spc="5" dirty="0">
+                <a:solidFill>
+                  <a:srgbClr val="008000"/>
+                </a:solidFill>
+                <a:latin typeface="Consolas"/>
+                <a:cs typeface="Consolas"/>
+              </a:rPr>
+              <a:t>&lt;h2&gt;Mij</a:t>
+            </a:r>
+            <a:r>
+              <a:rPr sz="1500" dirty="0">
                 <a:solidFill>
                   <a:srgbClr val="008000"/>
                 </a:solidFill>
@@ -31878,27 +30763,27 @@
               <a:t>n</a:t>
             </a:r>
             <a:r>
-              <a:rPr lang="en-GB" sz="1500" dirty="0">
-                <a:solidFill>
-                  <a:srgbClr val="008000"/>
-                </a:solidFill>
-                <a:latin typeface="Times New Roman"/>
-                <a:cs typeface="Times New Roman"/>
-              </a:rPr>
-              <a:t> </a:t>
-            </a:r>
-            <a:r>
-              <a:rPr lang="en-GB" sz="1500" spc="80" dirty="0">
-                <a:solidFill>
-                  <a:srgbClr val="008000"/>
-                </a:solidFill>
-                <a:latin typeface="Times New Roman"/>
-                <a:cs typeface="Times New Roman"/>
-              </a:rPr>
-              <a:t> </a:t>
-            </a:r>
-            <a:r>
-              <a:rPr lang="en-GB" sz="1500" spc="5" dirty="0" err="1">
+              <a:rPr sz="1500" dirty="0">
+                <a:solidFill>
+                  <a:srgbClr val="008000"/>
+                </a:solidFill>
+                <a:latin typeface="Times New Roman"/>
+                <a:cs typeface="Times New Roman"/>
+              </a:rPr>
+              <a:t> </a:t>
+            </a:r>
+            <a:r>
+              <a:rPr sz="1500" spc="80" dirty="0">
+                <a:solidFill>
+                  <a:srgbClr val="008000"/>
+                </a:solidFill>
+                <a:latin typeface="Times New Roman"/>
+                <a:cs typeface="Times New Roman"/>
+              </a:rPr>
+              <a:t> </a:t>
+            </a:r>
+            <a:r>
+              <a:rPr sz="1500" spc="5" dirty="0" err="1">
                 <a:solidFill>
                   <a:srgbClr val="008000"/>
                 </a:solidFill>
@@ -31908,7 +30793,7 @@
               <a:t>favoriet</a:t>
             </a:r>
             <a:r>
-              <a:rPr lang="en-GB" sz="1500" dirty="0" err="1">
+              <a:rPr sz="1500" dirty="0" err="1">
                 <a:solidFill>
                   <a:srgbClr val="008000"/>
                 </a:solidFill>
@@ -31918,27 +30803,27 @@
               <a:t>e</a:t>
             </a:r>
             <a:r>
-              <a:rPr lang="en-GB" sz="1500" dirty="0">
-                <a:solidFill>
-                  <a:srgbClr val="008000"/>
-                </a:solidFill>
-                <a:latin typeface="Times New Roman"/>
-                <a:cs typeface="Times New Roman"/>
-              </a:rPr>
-              <a:t> </a:t>
-            </a:r>
-            <a:r>
-              <a:rPr lang="en-GB" sz="1500" spc="80" dirty="0">
-                <a:solidFill>
-                  <a:srgbClr val="008000"/>
-                </a:solidFill>
-                <a:latin typeface="Times New Roman"/>
-                <a:cs typeface="Times New Roman"/>
-              </a:rPr>
-              <a:t> </a:t>
-            </a:r>
-            <a:r>
-              <a:rPr lang="en-GB" sz="1500" spc="5" dirty="0" err="1">
+              <a:rPr sz="1500" dirty="0">
+                <a:solidFill>
+                  <a:srgbClr val="008000"/>
+                </a:solidFill>
+                <a:latin typeface="Times New Roman"/>
+                <a:cs typeface="Times New Roman"/>
+              </a:rPr>
+              <a:t> </a:t>
+            </a:r>
+            <a:r>
+              <a:rPr sz="1500" spc="80" dirty="0">
+                <a:solidFill>
+                  <a:srgbClr val="008000"/>
+                </a:solidFill>
+                <a:latin typeface="Times New Roman"/>
+                <a:cs typeface="Times New Roman"/>
+              </a:rPr>
+              <a:t> </a:t>
+            </a:r>
+            <a:r>
+              <a:rPr sz="1500" spc="5" dirty="0" err="1">
                 <a:solidFill>
                   <a:srgbClr val="008000"/>
                 </a:solidFill>
@@ -31948,7 +30833,7 @@
               <a:t>stede</a:t>
             </a:r>
             <a:r>
-              <a:rPr lang="en-GB" sz="1500" dirty="0" err="1">
+              <a:rPr sz="1500" dirty="0" err="1">
                 <a:solidFill>
                   <a:srgbClr val="008000"/>
                 </a:solidFill>
@@ -31958,7 +30843,7 @@
               <a:t>n</a:t>
             </a:r>
             <a:r>
-              <a:rPr lang="en-GB" sz="1500" dirty="0">
+              <a:rPr lang="nl-NL" sz="1500" dirty="0">
                 <a:solidFill>
                   <a:srgbClr val="008000"/>
                 </a:solidFill>
@@ -31968,7 +30853,7 @@
               <a:t>  </a:t>
             </a:r>
             <a:r>
-              <a:rPr lang="en-GB" sz="1500" dirty="0" err="1">
+              <a:rPr sz="1500" dirty="0" err="1">
                 <a:solidFill>
                   <a:srgbClr val="008000"/>
                 </a:solidFill>
@@ -31978,27 +30863,27 @@
               <a:t>zijn</a:t>
             </a:r>
             <a:r>
-              <a:rPr lang="en-GB" sz="1500" dirty="0">
-                <a:solidFill>
-                  <a:srgbClr val="008000"/>
-                </a:solidFill>
-                <a:latin typeface="Times New Roman"/>
-                <a:cs typeface="Times New Roman"/>
-              </a:rPr>
-              <a:t> </a:t>
-            </a:r>
-            <a:r>
-              <a:rPr lang="en-GB" sz="1500" spc="90" dirty="0">
-                <a:solidFill>
-                  <a:srgbClr val="008000"/>
-                </a:solidFill>
-                <a:latin typeface="Times New Roman"/>
-                <a:cs typeface="Times New Roman"/>
-              </a:rPr>
-              <a:t> </a:t>
-            </a:r>
-            <a:r>
-              <a:rPr lang="en-GB" sz="1500" spc="5" dirty="0">
+              <a:rPr sz="1500" dirty="0">
+                <a:solidFill>
+                  <a:srgbClr val="008000"/>
+                </a:solidFill>
+                <a:latin typeface="Times New Roman"/>
+                <a:cs typeface="Times New Roman"/>
+              </a:rPr>
+              <a:t> </a:t>
+            </a:r>
+            <a:r>
+              <a:rPr sz="1500" spc="90" dirty="0">
+                <a:solidFill>
+                  <a:srgbClr val="008000"/>
+                </a:solidFill>
+                <a:latin typeface="Times New Roman"/>
+                <a:cs typeface="Times New Roman"/>
+              </a:rPr>
+              <a:t> </a:t>
+            </a:r>
+            <a:r>
+              <a:rPr sz="1500" spc="5" dirty="0">
                 <a:solidFill>
                   <a:srgbClr val="008000"/>
                 </a:solidFill>
@@ -32007,7 +30892,7 @@
               </a:rPr>
               <a:t>:&lt;/h2&gt;</a:t>
             </a:r>
-            <a:endParaRPr lang="en-GB" sz="1500" dirty="0">
+            <a:endParaRPr sz="1500" dirty="0">
               <a:latin typeface="Consolas"/>
               <a:cs typeface="Consolas"/>
             </a:endParaRPr>
@@ -32022,7 +30907,7 @@
               </a:spcBef>
             </a:pPr>
             <a:r>
-              <a:rPr lang="en-GB" sz="1500" spc="5" dirty="0">
+              <a:rPr sz="1500" spc="5" dirty="0">
                 <a:solidFill>
                   <a:srgbClr val="008000"/>
                 </a:solidFill>
@@ -32031,7 +30916,7 @@
               </a:rPr>
               <a:t>&lt;ul&gt;</a:t>
             </a:r>
-            <a:endParaRPr lang="en-GB" sz="1500" dirty="0">
+            <a:endParaRPr sz="1500" dirty="0">
               <a:latin typeface="Consolas"/>
               <a:cs typeface="Consolas"/>
             </a:endParaRPr>
@@ -32046,7 +30931,7 @@
               </a:spcBef>
             </a:pPr>
             <a:r>
-              <a:rPr lang="en-GB" sz="1500" dirty="0">
+              <a:rPr sz="1500" dirty="0">
                 <a:solidFill>
                   <a:srgbClr val="008000"/>
                 </a:solidFill>
@@ -32056,47 +30941,40 @@
               <a:t>&lt;li</a:t>
             </a:r>
             <a:r>
-              <a:rPr lang="en-GB" sz="1500" dirty="0">
-                <a:solidFill>
-                  <a:srgbClr val="008000"/>
-                </a:solidFill>
-                <a:latin typeface="Times New Roman"/>
-                <a:cs typeface="Times New Roman"/>
-              </a:rPr>
-              <a:t> </a:t>
-            </a:r>
-            <a:r>
-              <a:rPr lang="en-GB" sz="1500" spc="95" dirty="0">
-                <a:solidFill>
-                  <a:srgbClr val="008000"/>
-                </a:solidFill>
-                <a:latin typeface="Times New Roman"/>
-                <a:cs typeface="Times New Roman"/>
-              </a:rPr>
-              <a:t> </a:t>
-            </a:r>
-            <a:r>
-              <a:rPr lang="en-GB" sz="1500" spc="5" dirty="0">
-                <a:solidFill>
-                  <a:srgbClr val="008000"/>
-                </a:solidFill>
-                <a:latin typeface="Consolas"/>
-                <a:cs typeface="Consolas"/>
-              </a:rPr>
-              <a:t>*</a:t>
-            </a:r>
-            <a:r>
-              <a:rPr lang="en-GB" sz="1500" spc="5" dirty="0" err="1">
-                <a:solidFill>
-                  <a:srgbClr val="008000"/>
-                </a:solidFill>
-                <a:latin typeface="Consolas"/>
-                <a:cs typeface="Consolas"/>
-              </a:rPr>
-              <a:t>ngFor</a:t>
-            </a:r>
-            <a:r>
-              <a:rPr lang="en-GB" sz="1500" spc="5" dirty="0">
+              <a:rPr sz="1500" dirty="0">
+                <a:solidFill>
+                  <a:srgbClr val="008000"/>
+                </a:solidFill>
+                <a:latin typeface="Times New Roman"/>
+                <a:cs typeface="Times New Roman"/>
+              </a:rPr>
+              <a:t> </a:t>
+            </a:r>
+            <a:r>
+              <a:rPr sz="1500" spc="95" dirty="0">
+                <a:solidFill>
+                  <a:srgbClr val="008000"/>
+                </a:solidFill>
+                <a:latin typeface="Times New Roman"/>
+                <a:cs typeface="Times New Roman"/>
+              </a:rPr>
+              <a:t> </a:t>
+            </a:r>
+            <a:r>
+              <a:rPr sz="1500" spc="5" dirty="0">
+                <a:solidFill>
+                  <a:srgbClr val="008000"/>
+                </a:solidFill>
+                <a:highlight>
+                  <a:srgbClr val="FFFF00"/>
+                </a:highlight>
+                <a:latin typeface="Consolas"/>
+                <a:cs typeface="Consolas"/>
+              </a:rPr>
+              <a:t>*ngFor</a:t>
+            </a:r>
+            <a:r>
+              <a:rPr sz="1500" spc="5" dirty="0">
                 <a:solidFill>
                   <a:srgbClr val="008000"/>
                 </a:solidFill>
@@ -32106,7 +30984,7 @@
               <a:t>=”le</a:t>
             </a:r>
             <a:r>
-              <a:rPr lang="en-GB" sz="1500" dirty="0">
+              <a:rPr sz="1500" dirty="0">
                 <a:solidFill>
                   <a:srgbClr val="008000"/>
                 </a:solidFill>
@@ -32116,27 +30994,27 @@
               <a:t>t</a:t>
             </a:r>
             <a:r>
-              <a:rPr lang="en-GB" sz="1500" dirty="0">
-                <a:solidFill>
-                  <a:srgbClr val="008000"/>
-                </a:solidFill>
-                <a:latin typeface="Times New Roman"/>
-                <a:cs typeface="Times New Roman"/>
-              </a:rPr>
-              <a:t> </a:t>
-            </a:r>
-            <a:r>
-              <a:rPr lang="en-GB" sz="1500" spc="80" dirty="0">
-                <a:solidFill>
-                  <a:srgbClr val="008000"/>
-                </a:solidFill>
-                <a:latin typeface="Times New Roman"/>
-                <a:cs typeface="Times New Roman"/>
-              </a:rPr>
-              <a:t> </a:t>
-            </a:r>
-            <a:r>
-              <a:rPr lang="en-GB" sz="1500" spc="5" dirty="0">
+              <a:rPr sz="1500" dirty="0">
+                <a:solidFill>
+                  <a:srgbClr val="008000"/>
+                </a:solidFill>
+                <a:latin typeface="Times New Roman"/>
+                <a:cs typeface="Times New Roman"/>
+              </a:rPr>
+              <a:t> </a:t>
+            </a:r>
+            <a:r>
+              <a:rPr sz="1500" spc="80" dirty="0">
+                <a:solidFill>
+                  <a:srgbClr val="008000"/>
+                </a:solidFill>
+                <a:latin typeface="Times New Roman"/>
+                <a:cs typeface="Times New Roman"/>
+              </a:rPr>
+              <a:t> </a:t>
+            </a:r>
+            <a:r>
+              <a:rPr sz="1500" spc="5" dirty="0">
                 <a:solidFill>
                   <a:srgbClr val="008000"/>
                 </a:solidFill>
@@ -32146,7 +31024,7 @@
               <a:t>cit</a:t>
             </a:r>
             <a:r>
-              <a:rPr lang="en-GB" sz="1500" dirty="0">
+              <a:rPr sz="1500" dirty="0">
                 <a:solidFill>
                   <a:srgbClr val="008000"/>
                 </a:solidFill>
@@ -32156,27 +31034,27 @@
               <a:t>y</a:t>
             </a:r>
             <a:r>
-              <a:rPr lang="en-GB" sz="1500" dirty="0">
-                <a:solidFill>
-                  <a:srgbClr val="008000"/>
-                </a:solidFill>
-                <a:latin typeface="Times New Roman"/>
-                <a:cs typeface="Times New Roman"/>
-              </a:rPr>
-              <a:t> </a:t>
-            </a:r>
-            <a:r>
-              <a:rPr lang="en-GB" sz="1500" spc="90" dirty="0">
-                <a:solidFill>
-                  <a:srgbClr val="008000"/>
-                </a:solidFill>
-                <a:latin typeface="Times New Roman"/>
-                <a:cs typeface="Times New Roman"/>
-              </a:rPr>
-              <a:t> </a:t>
-            </a:r>
-            <a:r>
-              <a:rPr lang="en-GB" sz="1500" dirty="0">
+              <a:rPr sz="1500" dirty="0">
+                <a:solidFill>
+                  <a:srgbClr val="008000"/>
+                </a:solidFill>
+                <a:latin typeface="Times New Roman"/>
+                <a:cs typeface="Times New Roman"/>
+              </a:rPr>
+              <a:t> </a:t>
+            </a:r>
+            <a:r>
+              <a:rPr sz="1500" spc="90" dirty="0">
+                <a:solidFill>
+                  <a:srgbClr val="008000"/>
+                </a:solidFill>
+                <a:latin typeface="Times New Roman"/>
+                <a:cs typeface="Times New Roman"/>
+              </a:rPr>
+              <a:t> </a:t>
+            </a:r>
+            <a:r>
+              <a:rPr sz="1500" dirty="0">
                 <a:solidFill>
                   <a:srgbClr val="008000"/>
                 </a:solidFill>
@@ -32186,39 +31064,39 @@
               <a:t>of</a:t>
             </a:r>
             <a:r>
-              <a:rPr lang="en-GB" sz="1500" dirty="0">
-                <a:solidFill>
-                  <a:srgbClr val="008000"/>
-                </a:solidFill>
-                <a:latin typeface="Times New Roman"/>
-                <a:cs typeface="Times New Roman"/>
-              </a:rPr>
-              <a:t> </a:t>
-            </a:r>
-            <a:r>
-              <a:rPr lang="en-GB" sz="1500" spc="90" dirty="0">
-                <a:solidFill>
-                  <a:srgbClr val="008000"/>
-                </a:solidFill>
-                <a:latin typeface="Times New Roman"/>
-                <a:cs typeface="Times New Roman"/>
-              </a:rPr>
-              <a:t> </a:t>
-            </a:r>
-            <a:r>
-              <a:rPr lang="en-GB" sz="1500" spc="5" dirty="0">
-                <a:solidFill>
-                  <a:srgbClr val="008000"/>
-                </a:solidFill>
-                <a:latin typeface="Consolas"/>
-                <a:cs typeface="Consolas"/>
-              </a:rPr>
-              <a:t>cities"&gt;{</a:t>
-            </a:r>
-            <a:r>
-              <a:rPr lang="en-GB" sz="1500" dirty="0">
-                <a:solidFill>
-                  <a:srgbClr val="008000"/>
+              <a:rPr sz="1500" dirty="0">
+                <a:solidFill>
+                  <a:srgbClr val="008000"/>
+                </a:solidFill>
+                <a:latin typeface="Times New Roman"/>
+                <a:cs typeface="Times New Roman"/>
+              </a:rPr>
+              <a:t> </a:t>
+            </a:r>
+            <a:r>
+              <a:rPr sz="1500" spc="90" dirty="0">
+                <a:solidFill>
+                  <a:srgbClr val="008000"/>
+                </a:solidFill>
+                <a:latin typeface="Times New Roman"/>
+                <a:cs typeface="Times New Roman"/>
+              </a:rPr>
+              <a:t> </a:t>
+            </a:r>
+            <a:r>
+              <a:rPr sz="1500" spc="5" dirty="0">
+                <a:solidFill>
+                  <a:srgbClr val="008000"/>
+                </a:solidFill>
+                <a:latin typeface="Consolas"/>
+                <a:cs typeface="Consolas"/>
+              </a:rPr>
+              <a:t>cities"&gt;</a:t>
+            </a:r>
+            <a:r>
+              <a:rPr sz="1500" b="1" spc="5" dirty="0">
+                <a:solidFill>
+                  <a:srgbClr val="C00000"/>
                 </a:solidFill>
                 <a:latin typeface="Consolas"/>
                 <a:cs typeface="Consolas"/>
@@ -32226,27 +31104,37 @@
               <a:t>{</a:t>
             </a:r>
             <a:r>
-              <a:rPr lang="en-GB" sz="1500" dirty="0">
-                <a:solidFill>
-                  <a:srgbClr val="008000"/>
-                </a:solidFill>
-                <a:latin typeface="Times New Roman"/>
-                <a:cs typeface="Times New Roman"/>
-              </a:rPr>
-              <a:t> </a:t>
-            </a:r>
-            <a:r>
-              <a:rPr lang="en-GB" sz="1500" spc="85" dirty="0">
-                <a:solidFill>
-                  <a:srgbClr val="008000"/>
-                </a:solidFill>
-                <a:latin typeface="Times New Roman"/>
-                <a:cs typeface="Times New Roman"/>
-              </a:rPr>
-              <a:t> </a:t>
-            </a:r>
-            <a:r>
-              <a:rPr lang="en-GB" sz="1500" spc="5" dirty="0">
+              <a:rPr sz="1500" b="1" dirty="0">
+                <a:solidFill>
+                  <a:srgbClr val="C00000"/>
+                </a:solidFill>
+                <a:latin typeface="Consolas"/>
+                <a:cs typeface="Consolas"/>
+              </a:rPr>
+              <a:t>{</a:t>
+            </a:r>
+            <a:r>
+              <a:rPr sz="1500" dirty="0">
+                <a:solidFill>
+                  <a:srgbClr val="008000"/>
+                </a:solidFill>
+                <a:latin typeface="Times New Roman"/>
+                <a:cs typeface="Times New Roman"/>
+              </a:rPr>
+              <a:t> </a:t>
+            </a:r>
+            <a:r>
+              <a:rPr sz="1500" spc="85" dirty="0">
+                <a:solidFill>
+                  <a:srgbClr val="008000"/>
+                </a:solidFill>
+                <a:latin typeface="Times New Roman"/>
+                <a:cs typeface="Times New Roman"/>
+              </a:rPr>
+              <a:t> </a:t>
+            </a:r>
+            <a:r>
+              <a:rPr sz="1500" spc="5" dirty="0">
                 <a:solidFill>
                   <a:srgbClr val="008000"/>
                 </a:solidFill>
@@ -32256,7 +31144,7 @@
               <a:t>cit</a:t>
             </a:r>
             <a:r>
-              <a:rPr lang="en-GB" sz="1500" dirty="0">
+              <a:rPr sz="1500" dirty="0">
                 <a:solidFill>
                   <a:srgbClr val="008000"/>
                 </a:solidFill>
@@ -32266,29 +31154,29 @@
               <a:t>y</a:t>
             </a:r>
             <a:r>
-              <a:rPr lang="en-GB" sz="1500" dirty="0">
-                <a:solidFill>
-                  <a:srgbClr val="008000"/>
-                </a:solidFill>
-                <a:latin typeface="Times New Roman"/>
-                <a:cs typeface="Times New Roman"/>
-              </a:rPr>
-              <a:t> </a:t>
-            </a:r>
-            <a:r>
-              <a:rPr lang="en-GB" sz="1500" spc="90" dirty="0">
-                <a:solidFill>
-                  <a:srgbClr val="008000"/>
-                </a:solidFill>
-                <a:latin typeface="Times New Roman"/>
-                <a:cs typeface="Times New Roman"/>
-              </a:rPr>
-              <a:t> </a:t>
-            </a:r>
-            <a:r>
-              <a:rPr lang="en-GB" sz="1500" dirty="0">
-                <a:solidFill>
-                  <a:srgbClr val="008000"/>
+              <a:rPr sz="1500" dirty="0">
+                <a:solidFill>
+                  <a:srgbClr val="008000"/>
+                </a:solidFill>
+                <a:latin typeface="Times New Roman"/>
+                <a:cs typeface="Times New Roman"/>
+              </a:rPr>
+              <a:t> </a:t>
+            </a:r>
+            <a:r>
+              <a:rPr sz="1500" spc="90" dirty="0">
+                <a:solidFill>
+                  <a:srgbClr val="008000"/>
+                </a:solidFill>
+                <a:latin typeface="Times New Roman"/>
+                <a:cs typeface="Times New Roman"/>
+              </a:rPr>
+              <a:t> </a:t>
+            </a:r>
+            <a:r>
+              <a:rPr sz="1500" b="1" dirty="0">
+                <a:solidFill>
+                  <a:srgbClr val="C00000"/>
                 </a:solidFill>
                 <a:latin typeface="Consolas"/>
                 <a:cs typeface="Consolas"/>
@@ -32296,17 +31184,27 @@
               <a:t>}</a:t>
             </a:r>
             <a:r>
-              <a:rPr lang="en-GB" sz="1500" spc="5" dirty="0">
-                <a:solidFill>
-                  <a:srgbClr val="008000"/>
-                </a:solidFill>
-                <a:latin typeface="Consolas"/>
-                <a:cs typeface="Consolas"/>
-              </a:rPr>
-              <a:t>}&lt;/li</a:t>
-            </a:r>
-            <a:r>
-              <a:rPr lang="en-GB" sz="1500" dirty="0">
+              <a:rPr sz="1500" b="1" spc="5" dirty="0">
+                <a:solidFill>
+                  <a:srgbClr val="C00000"/>
+                </a:solidFill>
+                <a:latin typeface="Consolas"/>
+                <a:cs typeface="Consolas"/>
+              </a:rPr>
+              <a:t>}</a:t>
+            </a:r>
+            <a:r>
+              <a:rPr sz="1500" spc="5" dirty="0">
+                <a:solidFill>
+                  <a:srgbClr val="008000"/>
+                </a:solidFill>
+                <a:latin typeface="Consolas"/>
+                <a:cs typeface="Consolas"/>
+              </a:rPr>
+              <a:t>&lt;/li</a:t>
+            </a:r>
+            <a:r>
+              <a:rPr sz="1500" dirty="0">
                 <a:solidFill>
                   <a:srgbClr val="008000"/>
                 </a:solidFill>
@@ -32315,7 +31213,7 @@
               </a:rPr>
               <a:t>&gt;</a:t>
             </a:r>
-            <a:endParaRPr lang="en-GB" sz="1500" dirty="0">
+            <a:endParaRPr sz="1500" dirty="0">
               <a:latin typeface="Consolas"/>
               <a:cs typeface="Consolas"/>
             </a:endParaRPr>
@@ -32330,7 +31228,7 @@
               </a:spcBef>
             </a:pPr>
             <a:r>
-              <a:rPr lang="en-GB" sz="1500" dirty="0">
+              <a:rPr sz="1500" dirty="0">
                 <a:solidFill>
                   <a:srgbClr val="008000"/>
                 </a:solidFill>
@@ -32339,6 +31237,10 @@
               </a:rPr>
               <a:t>&lt;/ul&gt;</a:t>
             </a:r>
+            <a:endParaRPr lang="nl-NL" sz="1500" dirty="0">
+              <a:latin typeface="Consolas"/>
+              <a:cs typeface="Consolas"/>
+            </a:endParaRPr>
           </a:p>
           <a:p>
             <a:pPr marL="364490">
@@ -32364,12 +31266,30 @@
               </a:spcBef>
             </a:pPr>
             <a:r>
+              <a:rPr lang="nl-NL" sz="2150" spc="-5" dirty="0">
+                <a:latin typeface="Arial"/>
+                <a:cs typeface="Arial"/>
+              </a:rPr>
+              <a:t>    </a:t>
+            </a:r>
+            <a:r>
               <a:rPr sz="2150" spc="-5" dirty="0">
                 <a:latin typeface="Arial"/>
                 <a:cs typeface="Arial"/>
               </a:rPr>
               <a:t>Class:</a:t>
             </a:r>
+            <a:endParaRPr sz="2150" dirty="0">
+              <a:latin typeface="Arial"/>
+              <a:cs typeface="Arial"/>
+            </a:endParaRPr>
+          </a:p>
+          <a:p>
+            <a:pPr marL="683260" marR="3937635" indent="-318770">
+              <a:lnSpc>
+                <a:spcPct val="151000"/>
+              </a:lnSpc>
+            </a:pPr>
             <a:endParaRPr lang="nl-NL" sz="1500" b="1" dirty="0">
               <a:solidFill>
                 <a:srgbClr val="000080"/>
@@ -32379,99 +31299,18 @@
             </a:endParaRPr>
           </a:p>
           <a:p>
-            <a:pPr marL="683260" marR="3937635" indent="-318770">
-              <a:lnSpc>
-                <a:spcPct val="151000"/>
-              </a:lnSpc>
-            </a:pPr>
-            <a:r>
-              <a:rPr sz="1500" b="1" dirty="0">
-                <a:solidFill>
-                  <a:srgbClr val="000080"/>
-                </a:solidFill>
-                <a:latin typeface="Consolas"/>
-                <a:cs typeface="Consolas"/>
-              </a:rPr>
-              <a:t>export</a:t>
-            </a:r>
-            <a:r>
-              <a:rPr sz="1500" b="1" dirty="0">
-                <a:solidFill>
-                  <a:srgbClr val="000080"/>
-                </a:solidFill>
-                <a:latin typeface="Times New Roman"/>
-                <a:cs typeface="Times New Roman"/>
-              </a:rPr>
-              <a:t> </a:t>
-            </a:r>
-            <a:r>
-              <a:rPr sz="1500" b="1" spc="95" dirty="0">
-                <a:solidFill>
-                  <a:srgbClr val="000080"/>
-                </a:solidFill>
-                <a:latin typeface="Times New Roman"/>
-                <a:cs typeface="Times New Roman"/>
-              </a:rPr>
-              <a:t> </a:t>
-            </a:r>
-            <a:r>
-              <a:rPr sz="1500" b="1" dirty="0">
-                <a:solidFill>
-                  <a:srgbClr val="000080"/>
-                </a:solidFill>
-                <a:latin typeface="Consolas"/>
-                <a:cs typeface="Consolas"/>
-              </a:rPr>
-              <a:t>class</a:t>
-            </a:r>
-            <a:r>
-              <a:rPr sz="1500" b="1" dirty="0">
-                <a:solidFill>
-                  <a:srgbClr val="000080"/>
-                </a:solidFill>
-                <a:latin typeface="Times New Roman"/>
-                <a:cs typeface="Times New Roman"/>
-              </a:rPr>
-              <a:t> </a:t>
-            </a:r>
-            <a:r>
-              <a:rPr sz="1500" b="1" spc="90" dirty="0">
-                <a:solidFill>
-                  <a:srgbClr val="000080"/>
-                </a:solidFill>
-                <a:latin typeface="Times New Roman"/>
-                <a:cs typeface="Times New Roman"/>
-              </a:rPr>
-              <a:t> </a:t>
-            </a:r>
-            <a:r>
-              <a:rPr sz="1500" spc="5" dirty="0" err="1">
-                <a:latin typeface="Consolas"/>
-                <a:cs typeface="Consolas"/>
-              </a:rPr>
-              <a:t>AppComponen</a:t>
-            </a:r>
-            <a:r>
-              <a:rPr sz="1500" dirty="0" err="1">
-                <a:latin typeface="Consolas"/>
-                <a:cs typeface="Consolas"/>
-              </a:rPr>
-              <a:t>t</a:t>
-            </a:r>
-            <a:r>
-              <a:rPr sz="1500" dirty="0">
-                <a:latin typeface="Times New Roman"/>
-                <a:cs typeface="Times New Roman"/>
-              </a:rPr>
-              <a:t> </a:t>
-            </a:r>
-            <a:r>
-              <a:rPr lang="en-US" b="1" i="1" dirty="0">
-                <a:highlight>
-                  <a:srgbClr val="FFFF00"/>
-                </a:highlight>
-              </a:rPr>
-              <a:t>implements</a:t>
+            <a:pPr marL="683260" marR="3937635" indent="-318770"/>
+            <a:r>
+              <a:rPr lang="en-US" dirty="0"/>
+              <a:t>export  class  </a:t>
+            </a:r>
+            <a:r>
+              <a:rPr lang="en-US" dirty="0" err="1"/>
+              <a:t>AppComponent</a:t>
+            </a:r>
+            <a:r>
+              <a:rPr lang="en-US" dirty="0"/>
+              <a:t> </a:t>
             </a:r>
             <a:r>
               <a:rPr lang="en-US" dirty="0">
@@ -32479,13 +31318,10 @@
                   <a:srgbClr val="FFFF00"/>
                 </a:highlight>
               </a:rPr>
-              <a:t> </a:t>
-            </a:r>
-            <a:r>
-              <a:rPr lang="en-US" b="1" dirty="0" err="1">
-                <a:solidFill>
-                  <a:srgbClr val="C00000"/>
-                </a:solidFill>
+              <a:t>implements </a:t>
+            </a:r>
+            <a:r>
+              <a:rPr lang="en-US" sz="1600" dirty="0" err="1">
                 <a:highlight>
                   <a:srgbClr val="FFFF00"/>
                 </a:highlight>
@@ -32493,10 +31329,7 @@
               <a:t>OnInit</a:t>
             </a:r>
             <a:r>
-              <a:rPr lang="en-US" b="1" dirty="0">
-                <a:solidFill>
-                  <a:srgbClr val="C00000"/>
-                </a:solidFill>
+              <a:rPr lang="en-US" sz="1600" dirty="0">
                 <a:highlight>
                   <a:srgbClr val="FFFF00"/>
                 </a:highlight>
@@ -32504,828 +31337,212 @@
               <a:t> </a:t>
             </a:r>
             <a:r>
-              <a:rPr sz="1500" dirty="0">
-                <a:latin typeface="Consolas"/>
-                <a:cs typeface="Consolas"/>
-              </a:rPr>
+              <a:rPr lang="en-US" sz="1600" dirty="0"/>
               <a:t>{</a:t>
             </a:r>
-            <a:r>
-              <a:rPr sz="1500" dirty="0">
-                <a:latin typeface="Times New Roman"/>
-                <a:cs typeface="Times New Roman"/>
-              </a:rPr>
-              <a:t> </a:t>
-            </a:r>
-            <a:r>
-              <a:rPr sz="1500" spc="5" dirty="0">
-                <a:latin typeface="Consolas"/>
-                <a:cs typeface="Consolas"/>
-              </a:rPr>
+            <a:br>
+              <a:rPr lang="en-US" sz="1600" dirty="0"/>
+            </a:br>
+            <a:r>
+              <a:rPr lang="en-US" sz="1600" dirty="0"/>
+              <a:t>  </a:t>
+            </a:r>
+            <a:r>
+              <a:rPr lang="en-US" dirty="0" err="1"/>
               <a:t>name</a:t>
             </a:r>
             <a:r>
-              <a:rPr sz="1500" spc="-5" dirty="0">
-                <a:latin typeface="Consolas"/>
-                <a:cs typeface="Consolas"/>
-              </a:rPr>
+              <a:rPr lang="en-US" sz="1600" dirty="0" err="1"/>
               <a:t>:</a:t>
             </a:r>
             <a:r>
-              <a:rPr sz="1500" b="1" spc="5" dirty="0">
-                <a:solidFill>
-                  <a:srgbClr val="000080"/>
-                </a:solidFill>
-                <a:latin typeface="Consolas"/>
-                <a:cs typeface="Consolas"/>
-              </a:rPr>
+              <a:rPr lang="en-US" dirty="0" err="1"/>
               <a:t>string</a:t>
             </a:r>
             <a:r>
-              <a:rPr sz="1500" dirty="0">
-                <a:latin typeface="Consolas"/>
-                <a:cs typeface="Consolas"/>
-              </a:rPr>
+              <a:rPr lang="en-US" sz="1600" dirty="0"/>
               <a:t>;</a:t>
             </a:r>
-          </a:p>
-          <a:p>
-            <a:pPr marL="683260">
-              <a:lnSpc>
-                <a:spcPct val="100000"/>
-              </a:lnSpc>
-              <a:spcBef>
-                <a:spcPts val="919"/>
-              </a:spcBef>
-            </a:pPr>
-            <a:r>
-              <a:rPr sz="1500" dirty="0">
-                <a:latin typeface="Consolas"/>
-                <a:cs typeface="Consolas"/>
-              </a:rPr>
+            <a:br>
+              <a:rPr lang="en-US" sz="1600" dirty="0"/>
+            </a:br>
+            <a:r>
+              <a:rPr lang="en-US" sz="1600" dirty="0"/>
+              <a:t>  </a:t>
+            </a:r>
+            <a:r>
+              <a:rPr lang="en-US" dirty="0" err="1"/>
               <a:t>cities</a:t>
             </a:r>
             <a:r>
-              <a:rPr sz="1500" spc="5" dirty="0">
-                <a:latin typeface="Consolas"/>
-                <a:cs typeface="Consolas"/>
-              </a:rPr>
+              <a:rPr lang="en-US" sz="1600" dirty="0" err="1"/>
               <a:t>:</a:t>
             </a:r>
             <a:r>
-              <a:rPr sz="1500" b="1" spc="5" dirty="0">
-                <a:solidFill>
-                  <a:srgbClr val="000080"/>
-                </a:solidFill>
-                <a:latin typeface="Consolas"/>
-                <a:cs typeface="Consolas"/>
-              </a:rPr>
-              <a:t>strin</a:t>
-            </a:r>
-            <a:r>
-              <a:rPr sz="1500" b="1" dirty="0">
-                <a:solidFill>
-                  <a:srgbClr val="000080"/>
-                </a:solidFill>
-                <a:latin typeface="Consolas"/>
-                <a:cs typeface="Consolas"/>
-              </a:rPr>
-              <a:t>g</a:t>
-            </a:r>
-            <a:r>
-              <a:rPr sz="1500" spc="5" dirty="0">
-                <a:latin typeface="Consolas"/>
-                <a:cs typeface="Consolas"/>
-              </a:rPr>
+              <a:rPr lang="en-US" dirty="0" err="1"/>
+              <a:t>string</a:t>
+            </a:r>
+            <a:r>
+              <a:rPr lang="en-US" sz="1600" dirty="0"/>
               <a:t>[];</a:t>
             </a:r>
+            <a:br>
+              <a:rPr lang="en-US" sz="1600" dirty="0"/>
+            </a:br>
+            <a:br>
+              <a:rPr lang="en-US" sz="1600" dirty="0"/>
+            </a:br>
+            <a:r>
+              <a:rPr lang="en-US" sz="1600" dirty="0"/>
+              <a:t>  </a:t>
+            </a:r>
+            <a:r>
+              <a:rPr lang="en-US" dirty="0"/>
+              <a:t>constructor</a:t>
+            </a:r>
+            <a:r>
+              <a:rPr lang="en-US" sz="1600" dirty="0"/>
+              <a:t>()  {}</a:t>
+            </a:r>
+            <a:br>
+              <a:rPr lang="en-US" sz="1600" dirty="0"/>
+            </a:br>
+            <a:br>
+              <a:rPr lang="en-US" sz="1600" dirty="0"/>
+            </a:br>
+            <a:r>
+              <a:rPr lang="en-US" sz="1600" dirty="0"/>
+              <a:t>  </a:t>
+            </a:r>
+            <a:r>
+              <a:rPr lang="en-US" dirty="0" err="1">
+                <a:highlight>
+                  <a:srgbClr val="FFFF00"/>
+                </a:highlight>
+              </a:rPr>
+              <a:t>ngOnInit</a:t>
+            </a:r>
+            <a:r>
+              <a:rPr lang="en-US" dirty="0"/>
+              <a:t> </a:t>
+            </a:r>
+            <a:r>
+              <a:rPr lang="en-US" sz="1600" dirty="0"/>
+              <a:t>( ) {</a:t>
+            </a:r>
+            <a:br>
+              <a:rPr lang="en-US" sz="1600" dirty="0"/>
+            </a:br>
+            <a:r>
+              <a:rPr lang="en-US" sz="1600" dirty="0"/>
+              <a:t>        </a:t>
+            </a:r>
+            <a:r>
+              <a:rPr lang="en-US" dirty="0" err="1"/>
+              <a:t>this</a:t>
+            </a:r>
+            <a:r>
+              <a:rPr lang="en-US" sz="1600" dirty="0" err="1"/>
+              <a:t>.</a:t>
+            </a:r>
+            <a:r>
+              <a:rPr lang="en-US" dirty="0" err="1"/>
+              <a:t>name</a:t>
+            </a:r>
+            <a:r>
+              <a:rPr lang="en-US" dirty="0"/>
+              <a:t> </a:t>
+            </a:r>
+            <a:r>
+              <a:rPr lang="en-US" sz="1600" dirty="0"/>
+              <a:t>= </a:t>
+            </a:r>
+            <a:r>
+              <a:rPr lang="en-US" dirty="0"/>
+              <a:t>'Peter  Eijgermans’; </a:t>
+            </a:r>
+            <a:br>
+              <a:rPr lang="en-US" dirty="0"/>
+            </a:br>
+            <a:r>
+              <a:rPr lang="en-US" dirty="0"/>
+              <a:t>       </a:t>
+            </a:r>
+            <a:r>
+              <a:rPr lang="en-US" dirty="0" err="1"/>
+              <a:t>this</a:t>
+            </a:r>
+            <a:r>
+              <a:rPr lang="en-US" sz="1600" dirty="0" err="1"/>
+              <a:t>.</a:t>
+            </a:r>
+            <a:r>
+              <a:rPr lang="en-US" dirty="0" err="1"/>
+              <a:t>cities</a:t>
+            </a:r>
+            <a:r>
+              <a:rPr lang="en-US" sz="1600" dirty="0"/>
+              <a:t>=[</a:t>
+            </a:r>
+            <a:r>
+              <a:rPr lang="en-US" dirty="0"/>
+              <a:t>'Groningen'</a:t>
+            </a:r>
+            <a:r>
+              <a:rPr lang="en-US" sz="1600" dirty="0"/>
+              <a:t>,  </a:t>
+            </a:r>
+            <a:r>
+              <a:rPr lang="en-US" dirty="0"/>
+              <a:t>'</a:t>
+            </a:r>
+            <a:r>
+              <a:rPr lang="en-US" dirty="0" err="1"/>
+              <a:t>Hengelo'</a:t>
+            </a:r>
+            <a:r>
+              <a:rPr lang="en-US" sz="1600" dirty="0" err="1"/>
+              <a:t>,</a:t>
+            </a:r>
+            <a:r>
+              <a:rPr lang="en-US" dirty="0" err="1"/>
+              <a:t>'Den</a:t>
+            </a:r>
+            <a:r>
+              <a:rPr lang="en-US" dirty="0"/>
+              <a:t>  Haag'];</a:t>
+            </a:r>
+            <a:br>
+              <a:rPr lang="en-US" dirty="0"/>
+            </a:br>
+            <a:r>
+              <a:rPr lang="en-US" dirty="0"/>
+              <a:t>  </a:t>
+            </a:r>
+            <a:r>
+              <a:rPr lang="en-US" sz="1600" dirty="0"/>
+              <a:t>}</a:t>
+            </a:r>
+          </a:p>
+          <a:p>
+            <a:pPr marL="683260" marR="3937635" indent="-318770"/>
+            <a:r>
+              <a:rPr lang="en-US" sz="1600" dirty="0"/>
+              <a:t>}</a:t>
+            </a:r>
             <a:endParaRPr sz="1500" dirty="0">
-              <a:latin typeface="Consolas"/>
-              <a:cs typeface="Consolas"/>
-            </a:endParaRPr>
-          </a:p>
-          <a:p>
-            <a:pPr>
-              <a:lnSpc>
-                <a:spcPct val="100000"/>
-              </a:lnSpc>
-            </a:pPr>
-            <a:endParaRPr sz="1500" dirty="0">
-              <a:latin typeface="Times New Roman"/>
-              <a:cs typeface="Times New Roman"/>
-            </a:endParaRPr>
-          </a:p>
-          <a:p>
-            <a:pPr>
-              <a:lnSpc>
-                <a:spcPct val="100000"/>
-              </a:lnSpc>
-              <a:spcBef>
-                <a:spcPts val="13"/>
-              </a:spcBef>
-            </a:pPr>
-            <a:endParaRPr sz="1650" dirty="0">
-              <a:latin typeface="Times New Roman"/>
-              <a:cs typeface="Times New Roman"/>
-            </a:endParaRPr>
-          </a:p>
-          <a:p>
-            <a:pPr marL="683260">
-              <a:lnSpc>
-                <a:spcPct val="100000"/>
-              </a:lnSpc>
-            </a:pPr>
-            <a:r>
-              <a:rPr sz="1500" b="1" spc="5" dirty="0">
-                <a:solidFill>
-                  <a:srgbClr val="000080"/>
-                </a:solidFill>
-                <a:latin typeface="Consolas"/>
-                <a:cs typeface="Consolas"/>
-              </a:rPr>
-              <a:t>constructor</a:t>
-            </a:r>
-            <a:r>
-              <a:rPr sz="1500" dirty="0">
-                <a:latin typeface="Consolas"/>
-                <a:cs typeface="Consolas"/>
-              </a:rPr>
-              <a:t>()</a:t>
-            </a:r>
-            <a:r>
-              <a:rPr sz="1500" dirty="0">
-                <a:latin typeface="Times New Roman"/>
-                <a:cs typeface="Times New Roman"/>
-              </a:rPr>
-              <a:t> </a:t>
-            </a:r>
-            <a:r>
-              <a:rPr sz="1500" spc="90" dirty="0">
-                <a:latin typeface="Times New Roman"/>
-                <a:cs typeface="Times New Roman"/>
-              </a:rPr>
-              <a:t> </a:t>
-            </a:r>
-            <a:r>
-              <a:rPr sz="1500" dirty="0">
-                <a:latin typeface="Consolas"/>
-                <a:cs typeface="Consolas"/>
-              </a:rPr>
-              <a:t>{</a:t>
-            </a:r>
-            <a:r>
-              <a:rPr lang="nl-NL" sz="1500" dirty="0">
-                <a:latin typeface="Consolas"/>
-                <a:cs typeface="Consolas"/>
-              </a:rPr>
-              <a:t>}</a:t>
-            </a:r>
-          </a:p>
-          <a:p>
-            <a:pPr marL="683260">
-              <a:lnSpc>
-                <a:spcPct val="100000"/>
-              </a:lnSpc>
-            </a:pPr>
-            <a:endParaRPr lang="nl-NL" sz="1500" dirty="0">
-              <a:latin typeface="Consolas"/>
-              <a:cs typeface="Consolas"/>
-            </a:endParaRPr>
-          </a:p>
-          <a:p>
-            <a:pPr marL="683260"/>
-            <a:r>
-              <a:rPr lang="en-US" b="1" dirty="0" err="1">
-                <a:solidFill>
-                  <a:srgbClr val="C00000"/>
-                </a:solidFill>
-              </a:rPr>
-              <a:t>ngOnInit</a:t>
-            </a:r>
-            <a:r>
-              <a:rPr lang="en-US" b="1" dirty="0">
-                <a:solidFill>
-                  <a:srgbClr val="C00000"/>
-                </a:solidFill>
-              </a:rPr>
-              <a:t> </a:t>
-            </a:r>
-            <a:r>
-              <a:rPr lang="en-US" dirty="0"/>
-              <a:t>( ) {</a:t>
-            </a:r>
-          </a:p>
-          <a:p>
-            <a:pPr marL="683260">
-              <a:lnSpc>
-                <a:spcPct val="100000"/>
-              </a:lnSpc>
-            </a:pPr>
-            <a:endParaRPr sz="1500" dirty="0">
-              <a:latin typeface="Consolas"/>
-              <a:cs typeface="Consolas"/>
+              <a:latin typeface="Arial" panose="020B0604020202020204" pitchFamily="34" charset="0"/>
+              <a:cs typeface="Arial" panose="020B0604020202020204" pitchFamily="34" charset="0"/>
             </a:endParaRPr>
           </a:p>
         </p:txBody>
       </p:sp>
-      <p:sp>
-        <p:nvSpPr>
-          <p:cNvPr id="9" name="object 9"/>
-          <p:cNvSpPr txBox="1"/>
-          <p:nvPr/>
-        </p:nvSpPr>
-        <p:spPr>
-          <a:xfrm>
-            <a:off x="1943304" y="6352132"/>
-            <a:ext cx="131445" cy="217804"/>
-          </a:xfrm>
-          <a:prstGeom prst="rect">
-            <a:avLst/>
-          </a:prstGeom>
-        </p:spPr>
-        <p:txBody>
-          <a:bodyPr vert="horz" wrap="square" lIns="0" tIns="0" rIns="0" bIns="0" rtlCol="0">
-            <a:spAutoFit/>
-          </a:bodyPr>
-          <a:lstStyle/>
-          <a:p>
-            <a:pPr marL="12700">
-              <a:lnSpc>
-                <a:spcPct val="100000"/>
-              </a:lnSpc>
-            </a:pPr>
-            <a:r>
-              <a:rPr sz="1500" dirty="0">
-                <a:latin typeface="Consolas"/>
-                <a:cs typeface="Consolas"/>
-              </a:rPr>
-              <a:t>}</a:t>
-            </a:r>
-            <a:endParaRPr sz="1500">
-              <a:latin typeface="Consolas"/>
-              <a:cs typeface="Consolas"/>
-            </a:endParaRPr>
-          </a:p>
-        </p:txBody>
-      </p:sp>
-      <p:sp>
-        <p:nvSpPr>
-          <p:cNvPr id="10" name="object 10"/>
-          <p:cNvSpPr txBox="1"/>
-          <p:nvPr/>
-        </p:nvSpPr>
-        <p:spPr>
-          <a:xfrm>
-            <a:off x="1624777" y="6697306"/>
-            <a:ext cx="131445" cy="217804"/>
-          </a:xfrm>
-          <a:prstGeom prst="rect">
-            <a:avLst/>
-          </a:prstGeom>
-        </p:spPr>
-        <p:txBody>
-          <a:bodyPr vert="horz" wrap="square" lIns="0" tIns="0" rIns="0" bIns="0" rtlCol="0">
-            <a:spAutoFit/>
-          </a:bodyPr>
-          <a:lstStyle/>
-          <a:p>
-            <a:pPr marL="12700">
-              <a:lnSpc>
-                <a:spcPct val="100000"/>
-              </a:lnSpc>
-            </a:pPr>
-            <a:r>
-              <a:rPr sz="1500" dirty="0">
-                <a:latin typeface="Consolas"/>
-                <a:cs typeface="Consolas"/>
-              </a:rPr>
-              <a:t>}</a:t>
-            </a:r>
-            <a:endParaRPr sz="1500">
-              <a:latin typeface="Consolas"/>
-              <a:cs typeface="Consolas"/>
-            </a:endParaRPr>
-          </a:p>
-        </p:txBody>
-      </p:sp>
-      <p:graphicFrame>
-        <p:nvGraphicFramePr>
-          <p:cNvPr id="8" name="object 8"/>
-          <p:cNvGraphicFramePr>
-            <a:graphicFrameLocks noGrp="1"/>
-          </p:cNvGraphicFramePr>
-          <p:nvPr>
-            <p:extLst>
-              <p:ext uri="{D42A27DB-BD31-4B8C-83A1-F6EECF244321}">
-                <p14:modId xmlns:p14="http://schemas.microsoft.com/office/powerpoint/2010/main" val="2131383697"/>
-              </p:ext>
-            </p:extLst>
-          </p:nvPr>
-        </p:nvGraphicFramePr>
-        <p:xfrm>
-          <a:off x="2222500" y="5848453"/>
-          <a:ext cx="6656263" cy="664968"/>
-        </p:xfrm>
-        <a:graphic>
-          <a:graphicData uri="http://schemas.openxmlformats.org/drawingml/2006/table">
-            <a:tbl>
-              <a:tblPr firstRow="1" bandRow="1">
-                <a:tableStyleId>{2D5ABB26-0587-4C30-8999-92F81FD0307C}</a:tableStyleId>
-              </a:tblPr>
-              <a:tblGrid>
-                <a:gridCol w="1256520">
-                  <a:extLst>
-                    <a:ext uri="{9D8B030D-6E8A-4147-A177-3AD203B41FA5}">
-                      <a16:colId xmlns:a16="http://schemas.microsoft.com/office/drawing/2014/main" val="20000"/>
-                    </a:ext>
-                  </a:extLst>
-                </a:gridCol>
-                <a:gridCol w="212328">
-                  <a:extLst>
-                    <a:ext uri="{9D8B030D-6E8A-4147-A177-3AD203B41FA5}">
-                      <a16:colId xmlns:a16="http://schemas.microsoft.com/office/drawing/2014/main" val="20001"/>
-                    </a:ext>
-                  </a:extLst>
-                </a:gridCol>
-                <a:gridCol w="2656342">
-                  <a:extLst>
-                    <a:ext uri="{9D8B030D-6E8A-4147-A177-3AD203B41FA5}">
-                      <a16:colId xmlns:a16="http://schemas.microsoft.com/office/drawing/2014/main" val="20002"/>
-                    </a:ext>
-                  </a:extLst>
-                </a:gridCol>
-                <a:gridCol w="2531073">
-                  <a:extLst>
-                    <a:ext uri="{9D8B030D-6E8A-4147-A177-3AD203B41FA5}">
-                      <a16:colId xmlns:a16="http://schemas.microsoft.com/office/drawing/2014/main" val="20003"/>
-                    </a:ext>
-                  </a:extLst>
-                </a:gridCol>
-              </a:tblGrid>
-              <a:tr h="332484">
-                <a:tc>
-                  <a:txBody>
-                    <a:bodyPr/>
-                    <a:lstStyle/>
-                    <a:p>
-                      <a:pPr marL="34925">
-                        <a:lnSpc>
-                          <a:spcPct val="100000"/>
-                        </a:lnSpc>
-                      </a:pPr>
-                      <a:r>
-                        <a:rPr sz="1500" b="1" dirty="0">
-                          <a:solidFill>
-                            <a:srgbClr val="000080"/>
-                          </a:solidFill>
-                          <a:latin typeface="Consolas"/>
-                          <a:cs typeface="Consolas"/>
-                        </a:rPr>
-                        <a:t>thi</a:t>
-                      </a:r>
-                      <a:r>
-                        <a:rPr sz="1500" b="1" spc="5" dirty="0">
-                          <a:solidFill>
-                            <a:srgbClr val="000080"/>
-                          </a:solidFill>
-                          <a:latin typeface="Consolas"/>
-                          <a:cs typeface="Consolas"/>
-                        </a:rPr>
-                        <a:t>s</a:t>
-                      </a:r>
-                      <a:r>
-                        <a:rPr sz="1500" spc="5" dirty="0">
-                          <a:latin typeface="Consolas"/>
-                          <a:cs typeface="Consolas"/>
-                        </a:rPr>
-                        <a:t>.name</a:t>
-                      </a:r>
-                      <a:endParaRPr sz="1500" dirty="0">
-                        <a:latin typeface="Consolas"/>
-                        <a:cs typeface="Consolas"/>
-                      </a:endParaRPr>
-                    </a:p>
-                  </a:txBody>
-                  <a:tcPr marL="0" marR="0" marT="0" marB="0"/>
-                </a:tc>
-                <a:tc>
-                  <a:txBody>
-                    <a:bodyPr/>
-                    <a:lstStyle/>
-                    <a:p>
-                      <a:pPr marL="52705">
-                        <a:lnSpc>
-                          <a:spcPct val="100000"/>
-                        </a:lnSpc>
-                      </a:pPr>
-                      <a:r>
-                        <a:rPr sz="1500" dirty="0">
-                          <a:latin typeface="Consolas"/>
-                          <a:cs typeface="Consolas"/>
-                        </a:rPr>
-                        <a:t>=</a:t>
-                      </a:r>
-                      <a:endParaRPr sz="1500">
-                        <a:latin typeface="Consolas"/>
-                        <a:cs typeface="Consolas"/>
-                      </a:endParaRPr>
-                    </a:p>
-                  </a:txBody>
-                  <a:tcPr marL="0" marR="0" marT="0" marB="0"/>
-                </a:tc>
-                <a:tc>
-                  <a:txBody>
-                    <a:bodyPr/>
-                    <a:lstStyle/>
-                    <a:p>
-                      <a:pPr marL="53340">
-                        <a:lnSpc>
-                          <a:spcPct val="100000"/>
-                        </a:lnSpc>
-                      </a:pPr>
-                      <a:r>
-                        <a:rPr sz="1500" b="1" spc="5" dirty="0">
-                          <a:solidFill>
-                            <a:srgbClr val="008000"/>
-                          </a:solidFill>
-                          <a:latin typeface="Consolas"/>
-                          <a:cs typeface="Consolas"/>
-                        </a:rPr>
-                        <a:t>'Pete</a:t>
-                      </a:r>
-                      <a:r>
-                        <a:rPr sz="1500" b="1" dirty="0">
-                          <a:solidFill>
-                            <a:srgbClr val="008000"/>
-                          </a:solidFill>
-                          <a:latin typeface="Consolas"/>
-                          <a:cs typeface="Consolas"/>
-                        </a:rPr>
-                        <a:t>r</a:t>
-                      </a:r>
-                      <a:r>
-                        <a:rPr sz="1500" b="1" dirty="0">
-                          <a:solidFill>
-                            <a:srgbClr val="008000"/>
-                          </a:solidFill>
-                          <a:latin typeface="Times New Roman"/>
-                          <a:cs typeface="Times New Roman"/>
-                        </a:rPr>
-                        <a:t> </a:t>
-                      </a:r>
-                      <a:r>
-                        <a:rPr sz="1500" b="1" spc="90" dirty="0">
-                          <a:solidFill>
-                            <a:srgbClr val="008000"/>
-                          </a:solidFill>
-                          <a:latin typeface="Times New Roman"/>
-                          <a:cs typeface="Times New Roman"/>
-                        </a:rPr>
-                        <a:t> </a:t>
-                      </a:r>
-                      <a:r>
-                        <a:rPr lang="nl-NL" sz="1500" b="1" spc="90" dirty="0">
-                          <a:solidFill>
-                            <a:srgbClr val="008000"/>
-                          </a:solidFill>
-                          <a:latin typeface="Times New Roman"/>
-                          <a:cs typeface="Times New Roman"/>
-                        </a:rPr>
-                        <a:t>Eijgermans</a:t>
-                      </a:r>
-                      <a:r>
-                        <a:rPr sz="1500" b="1" spc="-5" dirty="0">
-                          <a:solidFill>
-                            <a:srgbClr val="008000"/>
-                          </a:solidFill>
-                          <a:latin typeface="Consolas"/>
-                          <a:cs typeface="Consolas"/>
-                        </a:rPr>
-                        <a:t>'</a:t>
-                      </a:r>
-                      <a:r>
-                        <a:rPr sz="1500" dirty="0">
-                          <a:latin typeface="Consolas"/>
-                          <a:cs typeface="Consolas"/>
-                        </a:rPr>
-                        <a:t>;</a:t>
-                      </a:r>
-                    </a:p>
-                  </a:txBody>
-                  <a:tcPr marL="0" marR="0" marT="0" marB="0"/>
-                </a:tc>
-                <a:tc>
-                  <a:txBody>
-                    <a:bodyPr/>
-                    <a:lstStyle/>
-                    <a:p>
-                      <a:endParaRPr sz="1500">
-                        <a:latin typeface="Consolas"/>
-                        <a:cs typeface="Consolas"/>
-                      </a:endParaRPr>
-                    </a:p>
-                  </a:txBody>
-                  <a:tcPr marL="0" marR="0" marT="0" marB="0"/>
-                </a:tc>
-                <a:extLst>
-                  <a:ext uri="{0D108BD9-81ED-4DB2-BD59-A6C34878D82A}">
-                    <a16:rowId xmlns:a16="http://schemas.microsoft.com/office/drawing/2014/main" val="10000"/>
-                  </a:ext>
-                </a:extLst>
-              </a:tr>
-              <a:tr h="332484">
-                <a:tc>
-                  <a:txBody>
-                    <a:bodyPr/>
-                    <a:lstStyle/>
-                    <a:p>
-                      <a:pPr marL="34925">
-                        <a:lnSpc>
-                          <a:spcPct val="100000"/>
-                        </a:lnSpc>
-                      </a:pPr>
-                      <a:r>
-                        <a:rPr sz="1500" b="1" dirty="0">
-                          <a:solidFill>
-                            <a:srgbClr val="000080"/>
-                          </a:solidFill>
-                          <a:latin typeface="Consolas"/>
-                          <a:cs typeface="Consolas"/>
-                        </a:rPr>
-                        <a:t>thi</a:t>
-                      </a:r>
-                      <a:r>
-                        <a:rPr sz="1500" b="1" spc="5" dirty="0">
-                          <a:solidFill>
-                            <a:srgbClr val="000080"/>
-                          </a:solidFill>
-                          <a:latin typeface="Consolas"/>
-                          <a:cs typeface="Consolas"/>
-                        </a:rPr>
-                        <a:t>s</a:t>
-                      </a:r>
-                      <a:r>
-                        <a:rPr sz="1500" dirty="0">
-                          <a:latin typeface="Consolas"/>
-                          <a:cs typeface="Consolas"/>
-                        </a:rPr>
-                        <a:t>.cities</a:t>
-                      </a:r>
-                    </a:p>
-                  </a:txBody>
-                  <a:tcPr marL="0" marR="0" marT="0" marB="0"/>
-                </a:tc>
-                <a:tc>
-                  <a:txBody>
-                    <a:bodyPr/>
-                    <a:lstStyle/>
-                    <a:p>
-                      <a:pPr marL="52705">
-                        <a:lnSpc>
-                          <a:spcPct val="100000"/>
-                        </a:lnSpc>
-                      </a:pPr>
-                      <a:r>
-                        <a:rPr sz="1500" dirty="0">
-                          <a:latin typeface="Consolas"/>
-                          <a:cs typeface="Consolas"/>
-                        </a:rPr>
-                        <a:t>=</a:t>
-                      </a:r>
-                      <a:endParaRPr sz="1500">
-                        <a:latin typeface="Consolas"/>
-                        <a:cs typeface="Consolas"/>
-                      </a:endParaRPr>
-                    </a:p>
-                  </a:txBody>
-                  <a:tcPr marL="0" marR="0" marT="0" marB="0"/>
-                </a:tc>
-                <a:tc>
-                  <a:txBody>
-                    <a:bodyPr/>
-                    <a:lstStyle/>
-                    <a:p>
-                      <a:pPr marL="53340">
-                        <a:lnSpc>
-                          <a:spcPct val="100000"/>
-                        </a:lnSpc>
-                      </a:pPr>
-                      <a:r>
-                        <a:rPr sz="1500" spc="5" dirty="0">
-                          <a:latin typeface="Consolas"/>
-                          <a:cs typeface="Consolas"/>
-                        </a:rPr>
-                        <a:t>[</a:t>
-                      </a:r>
-                      <a:r>
-                        <a:rPr sz="1500" b="1" spc="5" dirty="0">
-                          <a:solidFill>
-                            <a:srgbClr val="008000"/>
-                          </a:solidFill>
-                          <a:latin typeface="Consolas"/>
-                          <a:cs typeface="Consolas"/>
-                        </a:rPr>
-                        <a:t>'Groningen</a:t>
-                      </a:r>
-                      <a:r>
-                        <a:rPr sz="1500" b="1" spc="-5" dirty="0">
-                          <a:solidFill>
-                            <a:srgbClr val="008000"/>
-                          </a:solidFill>
-                          <a:latin typeface="Consolas"/>
-                          <a:cs typeface="Consolas"/>
-                        </a:rPr>
-                        <a:t>'</a:t>
-                      </a:r>
-                      <a:r>
-                        <a:rPr sz="1500" dirty="0">
-                          <a:latin typeface="Consolas"/>
-                          <a:cs typeface="Consolas"/>
-                        </a:rPr>
-                        <a:t>,</a:t>
-                      </a:r>
-                      <a:r>
-                        <a:rPr sz="1500" dirty="0">
-                          <a:latin typeface="Times New Roman"/>
-                          <a:cs typeface="Times New Roman"/>
-                        </a:rPr>
-                        <a:t> </a:t>
-                      </a:r>
-                      <a:r>
-                        <a:rPr sz="1500" spc="90" dirty="0">
-                          <a:latin typeface="Times New Roman"/>
-                          <a:cs typeface="Times New Roman"/>
-                        </a:rPr>
-                        <a:t> </a:t>
-                      </a:r>
-                      <a:r>
-                        <a:rPr sz="1500" b="1" spc="5" dirty="0">
-                          <a:solidFill>
-                            <a:srgbClr val="008000"/>
-                          </a:solidFill>
-                          <a:latin typeface="Consolas"/>
-                          <a:cs typeface="Consolas"/>
-                        </a:rPr>
-                        <a:t>'Hengelo</a:t>
-                      </a:r>
-                      <a:r>
-                        <a:rPr sz="1500" b="1" spc="-5" dirty="0">
-                          <a:solidFill>
-                            <a:srgbClr val="008000"/>
-                          </a:solidFill>
-                          <a:latin typeface="Consolas"/>
-                          <a:cs typeface="Consolas"/>
-                        </a:rPr>
-                        <a:t>'</a:t>
-                      </a:r>
-                      <a:r>
-                        <a:rPr sz="1500" dirty="0">
-                          <a:latin typeface="Consolas"/>
-                          <a:cs typeface="Consolas"/>
-                        </a:rPr>
-                        <a:t>,</a:t>
-                      </a:r>
-                      <a:endParaRPr sz="1500">
-                        <a:latin typeface="Consolas"/>
-                        <a:cs typeface="Consolas"/>
-                      </a:endParaRPr>
-                    </a:p>
-                  </a:txBody>
-                  <a:tcPr marL="0" marR="0" marT="0" marB="0"/>
-                </a:tc>
-                <a:tc>
-                  <a:txBody>
-                    <a:bodyPr/>
-                    <a:lstStyle/>
-                    <a:p>
-                      <a:pPr marL="53340">
-                        <a:lnSpc>
-                          <a:spcPct val="100000"/>
-                        </a:lnSpc>
-                      </a:pPr>
-                      <a:r>
-                        <a:rPr sz="1500" b="1" spc="5" dirty="0">
-                          <a:solidFill>
-                            <a:srgbClr val="008000"/>
-                          </a:solidFill>
-                          <a:latin typeface="Consolas"/>
-                          <a:cs typeface="Consolas"/>
-                        </a:rPr>
-                        <a:t>'De</a:t>
-                      </a:r>
-                      <a:r>
-                        <a:rPr sz="1500" b="1" dirty="0">
-                          <a:solidFill>
-                            <a:srgbClr val="008000"/>
-                          </a:solidFill>
-                          <a:latin typeface="Consolas"/>
-                          <a:cs typeface="Consolas"/>
-                        </a:rPr>
-                        <a:t>n</a:t>
-                      </a:r>
-                      <a:r>
-                        <a:rPr sz="1500" b="1" dirty="0">
-                          <a:solidFill>
-                            <a:srgbClr val="008000"/>
-                          </a:solidFill>
-                          <a:latin typeface="Times New Roman"/>
-                          <a:cs typeface="Times New Roman"/>
-                        </a:rPr>
-                        <a:t> </a:t>
-                      </a:r>
-                      <a:r>
-                        <a:rPr sz="1500" b="1" spc="90" dirty="0">
-                          <a:solidFill>
-                            <a:srgbClr val="008000"/>
-                          </a:solidFill>
-                          <a:latin typeface="Times New Roman"/>
-                          <a:cs typeface="Times New Roman"/>
-                        </a:rPr>
-                        <a:t> </a:t>
-                      </a:r>
-                      <a:r>
-                        <a:rPr sz="1500" b="1" dirty="0">
-                          <a:solidFill>
-                            <a:srgbClr val="008000"/>
-                          </a:solidFill>
-                          <a:latin typeface="Consolas"/>
-                          <a:cs typeface="Consolas"/>
-                        </a:rPr>
-                        <a:t>Haag</a:t>
-                      </a:r>
-                      <a:r>
-                        <a:rPr sz="1500" b="1" spc="5" dirty="0">
-                          <a:solidFill>
-                            <a:srgbClr val="008000"/>
-                          </a:solidFill>
-                          <a:latin typeface="Consolas"/>
-                          <a:cs typeface="Consolas"/>
-                        </a:rPr>
-                        <a:t>'</a:t>
-                      </a:r>
-                      <a:r>
-                        <a:rPr sz="1500" dirty="0">
-                          <a:latin typeface="Consolas"/>
-                          <a:cs typeface="Consolas"/>
-                        </a:rPr>
-                        <a:t>,</a:t>
-                      </a:r>
-                      <a:r>
-                        <a:rPr sz="1500" dirty="0">
-                          <a:latin typeface="Times New Roman"/>
-                          <a:cs typeface="Times New Roman"/>
-                        </a:rPr>
-                        <a:t> </a:t>
-                      </a:r>
-                      <a:r>
-                        <a:rPr sz="1500" spc="90" dirty="0">
-                          <a:latin typeface="Times New Roman"/>
-                          <a:cs typeface="Times New Roman"/>
-                        </a:rPr>
-                        <a:t> </a:t>
-                      </a:r>
-                      <a:r>
-                        <a:rPr sz="1500" b="1" spc="5" dirty="0">
-                          <a:solidFill>
-                            <a:srgbClr val="008000"/>
-                          </a:solidFill>
-                          <a:latin typeface="Consolas"/>
-                          <a:cs typeface="Consolas"/>
-                        </a:rPr>
-                        <a:t>'Enschede</a:t>
-                      </a:r>
-                      <a:r>
-                        <a:rPr sz="1500" b="1" spc="-5" dirty="0">
-                          <a:solidFill>
-                            <a:srgbClr val="008000"/>
-                          </a:solidFill>
-                          <a:latin typeface="Consolas"/>
-                          <a:cs typeface="Consolas"/>
-                        </a:rPr>
-                        <a:t>'</a:t>
-                      </a:r>
-                      <a:r>
-                        <a:rPr sz="1500" dirty="0">
-                          <a:latin typeface="Consolas"/>
-                          <a:cs typeface="Consolas"/>
-                        </a:rPr>
-                        <a:t>]</a:t>
-                      </a:r>
-                    </a:p>
-                  </a:txBody>
-                  <a:tcPr marL="0" marR="0" marT="0" marB="0"/>
-                </a:tc>
-                <a:extLst>
-                  <a:ext uri="{0D108BD9-81ED-4DB2-BD59-A6C34878D82A}">
-                    <a16:rowId xmlns:a16="http://schemas.microsoft.com/office/drawing/2014/main" val="10001"/>
-                  </a:ext>
-                </a:extLst>
-              </a:tr>
-            </a:tbl>
-          </a:graphicData>
-        </a:graphic>
-      </p:graphicFrame>
     </p:spTree>
+    <p:extLst>
+      <p:ext uri="{BB962C8B-B14F-4D97-AF65-F5344CB8AC3E}">
+        <p14:creationId xmlns:p14="http://schemas.microsoft.com/office/powerpoint/2010/main" val="2017244635"/>
+      </p:ext>
+    </p:extLst>
   </p:cSld>
   <p:clrMapOvr>
     <a:masterClrMapping/>
@@ -33358,8 +31575,8 @@
         </p:nvSpPr>
         <p:spPr>
           <a:xfrm>
-            <a:off x="3060700" y="504825"/>
-            <a:ext cx="3874007" cy="5552694"/>
+            <a:off x="3066796" y="352425"/>
+            <a:ext cx="4559807" cy="6858000"/>
           </a:xfrm>
           <a:prstGeom prst="rect">
             <a:avLst/>

--- a/PPT/02- Angular Databinding.pptx
+++ b/PPT/02- Angular Databinding.pptx
@@ -3248,7 +3248,7 @@
           <a:p>
             <a:fld id="{14471771-6CF3-0A4E-92CD-0AAA74C1AC74}" type="datetime1">
               <a:rPr lang="en-US" smtClean="0"/>
-              <a:t>12/17/21</a:t>
+              <a:t>12/22/21</a:t>
             </a:fld>
             <a:endParaRPr lang="en-US"/>
           </a:p>
@@ -3407,7 +3407,7 @@
           <a:p>
             <a:fld id="{AFA0C4A9-B9CF-204F-845A-78855C677058}" type="datetime1">
               <a:rPr lang="en-US" smtClean="0"/>
-              <a:t>12/17/21</a:t>
+              <a:t>12/22/21</a:t>
             </a:fld>
             <a:endParaRPr lang="en-US"/>
           </a:p>
@@ -3598,7 +3598,7 @@
           <a:p>
             <a:fld id="{19FA71EB-BBB9-284F-A0BA-D21452800DEF}" type="datetime1">
               <a:rPr lang="en-US" smtClean="0"/>
-              <a:t>12/17/21</a:t>
+              <a:t>12/22/21</a:t>
             </a:fld>
             <a:endParaRPr lang="en-US"/>
           </a:p>
@@ -3723,7 +3723,7 @@
           <a:p>
             <a:fld id="{4FD675FF-E717-2A40-AC09-B7D72BBC8572}" type="datetime1">
               <a:rPr lang="en-US" smtClean="0"/>
-              <a:t>12/17/21</a:t>
+              <a:t>12/22/21</a:t>
             </a:fld>
             <a:endParaRPr lang="en-US"/>
           </a:p>
@@ -3819,7 +3819,7 @@
           <a:p>
             <a:fld id="{50269BC5-4D28-1B46-B364-F1D1817E9371}" type="datetime1">
               <a:rPr lang="en-US" smtClean="0"/>
-              <a:t>12/17/21</a:t>
+              <a:t>12/22/21</a:t>
             </a:fld>
             <a:endParaRPr lang="en-US"/>
           </a:p>
@@ -4053,7 +4053,7 @@
           <a:p>
             <a:fld id="{0E34B6BF-76F8-634E-A5E2-C7F984B93D64}" type="datetime1">
               <a:rPr lang="en-US" smtClean="0"/>
-              <a:t>12/17/21</a:t>
+              <a:t>12/22/21</a:t>
             </a:fld>
             <a:endParaRPr lang="en-US"/>
           </a:p>
@@ -14239,7 +14239,27 @@
                 <a:latin typeface="Consolas"/>
                 <a:cs typeface="Consolas"/>
               </a:rPr>
-              <a:t>"onKeyUp(</a:t>
+              <a:t>"</a:t>
+            </a:r>
+            <a:r>
+              <a:rPr b="1" spc="5" dirty="0" err="1">
+                <a:solidFill>
+                  <a:srgbClr val="008000"/>
+                </a:solidFill>
+                <a:latin typeface="Consolas"/>
+                <a:cs typeface="Consolas"/>
+              </a:rPr>
+              <a:t>onKeyUp</a:t>
+            </a:r>
+            <a:r>
+              <a:rPr b="1" spc="5" dirty="0">
+                <a:solidFill>
+                  <a:srgbClr val="008000"/>
+                </a:solidFill>
+                <a:latin typeface="Consolas"/>
+                <a:cs typeface="Consolas"/>
+              </a:rPr>
+              <a:t>(</a:t>
             </a:r>
             <a:r>
               <a:rPr b="1" spc="5" dirty="0">
@@ -14706,14 +14726,21 @@
               </a:spcBef>
             </a:pPr>
             <a:r>
+              <a:rPr spc="5" dirty="0" err="1">
+                <a:latin typeface="Consolas"/>
+                <a:cs typeface="Consolas"/>
+              </a:rPr>
+              <a:t>onKeyUp</a:t>
+            </a:r>
+            <a:r>
               <a:rPr spc="5" dirty="0">
                 <a:latin typeface="Consolas"/>
                 <a:cs typeface="Consolas"/>
               </a:rPr>
-              <a:t>onKeyUp(</a:t>
-            </a:r>
-            <a:r>
-              <a:rPr spc="5" dirty="0">
+              <a:t>(</a:t>
+            </a:r>
+            <a:r>
+              <a:rPr spc="5" dirty="0" err="1">
                 <a:highlight>
                   <a:srgbClr val="FFFF00"/>
                 </a:highlight>
@@ -14723,7 +14750,7 @@
               <a:t>event:</a:t>
             </a:r>
             <a:r>
-              <a:rPr b="1" dirty="0">
+              <a:rPr b="1" dirty="0" err="1">
                 <a:solidFill>
                   <a:srgbClr val="000080"/>
                 </a:solidFill>
@@ -14736,7 +14763,7 @@
               <a:t>an</a:t>
             </a:r>
             <a:r>
-              <a:rPr b="1" spc="5" dirty="0">
+              <a:rPr b="1" spc="5" dirty="0" err="1">
                 <a:solidFill>
                   <a:srgbClr val="000080"/>
                 </a:solidFill>
@@ -17103,6 +17130,66 @@
               </a:rPr>
               <a:t>now</a:t>
             </a:r>
+            <a:r>
+              <a:rPr lang="nl-NL" sz="1700" i="1" dirty="0">
+                <a:solidFill>
+                  <a:srgbClr val="46C249"/>
+                </a:solidFill>
+                <a:latin typeface="Consolas"/>
+                <a:cs typeface="Consolas"/>
+              </a:rPr>
+              <a:t> but </a:t>
+            </a:r>
+            <a:r>
+              <a:rPr lang="nl-NL" sz="1700" i="1" dirty="0" err="1">
+                <a:solidFill>
+                  <a:srgbClr val="46C249"/>
+                </a:solidFill>
+                <a:latin typeface="Consolas"/>
+                <a:cs typeface="Consolas"/>
+              </a:rPr>
+              <a:t>rerenders</a:t>
+            </a:r>
+            <a:r>
+              <a:rPr lang="nl-NL" sz="1700" i="1" dirty="0">
+                <a:solidFill>
+                  <a:srgbClr val="46C249"/>
+                </a:solidFill>
+                <a:latin typeface="Consolas"/>
+                <a:cs typeface="Consolas"/>
+              </a:rPr>
+              <a:t> </a:t>
+            </a:r>
+            <a:r>
+              <a:rPr lang="nl-NL" sz="1700" i="1" dirty="0" err="1">
+                <a:solidFill>
+                  <a:srgbClr val="46C249"/>
+                </a:solidFill>
+                <a:latin typeface="Consolas"/>
+                <a:cs typeface="Consolas"/>
+              </a:rPr>
+              <a:t>the</a:t>
+            </a:r>
+            <a:r>
+              <a:rPr lang="nl-NL" sz="1700" i="1" dirty="0">
+                <a:solidFill>
+                  <a:srgbClr val="46C249"/>
+                </a:solidFill>
+                <a:latin typeface="Consolas"/>
+                <a:cs typeface="Consolas"/>
+              </a:rPr>
+              <a:t> </a:t>
+            </a:r>
+            <a:r>
+              <a:rPr lang="nl-NL" sz="1700" i="1" dirty="0" err="1">
+                <a:solidFill>
+                  <a:srgbClr val="46C249"/>
+                </a:solidFill>
+                <a:latin typeface="Consolas"/>
+                <a:cs typeface="Consolas"/>
+              </a:rPr>
+              <a:t>txtCity</a:t>
+            </a:r>
             <a:endParaRPr sz="1700" dirty="0">
               <a:latin typeface="Consolas"/>
               <a:cs typeface="Consolas"/>
@@ -17243,7 +17330,7 @@
         <p:spPr>
           <a:xfrm>
             <a:off x="1270394" y="1250149"/>
-            <a:ext cx="8266430" cy="6258508"/>
+            <a:ext cx="9423006" cy="6676764"/>
           </a:xfrm>
           <a:prstGeom prst="rect">
             <a:avLst/>
@@ -18149,24 +18236,14 @@
               </a:tabLst>
             </a:pPr>
             <a:r>
-              <a:rPr b="1" spc="5" dirty="0">
+              <a:rPr lang="nl-NL" b="1" spc="5" dirty="0">
                 <a:solidFill>
                   <a:srgbClr val="000080"/>
                 </a:solidFill>
                 <a:latin typeface="Consolas"/>
                 <a:cs typeface="Consolas"/>
               </a:rPr>
-              <a:t>le</a:t>
-            </a:r>
-            <a:r>
-              <a:rPr b="1" dirty="0">
-                <a:solidFill>
-                  <a:srgbClr val="000080"/>
-                </a:solidFill>
-                <a:latin typeface="Consolas"/>
-                <a:cs typeface="Consolas"/>
-              </a:rPr>
-              <a:t>t</a:t>
+              <a:t>let</a:t>
             </a:r>
             <a:r>
               <a:rPr b="1" dirty="0">
@@ -18324,6 +18401,78 @@
               </a:lnSpc>
             </a:pPr>
             <a:r>
+              <a:rPr lang="nl-NL" b="1" spc="5" dirty="0" err="1">
+                <a:solidFill>
+                  <a:srgbClr val="000080"/>
+                </a:solidFill>
+                <a:latin typeface="Consolas"/>
+                <a:cs typeface="Consolas"/>
+              </a:rPr>
+              <a:t>const</a:t>
+            </a:r>
+            <a:r>
+              <a:rPr b="1" dirty="0">
+                <a:solidFill>
+                  <a:srgbClr val="000080"/>
+                </a:solidFill>
+                <a:latin typeface="Times New Roman"/>
+                <a:cs typeface="Times New Roman"/>
+              </a:rPr>
+              <a:t> </a:t>
+            </a:r>
+            <a:r>
+              <a:rPr b="1" spc="90" dirty="0">
+                <a:solidFill>
+                  <a:srgbClr val="000080"/>
+                </a:solidFill>
+                <a:latin typeface="Times New Roman"/>
+                <a:cs typeface="Times New Roman"/>
+              </a:rPr>
+              <a:t> </a:t>
+            </a:r>
+            <a:r>
+              <a:rPr dirty="0">
+                <a:latin typeface="Consolas"/>
+                <a:cs typeface="Consolas"/>
+              </a:rPr>
+              <a:t>newCity</a:t>
+            </a:r>
+            <a:r>
+              <a:rPr dirty="0">
+                <a:latin typeface="Times New Roman"/>
+                <a:cs typeface="Times New Roman"/>
+              </a:rPr>
+              <a:t> </a:t>
+            </a:r>
+            <a:r>
+              <a:rPr spc="90" dirty="0">
+                <a:latin typeface="Times New Roman"/>
+                <a:cs typeface="Times New Roman"/>
+              </a:rPr>
+              <a:t> </a:t>
+            </a:r>
+            <a:r>
+              <a:rPr dirty="0">
+                <a:latin typeface="Consolas"/>
+                <a:cs typeface="Consolas"/>
+              </a:rPr>
+              <a:t>=</a:t>
+            </a:r>
+            <a:r>
+              <a:rPr dirty="0">
+                <a:latin typeface="Times New Roman"/>
+                <a:cs typeface="Times New Roman"/>
+              </a:rPr>
+              <a:t> </a:t>
+            </a:r>
+            <a:r>
+              <a:rPr spc="90" dirty="0">
+                <a:latin typeface="Times New Roman"/>
+                <a:cs typeface="Times New Roman"/>
+              </a:rPr>
+              <a:t> </a:t>
+            </a:r>
+            <a:r>
               <a:rPr b="1" spc="5" dirty="0">
                 <a:solidFill>
                   <a:srgbClr val="000080"/>
@@ -18331,7 +18480,7 @@
                 <a:latin typeface="Consolas"/>
                 <a:cs typeface="Consolas"/>
               </a:rPr>
-              <a:t>le</a:t>
+              <a:t>ne</a:t>
             </a:r>
             <a:r>
               <a:rPr b="1" dirty="0">
@@ -18341,7 +18490,7 @@
                 <a:latin typeface="Consolas"/>
                 <a:cs typeface="Consolas"/>
               </a:rPr>
-              <a:t>t</a:t>
+              <a:t>w</a:t>
             </a:r>
             <a:r>
               <a:rPr b="1" dirty="0">
@@ -18364,11 +18513,18 @@
               <a:t> </a:t>
             </a:r>
             <a:r>
+              <a:rPr spc="5" dirty="0">
+                <a:latin typeface="Consolas"/>
+                <a:cs typeface="Consolas"/>
+              </a:rPr>
+              <a:t>City(newID</a:t>
+            </a:r>
+            <a:r>
               <a:rPr dirty="0">
                 <a:latin typeface="Consolas"/>
                 <a:cs typeface="Consolas"/>
               </a:rPr>
-              <a:t>newCity</a:t>
+              <a:t>,</a:t>
             </a:r>
             <a:r>
               <a:rPr dirty="0">
@@ -18378,18 +18534,45 @@
               <a:t> </a:t>
             </a:r>
             <a:r>
-              <a:rPr spc="90" dirty="0">
-                <a:latin typeface="Times New Roman"/>
-                <a:cs typeface="Times New Roman"/>
-              </a:rPr>
-              <a:t> </a:t>
+              <a:rPr spc="85" dirty="0">
+                <a:latin typeface="Times New Roman"/>
+                <a:cs typeface="Times New Roman"/>
+              </a:rPr>
+              <a:t> </a:t>
+            </a:r>
+            <a:r>
+              <a:rPr b="1" i="1" spc="5" dirty="0">
+                <a:solidFill>
+                  <a:srgbClr val="C00000"/>
+                </a:solidFill>
+                <a:latin typeface="Consolas"/>
+                <a:cs typeface="Consolas"/>
+              </a:rPr>
+              <a:t>txtCity</a:t>
+            </a:r>
+            <a:r>
+              <a:rPr spc="5" dirty="0">
+                <a:latin typeface="Consolas"/>
+                <a:cs typeface="Consolas"/>
+              </a:rPr>
+              <a:t>.</a:t>
+            </a:r>
+            <a:r>
+              <a:rPr spc="5" dirty="0">
+                <a:solidFill>
+                  <a:srgbClr val="C00000"/>
+                </a:solidFill>
+                <a:latin typeface="Consolas"/>
+                <a:cs typeface="Consolas"/>
+              </a:rPr>
+              <a:t>value</a:t>
             </a:r>
             <a:r>
               <a:rPr dirty="0">
                 <a:latin typeface="Consolas"/>
                 <a:cs typeface="Consolas"/>
               </a:rPr>
-              <a:t>=</a:t>
+              <a:t>,</a:t>
             </a:r>
             <a:r>
               <a:rPr dirty="0">
@@ -18399,7 +18582,7 @@
               <a:t> </a:t>
             </a:r>
             <a:r>
-              <a:rPr spc="90" dirty="0">
+              <a:rPr spc="75" dirty="0">
                 <a:latin typeface="Times New Roman"/>
                 <a:cs typeface="Times New Roman"/>
               </a:rPr>
@@ -18408,179 +18591,81 @@
             <a:r>
               <a:rPr b="1" spc="5" dirty="0">
                 <a:solidFill>
+                  <a:srgbClr val="008000"/>
+                </a:solidFill>
+                <a:latin typeface="Consolas"/>
+                <a:cs typeface="Consolas"/>
+              </a:rPr>
+              <a:t>'Onbekend</a:t>
+            </a:r>
+            <a:r>
+              <a:rPr b="1" dirty="0">
+                <a:solidFill>
+                  <a:srgbClr val="008000"/>
+                </a:solidFill>
+                <a:latin typeface="Consolas"/>
+                <a:cs typeface="Consolas"/>
+              </a:rPr>
+              <a:t>'</a:t>
+            </a:r>
+            <a:r>
+              <a:rPr spc="5" dirty="0">
+                <a:latin typeface="Consolas"/>
+                <a:cs typeface="Consolas"/>
+              </a:rPr>
+              <a:t>);</a:t>
+            </a:r>
+            <a:r>
+              <a:rPr spc="5" dirty="0">
+                <a:latin typeface="Times New Roman"/>
+                <a:cs typeface="Times New Roman"/>
+              </a:rPr>
+              <a:t> </a:t>
+            </a:r>
+            <a:endParaRPr lang="nl-NL" spc="5" dirty="0">
+              <a:latin typeface="Times New Roman"/>
+              <a:cs typeface="Times New Roman"/>
+            </a:endParaRPr>
+          </a:p>
+          <a:p>
+            <a:pPr marL="1134745" marR="1066165" indent="-635">
+              <a:lnSpc>
+                <a:spcPct val="151000"/>
+              </a:lnSpc>
+            </a:pPr>
+            <a:r>
+              <a:rPr b="1" dirty="0" err="1">
+                <a:solidFill>
                   <a:srgbClr val="000080"/>
                 </a:solidFill>
                 <a:latin typeface="Consolas"/>
                 <a:cs typeface="Consolas"/>
               </a:rPr>
-              <a:t>ne</a:t>
-            </a:r>
-            <a:r>
-              <a:rPr b="1" dirty="0">
+              <a:t>thi</a:t>
+            </a:r>
+            <a:r>
+              <a:rPr b="1" spc="5" dirty="0" err="1">
                 <a:solidFill>
                   <a:srgbClr val="000080"/>
                 </a:solidFill>
                 <a:latin typeface="Consolas"/>
                 <a:cs typeface="Consolas"/>
               </a:rPr>
-              <a:t>w</a:t>
-            </a:r>
-            <a:r>
-              <a:rPr b="1" dirty="0">
-                <a:solidFill>
-                  <a:srgbClr val="000080"/>
-                </a:solidFill>
-                <a:latin typeface="Times New Roman"/>
-                <a:cs typeface="Times New Roman"/>
-              </a:rPr>
-              <a:t> </a:t>
-            </a:r>
-            <a:r>
-              <a:rPr b="1" spc="90" dirty="0">
-                <a:solidFill>
-                  <a:srgbClr val="000080"/>
-                </a:solidFill>
-                <a:latin typeface="Times New Roman"/>
-                <a:cs typeface="Times New Roman"/>
-              </a:rPr>
-              <a:t> </a:t>
+              <a:t>s</a:t>
+            </a:r>
+            <a:r>
+              <a:rPr spc="5" dirty="0" err="1">
+                <a:latin typeface="Consolas"/>
+                <a:cs typeface="Consolas"/>
+              </a:rPr>
+              <a:t>.cities.push</a:t>
             </a:r>
             <a:r>
               <a:rPr spc="5" dirty="0">
                 <a:latin typeface="Consolas"/>
                 <a:cs typeface="Consolas"/>
               </a:rPr>
-              <a:t>City(newID</a:t>
-            </a:r>
-            <a:r>
-              <a:rPr dirty="0">
-                <a:latin typeface="Consolas"/>
-                <a:cs typeface="Consolas"/>
-              </a:rPr>
-              <a:t>,</a:t>
-            </a:r>
-            <a:r>
-              <a:rPr dirty="0">
-                <a:latin typeface="Times New Roman"/>
-                <a:cs typeface="Times New Roman"/>
-              </a:rPr>
-              <a:t> </a:t>
-            </a:r>
-            <a:r>
-              <a:rPr spc="85" dirty="0">
-                <a:latin typeface="Times New Roman"/>
-                <a:cs typeface="Times New Roman"/>
-              </a:rPr>
-              <a:t> </a:t>
-            </a:r>
-            <a:r>
-              <a:rPr b="1" i="1" spc="5" dirty="0">
-                <a:solidFill>
-                  <a:srgbClr val="C00000"/>
-                </a:solidFill>
-                <a:latin typeface="Consolas"/>
-                <a:cs typeface="Consolas"/>
-              </a:rPr>
-              <a:t>txtCity</a:t>
-            </a:r>
-            <a:r>
-              <a:rPr spc="5" dirty="0">
-                <a:latin typeface="Consolas"/>
-                <a:cs typeface="Consolas"/>
-              </a:rPr>
-              <a:t>.</a:t>
-            </a:r>
-            <a:r>
-              <a:rPr spc="5" dirty="0">
-                <a:solidFill>
-                  <a:srgbClr val="C00000"/>
-                </a:solidFill>
-                <a:latin typeface="Consolas"/>
-                <a:cs typeface="Consolas"/>
-              </a:rPr>
-              <a:t>value</a:t>
-            </a:r>
-            <a:r>
-              <a:rPr dirty="0">
-                <a:latin typeface="Consolas"/>
-                <a:cs typeface="Consolas"/>
-              </a:rPr>
-              <a:t>,</a:t>
-            </a:r>
-            <a:r>
-              <a:rPr dirty="0">
-                <a:latin typeface="Times New Roman"/>
-                <a:cs typeface="Times New Roman"/>
-              </a:rPr>
-              <a:t> </a:t>
-            </a:r>
-            <a:r>
-              <a:rPr spc="75" dirty="0">
-                <a:latin typeface="Times New Roman"/>
-                <a:cs typeface="Times New Roman"/>
-              </a:rPr>
-              <a:t> </a:t>
-            </a:r>
-            <a:r>
-              <a:rPr b="1" spc="5" dirty="0">
-                <a:solidFill>
-                  <a:srgbClr val="008000"/>
-                </a:solidFill>
-                <a:latin typeface="Consolas"/>
-                <a:cs typeface="Consolas"/>
-              </a:rPr>
-              <a:t>'Onbekend</a:t>
-            </a:r>
-            <a:r>
-              <a:rPr b="1" dirty="0">
-                <a:solidFill>
-                  <a:srgbClr val="008000"/>
-                </a:solidFill>
-                <a:latin typeface="Consolas"/>
-                <a:cs typeface="Consolas"/>
-              </a:rPr>
-              <a:t>'</a:t>
-            </a:r>
-            <a:r>
-              <a:rPr spc="5" dirty="0">
-                <a:latin typeface="Consolas"/>
-                <a:cs typeface="Consolas"/>
-              </a:rPr>
-              <a:t>);</a:t>
-            </a:r>
-            <a:r>
-              <a:rPr spc="5" dirty="0">
-                <a:latin typeface="Times New Roman"/>
-                <a:cs typeface="Times New Roman"/>
-              </a:rPr>
-              <a:t> </a:t>
-            </a:r>
-            <a:r>
-              <a:rPr b="1" dirty="0">
-                <a:solidFill>
-                  <a:srgbClr val="000080"/>
-                </a:solidFill>
-                <a:latin typeface="Consolas"/>
-                <a:cs typeface="Consolas"/>
-              </a:rPr>
-              <a:t>thi</a:t>
-            </a:r>
-            <a:r>
-              <a:rPr b="1" spc="5" dirty="0">
-                <a:solidFill>
-                  <a:srgbClr val="000080"/>
-                </a:solidFill>
-                <a:latin typeface="Consolas"/>
-                <a:cs typeface="Consolas"/>
-              </a:rPr>
-              <a:t>s</a:t>
-            </a:r>
-            <a:r>
-              <a:rPr spc="5" dirty="0">
-                <a:latin typeface="Consolas"/>
-                <a:cs typeface="Consolas"/>
-              </a:rPr>
-              <a:t>.cities.push(newCity);</a:t>
+              <a:t>(newCity);</a:t>
             </a:r>
             <a:endParaRPr dirty="0">
               <a:latin typeface="Consolas"/>
@@ -20197,7 +20282,21 @@
                 <a:latin typeface="Courier New"/>
                 <a:cs typeface="Courier New"/>
               </a:rPr>
-              <a:t>=true&gt;…&lt;/div&gt;</a:t>
+              <a:t>=</a:t>
+            </a:r>
+            <a:r>
+              <a:rPr lang="nl-NL" sz="2150" spc="-5" dirty="0" err="1">
+                <a:latin typeface="Courier New"/>
+                <a:cs typeface="Courier New"/>
+              </a:rPr>
+              <a:t>false</a:t>
+            </a:r>
+            <a:r>
+              <a:rPr sz="2150" spc="-5" dirty="0">
+                <a:latin typeface="Courier New"/>
+                <a:cs typeface="Courier New"/>
+              </a:rPr>
+              <a:t>&gt;…&lt;/div&gt;</a:t>
             </a:r>
             <a:endParaRPr sz="2150" dirty="0">
               <a:latin typeface="Courier New"/>
@@ -22279,10 +22378,6 @@
               </a:rPr>
               <a:t>HTML</a:t>
             </a:r>
-            <a:endParaRPr sz="2150">
-              <a:latin typeface="Arial"/>
-              <a:cs typeface="Arial"/>
-            </a:endParaRPr>
           </a:p>
           <a:p>
             <a:pPr marL="734060" marR="5080" indent="-272415">
@@ -22518,7 +22613,7 @@
               </a:rPr>
               <a:t>&gt;</a:t>
             </a:r>
-            <a:endParaRPr sz="1300">
+            <a:endParaRPr sz="1300" dirty="0">
               <a:latin typeface="Consolas"/>
               <a:cs typeface="Consolas"/>
             </a:endParaRPr>
@@ -22637,7 +22732,7 @@
               </a:rPr>
               <a:t>}}</a:t>
             </a:r>
-            <a:endParaRPr sz="1300">
+            <a:endParaRPr sz="1300" dirty="0">
               <a:latin typeface="Consolas"/>
               <a:cs typeface="Consolas"/>
             </a:endParaRPr>
@@ -22675,7 +22770,7 @@
               </a:rPr>
               <a:t>&gt;</a:t>
             </a:r>
-            <a:endParaRPr sz="1300">
+            <a:endParaRPr sz="1300" dirty="0">
               <a:latin typeface="Consolas"/>
               <a:cs typeface="Consolas"/>
             </a:endParaRPr>
@@ -22689,7 +22784,7 @@
                 <a:spcPts val="35"/>
               </a:spcBef>
             </a:pPr>
-            <a:endParaRPr sz="1750">
+            <a:endParaRPr sz="1750" dirty="0">
               <a:latin typeface="Times New Roman"/>
               <a:cs typeface="Times New Roman"/>
             </a:endParaRPr>
@@ -22707,7 +22802,7 @@
               </a:rPr>
               <a:t>Class</a:t>
             </a:r>
-            <a:endParaRPr sz="2150">
+            <a:endParaRPr sz="2150" dirty="0">
               <a:latin typeface="Arial"/>
               <a:cs typeface="Arial"/>
             </a:endParaRPr>
@@ -22809,7 +22904,7 @@
               </a:rPr>
               <a:t>{</a:t>
             </a:r>
-            <a:endParaRPr sz="1300">
+            <a:endParaRPr sz="1300" dirty="0">
               <a:latin typeface="Consolas"/>
               <a:cs typeface="Consolas"/>
             </a:endParaRPr>
@@ -22863,7 +22958,7 @@
               </a:rPr>
               <a:t>…</a:t>
             </a:r>
-            <a:endParaRPr sz="1300">
+            <a:endParaRPr sz="1300" dirty="0">
               <a:latin typeface="Consolas"/>
               <a:cs typeface="Consolas"/>
             </a:endParaRPr>
@@ -22934,7 +23029,7 @@
               </a:rPr>
               <a:t>string</a:t>
             </a:r>
-            <a:endParaRPr sz="1300">
+            <a:endParaRPr sz="1300" dirty="0">
               <a:latin typeface="Consolas"/>
               <a:cs typeface="Consolas"/>
             </a:endParaRPr>
@@ -22949,7 +23044,7 @@
         </p:nvSpPr>
         <p:spPr>
           <a:xfrm>
-            <a:off x="3842134" y="4176456"/>
+            <a:off x="3746500" y="4229711"/>
             <a:ext cx="661035" cy="486409"/>
           </a:xfrm>
           <a:prstGeom prst="rect">
@@ -23005,7 +23100,7 @@
               </a:rPr>
               <a:t>;</a:t>
             </a:r>
-            <a:endParaRPr sz="1300">
+            <a:endParaRPr sz="1300" dirty="0">
               <a:latin typeface="Consolas"/>
               <a:cs typeface="Consolas"/>
             </a:endParaRPr>
@@ -23057,7 +23152,7 @@
               </a:rPr>
               <a:t>;</a:t>
             </a:r>
-            <a:endParaRPr sz="1300">
+            <a:endParaRPr sz="1300" dirty="0">
               <a:latin typeface="Consolas"/>
               <a:cs typeface="Consolas"/>
             </a:endParaRPr>
@@ -23430,7 +23525,7 @@
               </a:rPr>
               <a:t>interpolation</a:t>
             </a:r>
-            <a:endParaRPr sz="1300">
+            <a:endParaRPr sz="1300" dirty="0">
               <a:latin typeface="Consolas"/>
               <a:cs typeface="Consolas"/>
             </a:endParaRPr>
@@ -23472,7 +23567,7 @@
               </a:rPr>
               <a:t>{</a:t>
             </a:r>
-            <a:endParaRPr sz="1300">
+            <a:endParaRPr sz="1300" dirty="0">
               <a:latin typeface="Consolas"/>
               <a:cs typeface="Consolas"/>
             </a:endParaRPr>
@@ -23545,7 +23640,7 @@
               </a:rPr>
               <a:t>city;</a:t>
             </a:r>
-            <a:endParaRPr sz="1300">
+            <a:endParaRPr sz="1300" dirty="0">
               <a:latin typeface="Consolas"/>
               <a:cs typeface="Consolas"/>
             </a:endParaRPr>
@@ -23672,7 +23767,7 @@
               </a:rPr>
               <a:t>;</a:t>
             </a:r>
-            <a:endParaRPr sz="1300">
+            <a:endParaRPr sz="1300" dirty="0">
               <a:latin typeface="Consolas"/>
               <a:cs typeface="Consolas"/>
             </a:endParaRPr>
@@ -23693,7 +23788,7 @@
               </a:rPr>
               <a:t>}</a:t>
             </a:r>
-            <a:endParaRPr sz="1300">
+            <a:endParaRPr sz="1300" dirty="0">
               <a:latin typeface="Consolas"/>
               <a:cs typeface="Consolas"/>
             </a:endParaRPr>
@@ -23714,7 +23809,7 @@
               </a:rPr>
               <a:t>}</a:t>
             </a:r>
-            <a:endParaRPr sz="1300">
+            <a:endParaRPr sz="1300" dirty="0">
               <a:latin typeface="Consolas"/>
               <a:cs typeface="Consolas"/>
             </a:endParaRPr>
@@ -28708,6 +28803,13 @@
               <a:t>e</a:t>
             </a:r>
             <a:r>
+              <a:rPr lang="nl-NL" sz="1700" spc="5" dirty="0">
+                <a:latin typeface="Consolas"/>
+                <a:cs typeface="Consolas"/>
+              </a:rPr>
+              <a:t>: string</a:t>
+            </a:r>
+            <a:r>
               <a:rPr sz="1700" dirty="0">
                 <a:latin typeface="Times New Roman"/>
                 <a:cs typeface="Times New Roman"/>
@@ -28892,6 +28994,16 @@
                 <a:cs typeface="Consolas"/>
               </a:rPr>
               <a:t>'Groningen'</a:t>
+            </a:r>
+            <a:r>
+              <a:rPr lang="nl-NL" sz="1700" b="1" spc="-5" dirty="0">
+                <a:solidFill>
+                  <a:srgbClr val="008000"/>
+                </a:solidFill>
+                <a:latin typeface="Consolas"/>
+                <a:cs typeface="Consolas"/>
+              </a:rPr>
+              <a:t>;</a:t>
             </a:r>
             <a:endParaRPr sz="1700" dirty="0">
               <a:latin typeface="Consolas"/>
@@ -31428,7 +31540,7 @@
             </a:r>
             <a:r>
               <a:rPr lang="en-US" sz="1600" dirty="0"/>
-              <a:t>( ) {</a:t>
+              <a:t>( )  {</a:t>
             </a:r>
             <a:br>
               <a:rPr lang="en-US" sz="1600" dirty="0"/>

--- a/PPT/02- Angular Databinding.pptx
+++ b/PPT/02- Angular Databinding.pptx
@@ -3248,7 +3248,7 @@
           <a:p>
             <a:fld id="{14471771-6CF3-0A4E-92CD-0AAA74C1AC74}" type="datetime1">
               <a:rPr lang="en-US" smtClean="0"/>
-              <a:t>12/22/21</a:t>
+              <a:t>1/8/22</a:t>
             </a:fld>
             <a:endParaRPr lang="en-US"/>
           </a:p>
@@ -3407,7 +3407,7 @@
           <a:p>
             <a:fld id="{AFA0C4A9-B9CF-204F-845A-78855C677058}" type="datetime1">
               <a:rPr lang="en-US" smtClean="0"/>
-              <a:t>12/22/21</a:t>
+              <a:t>1/8/22</a:t>
             </a:fld>
             <a:endParaRPr lang="en-US"/>
           </a:p>
@@ -3598,7 +3598,7 @@
           <a:p>
             <a:fld id="{19FA71EB-BBB9-284F-A0BA-D21452800DEF}" type="datetime1">
               <a:rPr lang="en-US" smtClean="0"/>
-              <a:t>12/22/21</a:t>
+              <a:t>1/8/22</a:t>
             </a:fld>
             <a:endParaRPr lang="en-US"/>
           </a:p>
@@ -3723,7 +3723,7 @@
           <a:p>
             <a:fld id="{4FD675FF-E717-2A40-AC09-B7D72BBC8572}" type="datetime1">
               <a:rPr lang="en-US" smtClean="0"/>
-              <a:t>12/22/21</a:t>
+              <a:t>1/8/22</a:t>
             </a:fld>
             <a:endParaRPr lang="en-US"/>
           </a:p>
@@ -3819,7 +3819,7 @@
           <a:p>
             <a:fld id="{50269BC5-4D28-1B46-B364-F1D1817E9371}" type="datetime1">
               <a:rPr lang="en-US" smtClean="0"/>
-              <a:t>12/22/21</a:t>
+              <a:t>1/8/22</a:t>
             </a:fld>
             <a:endParaRPr lang="en-US"/>
           </a:p>
@@ -4053,7 +4053,7 @@
           <a:p>
             <a:fld id="{0E34B6BF-76F8-634E-A5E2-C7F984B93D64}" type="datetime1">
               <a:rPr lang="en-US" smtClean="0"/>
-              <a:t>12/22/21</a:t>
+              <a:t>1/8/22</a:t>
             </a:fld>
             <a:endParaRPr lang="en-US"/>
           </a:p>
@@ -6184,11 +6184,18 @@
               </a:tabLst>
             </a:pPr>
             <a:r>
+              <a:rPr lang="en-US" sz="1700" dirty="0">
+                <a:latin typeface="Consolas"/>
+                <a:cs typeface="Consolas"/>
+              </a:rPr>
+              <a:t>private n</a:t>
+            </a:r>
+            <a:r>
               <a:rPr sz="1700" dirty="0">
                 <a:latin typeface="Consolas"/>
                 <a:cs typeface="Consolas"/>
               </a:rPr>
-              <a:t>nam</a:t>
+              <a:t>am</a:t>
             </a:r>
             <a:r>
               <a:rPr sz="1700" spc="5" dirty="0">
@@ -6198,31 +6205,24 @@
               <a:t>e</a:t>
             </a:r>
             <a:r>
+              <a:rPr lang="nl-NL" sz="1700" spc="5" dirty="0">
+                <a:latin typeface="Times New Roman"/>
+                <a:cs typeface="Times New Roman"/>
+              </a:rPr>
+              <a:t> </a:t>
+            </a:r>
+            <a:r>
+              <a:rPr sz="1700" spc="5" dirty="0">
+                <a:latin typeface="Consolas"/>
+                <a:cs typeface="Consolas"/>
+              </a:rPr>
+              <a:t>=</a:t>
+            </a:r>
+            <a:r>
               <a:rPr sz="1700" dirty="0">
                 <a:latin typeface="Times New Roman"/>
                 <a:cs typeface="Times New Roman"/>
               </a:rPr>
-              <a:t>	</a:t>
-            </a:r>
-            <a:r>
-              <a:rPr sz="1700" spc="5" dirty="0">
-                <a:latin typeface="Consolas"/>
-                <a:cs typeface="Consolas"/>
-              </a:rPr>
-              <a:t>=</a:t>
-            </a:r>
-            <a:r>
-              <a:rPr sz="1700" dirty="0">
-                <a:latin typeface="Times New Roman"/>
-                <a:cs typeface="Times New Roman"/>
-              </a:rPr>
-              <a:t> </a:t>
-            </a:r>
-            <a:r>
-              <a:rPr sz="1700" spc="85" dirty="0">
-                <a:latin typeface="Times New Roman"/>
-                <a:cs typeface="Times New Roman"/>
-              </a:rPr>
               <a:t> </a:t>
             </a:r>
             <a:r>
@@ -6273,7 +6273,7 @@
                 <a:latin typeface="Consolas"/>
                 <a:cs typeface="Consolas"/>
               </a:rPr>
-              <a:t>'</a:t>
+              <a:t>’</a:t>
             </a:r>
             <a:r>
               <a:rPr sz="1700" spc="5" dirty="0">
@@ -6306,6 +6306,13 @@
                 <a:tab pos="1595120" algn="l"/>
               </a:tabLst>
             </a:pPr>
+            <a:r>
+              <a:rPr lang="nl-NL" sz="1700" spc="-5" dirty="0">
+                <a:latin typeface="Consolas"/>
+                <a:cs typeface="Consolas"/>
+              </a:rPr>
+              <a:t>private </a:t>
+            </a:r>
             <a:r>
               <a:rPr sz="1700" spc="-5" dirty="0">
                 <a:latin typeface="Consolas"/>
@@ -12608,7 +12615,7 @@
         <p:spPr>
           <a:xfrm>
             <a:off x="1270382" y="1250147"/>
-            <a:ext cx="7416800" cy="5937523"/>
+            <a:ext cx="8953118" cy="5660524"/>
           </a:xfrm>
           <a:prstGeom prst="rect">
             <a:avLst/>
@@ -13396,6 +13403,13 @@
               </a:spcBef>
             </a:pPr>
             <a:r>
+              <a:rPr lang="nl-NL" spc="-5" dirty="0">
+                <a:latin typeface="Consolas"/>
+                <a:cs typeface="Consolas"/>
+              </a:rPr>
+              <a:t>private </a:t>
+            </a:r>
+            <a:r>
               <a:rPr spc="-5" dirty="0">
                 <a:latin typeface="Consolas"/>
                 <a:cs typeface="Consolas"/>
@@ -13524,11 +13538,46 @@
               </a:lnSpc>
             </a:pPr>
             <a:r>
+              <a:rPr lang="nl-NL" spc="-5" dirty="0">
+                <a:latin typeface="Consolas"/>
+                <a:cs typeface="Consolas"/>
+              </a:rPr>
+              <a:t>public </a:t>
+            </a:r>
+            <a:r>
+              <a:rPr spc="-5" dirty="0" err="1">
+                <a:latin typeface="Consolas"/>
+                <a:cs typeface="Consolas"/>
+              </a:rPr>
+              <a:t>btnClick</a:t>
+            </a:r>
+            <a:r>
               <a:rPr spc="-5" dirty="0">
                 <a:latin typeface="Consolas"/>
                 <a:cs typeface="Consolas"/>
               </a:rPr>
-              <a:t>btnClick(){</a:t>
+              <a:t>()</a:t>
+            </a:r>
+            <a:r>
+              <a:rPr lang="nl-NL" spc="-5" dirty="0">
+                <a:latin typeface="Consolas"/>
+                <a:cs typeface="Consolas"/>
+              </a:rPr>
+              <a:t>: </a:t>
+            </a:r>
+            <a:r>
+              <a:rPr lang="nl-NL" spc="-5" dirty="0" err="1">
+                <a:latin typeface="Consolas"/>
+                <a:cs typeface="Consolas"/>
+              </a:rPr>
+              <a:t>void</a:t>
+            </a:r>
+            <a:r>
+              <a:rPr spc="-5" dirty="0">
+                <a:latin typeface="Consolas"/>
+                <a:cs typeface="Consolas"/>
+              </a:rPr>
+              <a:t>{</a:t>
             </a:r>
             <a:endParaRPr dirty="0">
               <a:latin typeface="Consolas"/>
@@ -14726,6 +14775,13 @@
               </a:spcBef>
             </a:pPr>
             <a:r>
+              <a:rPr lang="nl-NL" spc="5" dirty="0">
+                <a:latin typeface="Consolas"/>
+                <a:cs typeface="Consolas"/>
+              </a:rPr>
+              <a:t>public </a:t>
+            </a:r>
+            <a:r>
               <a:rPr spc="5" dirty="0" err="1">
                 <a:latin typeface="Consolas"/>
                 <a:cs typeface="Consolas"/>
@@ -14780,7 +14836,35 @@
                 <a:latin typeface="Consolas"/>
                 <a:cs typeface="Consolas"/>
               </a:rPr>
-              <a:t>){</a:t>
+              <a:t>)</a:t>
+            </a:r>
+            <a:r>
+              <a:rPr lang="nl-NL" dirty="0">
+                <a:latin typeface="Consolas"/>
+                <a:cs typeface="Consolas"/>
+              </a:rPr>
+              <a:t>: </a:t>
+            </a:r>
+            <a:r>
+              <a:rPr lang="nl-NL" dirty="0" err="1">
+                <a:latin typeface="Consolas"/>
+                <a:cs typeface="Consolas"/>
+              </a:rPr>
+              <a:t>void</a:t>
+            </a:r>
+            <a:r>
+              <a:rPr lang="nl-NL" dirty="0">
+                <a:latin typeface="Consolas"/>
+                <a:cs typeface="Consolas"/>
+              </a:rPr>
+              <a:t> </a:t>
+            </a:r>
+            <a:r>
+              <a:rPr dirty="0">
+                <a:latin typeface="Consolas"/>
+                <a:cs typeface="Consolas"/>
+              </a:rPr>
+              <a:t>{</a:t>
             </a:r>
           </a:p>
           <a:p>
@@ -17141,9 +17225,9 @@
               <a:t> but </a:t>
             </a:r>
             <a:r>
-              <a:rPr lang="nl-NL" sz="1700" i="1" dirty="0" err="1">
-                <a:solidFill>
-                  <a:srgbClr val="46C249"/>
+              <a:rPr lang="nl-NL" sz="1700" b="1" i="1" dirty="0" err="1">
+                <a:solidFill>
+                  <a:srgbClr val="C00000"/>
                 </a:solidFill>
                 <a:latin typeface="Consolas"/>
                 <a:cs typeface="Consolas"/>
@@ -17330,7 +17414,7 @@
         <p:spPr>
           <a:xfrm>
             <a:off x="1270394" y="1250149"/>
-            <a:ext cx="9423006" cy="6676764"/>
+            <a:ext cx="9423006" cy="5742341"/>
           </a:xfrm>
           <a:prstGeom prst="rect">
             <a:avLst/>
@@ -17348,7 +17432,7 @@
               </a:lnSpc>
             </a:pPr>
             <a:r>
-              <a:rPr sz="2150" dirty="0">
+              <a:rPr sz="1600" dirty="0">
                 <a:latin typeface="Arial"/>
                 <a:cs typeface="Arial"/>
               </a:rPr>
@@ -17365,14 +17449,14 @@
               </a:spcBef>
             </a:pPr>
             <a:r>
-              <a:rPr dirty="0">
+              <a:rPr sz="1600" dirty="0">
                 <a:latin typeface="Consolas"/>
                 <a:cs typeface="Consolas"/>
               </a:rPr>
               <a:t>&lt;</a:t>
             </a:r>
             <a:r>
-              <a:rPr b="1" dirty="0">
+              <a:rPr sz="1600" b="1" dirty="0">
                 <a:solidFill>
                   <a:srgbClr val="000080"/>
                 </a:solidFill>
@@ -17382,7 +17466,7 @@
               <a:t>input</a:t>
             </a:r>
             <a:r>
-              <a:rPr b="1" dirty="0">
+              <a:rPr sz="1600" b="1" dirty="0">
                 <a:solidFill>
                   <a:srgbClr val="000080"/>
                 </a:solidFill>
@@ -17392,7 +17476,7 @@
               <a:t> </a:t>
             </a:r>
             <a:r>
-              <a:rPr b="1" spc="95" dirty="0">
+              <a:rPr sz="1600" b="1" spc="95" dirty="0">
                 <a:solidFill>
                   <a:srgbClr val="000080"/>
                 </a:solidFill>
@@ -17402,14 +17486,14 @@
               <a:t> </a:t>
             </a:r>
             <a:r>
-              <a:rPr dirty="0">
+              <a:rPr sz="1600" dirty="0">
                 <a:latin typeface="Consolas"/>
                 <a:cs typeface="Consolas"/>
               </a:rPr>
               <a:t>type=</a:t>
             </a:r>
             <a:r>
-              <a:rPr b="1" spc="5" dirty="0">
+              <a:rPr sz="1600" b="1" spc="5" dirty="0">
                 <a:solidFill>
                   <a:srgbClr val="008000"/>
                 </a:solidFill>
@@ -17419,7 +17503,7 @@
               <a:t>"text</a:t>
             </a:r>
             <a:r>
-              <a:rPr b="1" dirty="0">
+              <a:rPr sz="1600" b="1" dirty="0">
                 <a:solidFill>
                   <a:srgbClr val="008000"/>
                 </a:solidFill>
@@ -17429,41 +17513,41 @@
               <a:t>"</a:t>
             </a:r>
             <a:r>
-              <a:rPr b="1" dirty="0">
-                <a:solidFill>
-                  <a:srgbClr val="008000"/>
-                </a:solidFill>
-                <a:latin typeface="Times New Roman"/>
-                <a:cs typeface="Times New Roman"/>
-              </a:rPr>
-              <a:t> </a:t>
-            </a:r>
-            <a:r>
-              <a:rPr b="1" spc="85" dirty="0">
-                <a:solidFill>
-                  <a:srgbClr val="008000"/>
-                </a:solidFill>
-                <a:latin typeface="Times New Roman"/>
-                <a:cs typeface="Times New Roman"/>
-              </a:rPr>
-              <a:t> </a:t>
-            </a:r>
-            <a:r>
-              <a:rPr spc="5" dirty="0">
+              <a:rPr sz="1600" b="1" dirty="0">
+                <a:solidFill>
+                  <a:srgbClr val="008000"/>
+                </a:solidFill>
+                <a:latin typeface="Times New Roman"/>
+                <a:cs typeface="Times New Roman"/>
+              </a:rPr>
+              <a:t> </a:t>
+            </a:r>
+            <a:r>
+              <a:rPr sz="1600" b="1" spc="85" dirty="0">
+                <a:solidFill>
+                  <a:srgbClr val="008000"/>
+                </a:solidFill>
+                <a:latin typeface="Times New Roman"/>
+                <a:cs typeface="Times New Roman"/>
+              </a:rPr>
+              <a:t> </a:t>
+            </a:r>
+            <a:r>
+              <a:rPr sz="1600" spc="5" dirty="0">
                 <a:latin typeface="Consolas"/>
                 <a:cs typeface="Consolas"/>
               </a:rPr>
               <a:t>class</a:t>
             </a:r>
             <a:r>
-              <a:rPr dirty="0">
+              <a:rPr sz="1600" dirty="0">
                 <a:latin typeface="Consolas"/>
                 <a:cs typeface="Consolas"/>
               </a:rPr>
               <a:t>=</a:t>
             </a:r>
             <a:r>
-              <a:rPr b="1" spc="5" dirty="0">
+              <a:rPr sz="1600" b="1" spc="5" dirty="0">
                 <a:solidFill>
                   <a:srgbClr val="008000"/>
                 </a:solidFill>
@@ -17473,7 +17557,7 @@
               <a:t>"input</a:t>
             </a:r>
             <a:r>
-              <a:rPr b="1" dirty="0">
+              <a:rPr sz="1600" b="1" dirty="0">
                 <a:solidFill>
                   <a:srgbClr val="008000"/>
                 </a:solidFill>
@@ -17483,7 +17567,7 @@
               <a:t>‐</a:t>
             </a:r>
             <a:r>
-              <a:rPr b="1" spc="5" dirty="0">
+              <a:rPr sz="1600" b="1" spc="5" dirty="0">
                 <a:solidFill>
                   <a:srgbClr val="008000"/>
                 </a:solidFill>
@@ -17493,7 +17577,7 @@
               <a:t>lg</a:t>
             </a:r>
             <a:r>
-              <a:rPr b="1" dirty="0">
+              <a:rPr sz="1600" b="1" dirty="0">
                 <a:solidFill>
                   <a:srgbClr val="008000"/>
                 </a:solidFill>
@@ -17503,34 +17587,34 @@
               <a:t>"</a:t>
             </a:r>
             <a:r>
-              <a:rPr b="1" dirty="0">
-                <a:solidFill>
-                  <a:srgbClr val="008000"/>
-                </a:solidFill>
-                <a:latin typeface="Times New Roman"/>
-                <a:cs typeface="Times New Roman"/>
-              </a:rPr>
-              <a:t> </a:t>
-            </a:r>
-            <a:r>
-              <a:rPr b="1" spc="90" dirty="0">
-                <a:solidFill>
-                  <a:srgbClr val="008000"/>
-                </a:solidFill>
-                <a:latin typeface="Times New Roman"/>
-                <a:cs typeface="Times New Roman"/>
-              </a:rPr>
-              <a:t> </a:t>
-            </a:r>
-            <a:r>
-              <a:rPr spc="5" dirty="0">
+              <a:rPr sz="1600" b="1" dirty="0">
+                <a:solidFill>
+                  <a:srgbClr val="008000"/>
+                </a:solidFill>
+                <a:latin typeface="Times New Roman"/>
+                <a:cs typeface="Times New Roman"/>
+              </a:rPr>
+              <a:t> </a:t>
+            </a:r>
+            <a:r>
+              <a:rPr sz="1600" b="1" spc="90" dirty="0">
+                <a:solidFill>
+                  <a:srgbClr val="008000"/>
+                </a:solidFill>
+                <a:latin typeface="Times New Roman"/>
+                <a:cs typeface="Times New Roman"/>
+              </a:rPr>
+              <a:t> </a:t>
+            </a:r>
+            <a:r>
+              <a:rPr sz="1600" spc="5" dirty="0">
                 <a:latin typeface="Consolas"/>
                 <a:cs typeface="Consolas"/>
               </a:rPr>
               <a:t>placeholder=</a:t>
             </a:r>
             <a:r>
-              <a:rPr b="1" spc="5" dirty="0">
+              <a:rPr sz="1600" b="1" spc="5" dirty="0">
                 <a:solidFill>
                   <a:srgbClr val="008000"/>
                 </a:solidFill>
@@ -17540,7 +17624,7 @@
               <a:t>"Plaatsnaam...</a:t>
             </a:r>
             <a:r>
-              <a:rPr b="1" dirty="0">
+              <a:rPr sz="1600" b="1" dirty="0">
                 <a:solidFill>
                   <a:srgbClr val="008000"/>
                 </a:solidFill>
@@ -17550,27 +17634,27 @@
               <a:t>"</a:t>
             </a:r>
             <a:r>
-              <a:rPr b="1" dirty="0">
-                <a:solidFill>
-                  <a:srgbClr val="008000"/>
-                </a:solidFill>
-                <a:latin typeface="Times New Roman"/>
-                <a:cs typeface="Times New Roman"/>
-              </a:rPr>
-              <a:t> </a:t>
-            </a:r>
-            <a:r>
-              <a:rPr b="1" spc="85" dirty="0">
-                <a:solidFill>
-                  <a:srgbClr val="008000"/>
-                </a:solidFill>
-                <a:latin typeface="Times New Roman"/>
-                <a:cs typeface="Times New Roman"/>
-              </a:rPr>
-              <a:t> </a:t>
-            </a:r>
-            <a:r>
-              <a:rPr b="1" spc="5" dirty="0">
+              <a:rPr sz="1600" b="1" dirty="0">
+                <a:solidFill>
+                  <a:srgbClr val="008000"/>
+                </a:solidFill>
+                <a:latin typeface="Times New Roman"/>
+                <a:cs typeface="Times New Roman"/>
+              </a:rPr>
+              <a:t> </a:t>
+            </a:r>
+            <a:r>
+              <a:rPr sz="1600" b="1" spc="85" dirty="0">
+                <a:solidFill>
+                  <a:srgbClr val="008000"/>
+                </a:solidFill>
+                <a:latin typeface="Times New Roman"/>
+                <a:cs typeface="Times New Roman"/>
+              </a:rPr>
+              <a:t> </a:t>
+            </a:r>
+            <a:r>
+              <a:rPr sz="1600" b="1" spc="5" dirty="0">
                 <a:solidFill>
                   <a:srgbClr val="C00000"/>
                 </a:solidFill>
@@ -17583,13 +17667,13 @@
               <a:t>#txtCity</a:t>
             </a:r>
             <a:r>
-              <a:rPr spc="5" dirty="0">
+              <a:rPr sz="1600" spc="5" dirty="0">
                 <a:latin typeface="Consolas"/>
                 <a:cs typeface="Consolas"/>
               </a:rPr>
               <a:t>&gt;</a:t>
             </a:r>
-            <a:endParaRPr dirty="0">
+            <a:endParaRPr sz="1600" dirty="0">
               <a:latin typeface="Consolas"/>
               <a:cs typeface="Consolas"/>
             </a:endParaRPr>
@@ -17604,14 +17688,14 @@
               </a:spcBef>
             </a:pPr>
             <a:r>
-              <a:rPr dirty="0">
+              <a:rPr sz="1600" dirty="0">
                 <a:latin typeface="Consolas"/>
                 <a:cs typeface="Consolas"/>
               </a:rPr>
               <a:t>&lt;</a:t>
             </a:r>
             <a:r>
-              <a:rPr b="1" spc="5" dirty="0">
+              <a:rPr sz="1600" b="1" spc="5" dirty="0">
                 <a:solidFill>
                   <a:srgbClr val="000080"/>
                 </a:solidFill>
@@ -17621,7 +17705,7 @@
               <a:t>butto</a:t>
             </a:r>
             <a:r>
-              <a:rPr b="1" dirty="0">
+              <a:rPr sz="1600" b="1" dirty="0">
                 <a:solidFill>
                   <a:srgbClr val="000080"/>
                 </a:solidFill>
@@ -17631,7 +17715,7 @@
               <a:t>n</a:t>
             </a:r>
             <a:r>
-              <a:rPr b="1" dirty="0">
+              <a:rPr sz="1600" b="1" dirty="0">
                 <a:solidFill>
                   <a:srgbClr val="000080"/>
                 </a:solidFill>
@@ -17641,7 +17725,7 @@
               <a:t> </a:t>
             </a:r>
             <a:r>
-              <a:rPr b="1" spc="90" dirty="0">
+              <a:rPr sz="1600" b="1" spc="90" dirty="0">
                 <a:solidFill>
                   <a:srgbClr val="000080"/>
                 </a:solidFill>
@@ -17651,14 +17735,14 @@
               <a:t> </a:t>
             </a:r>
             <a:r>
-              <a:rPr spc="5" dirty="0">
+              <a:rPr sz="1600" spc="5" dirty="0">
                 <a:latin typeface="Consolas"/>
                 <a:cs typeface="Consolas"/>
               </a:rPr>
               <a:t>class=</a:t>
             </a:r>
             <a:r>
-              <a:rPr b="1" spc="5" dirty="0">
+              <a:rPr sz="1600" b="1" spc="5" dirty="0">
                 <a:solidFill>
                   <a:srgbClr val="008000"/>
                 </a:solidFill>
@@ -17668,7 +17752,7 @@
               <a:t>"bt</a:t>
             </a:r>
             <a:r>
-              <a:rPr b="1" dirty="0">
+              <a:rPr sz="1600" b="1" dirty="0">
                 <a:solidFill>
                   <a:srgbClr val="008000"/>
                 </a:solidFill>
@@ -17678,27 +17762,27 @@
               <a:t>n</a:t>
             </a:r>
             <a:r>
-              <a:rPr b="1" dirty="0">
-                <a:solidFill>
-                  <a:srgbClr val="008000"/>
-                </a:solidFill>
-                <a:latin typeface="Times New Roman"/>
-                <a:cs typeface="Times New Roman"/>
-              </a:rPr>
-              <a:t> </a:t>
-            </a:r>
-            <a:r>
-              <a:rPr b="1" spc="85" dirty="0">
-                <a:solidFill>
-                  <a:srgbClr val="008000"/>
-                </a:solidFill>
-                <a:latin typeface="Times New Roman"/>
-                <a:cs typeface="Times New Roman"/>
-              </a:rPr>
-              <a:t> </a:t>
-            </a:r>
-            <a:r>
-              <a:rPr b="1" spc="5" dirty="0">
+              <a:rPr sz="1600" b="1" dirty="0">
+                <a:solidFill>
+                  <a:srgbClr val="008000"/>
+                </a:solidFill>
+                <a:latin typeface="Times New Roman"/>
+                <a:cs typeface="Times New Roman"/>
+              </a:rPr>
+              <a:t> </a:t>
+            </a:r>
+            <a:r>
+              <a:rPr sz="1600" b="1" spc="85" dirty="0">
+                <a:solidFill>
+                  <a:srgbClr val="008000"/>
+                </a:solidFill>
+                <a:latin typeface="Times New Roman"/>
+                <a:cs typeface="Times New Roman"/>
+              </a:rPr>
+              <a:t> </a:t>
+            </a:r>
+            <a:r>
+              <a:rPr sz="1600" b="1" spc="5" dirty="0">
                 <a:solidFill>
                   <a:srgbClr val="008000"/>
                 </a:solidFill>
@@ -17708,7 +17792,7 @@
               <a:t>bt</a:t>
             </a:r>
             <a:r>
-              <a:rPr b="1" spc="-5" dirty="0">
+              <a:rPr sz="1600" b="1" spc="-5" dirty="0">
                 <a:solidFill>
                   <a:srgbClr val="008000"/>
                 </a:solidFill>
@@ -17718,7 +17802,7 @@
               <a:t>n</a:t>
             </a:r>
             <a:r>
-              <a:rPr b="1" dirty="0">
+              <a:rPr sz="1600" b="1" dirty="0">
                 <a:solidFill>
                   <a:srgbClr val="008000"/>
                 </a:solidFill>
@@ -17728,7 +17812,7 @@
               <a:t>‐</a:t>
             </a:r>
             <a:r>
-              <a:rPr b="1" spc="5" dirty="0">
+              <a:rPr sz="1600" b="1" spc="5" dirty="0">
                 <a:solidFill>
                   <a:srgbClr val="008000"/>
                 </a:solidFill>
@@ -17737,7 +17821,7 @@
               </a:rPr>
               <a:t>success"</a:t>
             </a:r>
-            <a:endParaRPr dirty="0">
+            <a:endParaRPr sz="1600" dirty="0">
               <a:latin typeface="Consolas"/>
               <a:cs typeface="Consolas"/>
             </a:endParaRPr>
@@ -17752,14 +17836,14 @@
               </a:spcBef>
             </a:pPr>
             <a:r>
-              <a:rPr spc="5" dirty="0">
+              <a:rPr sz="1600" spc="5" dirty="0">
                 <a:latin typeface="Consolas"/>
                 <a:cs typeface="Consolas"/>
               </a:rPr>
               <a:t>(click)=</a:t>
             </a:r>
             <a:r>
-              <a:rPr b="1" spc="5" dirty="0">
+              <a:rPr sz="1600" b="1" spc="5" dirty="0">
                 <a:solidFill>
                   <a:srgbClr val="008000"/>
                 </a:solidFill>
@@ -17769,7 +17853,7 @@
               <a:t>"addCity(</a:t>
             </a:r>
             <a:r>
-              <a:rPr b="1" i="1" spc="5" dirty="0">
+              <a:rPr sz="1600" b="1" i="1" spc="5" dirty="0">
                 <a:solidFill>
                   <a:srgbClr val="C00000"/>
                 </a:solidFill>
@@ -17779,7 +17863,7 @@
               <a:t>txtCity</a:t>
             </a:r>
             <a:r>
-              <a:rPr b="1" spc="5" dirty="0">
+              <a:rPr sz="1600" b="1" spc="5" dirty="0">
                 <a:solidFill>
                   <a:srgbClr val="008000"/>
                 </a:solidFill>
@@ -17789,7 +17873,7 @@
               <a:t>)</a:t>
             </a:r>
             <a:r>
-              <a:rPr b="1" spc="-5" dirty="0">
+              <a:rPr sz="1600" b="1" spc="-5" dirty="0">
                 <a:solidFill>
                   <a:srgbClr val="008000"/>
                 </a:solidFill>
@@ -17799,13 +17883,13 @@
               <a:t>"</a:t>
             </a:r>
             <a:r>
-              <a:rPr spc="5" dirty="0">
+              <a:rPr sz="1600" spc="5" dirty="0">
                 <a:latin typeface="Consolas"/>
                 <a:cs typeface="Consolas"/>
               </a:rPr>
               <a:t>&gt;Toevoegen</a:t>
             </a:r>
-            <a:endParaRPr dirty="0">
+            <a:endParaRPr sz="1600" dirty="0">
               <a:latin typeface="Consolas"/>
               <a:cs typeface="Consolas"/>
             </a:endParaRPr>
@@ -17820,14 +17904,14 @@
               </a:spcBef>
             </a:pPr>
             <a:r>
-              <a:rPr dirty="0">
+              <a:rPr sz="1600" dirty="0">
                 <a:latin typeface="Consolas"/>
                 <a:cs typeface="Consolas"/>
               </a:rPr>
               <a:t>&lt;/</a:t>
             </a:r>
             <a:r>
-              <a:rPr b="1" spc="5" dirty="0">
+              <a:rPr sz="1600" b="1" spc="5" dirty="0">
                 <a:solidFill>
                   <a:srgbClr val="000080"/>
                 </a:solidFill>
@@ -17837,7 +17921,7 @@
               <a:t>butto</a:t>
             </a:r>
             <a:r>
-              <a:rPr b="1" spc="-5" dirty="0">
+              <a:rPr sz="1600" b="1" spc="-5" dirty="0">
                 <a:solidFill>
                   <a:srgbClr val="000080"/>
                 </a:solidFill>
@@ -17847,12 +17931,30 @@
               <a:t>n</a:t>
             </a:r>
             <a:r>
-              <a:rPr dirty="0">
+              <a:rPr sz="1600" dirty="0">
                 <a:latin typeface="Consolas"/>
                 <a:cs typeface="Consolas"/>
               </a:rPr>
               <a:t>&gt;</a:t>
             </a:r>
+            <a:endParaRPr lang="nl-NL" sz="1600" dirty="0">
+              <a:latin typeface="Consolas"/>
+              <a:cs typeface="Consolas"/>
+            </a:endParaRPr>
+          </a:p>
+          <a:p>
+            <a:pPr marL="497840">
+              <a:lnSpc>
+                <a:spcPct val="100000"/>
+              </a:lnSpc>
+              <a:spcBef>
+                <a:spcPts val="925"/>
+              </a:spcBef>
+            </a:pPr>
+            <a:endParaRPr sz="1600" dirty="0">
+              <a:latin typeface="Consolas"/>
+              <a:cs typeface="Consolas"/>
+            </a:endParaRPr>
           </a:p>
           <a:p>
             <a:pPr marL="43180">
@@ -17864,13 +17966,13 @@
               </a:spcBef>
             </a:pPr>
             <a:r>
-              <a:rPr sz="2150" spc="-5" dirty="0">
+              <a:rPr sz="1600" spc="-5" dirty="0">
                 <a:latin typeface="Arial"/>
                 <a:cs typeface="Arial"/>
               </a:rPr>
               <a:t>Class</a:t>
             </a:r>
-            <a:endParaRPr sz="2150" dirty="0">
+            <a:endParaRPr sz="1600" dirty="0">
               <a:latin typeface="Arial"/>
               <a:cs typeface="Arial"/>
             </a:endParaRPr>
@@ -17885,7 +17987,7 @@
               </a:spcBef>
             </a:pPr>
             <a:r>
-              <a:rPr b="1" dirty="0">
+              <a:rPr sz="1600" b="1" dirty="0">
                 <a:solidFill>
                   <a:srgbClr val="000080"/>
                 </a:solidFill>
@@ -17895,7 +17997,7 @@
               <a:t>export</a:t>
             </a:r>
             <a:r>
-              <a:rPr b="1" dirty="0">
+              <a:rPr sz="1600" b="1" dirty="0">
                 <a:solidFill>
                   <a:srgbClr val="000080"/>
                 </a:solidFill>
@@ -17905,7 +18007,7 @@
               <a:t> </a:t>
             </a:r>
             <a:r>
-              <a:rPr b="1" spc="95" dirty="0">
+              <a:rPr sz="1600" b="1" spc="95" dirty="0">
                 <a:solidFill>
                   <a:srgbClr val="000080"/>
                 </a:solidFill>
@@ -17915,7 +18017,7 @@
               <a:t> </a:t>
             </a:r>
             <a:r>
-              <a:rPr b="1" dirty="0">
+              <a:rPr sz="1600" b="1" dirty="0">
                 <a:solidFill>
                   <a:srgbClr val="000080"/>
                 </a:solidFill>
@@ -17925,7 +18027,7 @@
               <a:t>class</a:t>
             </a:r>
             <a:r>
-              <a:rPr b="1" dirty="0">
+              <a:rPr sz="1600" b="1" dirty="0">
                 <a:solidFill>
                   <a:srgbClr val="000080"/>
                 </a:solidFill>
@@ -17935,7 +18037,7 @@
               <a:t> </a:t>
             </a:r>
             <a:r>
-              <a:rPr b="1" spc="90" dirty="0">
+              <a:rPr sz="1600" b="1" spc="90" dirty="0">
                 <a:solidFill>
                   <a:srgbClr val="000080"/>
                 </a:solidFill>
@@ -17945,228 +18047,40 @@
               <a:t> </a:t>
             </a:r>
             <a:r>
-              <a:rPr spc="5" dirty="0">
+              <a:rPr sz="1600" spc="5" dirty="0">
                 <a:latin typeface="Consolas"/>
                 <a:cs typeface="Consolas"/>
               </a:rPr>
               <a:t>AppComponen</a:t>
             </a:r>
             <a:r>
-              <a:rPr dirty="0">
+              <a:rPr sz="1600" dirty="0">
                 <a:latin typeface="Consolas"/>
                 <a:cs typeface="Consolas"/>
               </a:rPr>
               <a:t>t</a:t>
             </a:r>
             <a:r>
-              <a:rPr dirty="0">
-                <a:latin typeface="Times New Roman"/>
-                <a:cs typeface="Times New Roman"/>
-              </a:rPr>
-              <a:t> </a:t>
-            </a:r>
-            <a:r>
-              <a:rPr spc="85" dirty="0">
-                <a:latin typeface="Times New Roman"/>
-                <a:cs typeface="Times New Roman"/>
-              </a:rPr>
-              <a:t> </a:t>
-            </a:r>
-            <a:r>
-              <a:rPr dirty="0">
+              <a:rPr sz="1600" dirty="0">
+                <a:latin typeface="Times New Roman"/>
+                <a:cs typeface="Times New Roman"/>
+              </a:rPr>
+              <a:t> </a:t>
+            </a:r>
+            <a:r>
+              <a:rPr sz="1600" spc="85" dirty="0">
+                <a:latin typeface="Times New Roman"/>
+                <a:cs typeface="Times New Roman"/>
+              </a:rPr>
+              <a:t> </a:t>
+            </a:r>
+            <a:r>
+              <a:rPr sz="1600" dirty="0">
                 <a:latin typeface="Consolas"/>
                 <a:cs typeface="Consolas"/>
               </a:rPr>
               <a:t>{</a:t>
             </a:r>
-          </a:p>
-          <a:p>
-            <a:pPr marL="816610">
-              <a:lnSpc>
-                <a:spcPct val="100000"/>
-              </a:lnSpc>
-              <a:spcBef>
-                <a:spcPts val="915"/>
-              </a:spcBef>
-            </a:pPr>
-            <a:r>
-              <a:rPr i="1" dirty="0">
-                <a:solidFill>
-                  <a:srgbClr val="46C249"/>
-                </a:solidFill>
-                <a:latin typeface="Consolas"/>
-                <a:cs typeface="Consolas"/>
-              </a:rPr>
-              <a:t>//</a:t>
-            </a:r>
-            <a:r>
-              <a:rPr i="1" dirty="0">
-                <a:solidFill>
-                  <a:srgbClr val="46C249"/>
-                </a:solidFill>
-                <a:latin typeface="Times New Roman"/>
-                <a:cs typeface="Times New Roman"/>
-              </a:rPr>
-              <a:t> </a:t>
-            </a:r>
-            <a:r>
-              <a:rPr i="1" spc="90" dirty="0">
-                <a:solidFill>
-                  <a:srgbClr val="46C249"/>
-                </a:solidFill>
-                <a:latin typeface="Times New Roman"/>
-                <a:cs typeface="Times New Roman"/>
-              </a:rPr>
-              <a:t> </a:t>
-            </a:r>
-            <a:r>
-              <a:rPr i="1" spc="5" dirty="0">
-                <a:solidFill>
-                  <a:srgbClr val="46C249"/>
-                </a:solidFill>
-                <a:latin typeface="Consolas"/>
-                <a:cs typeface="Consolas"/>
-              </a:rPr>
-              <a:t>Propertie</a:t>
-            </a:r>
-            <a:r>
-              <a:rPr i="1" dirty="0">
-                <a:solidFill>
-                  <a:srgbClr val="46C249"/>
-                </a:solidFill>
-                <a:latin typeface="Consolas"/>
-                <a:cs typeface="Consolas"/>
-              </a:rPr>
-              <a:t>s</a:t>
-            </a:r>
-            <a:r>
-              <a:rPr i="1" dirty="0">
-                <a:solidFill>
-                  <a:srgbClr val="46C249"/>
-                </a:solidFill>
-                <a:latin typeface="Times New Roman"/>
-                <a:cs typeface="Times New Roman"/>
-              </a:rPr>
-              <a:t> </a:t>
-            </a:r>
-            <a:r>
-              <a:rPr i="1" spc="90" dirty="0">
-                <a:solidFill>
-                  <a:srgbClr val="46C249"/>
-                </a:solidFill>
-                <a:latin typeface="Times New Roman"/>
-                <a:cs typeface="Times New Roman"/>
-              </a:rPr>
-              <a:t> </a:t>
-            </a:r>
-            <a:r>
-              <a:rPr i="1" spc="5" dirty="0">
-                <a:solidFill>
-                  <a:srgbClr val="46C249"/>
-                </a:solidFill>
-                <a:latin typeface="Consolas"/>
-                <a:cs typeface="Consolas"/>
-              </a:rPr>
-              <a:t>voo</a:t>
-            </a:r>
-            <a:r>
-              <a:rPr i="1" dirty="0">
-                <a:solidFill>
-                  <a:srgbClr val="46C249"/>
-                </a:solidFill>
-                <a:latin typeface="Consolas"/>
-                <a:cs typeface="Consolas"/>
-              </a:rPr>
-              <a:t>r</a:t>
-            </a:r>
-            <a:r>
-              <a:rPr i="1" dirty="0">
-                <a:solidFill>
-                  <a:srgbClr val="46C249"/>
-                </a:solidFill>
-                <a:latin typeface="Times New Roman"/>
-                <a:cs typeface="Times New Roman"/>
-              </a:rPr>
-              <a:t> </a:t>
-            </a:r>
-            <a:r>
-              <a:rPr i="1" spc="85" dirty="0">
-                <a:solidFill>
-                  <a:srgbClr val="46C249"/>
-                </a:solidFill>
-                <a:latin typeface="Times New Roman"/>
-                <a:cs typeface="Times New Roman"/>
-              </a:rPr>
-              <a:t> </a:t>
-            </a:r>
-            <a:r>
-              <a:rPr i="1" dirty="0">
-                <a:solidFill>
-                  <a:srgbClr val="46C249"/>
-                </a:solidFill>
-                <a:latin typeface="Consolas"/>
-                <a:cs typeface="Consolas"/>
-              </a:rPr>
-              <a:t>de</a:t>
-            </a:r>
-            <a:r>
-              <a:rPr i="1" dirty="0">
-                <a:solidFill>
-                  <a:srgbClr val="46C249"/>
-                </a:solidFill>
-                <a:latin typeface="Times New Roman"/>
-                <a:cs typeface="Times New Roman"/>
-              </a:rPr>
-              <a:t> </a:t>
-            </a:r>
-            <a:r>
-              <a:rPr i="1" spc="90" dirty="0">
-                <a:solidFill>
-                  <a:srgbClr val="46C249"/>
-                </a:solidFill>
-                <a:latin typeface="Times New Roman"/>
-                <a:cs typeface="Times New Roman"/>
-              </a:rPr>
-              <a:t> </a:t>
-            </a:r>
-            <a:r>
-              <a:rPr i="1" spc="5" dirty="0">
-                <a:solidFill>
-                  <a:srgbClr val="46C249"/>
-                </a:solidFill>
-                <a:latin typeface="Consolas"/>
-                <a:cs typeface="Consolas"/>
-              </a:rPr>
-              <a:t>component/class</a:t>
-            </a:r>
-            <a:endParaRPr dirty="0">
-              <a:latin typeface="Consolas"/>
-              <a:cs typeface="Consolas"/>
-            </a:endParaRPr>
-          </a:p>
-          <a:p>
-            <a:pPr marL="816610">
-              <a:lnSpc>
-                <a:spcPct val="100000"/>
-              </a:lnSpc>
-              <a:spcBef>
-                <a:spcPts val="915"/>
-              </a:spcBef>
-            </a:pPr>
-            <a:r>
-              <a:rPr i="1" dirty="0">
-                <a:solidFill>
-                  <a:srgbClr val="46C249"/>
-                </a:solidFill>
-                <a:latin typeface="Consolas"/>
-                <a:cs typeface="Consolas"/>
-              </a:rPr>
-              <a:t>…</a:t>
-            </a:r>
-            <a:endParaRPr dirty="0">
-              <a:latin typeface="Consolas"/>
-              <a:cs typeface="Consolas"/>
-            </a:endParaRPr>
           </a:p>
           <a:p>
             <a:pPr marL="816610">
@@ -18177,46 +18091,91 @@
                 <a:spcPts val="919"/>
               </a:spcBef>
             </a:pPr>
-            <a:r>
-              <a:rPr spc="5" dirty="0">
-                <a:latin typeface="Consolas"/>
-                <a:cs typeface="Consolas"/>
-              </a:rPr>
-              <a:t>addCity(</a:t>
-            </a:r>
-            <a:r>
-              <a:rPr b="1" spc="5" dirty="0">
+            <a:endParaRPr lang="nl-NL" sz="1600" spc="5" dirty="0">
+              <a:latin typeface="Consolas"/>
+              <a:cs typeface="Consolas"/>
+            </a:endParaRPr>
+          </a:p>
+          <a:p>
+            <a:pPr marL="816610">
+              <a:lnSpc>
+                <a:spcPct val="100000"/>
+              </a:lnSpc>
+              <a:spcBef>
+                <a:spcPts val="919"/>
+              </a:spcBef>
+            </a:pPr>
+            <a:r>
+              <a:rPr lang="nl-NL" sz="1600" spc="5" dirty="0">
+                <a:latin typeface="Consolas"/>
+                <a:cs typeface="Consolas"/>
+              </a:rPr>
+              <a:t>public </a:t>
+            </a:r>
+            <a:r>
+              <a:rPr sz="1600" b="1" spc="5" dirty="0" err="1">
                 <a:solidFill>
                   <a:srgbClr val="C00000"/>
                 </a:solidFill>
                 <a:latin typeface="Consolas"/>
                 <a:cs typeface="Consolas"/>
               </a:rPr>
+              <a:t>addCity</a:t>
+            </a:r>
+            <a:r>
+              <a:rPr sz="1600" spc="5" dirty="0">
+                <a:latin typeface="Consolas"/>
+                <a:cs typeface="Consolas"/>
+              </a:rPr>
+              <a:t>(</a:t>
+            </a:r>
+            <a:r>
+              <a:rPr sz="1600" b="1" spc="5" dirty="0" err="1">
+                <a:solidFill>
+                  <a:srgbClr val="C00000"/>
+                </a:solidFill>
+                <a:latin typeface="Consolas"/>
+                <a:cs typeface="Consolas"/>
+              </a:rPr>
               <a:t>txtCity</a:t>
             </a:r>
             <a:r>
-              <a:rPr dirty="0">
+              <a:rPr sz="1600" dirty="0">
                 <a:latin typeface="Consolas"/>
                 <a:cs typeface="Consolas"/>
               </a:rPr>
               <a:t>)</a:t>
             </a:r>
             <a:r>
-              <a:rPr dirty="0">
-                <a:latin typeface="Times New Roman"/>
-                <a:cs typeface="Times New Roman"/>
-              </a:rPr>
-              <a:t> </a:t>
-            </a:r>
-            <a:r>
-              <a:rPr spc="90" dirty="0">
-                <a:latin typeface="Times New Roman"/>
-                <a:cs typeface="Times New Roman"/>
-              </a:rPr>
-              <a:t> </a:t>
-            </a:r>
-            <a:r>
-              <a:rPr dirty="0">
+              <a:rPr lang="nl-NL" sz="1600" dirty="0">
+                <a:latin typeface="Consolas"/>
+                <a:cs typeface="Consolas"/>
+              </a:rPr>
+              <a:t>: </a:t>
+            </a:r>
+            <a:r>
+              <a:rPr lang="nl-NL" sz="1600" dirty="0" err="1">
+                <a:latin typeface="Consolas"/>
+                <a:cs typeface="Consolas"/>
+              </a:rPr>
+              <a:t>void</a:t>
+            </a:r>
+            <a:r>
+              <a:rPr sz="1600" dirty="0">
+                <a:latin typeface="Times New Roman"/>
+                <a:cs typeface="Times New Roman"/>
+              </a:rPr>
+              <a:t> </a:t>
+            </a:r>
+            <a:r>
+              <a:rPr sz="1600" spc="90" dirty="0">
+                <a:latin typeface="Times New Roman"/>
+                <a:cs typeface="Times New Roman"/>
+              </a:rPr>
+              <a:t> </a:t>
+            </a:r>
+            <a:r>
+              <a:rPr sz="1600" dirty="0">
                 <a:latin typeface="Consolas"/>
                 <a:cs typeface="Consolas"/>
               </a:rPr>
@@ -18236,7 +18195,7 @@
               </a:tabLst>
             </a:pPr>
             <a:r>
-              <a:rPr lang="nl-NL" b="1" spc="5" dirty="0">
+              <a:rPr lang="nl-NL" sz="1600" b="1" spc="5" dirty="0">
                 <a:solidFill>
                   <a:srgbClr val="000080"/>
                 </a:solidFill>
@@ -18246,7 +18205,7 @@
               <a:t>let</a:t>
             </a:r>
             <a:r>
-              <a:rPr b="1" dirty="0">
+              <a:rPr sz="1600" b="1" dirty="0">
                 <a:solidFill>
                   <a:srgbClr val="000080"/>
                 </a:solidFill>
@@ -18256,7 +18215,7 @@
               <a:t> </a:t>
             </a:r>
             <a:r>
-              <a:rPr b="1" spc="90" dirty="0">
+              <a:rPr sz="1600" b="1" spc="90" dirty="0">
                 <a:solidFill>
                   <a:srgbClr val="000080"/>
                 </a:solidFill>
@@ -18266,49 +18225,49 @@
               <a:t> </a:t>
             </a:r>
             <a:r>
-              <a:rPr spc="5" dirty="0">
+              <a:rPr sz="1600" spc="5" dirty="0" err="1">
                 <a:latin typeface="Consolas"/>
                 <a:cs typeface="Consolas"/>
               </a:rPr>
               <a:t>newI</a:t>
             </a:r>
             <a:r>
-              <a:rPr dirty="0">
+              <a:rPr sz="1600" dirty="0" err="1">
                 <a:latin typeface="Consolas"/>
                 <a:cs typeface="Consolas"/>
               </a:rPr>
               <a:t>D</a:t>
             </a:r>
             <a:r>
-              <a:rPr dirty="0">
-                <a:latin typeface="Times New Roman"/>
-                <a:cs typeface="Times New Roman"/>
-              </a:rPr>
-              <a:t>	</a:t>
-            </a:r>
-            <a:r>
-              <a:rPr dirty="0">
+              <a:rPr lang="nl-NL" sz="1600" dirty="0">
+                <a:latin typeface="Times New Roman"/>
+                <a:cs typeface="Times New Roman"/>
+              </a:rPr>
+              <a:t> </a:t>
+            </a:r>
+            <a:r>
+              <a:rPr sz="1600" dirty="0">
                 <a:latin typeface="Consolas"/>
                 <a:cs typeface="Consolas"/>
               </a:rPr>
               <a:t>=</a:t>
             </a:r>
             <a:r>
-              <a:rPr dirty="0">
-                <a:latin typeface="Times New Roman"/>
-                <a:cs typeface="Times New Roman"/>
-              </a:rPr>
-              <a:t> </a:t>
-            </a:r>
-            <a:r>
-              <a:rPr spc="85" dirty="0">
-                <a:latin typeface="Times New Roman"/>
-                <a:cs typeface="Times New Roman"/>
-              </a:rPr>
-              <a:t> </a:t>
-            </a:r>
-            <a:r>
-              <a:rPr b="1" dirty="0">
+              <a:rPr sz="1600" dirty="0">
+                <a:latin typeface="Times New Roman"/>
+                <a:cs typeface="Times New Roman"/>
+              </a:rPr>
+              <a:t> </a:t>
+            </a:r>
+            <a:r>
+              <a:rPr sz="1600" spc="85" dirty="0">
+                <a:latin typeface="Times New Roman"/>
+                <a:cs typeface="Times New Roman"/>
+              </a:rPr>
+              <a:t> </a:t>
+            </a:r>
+            <a:r>
+              <a:rPr sz="1600" b="1" dirty="0">
                 <a:solidFill>
                   <a:srgbClr val="000080"/>
                 </a:solidFill>
@@ -18318,7 +18277,7 @@
               <a:t>thi</a:t>
             </a:r>
             <a:r>
-              <a:rPr b="1" spc="5" dirty="0">
+              <a:rPr sz="1600" b="1" spc="5" dirty="0">
                 <a:solidFill>
                   <a:srgbClr val="000080"/>
                 </a:solidFill>
@@ -18328,56 +18287,56 @@
               <a:t>s</a:t>
             </a:r>
             <a:r>
-              <a:rPr spc="5" dirty="0">
+              <a:rPr sz="1600" spc="5" dirty="0">
                 <a:latin typeface="Consolas"/>
                 <a:cs typeface="Consolas"/>
               </a:rPr>
               <a:t>.cities.lengt</a:t>
             </a:r>
             <a:r>
-              <a:rPr dirty="0">
+              <a:rPr sz="1600" dirty="0">
                 <a:latin typeface="Consolas"/>
                 <a:cs typeface="Consolas"/>
               </a:rPr>
               <a:t>h</a:t>
             </a:r>
             <a:r>
-              <a:rPr dirty="0">
-                <a:latin typeface="Times New Roman"/>
-                <a:cs typeface="Times New Roman"/>
-              </a:rPr>
-              <a:t> </a:t>
-            </a:r>
-            <a:r>
-              <a:rPr spc="90" dirty="0">
-                <a:latin typeface="Times New Roman"/>
-                <a:cs typeface="Times New Roman"/>
-              </a:rPr>
-              <a:t> </a:t>
-            </a:r>
-            <a:r>
-              <a:rPr dirty="0">
+              <a:rPr sz="1600" dirty="0">
+                <a:latin typeface="Times New Roman"/>
+                <a:cs typeface="Times New Roman"/>
+              </a:rPr>
+              <a:t> </a:t>
+            </a:r>
+            <a:r>
+              <a:rPr sz="1600" spc="90" dirty="0">
+                <a:latin typeface="Times New Roman"/>
+                <a:cs typeface="Times New Roman"/>
+              </a:rPr>
+              <a:t> </a:t>
+            </a:r>
+            <a:r>
+              <a:rPr sz="1600" dirty="0">
                 <a:latin typeface="Consolas"/>
                 <a:cs typeface="Consolas"/>
               </a:rPr>
               <a:t>+</a:t>
             </a:r>
             <a:r>
-              <a:rPr dirty="0">
-                <a:latin typeface="Times New Roman"/>
-                <a:cs typeface="Times New Roman"/>
-              </a:rPr>
-              <a:t> </a:t>
-            </a:r>
-            <a:r>
-              <a:rPr spc="90" dirty="0">
-                <a:latin typeface="Times New Roman"/>
-                <a:cs typeface="Times New Roman"/>
-              </a:rPr>
-              <a:t> </a:t>
-            </a:r>
-            <a:r>
-              <a:rPr spc="5" dirty="0">
+              <a:rPr sz="1600" dirty="0">
+                <a:latin typeface="Times New Roman"/>
+                <a:cs typeface="Times New Roman"/>
+              </a:rPr>
+              <a:t> </a:t>
+            </a:r>
+            <a:r>
+              <a:rPr sz="1600" spc="90" dirty="0">
+                <a:latin typeface="Times New Roman"/>
+                <a:cs typeface="Times New Roman"/>
+              </a:rPr>
+              <a:t> </a:t>
+            </a:r>
+            <a:r>
+              <a:rPr sz="1600" spc="5" dirty="0">
                 <a:solidFill>
                   <a:srgbClr val="0000FF"/>
                 </a:solidFill>
@@ -18387,7 +18346,7 @@
               <a:t>1</a:t>
             </a:r>
             <a:r>
-              <a:rPr dirty="0">
+              <a:rPr sz="1600" dirty="0">
                 <a:latin typeface="Consolas"/>
                 <a:cs typeface="Consolas"/>
               </a:rPr>
@@ -18401,7 +18360,7 @@
               </a:lnSpc>
             </a:pPr>
             <a:r>
-              <a:rPr lang="nl-NL" b="1" spc="5" dirty="0" err="1">
+              <a:rPr lang="nl-NL" sz="1600" b="1" spc="5" dirty="0" err="1">
                 <a:solidFill>
                   <a:srgbClr val="000080"/>
                 </a:solidFill>
@@ -18411,7 +18370,7 @@
               <a:t>const</a:t>
             </a:r>
             <a:r>
-              <a:rPr b="1" dirty="0">
+              <a:rPr sz="1600" b="1" dirty="0">
                 <a:solidFill>
                   <a:srgbClr val="000080"/>
                 </a:solidFill>
@@ -18421,7 +18380,7 @@
               <a:t> </a:t>
             </a:r>
             <a:r>
-              <a:rPr b="1" spc="90" dirty="0">
+              <a:rPr sz="1600" b="1" spc="90" dirty="0">
                 <a:solidFill>
                   <a:srgbClr val="000080"/>
                 </a:solidFill>
@@ -18431,49 +18390,49 @@
               <a:t> </a:t>
             </a:r>
             <a:r>
-              <a:rPr dirty="0">
+              <a:rPr sz="1600" dirty="0">
                 <a:latin typeface="Consolas"/>
                 <a:cs typeface="Consolas"/>
               </a:rPr>
               <a:t>newCity</a:t>
             </a:r>
             <a:r>
-              <a:rPr dirty="0">
-                <a:latin typeface="Times New Roman"/>
-                <a:cs typeface="Times New Roman"/>
-              </a:rPr>
-              <a:t> </a:t>
-            </a:r>
-            <a:r>
-              <a:rPr spc="90" dirty="0">
-                <a:latin typeface="Times New Roman"/>
-                <a:cs typeface="Times New Roman"/>
-              </a:rPr>
-              <a:t> </a:t>
-            </a:r>
-            <a:r>
-              <a:rPr dirty="0">
+              <a:rPr sz="1600" dirty="0">
+                <a:latin typeface="Times New Roman"/>
+                <a:cs typeface="Times New Roman"/>
+              </a:rPr>
+              <a:t> </a:t>
+            </a:r>
+            <a:r>
+              <a:rPr sz="1600" spc="90" dirty="0">
+                <a:latin typeface="Times New Roman"/>
+                <a:cs typeface="Times New Roman"/>
+              </a:rPr>
+              <a:t> </a:t>
+            </a:r>
+            <a:r>
+              <a:rPr sz="1600" dirty="0">
                 <a:latin typeface="Consolas"/>
                 <a:cs typeface="Consolas"/>
               </a:rPr>
               <a:t>=</a:t>
             </a:r>
             <a:r>
-              <a:rPr dirty="0">
-                <a:latin typeface="Times New Roman"/>
-                <a:cs typeface="Times New Roman"/>
-              </a:rPr>
-              <a:t> </a:t>
-            </a:r>
-            <a:r>
-              <a:rPr spc="90" dirty="0">
-                <a:latin typeface="Times New Roman"/>
-                <a:cs typeface="Times New Roman"/>
-              </a:rPr>
-              <a:t> </a:t>
-            </a:r>
-            <a:r>
-              <a:rPr b="1" spc="5" dirty="0">
+              <a:rPr sz="1600" dirty="0">
+                <a:latin typeface="Times New Roman"/>
+                <a:cs typeface="Times New Roman"/>
+              </a:rPr>
+              <a:t> </a:t>
+            </a:r>
+            <a:r>
+              <a:rPr sz="1600" spc="90" dirty="0">
+                <a:latin typeface="Times New Roman"/>
+                <a:cs typeface="Times New Roman"/>
+              </a:rPr>
+              <a:t> </a:t>
+            </a:r>
+            <a:r>
+              <a:rPr sz="1600" b="1" spc="5" dirty="0">
                 <a:solidFill>
                   <a:srgbClr val="000080"/>
                 </a:solidFill>
@@ -18483,7 +18442,7 @@
               <a:t>ne</a:t>
             </a:r>
             <a:r>
-              <a:rPr b="1" dirty="0">
+              <a:rPr sz="1600" b="1" dirty="0">
                 <a:solidFill>
                   <a:srgbClr val="000080"/>
                 </a:solidFill>
@@ -18493,7 +18452,7 @@
               <a:t>w</a:t>
             </a:r>
             <a:r>
-              <a:rPr b="1" dirty="0">
+              <a:rPr sz="1600" b="1" dirty="0">
                 <a:solidFill>
                   <a:srgbClr val="000080"/>
                 </a:solidFill>
@@ -18503,7 +18462,7 @@
               <a:t> </a:t>
             </a:r>
             <a:r>
-              <a:rPr b="1" spc="90" dirty="0">
+              <a:rPr sz="1600" b="1" spc="90" dirty="0">
                 <a:solidFill>
                   <a:srgbClr val="000080"/>
                 </a:solidFill>
@@ -18513,35 +18472,35 @@
               <a:t> </a:t>
             </a:r>
             <a:r>
-              <a:rPr spc="5" dirty="0">
+              <a:rPr sz="1600" spc="5" dirty="0">
                 <a:latin typeface="Consolas"/>
                 <a:cs typeface="Consolas"/>
               </a:rPr>
               <a:t>City(newID</a:t>
             </a:r>
             <a:r>
-              <a:rPr dirty="0">
+              <a:rPr sz="1600" dirty="0">
                 <a:latin typeface="Consolas"/>
                 <a:cs typeface="Consolas"/>
               </a:rPr>
               <a:t>,</a:t>
             </a:r>
             <a:r>
-              <a:rPr dirty="0">
-                <a:latin typeface="Times New Roman"/>
-                <a:cs typeface="Times New Roman"/>
-              </a:rPr>
-              <a:t> </a:t>
-            </a:r>
-            <a:r>
-              <a:rPr spc="85" dirty="0">
-                <a:latin typeface="Times New Roman"/>
-                <a:cs typeface="Times New Roman"/>
-              </a:rPr>
-              <a:t> </a:t>
-            </a:r>
-            <a:r>
-              <a:rPr b="1" i="1" spc="5" dirty="0">
+              <a:rPr sz="1600" dirty="0">
+                <a:latin typeface="Times New Roman"/>
+                <a:cs typeface="Times New Roman"/>
+              </a:rPr>
+              <a:t> </a:t>
+            </a:r>
+            <a:r>
+              <a:rPr sz="1600" spc="85" dirty="0">
+                <a:latin typeface="Times New Roman"/>
+                <a:cs typeface="Times New Roman"/>
+              </a:rPr>
+              <a:t> </a:t>
+            </a:r>
+            <a:r>
+              <a:rPr sz="1600" b="1" i="1" spc="5" dirty="0">
                 <a:solidFill>
                   <a:srgbClr val="C00000"/>
                 </a:solidFill>
@@ -18551,14 +18510,14 @@
               <a:t>txtCity</a:t>
             </a:r>
             <a:r>
-              <a:rPr spc="5" dirty="0">
+              <a:rPr sz="1600" spc="5" dirty="0">
                 <a:latin typeface="Consolas"/>
                 <a:cs typeface="Consolas"/>
               </a:rPr>
               <a:t>.</a:t>
             </a:r>
             <a:r>
-              <a:rPr spc="5" dirty="0">
+              <a:rPr sz="1600" spc="5" dirty="0">
                 <a:solidFill>
                   <a:srgbClr val="C00000"/>
                 </a:solidFill>
@@ -18568,28 +18527,28 @@
               <a:t>value</a:t>
             </a:r>
             <a:r>
-              <a:rPr dirty="0">
+              <a:rPr sz="1600" dirty="0">
                 <a:latin typeface="Consolas"/>
                 <a:cs typeface="Consolas"/>
               </a:rPr>
               <a:t>,</a:t>
             </a:r>
             <a:r>
-              <a:rPr dirty="0">
-                <a:latin typeface="Times New Roman"/>
-                <a:cs typeface="Times New Roman"/>
-              </a:rPr>
-              <a:t> </a:t>
-            </a:r>
-            <a:r>
-              <a:rPr spc="75" dirty="0">
-                <a:latin typeface="Times New Roman"/>
-                <a:cs typeface="Times New Roman"/>
-              </a:rPr>
-              <a:t> </a:t>
-            </a:r>
-            <a:r>
-              <a:rPr b="1" spc="5" dirty="0">
+              <a:rPr sz="1600" dirty="0">
+                <a:latin typeface="Times New Roman"/>
+                <a:cs typeface="Times New Roman"/>
+              </a:rPr>
+              <a:t> </a:t>
+            </a:r>
+            <a:r>
+              <a:rPr sz="1600" spc="75" dirty="0">
+                <a:latin typeface="Times New Roman"/>
+                <a:cs typeface="Times New Roman"/>
+              </a:rPr>
+              <a:t> </a:t>
+            </a:r>
+            <a:r>
+              <a:rPr sz="1600" b="1" spc="5" dirty="0">
                 <a:solidFill>
                   <a:srgbClr val="008000"/>
                 </a:solidFill>
@@ -18599,7 +18558,7 @@
               <a:t>'Onbekend</a:t>
             </a:r>
             <a:r>
-              <a:rPr b="1" dirty="0">
+              <a:rPr sz="1600" b="1" dirty="0">
                 <a:solidFill>
                   <a:srgbClr val="008000"/>
                 </a:solidFill>
@@ -18609,20 +18568,20 @@
               <a:t>'</a:t>
             </a:r>
             <a:r>
-              <a:rPr spc="5" dirty="0">
+              <a:rPr sz="1600" spc="5" dirty="0">
                 <a:latin typeface="Consolas"/>
                 <a:cs typeface="Consolas"/>
               </a:rPr>
               <a:t>);</a:t>
             </a:r>
             <a:r>
-              <a:rPr spc="5" dirty="0">
-                <a:latin typeface="Times New Roman"/>
-                <a:cs typeface="Times New Roman"/>
-              </a:rPr>
-              <a:t> </a:t>
-            </a:r>
-            <a:endParaRPr lang="nl-NL" spc="5" dirty="0">
+              <a:rPr sz="1600" spc="5" dirty="0">
+                <a:latin typeface="Times New Roman"/>
+                <a:cs typeface="Times New Roman"/>
+              </a:rPr>
+              <a:t> </a:t>
+            </a:r>
+            <a:endParaRPr lang="nl-NL" sz="1600" spc="5" dirty="0">
               <a:latin typeface="Times New Roman"/>
               <a:cs typeface="Times New Roman"/>
             </a:endParaRPr>
@@ -18634,7 +18593,7 @@
               </a:lnSpc>
             </a:pPr>
             <a:r>
-              <a:rPr b="1" dirty="0" err="1">
+              <a:rPr sz="1600" b="1" dirty="0" err="1">
                 <a:solidFill>
                   <a:srgbClr val="000080"/>
                 </a:solidFill>
@@ -18644,7 +18603,7 @@
               <a:t>thi</a:t>
             </a:r>
             <a:r>
-              <a:rPr b="1" spc="5" dirty="0" err="1">
+              <a:rPr sz="1600" b="1" spc="5" dirty="0" err="1">
                 <a:solidFill>
                   <a:srgbClr val="000080"/>
                 </a:solidFill>
@@ -18654,20 +18613,20 @@
               <a:t>s</a:t>
             </a:r>
             <a:r>
-              <a:rPr spc="5" dirty="0" err="1">
+              <a:rPr sz="1600" spc="5" dirty="0" err="1">
                 <a:latin typeface="Consolas"/>
                 <a:cs typeface="Consolas"/>
               </a:rPr>
               <a:t>.cities.push</a:t>
             </a:r>
             <a:r>
-              <a:rPr spc="5" dirty="0">
+              <a:rPr sz="1600" spc="5" dirty="0">
                 <a:latin typeface="Consolas"/>
                 <a:cs typeface="Consolas"/>
               </a:rPr>
               <a:t>(newCity);</a:t>
             </a:r>
-            <a:endParaRPr dirty="0">
+            <a:endParaRPr sz="1600" dirty="0">
               <a:latin typeface="Consolas"/>
               <a:cs typeface="Consolas"/>
             </a:endParaRPr>
@@ -18682,56 +18641,56 @@
               </a:spcBef>
             </a:pPr>
             <a:r>
-              <a:rPr spc="5" dirty="0">
+              <a:rPr sz="1600" spc="5" dirty="0">
                 <a:latin typeface="Consolas"/>
                 <a:cs typeface="Consolas"/>
               </a:rPr>
               <a:t>txtCity.valu</a:t>
             </a:r>
             <a:r>
-              <a:rPr dirty="0">
+              <a:rPr sz="1600" dirty="0">
                 <a:latin typeface="Consolas"/>
                 <a:cs typeface="Consolas"/>
               </a:rPr>
               <a:t>e</a:t>
             </a:r>
             <a:r>
-              <a:rPr dirty="0">
-                <a:latin typeface="Times New Roman"/>
-                <a:cs typeface="Times New Roman"/>
-              </a:rPr>
-              <a:t> </a:t>
-            </a:r>
-            <a:r>
-              <a:rPr spc="90" dirty="0">
-                <a:latin typeface="Times New Roman"/>
-                <a:cs typeface="Times New Roman"/>
-              </a:rPr>
-              <a:t> </a:t>
-            </a:r>
-            <a:r>
-              <a:rPr dirty="0">
+              <a:rPr sz="1600" dirty="0">
+                <a:latin typeface="Times New Roman"/>
+                <a:cs typeface="Times New Roman"/>
+              </a:rPr>
+              <a:t> </a:t>
+            </a:r>
+            <a:r>
+              <a:rPr sz="1600" spc="90" dirty="0">
+                <a:latin typeface="Times New Roman"/>
+                <a:cs typeface="Times New Roman"/>
+              </a:rPr>
+              <a:t> </a:t>
+            </a:r>
+            <a:r>
+              <a:rPr sz="1600" dirty="0">
                 <a:latin typeface="Consolas"/>
                 <a:cs typeface="Consolas"/>
               </a:rPr>
               <a:t>=</a:t>
             </a:r>
             <a:r>
-              <a:rPr dirty="0">
-                <a:latin typeface="Times New Roman"/>
-                <a:cs typeface="Times New Roman"/>
-              </a:rPr>
-              <a:t> </a:t>
-            </a:r>
-            <a:r>
-              <a:rPr spc="90" dirty="0">
-                <a:latin typeface="Times New Roman"/>
-                <a:cs typeface="Times New Roman"/>
-              </a:rPr>
-              <a:t> </a:t>
-            </a:r>
-            <a:r>
-              <a:rPr b="1" dirty="0">
+              <a:rPr sz="1600" dirty="0">
+                <a:latin typeface="Times New Roman"/>
+                <a:cs typeface="Times New Roman"/>
+              </a:rPr>
+              <a:t> </a:t>
+            </a:r>
+            <a:r>
+              <a:rPr sz="1600" spc="90" dirty="0">
+                <a:latin typeface="Times New Roman"/>
+                <a:cs typeface="Times New Roman"/>
+              </a:rPr>
+              <a:t> </a:t>
+            </a:r>
+            <a:r>
+              <a:rPr sz="1600" b="1" dirty="0">
                 <a:solidFill>
                   <a:srgbClr val="008000"/>
                 </a:solidFill>
@@ -18741,7 +18700,7 @@
               <a:t>'</a:t>
             </a:r>
             <a:r>
-              <a:rPr b="1" spc="5" dirty="0">
+              <a:rPr lang="nl-NL" sz="1600" b="1" spc="5" dirty="0">
                 <a:solidFill>
                   <a:srgbClr val="008000"/>
                 </a:solidFill>
@@ -18751,13 +18710,13 @@
               <a:t>'</a:t>
             </a:r>
             <a:r>
-              <a:rPr dirty="0">
+              <a:rPr sz="1600" dirty="0">
                 <a:latin typeface="Consolas"/>
                 <a:cs typeface="Consolas"/>
               </a:rPr>
               <a:t>;</a:t>
             </a:r>
-            <a:endParaRPr lang="nl-NL" dirty="0">
+            <a:endParaRPr lang="nl-NL" sz="1600" dirty="0">
               <a:latin typeface="Consolas"/>
               <a:cs typeface="Consolas"/>
             </a:endParaRPr>
@@ -18772,12 +18731,30 @@
               </a:spcBef>
             </a:pPr>
             <a:r>
-              <a:rPr dirty="0">
+              <a:rPr sz="1600" dirty="0">
                 <a:latin typeface="Consolas"/>
                 <a:cs typeface="Consolas"/>
               </a:rPr>
               <a:t>}</a:t>
             </a:r>
+            <a:endParaRPr lang="nl-NL" sz="1600" dirty="0">
+              <a:latin typeface="Consolas"/>
+              <a:cs typeface="Consolas"/>
+            </a:endParaRPr>
+          </a:p>
+          <a:p>
+            <a:pPr marL="1134745">
+              <a:lnSpc>
+                <a:spcPct val="100000"/>
+              </a:lnSpc>
+              <a:spcBef>
+                <a:spcPts val="925"/>
+              </a:spcBef>
+            </a:pPr>
+            <a:endParaRPr lang="nl-NL" sz="1600" dirty="0">
+              <a:latin typeface="Consolas"/>
+              <a:cs typeface="Consolas"/>
+            </a:endParaRPr>
           </a:p>
         </p:txBody>
       </p:sp>
@@ -20203,14 +20180,14 @@
       </p:sp>
       <p:sp>
         <p:nvSpPr>
-          <p:cNvPr id="7" name="object 7"/>
+          <p:cNvPr id="8" name="object 8"/>
           <p:cNvSpPr txBox="1"/>
           <p:nvPr/>
         </p:nvSpPr>
         <p:spPr>
           <a:xfrm>
-            <a:off x="1266584" y="4491809"/>
-            <a:ext cx="683260" cy="299720"/>
+            <a:off x="1384300" y="4491809"/>
+            <a:ext cx="4511321" cy="330860"/>
           </a:xfrm>
           <a:prstGeom prst="rect">
             <a:avLst/>
@@ -20228,45 +20205,15 @@
               </a:lnSpc>
             </a:pPr>
             <a:r>
-              <a:rPr sz="2150" spc="-5" dirty="0">
+              <a:rPr lang="nl-NL" sz="2150" b="1" spc="-5" dirty="0">
+                <a:solidFill>
+                  <a:srgbClr val="FF0000"/>
+                </a:solidFill>
                 <a:latin typeface="Courier New"/>
                 <a:cs typeface="Courier New"/>
               </a:rPr>
-              <a:t>&lt;div</a:t>
-            </a:r>
-            <a:endParaRPr sz="2150" dirty="0">
-              <a:latin typeface="Courier New"/>
-              <a:cs typeface="Courier New"/>
-            </a:endParaRPr>
-          </a:p>
-        </p:txBody>
-      </p:sp>
-      <p:sp>
-        <p:nvSpPr>
-          <p:cNvPr id="8" name="object 8"/>
-          <p:cNvSpPr txBox="1"/>
-          <p:nvPr/>
-        </p:nvSpPr>
-        <p:spPr>
-          <a:xfrm>
-            <a:off x="2088796" y="4491809"/>
-            <a:ext cx="3806825" cy="330860"/>
-          </a:xfrm>
-          <a:prstGeom prst="rect">
-            <a:avLst/>
-          </a:prstGeom>
-        </p:spPr>
-        <p:txBody>
-          <a:bodyPr vert="horz" wrap="square" lIns="0" tIns="0" rIns="0" bIns="0" rtlCol="0">
-            <a:spAutoFit/>
-          </a:bodyPr>
-          <a:lstStyle/>
-          <a:p>
-            <a:pPr marL="12700">
-              <a:lnSpc>
-                <a:spcPct val="100000"/>
-              </a:lnSpc>
-            </a:pPr>
+              <a:t>&lt;div </a:t>
+            </a:r>
             <a:r>
               <a:rPr sz="2150" b="1" spc="-5" dirty="0">
                 <a:solidFill>
@@ -21589,11 +21536,53 @@
               </a:spcBef>
             </a:pPr>
             <a:r>
+              <a:rPr lang="nl-NL" sz="1500" dirty="0">
+                <a:latin typeface="Consolas"/>
+                <a:cs typeface="Consolas"/>
+              </a:rPr>
+              <a:t>public </a:t>
+            </a:r>
+            <a:r>
+              <a:rPr sz="1500" dirty="0" err="1">
+                <a:latin typeface="Consolas"/>
+                <a:cs typeface="Consolas"/>
+              </a:rPr>
+              <a:t>toggleText</a:t>
+            </a:r>
+            <a:r>
               <a:rPr sz="1500" dirty="0">
                 <a:latin typeface="Consolas"/>
                 <a:cs typeface="Consolas"/>
               </a:rPr>
-              <a:t>toggleText(){</a:t>
+              <a:t>()</a:t>
+            </a:r>
+            <a:r>
+              <a:rPr lang="nl-NL" sz="1500" dirty="0">
+                <a:latin typeface="Consolas"/>
+                <a:cs typeface="Consolas"/>
+              </a:rPr>
+              <a:t>: </a:t>
+            </a:r>
+            <a:r>
+              <a:rPr lang="nl-NL" sz="1500" dirty="0" err="1">
+                <a:latin typeface="Consolas"/>
+                <a:cs typeface="Consolas"/>
+              </a:rPr>
+              <a:t>void</a:t>
+            </a:r>
+            <a:r>
+              <a:rPr lang="nl-NL" sz="1500" dirty="0">
+                <a:latin typeface="Consolas"/>
+                <a:cs typeface="Consolas"/>
+              </a:rPr>
+              <a:t> </a:t>
+            </a:r>
+            <a:r>
+              <a:rPr sz="1500" dirty="0">
+                <a:latin typeface="Consolas"/>
+                <a:cs typeface="Consolas"/>
+              </a:rPr>
+              <a:t>{</a:t>
             </a:r>
           </a:p>
           <a:p>
@@ -22354,7 +22343,7 @@
         <p:spPr>
           <a:xfrm>
             <a:off x="1270396" y="1250150"/>
-            <a:ext cx="5467350" cy="2820670"/>
+            <a:ext cx="5467350" cy="1869743"/>
           </a:xfrm>
           <a:prstGeom prst="rect">
             <a:avLst/>
@@ -22372,9 +22361,10 @@
               </a:lnSpc>
             </a:pPr>
             <a:r>
-              <a:rPr sz="2150" dirty="0">
-                <a:latin typeface="Arial"/>
-                <a:cs typeface="Arial"/>
+              <a:rPr sz="2150" b="1" dirty="0">
+                <a:latin typeface="Verdana" panose="020B0604030504040204" pitchFamily="34" charset="0"/>
+                <a:ea typeface="Verdana" panose="020B0604030504040204" pitchFamily="34" charset="0"/>
+                <a:cs typeface="Verdana" panose="020B0604030504040204" pitchFamily="34" charset="0"/>
               </a:rPr>
               <a:t>HTML</a:t>
             </a:r>
@@ -22789,1030 +22779,207 @@
               <a:cs typeface="Times New Roman"/>
             </a:endParaRPr>
           </a:p>
-          <a:p>
-            <a:pPr marL="43180">
-              <a:lnSpc>
-                <a:spcPct val="100000"/>
-              </a:lnSpc>
-            </a:pPr>
-            <a:r>
-              <a:rPr sz="2150" spc="-5" dirty="0">
-                <a:latin typeface="Arial"/>
-                <a:cs typeface="Arial"/>
-              </a:rPr>
-              <a:t>Class</a:t>
-            </a:r>
-            <a:endParaRPr sz="2150" dirty="0">
-              <a:latin typeface="Arial"/>
-              <a:cs typeface="Arial"/>
-            </a:endParaRPr>
-          </a:p>
-          <a:p>
-            <a:pPr marL="497205">
-              <a:lnSpc>
-                <a:spcPct val="100000"/>
-              </a:lnSpc>
-              <a:spcBef>
-                <a:spcPts val="1440"/>
-              </a:spcBef>
-            </a:pPr>
-            <a:r>
-              <a:rPr sz="1300" b="1" spc="-10" dirty="0">
-                <a:solidFill>
-                  <a:srgbClr val="000080"/>
-                </a:solidFill>
-                <a:latin typeface="Consolas"/>
-                <a:cs typeface="Consolas"/>
-              </a:rPr>
-              <a:t>export</a:t>
-            </a:r>
-            <a:r>
-              <a:rPr sz="1300" b="1" spc="-10" dirty="0">
-                <a:solidFill>
-                  <a:srgbClr val="000080"/>
-                </a:solidFill>
-                <a:latin typeface="Times New Roman"/>
-                <a:cs typeface="Times New Roman"/>
-              </a:rPr>
-              <a:t> </a:t>
-            </a:r>
-            <a:r>
-              <a:rPr sz="1300" b="1" spc="60" dirty="0">
-                <a:solidFill>
-                  <a:srgbClr val="000080"/>
-                </a:solidFill>
-                <a:latin typeface="Times New Roman"/>
-                <a:cs typeface="Times New Roman"/>
-              </a:rPr>
-              <a:t> </a:t>
-            </a:r>
-            <a:r>
-              <a:rPr sz="1300" b="1" spc="-10" dirty="0">
-                <a:solidFill>
-                  <a:srgbClr val="000080"/>
-                </a:solidFill>
-                <a:latin typeface="Consolas"/>
-                <a:cs typeface="Consolas"/>
-              </a:rPr>
-              <a:t>class</a:t>
-            </a:r>
-            <a:r>
-              <a:rPr sz="1300" b="1" dirty="0">
-                <a:solidFill>
-                  <a:srgbClr val="000080"/>
-                </a:solidFill>
-                <a:latin typeface="Times New Roman"/>
-                <a:cs typeface="Times New Roman"/>
-              </a:rPr>
-              <a:t> </a:t>
-            </a:r>
-            <a:r>
-              <a:rPr sz="1300" b="1" spc="65" dirty="0">
-                <a:solidFill>
-                  <a:srgbClr val="000080"/>
-                </a:solidFill>
-                <a:latin typeface="Times New Roman"/>
-                <a:cs typeface="Times New Roman"/>
-              </a:rPr>
-              <a:t> </a:t>
-            </a:r>
-            <a:r>
-              <a:rPr sz="1300" spc="-10" dirty="0">
-                <a:latin typeface="Consolas"/>
-                <a:cs typeface="Consolas"/>
-              </a:rPr>
-              <a:t>AppComponent</a:t>
-            </a:r>
-            <a:r>
-              <a:rPr sz="1300" dirty="0">
-                <a:latin typeface="Times New Roman"/>
-                <a:cs typeface="Times New Roman"/>
-              </a:rPr>
-              <a:t> </a:t>
-            </a:r>
-            <a:r>
-              <a:rPr sz="1300" spc="65" dirty="0">
-                <a:latin typeface="Times New Roman"/>
-                <a:cs typeface="Times New Roman"/>
-              </a:rPr>
-              <a:t> </a:t>
-            </a:r>
-            <a:r>
-              <a:rPr sz="1300" spc="-10" dirty="0">
-                <a:latin typeface="Consolas"/>
-                <a:cs typeface="Consolas"/>
-              </a:rPr>
-              <a:t>{</a:t>
-            </a:r>
-            <a:endParaRPr sz="1300" dirty="0">
-              <a:latin typeface="Consolas"/>
-              <a:cs typeface="Consolas"/>
-            </a:endParaRPr>
-          </a:p>
-          <a:p>
-            <a:pPr marL="768985">
-              <a:lnSpc>
-                <a:spcPct val="100000"/>
-              </a:lnSpc>
-              <a:spcBef>
-                <a:spcPts val="770"/>
-              </a:spcBef>
-            </a:pPr>
-            <a:r>
-              <a:rPr sz="1300" i="1" spc="-10" dirty="0">
-                <a:solidFill>
-                  <a:srgbClr val="46C249"/>
-                </a:solidFill>
-                <a:latin typeface="Consolas"/>
-                <a:cs typeface="Consolas"/>
-              </a:rPr>
-              <a:t>//</a:t>
-            </a:r>
-            <a:r>
-              <a:rPr sz="1300" i="1" spc="-10" dirty="0">
-                <a:solidFill>
-                  <a:srgbClr val="46C249"/>
-                </a:solidFill>
-                <a:latin typeface="Times New Roman"/>
-                <a:cs typeface="Times New Roman"/>
-              </a:rPr>
-              <a:t> </a:t>
-            </a:r>
-            <a:r>
-              <a:rPr sz="1300" i="1" spc="65" dirty="0">
-                <a:solidFill>
-                  <a:srgbClr val="46C249"/>
-                </a:solidFill>
-                <a:latin typeface="Times New Roman"/>
-                <a:cs typeface="Times New Roman"/>
-              </a:rPr>
-              <a:t> </a:t>
-            </a:r>
-            <a:r>
-              <a:rPr sz="1300" i="1" spc="-10" dirty="0">
-                <a:solidFill>
-                  <a:srgbClr val="46C249"/>
-                </a:solidFill>
-                <a:latin typeface="Consolas"/>
-                <a:cs typeface="Consolas"/>
-              </a:rPr>
-              <a:t>…</a:t>
-            </a:r>
-            <a:endParaRPr sz="1300" dirty="0">
-              <a:latin typeface="Consolas"/>
-              <a:cs typeface="Consolas"/>
-            </a:endParaRPr>
-          </a:p>
         </p:txBody>
       </p:sp>
       <p:sp>
         <p:nvSpPr>
-          <p:cNvPr id="4" name="object 4"/>
+          <p:cNvPr id="7" name="TextBox 6">
+            <a:extLst>
+              <a:ext uri="{FF2B5EF4-FFF2-40B4-BE49-F238E27FC236}">
+                <a16:creationId xmlns:a16="http://schemas.microsoft.com/office/drawing/2014/main" id="{0F0892E0-C23A-8344-84B3-C8262B6968A6}"/>
+              </a:ext>
+            </a:extLst>
+          </p:cNvPr>
           <p:cNvSpPr txBox="1"/>
           <p:nvPr/>
         </p:nvSpPr>
         <p:spPr>
           <a:xfrm>
-            <a:off x="2027035" y="4176456"/>
-            <a:ext cx="1478280" cy="486409"/>
+            <a:off x="1651000" y="3790187"/>
+            <a:ext cx="8100454" cy="2862322"/>
           </a:xfrm>
           <a:prstGeom prst="rect">
             <a:avLst/>
           </a:prstGeom>
+          <a:noFill/>
         </p:spPr>
         <p:txBody>
-          <a:bodyPr vert="horz" wrap="square" lIns="0" tIns="0" rIns="0" bIns="0" rtlCol="0">
+          <a:bodyPr wrap="square" rtlCol="0">
             <a:spAutoFit/>
           </a:bodyPr>
           <a:lstStyle/>
           <a:p>
-            <a:pPr marL="12700" marR="5080" indent="-635">
-              <a:lnSpc>
-                <a:spcPct val="149600"/>
-              </a:lnSpc>
-            </a:pPr>
-            <a:r>
-              <a:rPr sz="1300" spc="-10" dirty="0">
-                <a:latin typeface="Consolas"/>
-                <a:cs typeface="Consolas"/>
-              </a:rPr>
-              <a:t>currentCity:City</a:t>
-            </a:r>
-            <a:r>
-              <a:rPr sz="1300" spc="-5" dirty="0">
-                <a:latin typeface="Times New Roman"/>
-                <a:cs typeface="Times New Roman"/>
-              </a:rPr>
-              <a:t> </a:t>
-            </a:r>
-            <a:r>
-              <a:rPr sz="1300" spc="-10" dirty="0">
-                <a:latin typeface="Consolas"/>
-                <a:cs typeface="Consolas"/>
-              </a:rPr>
+            <a:r>
+              <a:rPr lang="en-US" dirty="0"/>
+              <a:t>export  class  </a:t>
+            </a:r>
+            <a:r>
+              <a:rPr lang="en-US" dirty="0" err="1"/>
+              <a:t>AppComponent</a:t>
+            </a:r>
+            <a:r>
+              <a:rPr lang="en-US" dirty="0"/>
+              <a:t>  {</a:t>
+            </a:r>
+            <a:br>
+              <a:rPr lang="en-US" dirty="0"/>
+            </a:br>
+            <a:br>
+              <a:rPr lang="en-US" dirty="0"/>
+            </a:br>
+            <a:r>
+              <a:rPr lang="en-US" dirty="0"/>
+              <a:t>    public </a:t>
+            </a:r>
+            <a:r>
+              <a:rPr lang="en-US" dirty="0" err="1"/>
+              <a:t>currentCity</a:t>
+            </a:r>
+            <a:r>
+              <a:rPr lang="en-US" dirty="0"/>
+              <a:t>: City;</a:t>
+            </a:r>
+            <a:br>
+              <a:rPr lang="en-US" dirty="0"/>
+            </a:br>
+            <a:r>
+              <a:rPr lang="en-US" dirty="0"/>
+              <a:t>    public </a:t>
+            </a:r>
+            <a:r>
+              <a:rPr lang="en-US" dirty="0" err="1"/>
               <a:t>cityPhoto</a:t>
             </a:r>
             <a:r>
-              <a:rPr sz="1300" spc="-15" dirty="0">
-                <a:latin typeface="Consolas"/>
-                <a:cs typeface="Consolas"/>
-              </a:rPr>
-              <a:t>:</a:t>
-            </a:r>
-            <a:r>
-              <a:rPr sz="1300" b="1" spc="-10" dirty="0">
-                <a:solidFill>
-                  <a:srgbClr val="000080"/>
-                </a:solidFill>
-                <a:latin typeface="Consolas"/>
-                <a:cs typeface="Consolas"/>
-              </a:rPr>
-              <a:t>string</a:t>
-            </a:r>
-            <a:endParaRPr sz="1300" dirty="0">
-              <a:latin typeface="Consolas"/>
-              <a:cs typeface="Consolas"/>
-            </a:endParaRPr>
+              <a:rPr lang="en-US" dirty="0"/>
+              <a:t>: string;</a:t>
+            </a:r>
+            <a:br>
+              <a:rPr lang="en-US" dirty="0"/>
+            </a:br>
+            <a:br>
+              <a:rPr lang="en-US" i="1" dirty="0"/>
+            </a:br>
+            <a:r>
+              <a:rPr lang="en-US" i="1" dirty="0"/>
+              <a:t>    </a:t>
+            </a:r>
+            <a:r>
+              <a:rPr lang="en-US" dirty="0"/>
+              <a:t>public </a:t>
+            </a:r>
+            <a:r>
+              <a:rPr lang="en-US" b="1" dirty="0" err="1">
+                <a:solidFill>
+                  <a:srgbClr val="C00000"/>
+                </a:solidFill>
+              </a:rPr>
+              <a:t>updateCity</a:t>
+            </a:r>
+            <a:r>
+              <a:rPr lang="en-US" dirty="0"/>
+              <a:t>(city: City): void  {</a:t>
+            </a:r>
+            <a:br>
+              <a:rPr lang="en-US" dirty="0"/>
+            </a:br>
+            <a:r>
+              <a:rPr lang="en-US" dirty="0"/>
+              <a:t>        </a:t>
+            </a:r>
+            <a:r>
+              <a:rPr lang="en-US" dirty="0" err="1"/>
+              <a:t>this.currentCity</a:t>
+            </a:r>
+            <a:r>
+              <a:rPr lang="en-US" dirty="0"/>
+              <a:t>  =  city;</a:t>
+            </a:r>
+            <a:br>
+              <a:rPr lang="en-US" dirty="0"/>
+            </a:br>
+            <a:r>
+              <a:rPr lang="en-US" dirty="0"/>
+              <a:t>        </a:t>
+            </a:r>
+            <a:r>
+              <a:rPr lang="en-US" dirty="0" err="1"/>
+              <a:t>this.cityPhoto</a:t>
+            </a:r>
+            <a:r>
+              <a:rPr lang="en-US" dirty="0"/>
+              <a:t> =  `</a:t>
+            </a:r>
+            <a:r>
+              <a:rPr lang="en-US" dirty="0" err="1"/>
+              <a:t>img</a:t>
+            </a:r>
+            <a:r>
+              <a:rPr lang="en-US" dirty="0"/>
+              <a:t>/${</a:t>
+            </a:r>
+            <a:r>
+              <a:rPr lang="en-US" dirty="0" err="1"/>
+              <a:t>this.currentCity.name</a:t>
+            </a:r>
+            <a:r>
+              <a:rPr lang="en-US" dirty="0"/>
+              <a:t>}.jpg`;</a:t>
+            </a:r>
+            <a:br>
+              <a:rPr lang="en-US" dirty="0"/>
+            </a:br>
+            <a:r>
+              <a:rPr lang="en-US" dirty="0"/>
+              <a:t>    }</a:t>
+            </a:r>
+            <a:br>
+              <a:rPr lang="en-US" dirty="0"/>
+            </a:br>
+            <a:r>
+              <a:rPr lang="en-US" dirty="0"/>
+              <a:t>}</a:t>
+            </a:r>
+            <a:endParaRPr lang="en-NL" dirty="0"/>
           </a:p>
         </p:txBody>
       </p:sp>
       <p:sp>
         <p:nvSpPr>
-          <p:cNvPr id="5" name="object 5"/>
+          <p:cNvPr id="8" name="TextBox 7">
+            <a:extLst>
+              <a:ext uri="{FF2B5EF4-FFF2-40B4-BE49-F238E27FC236}">
+                <a16:creationId xmlns:a16="http://schemas.microsoft.com/office/drawing/2014/main" id="{A02F5372-4D6D-FA41-A0EA-517D9B7E2911}"/>
+              </a:ext>
+            </a:extLst>
+          </p:cNvPr>
           <p:cNvSpPr txBox="1"/>
           <p:nvPr/>
         </p:nvSpPr>
         <p:spPr>
           <a:xfrm>
-            <a:off x="3746500" y="4229711"/>
-            <a:ext cx="661035" cy="486409"/>
+            <a:off x="1270396" y="3372554"/>
+            <a:ext cx="934871" cy="400110"/>
           </a:xfrm>
           <a:prstGeom prst="rect">
             <a:avLst/>
           </a:prstGeom>
+          <a:noFill/>
         </p:spPr>
         <p:txBody>
-          <a:bodyPr vert="horz" wrap="square" lIns="0" tIns="0" rIns="0" bIns="0" rtlCol="0">
+          <a:bodyPr wrap="none" rtlCol="0">
             <a:spAutoFit/>
           </a:bodyPr>
           <a:lstStyle/>
           <a:p>
-            <a:pPr marL="12700">
-              <a:lnSpc>
-                <a:spcPct val="100000"/>
-              </a:lnSpc>
-            </a:pPr>
-            <a:r>
-              <a:rPr sz="1300" spc="-10" dirty="0">
-                <a:latin typeface="Consolas"/>
-                <a:cs typeface="Consolas"/>
-              </a:rPr>
-              <a:t>=</a:t>
-            </a:r>
-            <a:r>
-              <a:rPr sz="1300" spc="-10" dirty="0">
-                <a:latin typeface="Times New Roman"/>
-                <a:cs typeface="Times New Roman"/>
-              </a:rPr>
-              <a:t> </a:t>
-            </a:r>
-            <a:r>
-              <a:rPr sz="1300" spc="65" dirty="0">
-                <a:latin typeface="Times New Roman"/>
-                <a:cs typeface="Times New Roman"/>
-              </a:rPr>
-              <a:t> </a:t>
-            </a:r>
-            <a:r>
-              <a:rPr sz="1300" b="1" spc="-10" dirty="0">
-                <a:solidFill>
-                  <a:srgbClr val="000080"/>
-                </a:solidFill>
-                <a:latin typeface="Consolas"/>
-                <a:cs typeface="Consolas"/>
-              </a:rPr>
-              <a:t>null</a:t>
-            </a:r>
-            <a:r>
-              <a:rPr sz="1300" spc="-10" dirty="0">
-                <a:latin typeface="Consolas"/>
-                <a:cs typeface="Consolas"/>
-              </a:rPr>
-              <a:t>;</a:t>
-            </a:r>
-            <a:endParaRPr sz="1300" dirty="0">
-              <a:latin typeface="Consolas"/>
-              <a:cs typeface="Consolas"/>
-            </a:endParaRPr>
-          </a:p>
-          <a:p>
-            <a:pPr marL="12700">
-              <a:lnSpc>
-                <a:spcPct val="100000"/>
-              </a:lnSpc>
-              <a:spcBef>
-                <a:spcPts val="775"/>
-              </a:spcBef>
-            </a:pPr>
-            <a:r>
-              <a:rPr sz="1300" spc="-10" dirty="0">
-                <a:latin typeface="Consolas"/>
-                <a:cs typeface="Consolas"/>
-              </a:rPr>
-              <a:t>=</a:t>
-            </a:r>
-            <a:r>
-              <a:rPr sz="1300" spc="-10" dirty="0">
-                <a:latin typeface="Times New Roman"/>
-                <a:cs typeface="Times New Roman"/>
-              </a:rPr>
-              <a:t> </a:t>
-            </a:r>
-            <a:r>
-              <a:rPr sz="1300" spc="70" dirty="0">
-                <a:latin typeface="Times New Roman"/>
-                <a:cs typeface="Times New Roman"/>
-              </a:rPr>
-              <a:t> </a:t>
-            </a:r>
-            <a:r>
-              <a:rPr sz="1300" b="1" spc="-10" dirty="0">
-                <a:solidFill>
-                  <a:srgbClr val="008000"/>
-                </a:solidFill>
-                <a:latin typeface="Consolas"/>
-                <a:cs typeface="Consolas"/>
-              </a:rPr>
-              <a:t>''</a:t>
-            </a:r>
-            <a:r>
-              <a:rPr sz="1300" spc="-10" dirty="0">
-                <a:latin typeface="Consolas"/>
-                <a:cs typeface="Consolas"/>
-              </a:rPr>
-              <a:t>;</a:t>
-            </a:r>
-            <a:endParaRPr sz="1300" dirty="0">
-              <a:latin typeface="Consolas"/>
-              <a:cs typeface="Consolas"/>
-            </a:endParaRPr>
-          </a:p>
-        </p:txBody>
-      </p:sp>
-      <p:sp>
-        <p:nvSpPr>
-          <p:cNvPr id="6" name="object 6"/>
-          <p:cNvSpPr txBox="1"/>
-          <p:nvPr/>
-        </p:nvSpPr>
-        <p:spPr>
-          <a:xfrm>
-            <a:off x="1754938" y="5064961"/>
-            <a:ext cx="6833870" cy="1670050"/>
-          </a:xfrm>
-          <a:prstGeom prst="rect">
-            <a:avLst/>
-          </a:prstGeom>
-        </p:spPr>
-        <p:txBody>
-          <a:bodyPr vert="horz" wrap="square" lIns="0" tIns="0" rIns="0" bIns="0" rtlCol="0">
-            <a:spAutoFit/>
-          </a:bodyPr>
-          <a:lstStyle/>
-          <a:p>
-            <a:pPr marL="284480">
-              <a:lnSpc>
-                <a:spcPct val="100000"/>
-              </a:lnSpc>
-            </a:pPr>
-            <a:r>
-              <a:rPr sz="1300" i="1" spc="-10" dirty="0">
-                <a:solidFill>
-                  <a:srgbClr val="46C249"/>
-                </a:solidFill>
-                <a:latin typeface="Consolas"/>
-                <a:cs typeface="Consolas"/>
-              </a:rPr>
-              <a:t>//</a:t>
-            </a:r>
-            <a:r>
-              <a:rPr sz="1300" i="1" spc="-10" dirty="0">
-                <a:solidFill>
-                  <a:srgbClr val="46C249"/>
-                </a:solidFill>
-                <a:latin typeface="Times New Roman"/>
-                <a:cs typeface="Times New Roman"/>
-              </a:rPr>
-              <a:t> </a:t>
-            </a:r>
-            <a:r>
-              <a:rPr sz="1300" i="1" spc="65" dirty="0">
-                <a:solidFill>
-                  <a:srgbClr val="46C249"/>
-                </a:solidFill>
-                <a:latin typeface="Times New Roman"/>
-                <a:cs typeface="Times New Roman"/>
-              </a:rPr>
-              <a:t> </a:t>
-            </a:r>
-            <a:r>
-              <a:rPr sz="1300" i="1" spc="-10" dirty="0">
-                <a:solidFill>
-                  <a:srgbClr val="46C249"/>
-                </a:solidFill>
-                <a:latin typeface="Consolas"/>
-                <a:cs typeface="Consolas"/>
-              </a:rPr>
-              <a:t>Geselecteerde</a:t>
-            </a:r>
-            <a:r>
-              <a:rPr sz="1300" i="1" dirty="0">
-                <a:solidFill>
-                  <a:srgbClr val="46C249"/>
-                </a:solidFill>
-                <a:latin typeface="Times New Roman"/>
-                <a:cs typeface="Times New Roman"/>
-              </a:rPr>
-              <a:t> </a:t>
-            </a:r>
-            <a:r>
-              <a:rPr sz="1300" i="1" spc="60" dirty="0">
-                <a:solidFill>
-                  <a:srgbClr val="46C249"/>
-                </a:solidFill>
-                <a:latin typeface="Times New Roman"/>
-                <a:cs typeface="Times New Roman"/>
-              </a:rPr>
-              <a:t> </a:t>
-            </a:r>
-            <a:r>
-              <a:rPr sz="1300" i="1" spc="-10" dirty="0">
-                <a:solidFill>
-                  <a:srgbClr val="46C249"/>
-                </a:solidFill>
-                <a:latin typeface="Consolas"/>
-                <a:cs typeface="Consolas"/>
-              </a:rPr>
-              <a:t>city</a:t>
-            </a:r>
-            <a:r>
-              <a:rPr sz="1300" i="1" dirty="0">
-                <a:solidFill>
-                  <a:srgbClr val="46C249"/>
-                </a:solidFill>
-                <a:latin typeface="Times New Roman"/>
-                <a:cs typeface="Times New Roman"/>
-              </a:rPr>
-              <a:t> </a:t>
-            </a:r>
-            <a:r>
-              <a:rPr sz="1300" i="1" spc="70" dirty="0">
-                <a:solidFill>
-                  <a:srgbClr val="46C249"/>
-                </a:solidFill>
-                <a:latin typeface="Times New Roman"/>
-                <a:cs typeface="Times New Roman"/>
-              </a:rPr>
-              <a:t> </a:t>
-            </a:r>
-            <a:r>
-              <a:rPr sz="1300" i="1" spc="-10" dirty="0">
-                <a:solidFill>
-                  <a:srgbClr val="46C249"/>
-                </a:solidFill>
-                <a:latin typeface="Consolas"/>
-                <a:cs typeface="Consolas"/>
-              </a:rPr>
-              <a:t>updaten</a:t>
-            </a:r>
-            <a:r>
-              <a:rPr sz="1300" i="1" dirty="0">
-                <a:solidFill>
-                  <a:srgbClr val="46C249"/>
-                </a:solidFill>
-                <a:latin typeface="Times New Roman"/>
-                <a:cs typeface="Times New Roman"/>
-              </a:rPr>
-              <a:t> </a:t>
-            </a:r>
-            <a:r>
-              <a:rPr sz="1300" i="1" spc="65" dirty="0">
-                <a:solidFill>
-                  <a:srgbClr val="46C249"/>
-                </a:solidFill>
-                <a:latin typeface="Times New Roman"/>
-                <a:cs typeface="Times New Roman"/>
-              </a:rPr>
-              <a:t> </a:t>
-            </a:r>
-            <a:r>
-              <a:rPr sz="1300" i="1" spc="-10" dirty="0">
-                <a:solidFill>
-                  <a:srgbClr val="46C249"/>
-                </a:solidFill>
-                <a:latin typeface="Consolas"/>
-                <a:cs typeface="Consolas"/>
-              </a:rPr>
-              <a:t>in</a:t>
-            </a:r>
-            <a:r>
-              <a:rPr sz="1300" i="1" dirty="0">
-                <a:solidFill>
-                  <a:srgbClr val="46C249"/>
-                </a:solidFill>
-                <a:latin typeface="Times New Roman"/>
-                <a:cs typeface="Times New Roman"/>
-              </a:rPr>
-              <a:t> </a:t>
-            </a:r>
-            <a:r>
-              <a:rPr sz="1300" i="1" spc="65" dirty="0">
-                <a:solidFill>
-                  <a:srgbClr val="46C249"/>
-                </a:solidFill>
-                <a:latin typeface="Times New Roman"/>
-                <a:cs typeface="Times New Roman"/>
-              </a:rPr>
-              <a:t> </a:t>
-            </a:r>
-            <a:r>
-              <a:rPr sz="1300" i="1" spc="-10" dirty="0">
-                <a:solidFill>
-                  <a:srgbClr val="46C249"/>
-                </a:solidFill>
-                <a:latin typeface="Consolas"/>
-                <a:cs typeface="Consolas"/>
-              </a:rPr>
-              <a:t>de</a:t>
-            </a:r>
-            <a:r>
-              <a:rPr sz="1300" i="1" dirty="0">
-                <a:solidFill>
-                  <a:srgbClr val="46C249"/>
-                </a:solidFill>
-                <a:latin typeface="Times New Roman"/>
-                <a:cs typeface="Times New Roman"/>
-              </a:rPr>
-              <a:t> </a:t>
-            </a:r>
-            <a:r>
-              <a:rPr sz="1300" i="1" spc="65" dirty="0">
-                <a:solidFill>
-                  <a:srgbClr val="46C249"/>
-                </a:solidFill>
-                <a:latin typeface="Times New Roman"/>
-                <a:cs typeface="Times New Roman"/>
-              </a:rPr>
-              <a:t> </a:t>
-            </a:r>
-            <a:r>
-              <a:rPr sz="1300" i="1" spc="-10" dirty="0">
-                <a:solidFill>
-                  <a:srgbClr val="46C249"/>
-                </a:solidFill>
-                <a:latin typeface="Consolas"/>
-                <a:cs typeface="Consolas"/>
-              </a:rPr>
-              <a:t>ui.</a:t>
-            </a:r>
-            <a:r>
-              <a:rPr sz="1300" i="1" dirty="0">
-                <a:solidFill>
-                  <a:srgbClr val="46C249"/>
-                </a:solidFill>
-                <a:latin typeface="Times New Roman"/>
-                <a:cs typeface="Times New Roman"/>
-              </a:rPr>
-              <a:t> </a:t>
-            </a:r>
-            <a:r>
-              <a:rPr sz="1300" i="1" spc="60" dirty="0">
-                <a:solidFill>
-                  <a:srgbClr val="46C249"/>
-                </a:solidFill>
-                <a:latin typeface="Times New Roman"/>
-                <a:cs typeface="Times New Roman"/>
-              </a:rPr>
-              <a:t> </a:t>
-            </a:r>
-            <a:r>
-              <a:rPr sz="1300" i="1" spc="-10" dirty="0">
-                <a:solidFill>
-                  <a:srgbClr val="46C249"/>
-                </a:solidFill>
-                <a:latin typeface="Consolas"/>
-                <a:cs typeface="Consolas"/>
-              </a:rPr>
-              <a:t>Nieuw</a:t>
-            </a:r>
-            <a:r>
-              <a:rPr sz="1300" i="1" dirty="0">
-                <a:solidFill>
-                  <a:srgbClr val="46C249"/>
-                </a:solidFill>
-                <a:latin typeface="Times New Roman"/>
-                <a:cs typeface="Times New Roman"/>
-              </a:rPr>
-              <a:t> </a:t>
-            </a:r>
-            <a:r>
-              <a:rPr sz="1300" i="1" spc="70" dirty="0">
-                <a:solidFill>
-                  <a:srgbClr val="46C249"/>
-                </a:solidFill>
-                <a:latin typeface="Times New Roman"/>
-                <a:cs typeface="Times New Roman"/>
-              </a:rPr>
-              <a:t> </a:t>
-            </a:r>
-            <a:r>
-              <a:rPr sz="1300" i="1" spc="-10" dirty="0">
-                <a:solidFill>
-                  <a:srgbClr val="46C249"/>
-                </a:solidFill>
-                <a:latin typeface="Consolas"/>
-                <a:cs typeface="Consolas"/>
-              </a:rPr>
-              <a:t>:</a:t>
-            </a:r>
-            <a:r>
-              <a:rPr sz="1300" i="1" dirty="0">
-                <a:solidFill>
-                  <a:srgbClr val="46C249"/>
-                </a:solidFill>
-                <a:latin typeface="Times New Roman"/>
-                <a:cs typeface="Times New Roman"/>
-              </a:rPr>
-              <a:t> </a:t>
-            </a:r>
-            <a:r>
-              <a:rPr sz="1300" i="1" spc="65" dirty="0">
-                <a:solidFill>
-                  <a:srgbClr val="46C249"/>
-                </a:solidFill>
-                <a:latin typeface="Times New Roman"/>
-                <a:cs typeface="Times New Roman"/>
-              </a:rPr>
-              <a:t> </a:t>
-            </a:r>
-            <a:r>
-              <a:rPr sz="1300" i="1" spc="-10" dirty="0">
-                <a:solidFill>
-                  <a:srgbClr val="46C249"/>
-                </a:solidFill>
-                <a:latin typeface="Consolas"/>
-                <a:cs typeface="Consolas"/>
-              </a:rPr>
-              <a:t>ES6</a:t>
-            </a:r>
-            <a:r>
-              <a:rPr sz="1300" i="1" dirty="0">
-                <a:solidFill>
-                  <a:srgbClr val="46C249"/>
-                </a:solidFill>
-                <a:latin typeface="Times New Roman"/>
-                <a:cs typeface="Times New Roman"/>
-              </a:rPr>
-              <a:t> </a:t>
-            </a:r>
-            <a:r>
-              <a:rPr sz="1300" i="1" spc="65" dirty="0">
-                <a:solidFill>
-                  <a:srgbClr val="46C249"/>
-                </a:solidFill>
-                <a:latin typeface="Times New Roman"/>
-                <a:cs typeface="Times New Roman"/>
-              </a:rPr>
-              <a:t> </a:t>
-            </a:r>
-            <a:r>
-              <a:rPr sz="1300" i="1" spc="-10" dirty="0">
-                <a:solidFill>
-                  <a:srgbClr val="46C249"/>
-                </a:solidFill>
-                <a:latin typeface="Consolas"/>
-                <a:cs typeface="Consolas"/>
-              </a:rPr>
-              <a:t>String</a:t>
-            </a:r>
-            <a:r>
-              <a:rPr sz="1300" i="1" dirty="0">
-                <a:solidFill>
-                  <a:srgbClr val="46C249"/>
-                </a:solidFill>
-                <a:latin typeface="Times New Roman"/>
-                <a:cs typeface="Times New Roman"/>
-              </a:rPr>
-              <a:t> </a:t>
-            </a:r>
-            <a:r>
-              <a:rPr sz="1300" i="1" spc="65" dirty="0">
-                <a:solidFill>
-                  <a:srgbClr val="46C249"/>
-                </a:solidFill>
-                <a:latin typeface="Times New Roman"/>
-                <a:cs typeface="Times New Roman"/>
-              </a:rPr>
-              <a:t> </a:t>
-            </a:r>
-            <a:r>
-              <a:rPr sz="1300" i="1" spc="-10" dirty="0">
-                <a:solidFill>
-                  <a:srgbClr val="46C249"/>
-                </a:solidFill>
-                <a:latin typeface="Consolas"/>
-                <a:cs typeface="Consolas"/>
-              </a:rPr>
-              <a:t>interpolation</a:t>
-            </a:r>
-            <a:endParaRPr sz="1300" dirty="0">
-              <a:latin typeface="Consolas"/>
-              <a:cs typeface="Consolas"/>
-            </a:endParaRPr>
-          </a:p>
-          <a:p>
-            <a:pPr marL="284480">
-              <a:lnSpc>
-                <a:spcPct val="100000"/>
-              </a:lnSpc>
-              <a:spcBef>
-                <a:spcPts val="765"/>
-              </a:spcBef>
-            </a:pPr>
-            <a:r>
-              <a:rPr sz="1300" spc="-10" dirty="0">
-                <a:latin typeface="Consolas"/>
-                <a:cs typeface="Consolas"/>
-              </a:rPr>
-              <a:t>updateCity(city:City)</a:t>
-            </a:r>
-            <a:r>
-              <a:rPr sz="1300" spc="-10" dirty="0">
-                <a:latin typeface="Times New Roman"/>
-                <a:cs typeface="Times New Roman"/>
-              </a:rPr>
-              <a:t> </a:t>
-            </a:r>
-            <a:r>
-              <a:rPr sz="1300" spc="65" dirty="0">
-                <a:latin typeface="Times New Roman"/>
-                <a:cs typeface="Times New Roman"/>
-              </a:rPr>
-              <a:t> </a:t>
-            </a:r>
-            <a:r>
-              <a:rPr sz="1300" spc="-10" dirty="0">
-                <a:latin typeface="Consolas"/>
-                <a:cs typeface="Consolas"/>
-              </a:rPr>
-              <a:t>{</a:t>
-            </a:r>
-            <a:endParaRPr sz="1300" dirty="0">
-              <a:latin typeface="Consolas"/>
-              <a:cs typeface="Consolas"/>
-            </a:endParaRPr>
-          </a:p>
-          <a:p>
-            <a:pPr marL="556260">
-              <a:lnSpc>
-                <a:spcPct val="100000"/>
-              </a:lnSpc>
-              <a:spcBef>
-                <a:spcPts val="775"/>
-              </a:spcBef>
-            </a:pPr>
-            <a:r>
-              <a:rPr sz="1300" b="1" spc="-10" dirty="0">
-                <a:solidFill>
-                  <a:srgbClr val="000080"/>
-                </a:solidFill>
-                <a:latin typeface="Consolas"/>
-                <a:cs typeface="Consolas"/>
-              </a:rPr>
-              <a:t>this</a:t>
-            </a:r>
-            <a:r>
-              <a:rPr sz="1300" spc="-10" dirty="0">
-                <a:latin typeface="Consolas"/>
-                <a:cs typeface="Consolas"/>
-              </a:rPr>
-              <a:t>.currentCity</a:t>
-            </a:r>
-            <a:r>
-              <a:rPr sz="1300" spc="-10" dirty="0">
-                <a:latin typeface="Times New Roman"/>
-                <a:cs typeface="Times New Roman"/>
-              </a:rPr>
-              <a:t> </a:t>
-            </a:r>
-            <a:r>
-              <a:rPr sz="1300" spc="65" dirty="0">
-                <a:latin typeface="Times New Roman"/>
-                <a:cs typeface="Times New Roman"/>
-              </a:rPr>
-              <a:t> </a:t>
-            </a:r>
-            <a:r>
-              <a:rPr sz="1300" spc="-10" dirty="0">
-                <a:latin typeface="Consolas"/>
-                <a:cs typeface="Consolas"/>
-              </a:rPr>
-              <a:t>=</a:t>
-            </a:r>
-            <a:r>
-              <a:rPr sz="1300" dirty="0">
-                <a:latin typeface="Times New Roman"/>
-                <a:cs typeface="Times New Roman"/>
-              </a:rPr>
-              <a:t> </a:t>
-            </a:r>
-            <a:r>
-              <a:rPr sz="1300" spc="65" dirty="0">
-                <a:latin typeface="Times New Roman"/>
-                <a:cs typeface="Times New Roman"/>
-              </a:rPr>
-              <a:t> </a:t>
-            </a:r>
-            <a:r>
-              <a:rPr sz="1300" spc="-10" dirty="0">
-                <a:latin typeface="Consolas"/>
-                <a:cs typeface="Consolas"/>
-              </a:rPr>
-              <a:t>city;</a:t>
-            </a:r>
-            <a:endParaRPr sz="1300" dirty="0">
-              <a:latin typeface="Consolas"/>
-              <a:cs typeface="Consolas"/>
-            </a:endParaRPr>
-          </a:p>
-          <a:p>
-            <a:pPr marL="556260">
-              <a:lnSpc>
-                <a:spcPct val="100000"/>
-              </a:lnSpc>
-              <a:spcBef>
-                <a:spcPts val="765"/>
-              </a:spcBef>
-              <a:tabLst>
-                <a:tab pos="2099945" algn="l"/>
-              </a:tabLst>
-            </a:pPr>
-            <a:r>
-              <a:rPr sz="1300" b="1" spc="-10" dirty="0">
-                <a:solidFill>
-                  <a:srgbClr val="000080"/>
-                </a:solidFill>
-                <a:latin typeface="Consolas"/>
-                <a:cs typeface="Consolas"/>
-              </a:rPr>
-              <a:t>this</a:t>
-            </a:r>
-            <a:r>
-              <a:rPr sz="1300" spc="-10" dirty="0">
-                <a:latin typeface="Consolas"/>
-                <a:cs typeface="Consolas"/>
-              </a:rPr>
-              <a:t>.cityPhoto</a:t>
-            </a:r>
-            <a:r>
-              <a:rPr sz="1300" spc="-10" dirty="0">
-                <a:latin typeface="Times New Roman"/>
-                <a:cs typeface="Times New Roman"/>
-              </a:rPr>
-              <a:t>	</a:t>
-            </a:r>
-            <a:r>
-              <a:rPr sz="1300" spc="-10" dirty="0">
-                <a:latin typeface="Consolas"/>
-                <a:cs typeface="Consolas"/>
-              </a:rPr>
-              <a:t>=</a:t>
-            </a:r>
-            <a:r>
-              <a:rPr sz="1300" spc="-10" dirty="0">
-                <a:latin typeface="Times New Roman"/>
-                <a:cs typeface="Times New Roman"/>
-              </a:rPr>
-              <a:t> </a:t>
-            </a:r>
-            <a:r>
-              <a:rPr sz="1300" spc="65" dirty="0">
-                <a:latin typeface="Times New Roman"/>
-                <a:cs typeface="Times New Roman"/>
-              </a:rPr>
-              <a:t> </a:t>
-            </a:r>
-            <a:r>
-              <a:rPr sz="1300" b="1" spc="-10" dirty="0">
-                <a:solidFill>
-                  <a:srgbClr val="008000"/>
-                </a:solidFill>
-                <a:latin typeface="Consolas"/>
-                <a:cs typeface="Consolas"/>
-              </a:rPr>
-              <a:t>`img/</a:t>
-            </a:r>
-            <a:r>
-              <a:rPr sz="1300" spc="-10" dirty="0">
-                <a:latin typeface="Consolas"/>
-                <a:cs typeface="Consolas"/>
-              </a:rPr>
-              <a:t>$</a:t>
-            </a:r>
-            <a:r>
-              <a:rPr sz="1300" spc="-5" dirty="0">
-                <a:latin typeface="Consolas"/>
-                <a:cs typeface="Consolas"/>
-              </a:rPr>
-              <a:t>{</a:t>
-            </a:r>
-            <a:r>
-              <a:rPr sz="1300" b="1" spc="-10" dirty="0">
-                <a:solidFill>
-                  <a:srgbClr val="000080"/>
-                </a:solidFill>
-                <a:latin typeface="Consolas"/>
-                <a:cs typeface="Consolas"/>
-              </a:rPr>
-              <a:t>this</a:t>
-            </a:r>
-            <a:r>
-              <a:rPr sz="1300" spc="-10" dirty="0">
-                <a:latin typeface="Consolas"/>
-                <a:cs typeface="Consolas"/>
-              </a:rPr>
-              <a:t>.currentCity.name</a:t>
-            </a:r>
-            <a:r>
-              <a:rPr sz="1300" spc="-15" dirty="0">
-                <a:latin typeface="Consolas"/>
-                <a:cs typeface="Consolas"/>
-              </a:rPr>
-              <a:t>}</a:t>
-            </a:r>
-            <a:r>
-              <a:rPr sz="1300" b="1" spc="-10" dirty="0">
-                <a:solidFill>
-                  <a:srgbClr val="008000"/>
-                </a:solidFill>
-                <a:latin typeface="Consolas"/>
-                <a:cs typeface="Consolas"/>
-              </a:rPr>
-              <a:t>.jpg`</a:t>
-            </a:r>
-            <a:r>
-              <a:rPr sz="1300" spc="-10" dirty="0">
-                <a:latin typeface="Consolas"/>
-                <a:cs typeface="Consolas"/>
-              </a:rPr>
-              <a:t>;</a:t>
-            </a:r>
-            <a:endParaRPr sz="1300" dirty="0">
-              <a:latin typeface="Consolas"/>
-              <a:cs typeface="Consolas"/>
-            </a:endParaRPr>
-          </a:p>
-          <a:p>
-            <a:pPr marL="284480">
-              <a:lnSpc>
-                <a:spcPct val="100000"/>
-              </a:lnSpc>
-              <a:spcBef>
-                <a:spcPts val="775"/>
-              </a:spcBef>
-            </a:pPr>
-            <a:r>
-              <a:rPr sz="1300" spc="-10" dirty="0">
-                <a:latin typeface="Consolas"/>
-                <a:cs typeface="Consolas"/>
-              </a:rPr>
-              <a:t>}</a:t>
-            </a:r>
-            <a:endParaRPr sz="1300" dirty="0">
-              <a:latin typeface="Consolas"/>
-              <a:cs typeface="Consolas"/>
-            </a:endParaRPr>
-          </a:p>
-          <a:p>
-            <a:pPr marL="12700">
-              <a:lnSpc>
-                <a:spcPct val="100000"/>
-              </a:lnSpc>
-              <a:spcBef>
-                <a:spcPts val="765"/>
-              </a:spcBef>
-            </a:pPr>
-            <a:r>
-              <a:rPr sz="1300" spc="-10" dirty="0">
-                <a:latin typeface="Consolas"/>
-                <a:cs typeface="Consolas"/>
-              </a:rPr>
-              <a:t>}</a:t>
-            </a:r>
-            <a:endParaRPr sz="1300" dirty="0">
-              <a:latin typeface="Consolas"/>
-              <a:cs typeface="Consolas"/>
-            </a:endParaRPr>
+            <a:r>
+              <a:rPr lang="en-NL" sz="2000" b="1" dirty="0">
+                <a:latin typeface="Verdana" panose="020B0604030504040204" pitchFamily="34" charset="0"/>
+                <a:ea typeface="Verdana" panose="020B0604030504040204" pitchFamily="34" charset="0"/>
+                <a:cs typeface="Verdana" panose="020B0604030504040204" pitchFamily="34" charset="0"/>
+              </a:rPr>
+              <a:t>Class</a:t>
+            </a:r>
           </a:p>
         </p:txBody>
       </p:sp>
@@ -25182,14 +24349,14 @@
       </p:sp>
       <p:sp>
         <p:nvSpPr>
-          <p:cNvPr id="7" name="object 7"/>
+          <p:cNvPr id="8" name="object 8"/>
           <p:cNvSpPr txBox="1"/>
           <p:nvPr/>
         </p:nvSpPr>
         <p:spPr>
           <a:xfrm>
-            <a:off x="1384300" y="2028825"/>
-            <a:ext cx="1207770" cy="354965"/>
+            <a:off x="1765300" y="2030730"/>
+            <a:ext cx="7672070" cy="1200329"/>
           </a:xfrm>
           <a:prstGeom prst="rect">
             <a:avLst/>
@@ -25205,50 +24372,17 @@
               <a:lnSpc>
                 <a:spcPct val="100000"/>
               </a:lnSpc>
-            </a:pPr>
-            <a:r>
-              <a:rPr sz="2600" spc="-25" dirty="0">
-                <a:latin typeface="Courier New"/>
-                <a:cs typeface="Courier New"/>
-              </a:rPr>
-              <a:t>&lt;input</a:t>
-            </a:r>
-            <a:endParaRPr sz="2600" dirty="0">
-              <a:latin typeface="Courier New"/>
-              <a:cs typeface="Courier New"/>
-            </a:endParaRPr>
-          </a:p>
-        </p:txBody>
-      </p:sp>
-      <p:sp>
-        <p:nvSpPr>
-          <p:cNvPr id="8" name="object 8"/>
-          <p:cNvSpPr txBox="1"/>
-          <p:nvPr/>
-        </p:nvSpPr>
-        <p:spPr>
-          <a:xfrm>
-            <a:off x="2908300" y="2030730"/>
-            <a:ext cx="6529070" cy="1200329"/>
-          </a:xfrm>
-          <a:prstGeom prst="rect">
-            <a:avLst/>
-          </a:prstGeom>
-        </p:spPr>
-        <p:txBody>
-          <a:bodyPr vert="horz" wrap="square" lIns="0" tIns="0" rIns="0" bIns="0" rtlCol="0">
-            <a:spAutoFit/>
-          </a:bodyPr>
-          <a:lstStyle/>
-          <a:p>
-            <a:pPr marL="12700">
-              <a:lnSpc>
-                <a:spcPct val="100000"/>
-              </a:lnSpc>
               <a:tabLst>
                 <a:tab pos="6121400" algn="l"/>
               </a:tabLst>
             </a:pPr>
+            <a:r>
+              <a:rPr lang="nl-NL" sz="2600" spc="-25" dirty="0">
+                <a:latin typeface="Courier New"/>
+                <a:cs typeface="Courier New"/>
+              </a:rPr>
+              <a:t>&lt;input </a:t>
+            </a:r>
             <a:r>
               <a:rPr sz="2600" b="1" spc="-25" dirty="0">
                 <a:solidFill>
@@ -26658,11 +25792,19 @@
               <a:t>Import </a:t>
             </a:r>
             <a:r>
-              <a:rPr spc="10" dirty="0" err="1"/>
+              <a:rPr spc="10" dirty="0" err="1">
+                <a:solidFill>
+                  <a:srgbClr val="C00000"/>
+                </a:solidFill>
+              </a:rPr>
               <a:t>FormsModul</a:t>
             </a:r>
             <a:r>
-              <a:rPr spc="15" dirty="0" err="1"/>
+              <a:rPr spc="15" dirty="0" err="1">
+                <a:solidFill>
+                  <a:srgbClr val="C00000"/>
+                </a:solidFill>
+              </a:rPr>
               <a:t>e</a:t>
             </a:r>
             <a:r>
@@ -26710,14 +25852,14 @@
       </p:sp>
       <p:sp>
         <p:nvSpPr>
-          <p:cNvPr id="4" name="object 4"/>
+          <p:cNvPr id="6" name="object 6"/>
           <p:cNvSpPr txBox="1"/>
           <p:nvPr/>
         </p:nvSpPr>
         <p:spPr>
           <a:xfrm>
-            <a:off x="1079500" y="2292294"/>
-            <a:ext cx="1550035" cy="995044"/>
+            <a:off x="1460500" y="2314002"/>
+            <a:ext cx="8646844" cy="400110"/>
           </a:xfrm>
           <a:prstGeom prst="rect">
             <a:avLst/>
@@ -26729,146 +25871,6 @@
           </a:bodyPr>
           <a:lstStyle/>
           <a:p>
-            <a:pPr marL="353695" indent="-340995">
-              <a:lnSpc>
-                <a:spcPct val="100000"/>
-              </a:lnSpc>
-              <a:buFont typeface="Courier New"/>
-              <a:buChar char="•"/>
-              <a:tabLst>
-                <a:tab pos="354330" algn="l"/>
-              </a:tabLst>
-            </a:pPr>
-            <a:r>
-              <a:rPr sz="2600" spc="-25" dirty="0">
-                <a:latin typeface="Courier New"/>
-                <a:cs typeface="Courier New"/>
-              </a:rPr>
-              <a:t>import</a:t>
-            </a:r>
-            <a:endParaRPr sz="2600" dirty="0">
-              <a:latin typeface="Courier New"/>
-              <a:cs typeface="Courier New"/>
-            </a:endParaRPr>
-          </a:p>
-          <a:p>
-            <a:pPr marL="12700">
-              <a:lnSpc>
-                <a:spcPct val="100000"/>
-              </a:lnSpc>
-              <a:spcBef>
-                <a:spcPts val="2160"/>
-              </a:spcBef>
-              <a:tabLst>
-                <a:tab pos="353695" algn="l"/>
-              </a:tabLst>
-            </a:pPr>
-            <a:r>
-              <a:rPr sz="2600" spc="-15" dirty="0">
-                <a:latin typeface="Verdana"/>
-                <a:cs typeface="Verdana"/>
-              </a:rPr>
-              <a:t>•</a:t>
-            </a:r>
-            <a:r>
-              <a:rPr sz="2600" spc="-15" dirty="0">
-                <a:latin typeface="Times New Roman"/>
-                <a:cs typeface="Times New Roman"/>
-              </a:rPr>
-              <a:t>	</a:t>
-            </a:r>
-            <a:r>
-              <a:rPr sz="2600" spc="-25" dirty="0">
-                <a:latin typeface="Verdana"/>
-                <a:cs typeface="Verdana"/>
-              </a:rPr>
-              <a:t>…</a:t>
-            </a:r>
-            <a:endParaRPr sz="2600" dirty="0">
-              <a:latin typeface="Verdana"/>
-              <a:cs typeface="Verdana"/>
-            </a:endParaRPr>
-          </a:p>
-        </p:txBody>
-      </p:sp>
-      <p:sp>
-        <p:nvSpPr>
-          <p:cNvPr id="5" name="object 5"/>
-          <p:cNvSpPr txBox="1"/>
-          <p:nvPr/>
-        </p:nvSpPr>
-        <p:spPr>
-          <a:xfrm>
-            <a:off x="3012834" y="2299337"/>
-            <a:ext cx="2588895" cy="400110"/>
-          </a:xfrm>
-          <a:prstGeom prst="rect">
-            <a:avLst/>
-          </a:prstGeom>
-        </p:spPr>
-        <p:txBody>
-          <a:bodyPr vert="horz" wrap="square" lIns="0" tIns="0" rIns="0" bIns="0" rtlCol="0">
-            <a:spAutoFit/>
-          </a:bodyPr>
-          <a:lstStyle/>
-          <a:p>
-            <a:pPr marL="12700">
-              <a:lnSpc>
-                <a:spcPct val="100000"/>
-              </a:lnSpc>
-            </a:pPr>
-            <a:r>
-              <a:rPr sz="2600" spc="-25" dirty="0">
-                <a:latin typeface="Courier New"/>
-                <a:cs typeface="Courier New"/>
-              </a:rPr>
-              <a:t>{</a:t>
-            </a:r>
-            <a:r>
-              <a:rPr sz="2600" b="1" spc="-25" dirty="0">
-                <a:solidFill>
-                  <a:srgbClr val="C00000"/>
-                </a:solidFill>
-                <a:latin typeface="Courier New"/>
-                <a:cs typeface="Courier New"/>
-              </a:rPr>
-              <a:t>FormsModule</a:t>
-            </a:r>
-            <a:r>
-              <a:rPr sz="2600" spc="-25" dirty="0">
-                <a:latin typeface="Courier New"/>
-                <a:cs typeface="Courier New"/>
-              </a:rPr>
-              <a:t>}</a:t>
-            </a:r>
-            <a:endParaRPr sz="2600" dirty="0">
-              <a:latin typeface="Courier New"/>
-              <a:cs typeface="Courier New"/>
-            </a:endParaRPr>
-          </a:p>
-        </p:txBody>
-      </p:sp>
-      <p:sp>
-        <p:nvSpPr>
-          <p:cNvPr id="6" name="object 6"/>
-          <p:cNvSpPr txBox="1"/>
-          <p:nvPr/>
-        </p:nvSpPr>
-        <p:spPr>
-          <a:xfrm>
-            <a:off x="5840144" y="2314002"/>
-            <a:ext cx="4267200" cy="385445"/>
-          </a:xfrm>
-          <a:prstGeom prst="rect">
-            <a:avLst/>
-          </a:prstGeom>
-        </p:spPr>
-        <p:txBody>
-          <a:bodyPr vert="horz" wrap="square" lIns="0" tIns="0" rIns="0" bIns="0" rtlCol="0">
-            <a:spAutoFit/>
-          </a:bodyPr>
-          <a:lstStyle/>
-          <a:p>
             <a:pPr marL="12700">
               <a:lnSpc>
                 <a:spcPct val="100000"/>
@@ -26878,6 +25880,43 @@
               </a:tabLst>
             </a:pPr>
             <a:r>
+              <a:rPr lang="en-US" sz="2600" spc="-25" dirty="0">
+                <a:latin typeface="Courier New"/>
+                <a:cs typeface="Courier New"/>
+              </a:rPr>
+              <a:t>import </a:t>
+            </a:r>
+            <a:r>
+              <a:rPr lang="en-US" sz="2600" b="1" spc="-25" dirty="0">
+                <a:solidFill>
+                  <a:srgbClr val="C00000"/>
+                </a:solidFill>
+                <a:latin typeface="Courier New"/>
+                <a:cs typeface="Courier New"/>
+              </a:rPr>
+              <a:t>F</a:t>
+            </a:r>
+            <a:r>
+              <a:rPr lang="en-US" sz="2600" b="1" spc="-25">
+                <a:solidFill>
+                  <a:srgbClr val="C00000"/>
+                </a:solidFill>
+                <a:latin typeface="Courier New"/>
+                <a:cs typeface="Courier New"/>
+              </a:rPr>
+              <a:t>ormsModule</a:t>
+            </a:r>
+            <a:r>
+              <a:rPr lang="en-US" sz="2600" b="1" spc="-25" dirty="0">
+                <a:solidFill>
+                  <a:srgbClr val="C00000"/>
+                </a:solidFill>
+                <a:latin typeface="Courier New"/>
+                <a:cs typeface="Courier New"/>
+              </a:rPr>
+              <a:t> </a:t>
+            </a:r>
+            <a:r>
               <a:rPr sz="2600" spc="-25" dirty="0">
                 <a:latin typeface="Courier New"/>
                 <a:cs typeface="Courier New"/>
@@ -26899,11 +25938,18 @@
               <a:t>	</a:t>
             </a:r>
             <a:r>
+              <a:rPr lang="nl-NL" sz="2600" spc="-25" dirty="0">
+                <a:latin typeface="Courier New"/>
+                <a:cs typeface="Courier New"/>
+              </a:rPr>
+              <a:t> '</a:t>
+            </a:r>
+            <a:r>
               <a:rPr sz="2600" spc="-25" dirty="0">
                 <a:latin typeface="Courier New"/>
                 <a:cs typeface="Courier New"/>
               </a:rPr>
-              <a:t>"@angular/form</a:t>
+              <a:t>@angular/form</a:t>
             </a:r>
             <a:r>
               <a:rPr sz="2600" spc="-15" dirty="0">
@@ -26913,11 +25959,18 @@
               <a:t>s</a:t>
             </a:r>
             <a:r>
+              <a:rPr lang="nl-NL" sz="2600" spc="-25" dirty="0">
+                <a:latin typeface="Verdana"/>
+                <a:cs typeface="Verdana"/>
+              </a:rPr>
+              <a:t>'</a:t>
+            </a:r>
+            <a:r>
               <a:rPr sz="2600" spc="-25" dirty="0">
                 <a:latin typeface="Verdana"/>
                 <a:cs typeface="Verdana"/>
               </a:rPr>
-              <a:t>";</a:t>
+              <a:t>;</a:t>
             </a:r>
             <a:endParaRPr sz="2600" dirty="0">
               <a:latin typeface="Verdana"/>
@@ -27614,7 +26667,7 @@
         <p:spPr>
           <a:xfrm>
             <a:off x="1313624" y="1617298"/>
-            <a:ext cx="7233476" cy="4676024"/>
+            <a:ext cx="8704530" cy="4676024"/>
           </a:xfrm>
           <a:prstGeom prst="rect">
             <a:avLst/>
@@ -28786,7 +27839,7 @@
                 <a:latin typeface="Consolas"/>
                 <a:cs typeface="Consolas"/>
               </a:rPr>
-              <a:t>	</a:t>
+              <a:t>	private </a:t>
             </a:r>
             <a:r>
               <a:rPr sz="1700" spc="-5" dirty="0">
@@ -28934,7 +27987,7 @@
                 <a:latin typeface="Consolas"/>
                 <a:cs typeface="Consolas"/>
               </a:rPr>
-              <a:t>	</a:t>
+              <a:t>	private </a:t>
             </a:r>
             <a:r>
               <a:rPr sz="1700" spc="-5" dirty="0">
@@ -29171,8 +28224,8 @@
                 <a:solidFill>
                   <a:srgbClr val="000080"/>
                 </a:solidFill>
-                <a:latin typeface="Consolas"/>
-                <a:cs typeface="Consolas"/>
+                <a:latin typeface="Consolas" panose="020B0609020204030204" pitchFamily="49" charset="0"/>
+                <a:cs typeface="Consolas" panose="020B0609020204030204" pitchFamily="49" charset="0"/>
               </a:rPr>
               <a:t>expor</a:t>
             </a:r>
@@ -29181,8 +28234,8 @@
                 <a:solidFill>
                   <a:srgbClr val="000080"/>
                 </a:solidFill>
-                <a:latin typeface="Consolas"/>
-                <a:cs typeface="Consolas"/>
+                <a:latin typeface="Consolas" panose="020B0609020204030204" pitchFamily="49" charset="0"/>
+                <a:cs typeface="Consolas" panose="020B0609020204030204" pitchFamily="49" charset="0"/>
               </a:rPr>
               <a:t>t</a:t>
             </a:r>
@@ -29191,18 +28244,108 @@
                 <a:solidFill>
                   <a:srgbClr val="000080"/>
                 </a:solidFill>
-                <a:latin typeface="Times New Roman"/>
-                <a:cs typeface="Times New Roman"/>
-              </a:rPr>
-              <a:t> </a:t>
-            </a:r>
-            <a:r>
-              <a:rPr sz="1700" b="1" spc="90" dirty="0">
+                <a:latin typeface="Consolas" panose="020B0609020204030204" pitchFamily="49" charset="0"/>
+                <a:cs typeface="Consolas" panose="020B0609020204030204" pitchFamily="49" charset="0"/>
+              </a:rPr>
+              <a:t> </a:t>
+            </a:r>
+            <a:r>
+              <a:rPr sz="1700" b="1" spc="-5" dirty="0">
                 <a:solidFill>
                   <a:srgbClr val="000080"/>
                 </a:solidFill>
-                <a:latin typeface="Times New Roman"/>
-                <a:cs typeface="Times New Roman"/>
+                <a:latin typeface="Consolas" panose="020B0609020204030204" pitchFamily="49" charset="0"/>
+                <a:cs typeface="Consolas" panose="020B0609020204030204" pitchFamily="49" charset="0"/>
+              </a:rPr>
+              <a:t>clas</a:t>
+            </a:r>
+            <a:r>
+              <a:rPr sz="1700" b="1" spc="5" dirty="0">
+                <a:solidFill>
+                  <a:srgbClr val="000080"/>
+                </a:solidFill>
+                <a:latin typeface="Consolas" panose="020B0609020204030204" pitchFamily="49" charset="0"/>
+                <a:cs typeface="Consolas" panose="020B0609020204030204" pitchFamily="49" charset="0"/>
+              </a:rPr>
+              <a:t>s</a:t>
+            </a:r>
+            <a:r>
+              <a:rPr sz="1700" b="1" dirty="0">
+                <a:solidFill>
+                  <a:srgbClr val="000080"/>
+                </a:solidFill>
+                <a:latin typeface="Consolas" panose="020B0609020204030204" pitchFamily="49" charset="0"/>
+                <a:cs typeface="Consolas" panose="020B0609020204030204" pitchFamily="49" charset="0"/>
+              </a:rPr>
+              <a:t> </a:t>
+            </a:r>
+            <a:r>
+              <a:rPr sz="1700" spc="-5" dirty="0" err="1">
+                <a:latin typeface="Consolas" panose="020B0609020204030204" pitchFamily="49" charset="0"/>
+                <a:cs typeface="Consolas" panose="020B0609020204030204" pitchFamily="49" charset="0"/>
+              </a:rPr>
+              <a:t>AppComponen</a:t>
+            </a:r>
+            <a:r>
+              <a:rPr sz="1700" spc="5" dirty="0" err="1">
+                <a:latin typeface="Consolas" panose="020B0609020204030204" pitchFamily="49" charset="0"/>
+                <a:cs typeface="Consolas" panose="020B0609020204030204" pitchFamily="49" charset="0"/>
+              </a:rPr>
+              <a:t>t</a:t>
+            </a:r>
+            <a:r>
+              <a:rPr sz="1700" dirty="0">
+                <a:latin typeface="Consolas" panose="020B0609020204030204" pitchFamily="49" charset="0"/>
+                <a:cs typeface="Consolas" panose="020B0609020204030204" pitchFamily="49" charset="0"/>
+              </a:rPr>
+              <a:t> </a:t>
+            </a:r>
+            <a:r>
+              <a:rPr sz="1700" spc="85" dirty="0">
+                <a:latin typeface="Consolas" panose="020B0609020204030204" pitchFamily="49" charset="0"/>
+                <a:cs typeface="Consolas" panose="020B0609020204030204" pitchFamily="49" charset="0"/>
+              </a:rPr>
+              <a:t> </a:t>
+            </a:r>
+            <a:r>
+              <a:rPr sz="1700" spc="5" dirty="0">
+                <a:latin typeface="Consolas" panose="020B0609020204030204" pitchFamily="49" charset="0"/>
+                <a:cs typeface="Consolas" panose="020B0609020204030204" pitchFamily="49" charset="0"/>
+              </a:rPr>
+              <a:t>{</a:t>
+            </a:r>
+            <a:r>
+              <a:rPr sz="1700" dirty="0">
+                <a:latin typeface="Consolas" panose="020B0609020204030204" pitchFamily="49" charset="0"/>
+                <a:cs typeface="Consolas" panose="020B0609020204030204" pitchFamily="49" charset="0"/>
+              </a:rPr>
+              <a:t> </a:t>
+            </a:r>
+            <a:r>
+              <a:rPr lang="nl-NL" sz="1700" dirty="0">
+                <a:latin typeface="Consolas" panose="020B0609020204030204" pitchFamily="49" charset="0"/>
+                <a:cs typeface="Consolas" panose="020B0609020204030204" pitchFamily="49" charset="0"/>
+              </a:rPr>
+              <a:t>private </a:t>
+            </a:r>
+            <a:r>
+              <a:rPr sz="1700" spc="-5" dirty="0">
+                <a:latin typeface="Consolas" panose="020B0609020204030204" pitchFamily="49" charset="0"/>
+                <a:cs typeface="Consolas" panose="020B0609020204030204" pitchFamily="49" charset="0"/>
+              </a:rPr>
+              <a:t>name</a:t>
+            </a:r>
+            <a:r>
+              <a:rPr sz="1700" spc="5" dirty="0">
+                <a:latin typeface="Consolas" panose="020B0609020204030204" pitchFamily="49" charset="0"/>
+                <a:cs typeface="Consolas" panose="020B0609020204030204" pitchFamily="49" charset="0"/>
+              </a:rPr>
+              <a:t>:</a:t>
+            </a:r>
+            <a:r>
+              <a:rPr sz="1700" dirty="0">
+                <a:latin typeface="Consolas" panose="020B0609020204030204" pitchFamily="49" charset="0"/>
+                <a:cs typeface="Consolas" panose="020B0609020204030204" pitchFamily="49" charset="0"/>
               </a:rPr>
               <a:t> </a:t>
             </a:r>
@@ -29211,141 +28354,31 @@
                 <a:solidFill>
                   <a:srgbClr val="000080"/>
                 </a:solidFill>
-                <a:latin typeface="Consolas"/>
-                <a:cs typeface="Consolas"/>
-              </a:rPr>
-              <a:t>clas</a:t>
-            </a:r>
-            <a:r>
-              <a:rPr sz="1700" b="1" spc="5" dirty="0">
+                <a:latin typeface="Consolas" panose="020B0609020204030204" pitchFamily="49" charset="0"/>
+                <a:cs typeface="Consolas" panose="020B0609020204030204" pitchFamily="49" charset="0"/>
+              </a:rPr>
+              <a:t>strin</a:t>
+            </a:r>
+            <a:r>
+              <a:rPr sz="1700" b="1" dirty="0">
                 <a:solidFill>
                   <a:srgbClr val="000080"/>
                 </a:solidFill>
-                <a:latin typeface="Consolas"/>
-                <a:cs typeface="Consolas"/>
-              </a:rPr>
-              <a:t>s</a:t>
-            </a:r>
-            <a:r>
-              <a:rPr sz="1700" b="1" dirty="0">
-                <a:solidFill>
-                  <a:srgbClr val="000080"/>
-                </a:solidFill>
-                <a:latin typeface="Times New Roman"/>
-                <a:cs typeface="Times New Roman"/>
-              </a:rPr>
-              <a:t> </a:t>
-            </a:r>
-            <a:r>
-              <a:rPr sz="1700" b="1" spc="90" dirty="0">
-                <a:solidFill>
-                  <a:srgbClr val="000080"/>
-                </a:solidFill>
-                <a:latin typeface="Times New Roman"/>
-                <a:cs typeface="Times New Roman"/>
-              </a:rPr>
-              <a:t> </a:t>
-            </a:r>
-            <a:r>
-              <a:rPr sz="1700" spc="-5" dirty="0">
-                <a:latin typeface="Consolas"/>
-                <a:cs typeface="Consolas"/>
-              </a:rPr>
-              <a:t>AppComponen</a:t>
+                <a:latin typeface="Consolas" panose="020B0609020204030204" pitchFamily="49" charset="0"/>
+                <a:cs typeface="Consolas" panose="020B0609020204030204" pitchFamily="49" charset="0"/>
+              </a:rPr>
+              <a:t>g</a:t>
             </a:r>
             <a:r>
               <a:rPr sz="1700" spc="5" dirty="0">
-                <a:latin typeface="Consolas"/>
-                <a:cs typeface="Consolas"/>
-              </a:rPr>
-              <a:t>t</a:t>
-            </a:r>
-            <a:r>
-              <a:rPr sz="1700" dirty="0">
-                <a:latin typeface="Times New Roman"/>
-                <a:cs typeface="Times New Roman"/>
-              </a:rPr>
-              <a:t> </a:t>
-            </a:r>
-            <a:r>
-              <a:rPr sz="1700" spc="85" dirty="0">
-                <a:latin typeface="Times New Roman"/>
-                <a:cs typeface="Times New Roman"/>
-              </a:rPr>
-              <a:t> </a:t>
-            </a:r>
-            <a:r>
-              <a:rPr sz="1700" spc="5" dirty="0">
-                <a:latin typeface="Consolas"/>
-                <a:cs typeface="Consolas"/>
-              </a:rPr>
-              <a:t>{</a:t>
-            </a:r>
-            <a:r>
-              <a:rPr sz="1700" dirty="0">
-                <a:latin typeface="Times New Roman"/>
-                <a:cs typeface="Times New Roman"/>
-              </a:rPr>
-              <a:t> </a:t>
-            </a:r>
-            <a:r>
-              <a:rPr sz="1700" spc="-5" dirty="0">
-                <a:latin typeface="Consolas"/>
-                <a:cs typeface="Consolas"/>
-              </a:rPr>
-              <a:t>name</a:t>
-            </a:r>
-            <a:r>
-              <a:rPr sz="1700" spc="5" dirty="0">
-                <a:latin typeface="Consolas"/>
-                <a:cs typeface="Consolas"/>
-              </a:rPr>
-              <a:t>:</a:t>
-            </a:r>
-            <a:r>
-              <a:rPr sz="1700" dirty="0">
-                <a:latin typeface="Times New Roman"/>
-                <a:cs typeface="Times New Roman"/>
-              </a:rPr>
-              <a:t> </a:t>
-            </a:r>
-            <a:r>
-              <a:rPr sz="1700" spc="85" dirty="0">
-                <a:latin typeface="Times New Roman"/>
-                <a:cs typeface="Times New Roman"/>
-              </a:rPr>
-              <a:t> </a:t>
-            </a:r>
-            <a:r>
-              <a:rPr sz="1700" b="1" spc="-5" dirty="0">
-                <a:solidFill>
-                  <a:srgbClr val="000080"/>
-                </a:solidFill>
-                <a:latin typeface="Consolas"/>
-                <a:cs typeface="Consolas"/>
-              </a:rPr>
-              <a:t>strin</a:t>
-            </a:r>
-            <a:r>
-              <a:rPr sz="1700" b="1" dirty="0">
-                <a:solidFill>
-                  <a:srgbClr val="000080"/>
-                </a:solidFill>
-                <a:latin typeface="Consolas"/>
-                <a:cs typeface="Consolas"/>
-              </a:rPr>
-              <a:t>g</a:t>
-            </a:r>
-            <a:r>
-              <a:rPr sz="1700" spc="5" dirty="0">
-                <a:latin typeface="Consolas"/>
-                <a:cs typeface="Consolas"/>
+                <a:latin typeface="Consolas" panose="020B0609020204030204" pitchFamily="49" charset="0"/>
+                <a:cs typeface="Consolas" panose="020B0609020204030204" pitchFamily="49" charset="0"/>
               </a:rPr>
               <a:t>;</a:t>
             </a:r>
             <a:endParaRPr sz="1700" dirty="0">
-              <a:latin typeface="Consolas"/>
-              <a:cs typeface="Consolas"/>
+              <a:latin typeface="Consolas" panose="020B0609020204030204" pitchFamily="49" charset="0"/>
+              <a:cs typeface="Consolas" panose="020B0609020204030204" pitchFamily="49" charset="0"/>
             </a:endParaRPr>
           </a:p>
           <a:p>
@@ -29358,30 +28391,30 @@
               </a:spcBef>
             </a:pPr>
             <a:r>
+              <a:rPr lang="nl-NL" sz="1700" dirty="0">
+                <a:latin typeface="Consolas" panose="020B0609020204030204" pitchFamily="49" charset="0"/>
+                <a:cs typeface="Consolas" panose="020B0609020204030204" pitchFamily="49" charset="0"/>
+              </a:rPr>
+              <a:t>private </a:t>
+            </a:r>
+            <a:r>
               <a:rPr sz="1700" spc="-5" dirty="0">
-                <a:latin typeface="Consolas"/>
-                <a:cs typeface="Consolas"/>
+                <a:latin typeface="Consolas" panose="020B0609020204030204" pitchFamily="49" charset="0"/>
+                <a:cs typeface="Consolas" panose="020B0609020204030204" pitchFamily="49" charset="0"/>
               </a:rPr>
               <a:t>city</a:t>
             </a:r>
             <a:r>
               <a:rPr sz="1700" spc="5" dirty="0">
-                <a:latin typeface="Consolas"/>
-                <a:cs typeface="Consolas"/>
+                <a:latin typeface="Consolas" panose="020B0609020204030204" pitchFamily="49" charset="0"/>
+                <a:cs typeface="Consolas" panose="020B0609020204030204" pitchFamily="49" charset="0"/>
               </a:rPr>
               <a:t>:</a:t>
             </a:r>
             <a:r>
               <a:rPr sz="1700" dirty="0">
-                <a:latin typeface="Times New Roman"/>
-                <a:cs typeface="Times New Roman"/>
-              </a:rPr>
-              <a:t> </a:t>
-            </a:r>
-            <a:r>
-              <a:rPr sz="1700" spc="85" dirty="0">
-                <a:latin typeface="Times New Roman"/>
-                <a:cs typeface="Times New Roman"/>
+                <a:latin typeface="Consolas" panose="020B0609020204030204" pitchFamily="49" charset="0"/>
+                <a:cs typeface="Consolas" panose="020B0609020204030204" pitchFamily="49" charset="0"/>
               </a:rPr>
               <a:t> </a:t>
             </a:r>
@@ -29390,8 +28423,8 @@
                 <a:solidFill>
                   <a:srgbClr val="000080"/>
                 </a:solidFill>
-                <a:latin typeface="Consolas"/>
-                <a:cs typeface="Consolas"/>
+                <a:latin typeface="Consolas" panose="020B0609020204030204" pitchFamily="49" charset="0"/>
+                <a:cs typeface="Consolas" panose="020B0609020204030204" pitchFamily="49" charset="0"/>
               </a:rPr>
               <a:t>strin</a:t>
             </a:r>
@@ -29400,21 +28433,21 @@
                 <a:solidFill>
                   <a:srgbClr val="000080"/>
                 </a:solidFill>
-                <a:latin typeface="Consolas"/>
-                <a:cs typeface="Consolas"/>
+                <a:latin typeface="Consolas" panose="020B0609020204030204" pitchFamily="49" charset="0"/>
+                <a:cs typeface="Consolas" panose="020B0609020204030204" pitchFamily="49" charset="0"/>
               </a:rPr>
               <a:t>g</a:t>
             </a:r>
             <a:r>
               <a:rPr sz="1700" spc="5" dirty="0">
-                <a:latin typeface="Consolas"/>
-                <a:cs typeface="Consolas"/>
+                <a:latin typeface="Consolas" panose="020B0609020204030204" pitchFamily="49" charset="0"/>
+                <a:cs typeface="Consolas" panose="020B0609020204030204" pitchFamily="49" charset="0"/>
               </a:rPr>
               <a:t>;</a:t>
             </a:r>
             <a:endParaRPr sz="1700" dirty="0">
-              <a:latin typeface="Consolas"/>
-              <a:cs typeface="Consolas"/>
+              <a:latin typeface="Consolas" panose="020B0609020204030204" pitchFamily="49" charset="0"/>
+              <a:cs typeface="Consolas" panose="020B0609020204030204" pitchFamily="49" charset="0"/>
             </a:endParaRPr>
           </a:p>
           <a:p>
@@ -29424,8 +28457,8 @@
               </a:lnSpc>
             </a:pPr>
             <a:endParaRPr sz="1700" dirty="0">
-              <a:latin typeface="Times New Roman"/>
-              <a:cs typeface="Times New Roman"/>
+              <a:latin typeface="Consolas" panose="020B0609020204030204" pitchFamily="49" charset="0"/>
+              <a:cs typeface="Consolas" panose="020B0609020204030204" pitchFamily="49" charset="0"/>
             </a:endParaRPr>
           </a:p>
           <a:p>
@@ -29438,8 +28471,8 @@
               </a:spcBef>
             </a:pPr>
             <a:endParaRPr sz="1900" dirty="0">
-              <a:latin typeface="Times New Roman"/>
-              <a:cs typeface="Times New Roman"/>
+              <a:latin typeface="Consolas" panose="020B0609020204030204" pitchFamily="49" charset="0"/>
+              <a:cs typeface="Consolas" panose="020B0609020204030204" pitchFamily="49" charset="0"/>
             </a:endParaRPr>
           </a:p>
           <a:p>
@@ -29453,8 +28486,8 @@
                 <a:solidFill>
                   <a:srgbClr val="000080"/>
                 </a:solidFill>
-                <a:latin typeface="Consolas"/>
-                <a:cs typeface="Consolas"/>
+                <a:latin typeface="Consolas" panose="020B0609020204030204" pitchFamily="49" charset="0"/>
+                <a:cs typeface="Consolas" panose="020B0609020204030204" pitchFamily="49" charset="0"/>
               </a:rPr>
               <a:t>constructo</a:t>
             </a:r>
@@ -29463,49 +28496,49 @@
                 <a:solidFill>
                   <a:srgbClr val="000080"/>
                 </a:solidFill>
-                <a:latin typeface="Consolas"/>
-                <a:cs typeface="Consolas"/>
+                <a:latin typeface="Consolas" panose="020B0609020204030204" pitchFamily="49" charset="0"/>
+                <a:cs typeface="Consolas" panose="020B0609020204030204" pitchFamily="49" charset="0"/>
               </a:rPr>
               <a:t>r</a:t>
             </a:r>
             <a:r>
               <a:rPr sz="1700" dirty="0">
-                <a:latin typeface="Consolas"/>
-                <a:cs typeface="Consolas"/>
+                <a:latin typeface="Consolas" panose="020B0609020204030204" pitchFamily="49" charset="0"/>
+                <a:cs typeface="Consolas" panose="020B0609020204030204" pitchFamily="49" charset="0"/>
               </a:rPr>
               <a:t>(</a:t>
             </a:r>
             <a:r>
               <a:rPr sz="1700" spc="5" dirty="0">
-                <a:latin typeface="Consolas"/>
-                <a:cs typeface="Consolas"/>
+                <a:latin typeface="Consolas" panose="020B0609020204030204" pitchFamily="49" charset="0"/>
+                <a:cs typeface="Consolas" panose="020B0609020204030204" pitchFamily="49" charset="0"/>
               </a:rPr>
               <a:t>)</a:t>
             </a:r>
             <a:r>
               <a:rPr sz="1700" dirty="0">
-                <a:latin typeface="Times New Roman"/>
-                <a:cs typeface="Times New Roman"/>
+                <a:latin typeface="Consolas" panose="020B0609020204030204" pitchFamily="49" charset="0"/>
+                <a:cs typeface="Consolas" panose="020B0609020204030204" pitchFamily="49" charset="0"/>
               </a:rPr>
               <a:t> </a:t>
             </a:r>
             <a:r>
               <a:rPr sz="1700" spc="80" dirty="0">
-                <a:latin typeface="Times New Roman"/>
-                <a:cs typeface="Times New Roman"/>
+                <a:latin typeface="Consolas" panose="020B0609020204030204" pitchFamily="49" charset="0"/>
+                <a:cs typeface="Consolas" panose="020B0609020204030204" pitchFamily="49" charset="0"/>
               </a:rPr>
               <a:t> </a:t>
             </a:r>
             <a:r>
               <a:rPr sz="1700" spc="5" dirty="0">
-                <a:latin typeface="Consolas"/>
-                <a:cs typeface="Consolas"/>
+                <a:latin typeface="Consolas" panose="020B0609020204030204" pitchFamily="49" charset="0"/>
+                <a:cs typeface="Consolas" panose="020B0609020204030204" pitchFamily="49" charset="0"/>
               </a:rPr>
               <a:t>{</a:t>
             </a:r>
             <a:endParaRPr sz="1700" dirty="0">
-              <a:latin typeface="Consolas"/>
-              <a:cs typeface="Consolas"/>
+              <a:latin typeface="Consolas" panose="020B0609020204030204" pitchFamily="49" charset="0"/>
+              <a:cs typeface="Consolas" panose="020B0609020204030204" pitchFamily="49" charset="0"/>
             </a:endParaRPr>
           </a:p>
           <a:p>
@@ -29515,71 +28548,176 @@
               </a:lnSpc>
             </a:pPr>
             <a:r>
+              <a:rPr sz="1700" b="1" dirty="0" err="1">
+                <a:solidFill>
+                  <a:srgbClr val="000080"/>
+                </a:solidFill>
+                <a:latin typeface="Consolas" panose="020B0609020204030204" pitchFamily="49" charset="0"/>
+                <a:cs typeface="Consolas" panose="020B0609020204030204" pitchFamily="49" charset="0"/>
+              </a:rPr>
+              <a:t>thi</a:t>
+            </a:r>
+            <a:r>
+              <a:rPr sz="1700" b="1" spc="-10" dirty="0" err="1">
+                <a:solidFill>
+                  <a:srgbClr val="000080"/>
+                </a:solidFill>
+                <a:latin typeface="Consolas" panose="020B0609020204030204" pitchFamily="49" charset="0"/>
+                <a:cs typeface="Consolas" panose="020B0609020204030204" pitchFamily="49" charset="0"/>
+              </a:rPr>
+              <a:t>s</a:t>
+            </a:r>
+            <a:r>
+              <a:rPr sz="1700" spc="-5" dirty="0" err="1">
+                <a:latin typeface="Consolas" panose="020B0609020204030204" pitchFamily="49" charset="0"/>
+                <a:cs typeface="Consolas" panose="020B0609020204030204" pitchFamily="49" charset="0"/>
+              </a:rPr>
+              <a:t>.nam</a:t>
+            </a:r>
+            <a:r>
+              <a:rPr sz="1700" spc="5" dirty="0" err="1">
+                <a:latin typeface="Consolas" panose="020B0609020204030204" pitchFamily="49" charset="0"/>
+                <a:cs typeface="Consolas" panose="020B0609020204030204" pitchFamily="49" charset="0"/>
+              </a:rPr>
+              <a:t>e</a:t>
+            </a:r>
+            <a:r>
+              <a:rPr sz="1700" dirty="0">
+                <a:latin typeface="Consolas" panose="020B0609020204030204" pitchFamily="49" charset="0"/>
+                <a:cs typeface="Consolas" panose="020B0609020204030204" pitchFamily="49" charset="0"/>
+              </a:rPr>
+              <a:t> </a:t>
+            </a:r>
+            <a:r>
+              <a:rPr sz="1700" spc="5" dirty="0">
+                <a:latin typeface="Consolas" panose="020B0609020204030204" pitchFamily="49" charset="0"/>
+                <a:cs typeface="Consolas" panose="020B0609020204030204" pitchFamily="49" charset="0"/>
+              </a:rPr>
+              <a:t>=</a:t>
+            </a:r>
+            <a:r>
+              <a:rPr sz="1700" dirty="0">
+                <a:latin typeface="Consolas" panose="020B0609020204030204" pitchFamily="49" charset="0"/>
+                <a:cs typeface="Consolas" panose="020B0609020204030204" pitchFamily="49" charset="0"/>
+              </a:rPr>
+              <a:t> </a:t>
+            </a:r>
+            <a:r>
+              <a:rPr sz="1700" b="1" spc="-5" dirty="0">
+                <a:solidFill>
+                  <a:srgbClr val="008000"/>
+                </a:solidFill>
+                <a:latin typeface="Consolas" panose="020B0609020204030204" pitchFamily="49" charset="0"/>
+                <a:cs typeface="Consolas" panose="020B0609020204030204" pitchFamily="49" charset="0"/>
+              </a:rPr>
+              <a:t>'Pete</a:t>
+            </a:r>
+            <a:r>
+              <a:rPr sz="1700" b="1" spc="5" dirty="0">
+                <a:solidFill>
+                  <a:srgbClr val="008000"/>
+                </a:solidFill>
+                <a:latin typeface="Consolas" panose="020B0609020204030204" pitchFamily="49" charset="0"/>
+                <a:cs typeface="Consolas" panose="020B0609020204030204" pitchFamily="49" charset="0"/>
+              </a:rPr>
+              <a:t>r</a:t>
+            </a:r>
+            <a:r>
               <a:rPr sz="1700" b="1" dirty="0">
                 <a:solidFill>
+                  <a:srgbClr val="008000"/>
+                </a:solidFill>
+                <a:latin typeface="Consolas" panose="020B0609020204030204" pitchFamily="49" charset="0"/>
+                <a:cs typeface="Consolas" panose="020B0609020204030204" pitchFamily="49" charset="0"/>
+              </a:rPr>
+              <a:t> </a:t>
+            </a:r>
+            <a:r>
+              <a:rPr lang="nl-NL" sz="1700" b="1" spc="-5" dirty="0">
+                <a:solidFill>
+                  <a:srgbClr val="008000"/>
+                </a:solidFill>
+                <a:latin typeface="Consolas" panose="020B0609020204030204" pitchFamily="49" charset="0"/>
+                <a:cs typeface="Consolas" panose="020B0609020204030204" pitchFamily="49" charset="0"/>
+              </a:rPr>
+              <a:t>Eijgermans</a:t>
+            </a:r>
+            <a:r>
+              <a:rPr sz="1700" b="1" spc="-5" dirty="0">
+                <a:solidFill>
+                  <a:srgbClr val="008000"/>
+                </a:solidFill>
+                <a:latin typeface="Consolas" panose="020B0609020204030204" pitchFamily="49" charset="0"/>
+                <a:cs typeface="Consolas" panose="020B0609020204030204" pitchFamily="49" charset="0"/>
+              </a:rPr>
+              <a:t>'</a:t>
+            </a:r>
+            <a:r>
+              <a:rPr sz="1700" spc="5" dirty="0">
+                <a:latin typeface="Consolas" panose="020B0609020204030204" pitchFamily="49" charset="0"/>
+                <a:cs typeface="Consolas" panose="020B0609020204030204" pitchFamily="49" charset="0"/>
+              </a:rPr>
+              <a:t>;</a:t>
+            </a:r>
+            <a:r>
+              <a:rPr sz="1700" dirty="0">
+                <a:latin typeface="Consolas" panose="020B0609020204030204" pitchFamily="49" charset="0"/>
+                <a:cs typeface="Consolas" panose="020B0609020204030204" pitchFamily="49" charset="0"/>
+              </a:rPr>
+              <a:t> </a:t>
+            </a:r>
+            <a:r>
+              <a:rPr sz="1700" b="1" dirty="0" err="1">
+                <a:solidFill>
                   <a:srgbClr val="000080"/>
                 </a:solidFill>
-                <a:latin typeface="Consolas"/>
-                <a:cs typeface="Consolas"/>
+                <a:latin typeface="Consolas" panose="020B0609020204030204" pitchFamily="49" charset="0"/>
+                <a:cs typeface="Consolas" panose="020B0609020204030204" pitchFamily="49" charset="0"/>
               </a:rPr>
               <a:t>thi</a:t>
             </a:r>
             <a:r>
-              <a:rPr sz="1700" b="1" spc="-10" dirty="0">
+              <a:rPr sz="1700" b="1" spc="-10" dirty="0" err="1">
                 <a:solidFill>
                   <a:srgbClr val="000080"/>
                 </a:solidFill>
-                <a:latin typeface="Consolas"/>
-                <a:cs typeface="Consolas"/>
+                <a:latin typeface="Consolas" panose="020B0609020204030204" pitchFamily="49" charset="0"/>
+                <a:cs typeface="Consolas" panose="020B0609020204030204" pitchFamily="49" charset="0"/>
               </a:rPr>
               <a:t>s</a:t>
             </a:r>
             <a:r>
-              <a:rPr sz="1700" spc="-5" dirty="0">
-                <a:latin typeface="Consolas"/>
-                <a:cs typeface="Consolas"/>
-              </a:rPr>
-              <a:t>.nam</a:t>
+              <a:rPr sz="1700" spc="-5" dirty="0" err="1">
+                <a:latin typeface="Consolas" panose="020B0609020204030204" pitchFamily="49" charset="0"/>
+                <a:cs typeface="Consolas" panose="020B0609020204030204" pitchFamily="49" charset="0"/>
+              </a:rPr>
+              <a:t>.cit</a:t>
+            </a:r>
+            <a:r>
+              <a:rPr sz="1700" spc="5" dirty="0" err="1">
+                <a:latin typeface="Consolas" panose="020B0609020204030204" pitchFamily="49" charset="0"/>
+                <a:cs typeface="Consolas" panose="020B0609020204030204" pitchFamily="49" charset="0"/>
+              </a:rPr>
+              <a:t>y</a:t>
+            </a:r>
+            <a:r>
+              <a:rPr sz="1700" dirty="0">
+                <a:latin typeface="Consolas" panose="020B0609020204030204" pitchFamily="49" charset="0"/>
+                <a:cs typeface="Consolas" panose="020B0609020204030204" pitchFamily="49" charset="0"/>
+              </a:rPr>
+              <a:t> </a:t>
             </a:r>
             <a:r>
               <a:rPr sz="1700" spc="5" dirty="0">
-                <a:latin typeface="Consolas"/>
-                <a:cs typeface="Consolas"/>
-              </a:rPr>
-              <a:t>e</a:t>
+                <a:latin typeface="Consolas" panose="020B0609020204030204" pitchFamily="49" charset="0"/>
+                <a:cs typeface="Consolas" panose="020B0609020204030204" pitchFamily="49" charset="0"/>
+              </a:rPr>
+              <a:t>=</a:t>
             </a:r>
             <a:r>
               <a:rPr sz="1700" dirty="0">
-                <a:latin typeface="Times New Roman"/>
-                <a:cs typeface="Times New Roman"/>
-              </a:rPr>
-              <a:t> </a:t>
-            </a:r>
-            <a:r>
-              <a:rPr sz="1700" spc="90" dirty="0">
-                <a:latin typeface="Times New Roman"/>
-                <a:cs typeface="Times New Roman"/>
-              </a:rPr>
-              <a:t> </a:t>
-            </a:r>
-            <a:r>
-              <a:rPr sz="1700" spc="5" dirty="0">
-                <a:latin typeface="Consolas"/>
-                <a:cs typeface="Consolas"/>
-              </a:rPr>
-              <a:t>=</a:t>
-            </a:r>
-            <a:r>
-              <a:rPr sz="1700" dirty="0">
-                <a:latin typeface="Times New Roman"/>
-                <a:cs typeface="Times New Roman"/>
-              </a:rPr>
-              <a:t> </a:t>
-            </a:r>
-            <a:r>
-              <a:rPr sz="1700" spc="80" dirty="0">
-                <a:latin typeface="Times New Roman"/>
-                <a:cs typeface="Times New Roman"/>
+                <a:latin typeface="Consolas" panose="020B0609020204030204" pitchFamily="49" charset="0"/>
+                <a:cs typeface="Consolas" panose="020B0609020204030204" pitchFamily="49" charset="0"/>
               </a:rPr>
               <a:t> </a:t>
             </a:r>
@@ -29588,157 +28726,14 @@
                 <a:solidFill>
                   <a:srgbClr val="008000"/>
                 </a:solidFill>
-                <a:latin typeface="Consolas"/>
-                <a:cs typeface="Consolas"/>
-              </a:rPr>
-              <a:t>'Pete</a:t>
-            </a:r>
-            <a:r>
-              <a:rPr sz="1700" b="1" spc="5" dirty="0">
-                <a:solidFill>
-                  <a:srgbClr val="008000"/>
-                </a:solidFill>
-                <a:latin typeface="Consolas"/>
-                <a:cs typeface="Consolas"/>
-              </a:rPr>
-              <a:t>r</a:t>
-            </a:r>
-            <a:r>
-              <a:rPr sz="1700" b="1" dirty="0">
-                <a:solidFill>
-                  <a:srgbClr val="008000"/>
-                </a:solidFill>
-                <a:latin typeface="Times New Roman"/>
-                <a:cs typeface="Times New Roman"/>
-              </a:rPr>
-              <a:t> </a:t>
-            </a:r>
-            <a:r>
-              <a:rPr sz="1700" b="1" spc="90" dirty="0">
-                <a:solidFill>
-                  <a:srgbClr val="008000"/>
-                </a:solidFill>
-                <a:latin typeface="Times New Roman"/>
-                <a:cs typeface="Times New Roman"/>
-              </a:rPr>
-              <a:t> </a:t>
-            </a:r>
-            <a:r>
-              <a:rPr lang="nl-NL" sz="1700" b="1" spc="-5" dirty="0">
-                <a:solidFill>
-                  <a:srgbClr val="008000"/>
-                </a:solidFill>
-                <a:latin typeface="Consolas"/>
-                <a:cs typeface="Consolas"/>
-              </a:rPr>
-              <a:t>Eijgermans</a:t>
-            </a:r>
-            <a:r>
-              <a:rPr sz="1700" b="1" spc="-5" dirty="0">
-                <a:solidFill>
-                  <a:srgbClr val="008000"/>
-                </a:solidFill>
-                <a:latin typeface="Consolas"/>
-                <a:cs typeface="Consolas"/>
-              </a:rPr>
-              <a:t>'</a:t>
-            </a:r>
-            <a:r>
-              <a:rPr sz="1700" spc="5" dirty="0">
-                <a:latin typeface="Consolas"/>
-                <a:cs typeface="Consolas"/>
-              </a:rPr>
-              <a:t>;</a:t>
-            </a:r>
-            <a:r>
-              <a:rPr sz="1700" dirty="0">
-                <a:latin typeface="Times New Roman"/>
-                <a:cs typeface="Times New Roman"/>
-              </a:rPr>
-              <a:t> </a:t>
-            </a:r>
-            <a:r>
-              <a:rPr sz="1700" b="1" dirty="0">
-                <a:solidFill>
-                  <a:srgbClr val="000080"/>
-                </a:solidFill>
-                <a:latin typeface="Consolas"/>
-                <a:cs typeface="Consolas"/>
-              </a:rPr>
-              <a:t>thi</a:t>
-            </a:r>
-            <a:r>
-              <a:rPr sz="1700" b="1" spc="-10" dirty="0">
-                <a:solidFill>
-                  <a:srgbClr val="000080"/>
-                </a:solidFill>
-                <a:latin typeface="Consolas"/>
-                <a:cs typeface="Consolas"/>
-              </a:rPr>
-              <a:t>s</a:t>
-            </a:r>
-            <a:r>
-              <a:rPr sz="1700" spc="-5" dirty="0">
-                <a:latin typeface="Consolas"/>
-                <a:cs typeface="Consolas"/>
-              </a:rPr>
-              <a:t>.cit</a:t>
-            </a:r>
-            <a:r>
-              <a:rPr sz="1700" spc="5" dirty="0">
-                <a:latin typeface="Consolas"/>
-                <a:cs typeface="Consolas"/>
-              </a:rPr>
-              <a:t>y</a:t>
-            </a:r>
-            <a:r>
-              <a:rPr sz="1700" dirty="0">
-                <a:latin typeface="Times New Roman"/>
-                <a:cs typeface="Times New Roman"/>
-              </a:rPr>
-              <a:t> </a:t>
-            </a:r>
-            <a:r>
-              <a:rPr sz="1700" spc="90" dirty="0">
-                <a:latin typeface="Times New Roman"/>
-                <a:cs typeface="Times New Roman"/>
-              </a:rPr>
-              <a:t> </a:t>
-            </a:r>
-            <a:r>
-              <a:rPr sz="1700" spc="5" dirty="0">
-                <a:latin typeface="Consolas"/>
-                <a:cs typeface="Consolas"/>
-              </a:rPr>
-              <a:t>=</a:t>
-            </a:r>
-            <a:r>
-              <a:rPr sz="1700" dirty="0">
-                <a:latin typeface="Times New Roman"/>
-                <a:cs typeface="Times New Roman"/>
-              </a:rPr>
-              <a:t> </a:t>
-            </a:r>
-            <a:r>
-              <a:rPr sz="1700" spc="80" dirty="0">
-                <a:latin typeface="Times New Roman"/>
-                <a:cs typeface="Times New Roman"/>
-              </a:rPr>
-              <a:t> </a:t>
-            </a:r>
-            <a:r>
-              <a:rPr sz="1700" b="1" spc="-5" dirty="0">
-                <a:solidFill>
-                  <a:srgbClr val="008000"/>
-                </a:solidFill>
-                <a:latin typeface="Consolas"/>
-                <a:cs typeface="Consolas"/>
+                <a:latin typeface="Consolas" panose="020B0609020204030204" pitchFamily="49" charset="0"/>
+                <a:cs typeface="Consolas" panose="020B0609020204030204" pitchFamily="49" charset="0"/>
               </a:rPr>
               <a:t>'Groningen'</a:t>
             </a:r>
             <a:endParaRPr sz="1700" dirty="0">
-              <a:latin typeface="Consolas"/>
-              <a:cs typeface="Consolas"/>
+              <a:latin typeface="Consolas" panose="020B0609020204030204" pitchFamily="49" charset="0"/>
+              <a:cs typeface="Consolas" panose="020B0609020204030204" pitchFamily="49" charset="0"/>
             </a:endParaRPr>
           </a:p>
           <a:p>
@@ -29752,14 +28747,14 @@
             </a:pPr>
             <a:r>
               <a:rPr sz="1700" spc="5" dirty="0">
-                <a:latin typeface="Consolas"/>
-                <a:cs typeface="Consolas"/>
+                <a:latin typeface="Consolas" panose="020B0609020204030204" pitchFamily="49" charset="0"/>
+                <a:cs typeface="Consolas" panose="020B0609020204030204" pitchFamily="49" charset="0"/>
               </a:rPr>
               <a:t>}</a:t>
             </a:r>
             <a:endParaRPr sz="1700" dirty="0">
-              <a:latin typeface="Consolas"/>
-              <a:cs typeface="Consolas"/>
+              <a:latin typeface="Consolas" panose="020B0609020204030204" pitchFamily="49" charset="0"/>
+              <a:cs typeface="Consolas" panose="020B0609020204030204" pitchFamily="49" charset="0"/>
             </a:endParaRPr>
           </a:p>
           <a:p>
@@ -29773,14 +28768,14 @@
             </a:pPr>
             <a:r>
               <a:rPr sz="1700" spc="5" dirty="0">
-                <a:latin typeface="Consolas"/>
-                <a:cs typeface="Consolas"/>
+                <a:latin typeface="Consolas" panose="020B0609020204030204" pitchFamily="49" charset="0"/>
+                <a:cs typeface="Consolas" panose="020B0609020204030204" pitchFamily="49" charset="0"/>
               </a:rPr>
               <a:t>}</a:t>
             </a:r>
             <a:endParaRPr sz="1700" dirty="0">
-              <a:latin typeface="Consolas"/>
-              <a:cs typeface="Consolas"/>
+              <a:latin typeface="Consolas" panose="020B0609020204030204" pitchFamily="49" charset="0"/>
+              <a:cs typeface="Consolas" panose="020B0609020204030204" pitchFamily="49" charset="0"/>
             </a:endParaRPr>
           </a:p>
         </p:txBody>
@@ -29910,7 +28905,7 @@
         <p:spPr>
           <a:xfrm>
             <a:off x="469900" y="1029679"/>
-            <a:ext cx="10223500" cy="5752857"/>
+            <a:ext cx="10223500" cy="5475858"/>
           </a:xfrm>
           <a:prstGeom prst="rect">
             <a:avLst/>
@@ -30560,7 +29555,7 @@
             </a:br>
             <a:r>
               <a:rPr lang="en-US" dirty="0"/>
-              <a:t>  </a:t>
+              <a:t> private </a:t>
             </a:r>
             <a:r>
               <a:rPr lang="en-US" dirty="0" err="1"/>
@@ -30575,7 +29570,7 @@
             </a:br>
             <a:r>
               <a:rPr lang="en-US" dirty="0"/>
-              <a:t>  </a:t>
+              <a:t> private </a:t>
             </a:r>
             <a:r>
               <a:rPr lang="en-US" dirty="0" err="1"/>
@@ -30602,27 +29597,24 @@
             <a:br>
               <a:rPr lang="en-US" dirty="0"/>
             </a:br>
+            <a:r>
+              <a:rPr lang="en-US" dirty="0"/>
+              <a:t>       </a:t>
+            </a:r>
+            <a:r>
+              <a:rPr lang="en-US" dirty="0" err="1"/>
+              <a:t>this.name</a:t>
+            </a:r>
+            <a:r>
+              <a:rPr lang="en-US" dirty="0"/>
+              <a:t> = 'Peter  Eijgermans’; </a:t>
+            </a:r>
             <a:br>
               <a:rPr lang="en-US" dirty="0"/>
             </a:br>
             <a:r>
               <a:rPr lang="en-US" dirty="0"/>
-              <a:t>    </a:t>
-            </a:r>
-            <a:r>
-              <a:rPr lang="en-US" dirty="0" err="1"/>
-              <a:t>this.name</a:t>
-            </a:r>
-            <a:r>
-              <a:rPr lang="en-US" dirty="0"/>
-              <a:t> = 'Peter  Eijgermans’; </a:t>
-            </a:r>
-            <a:br>
-              <a:rPr lang="en-US" dirty="0"/>
-            </a:br>
-            <a:r>
-              <a:rPr lang="en-US" dirty="0"/>
-              <a:t>    </a:t>
+              <a:t>       </a:t>
             </a:r>
             <a:r>
               <a:rPr lang="en-US" dirty="0" err="1"/>
@@ -30630,15 +29622,7 @@
             </a:r>
             <a:r>
               <a:rPr lang="en-US" dirty="0"/>
-              <a:t> = ['Groningen',  '</a:t>
-            </a:r>
-            <a:r>
-              <a:rPr lang="en-US" dirty="0" err="1"/>
-              <a:t>Hengelo','Den</a:t>
-            </a:r>
-            <a:r>
-              <a:rPr lang="en-US" dirty="0"/>
-              <a:t>  Haag'];</a:t>
+              <a:t> = ['Groningen',  'Hengelo’, 'Den  Haag'];</a:t>
             </a:r>
             <a:br>
               <a:rPr lang="en-US" dirty="0"/>
@@ -31457,7 +30441,7 @@
             </a:br>
             <a:r>
               <a:rPr lang="en-US" sz="1600" dirty="0"/>
-              <a:t>  </a:t>
+              <a:t>  private </a:t>
             </a:r>
             <a:r>
               <a:rPr lang="en-US" dirty="0" err="1"/>
@@ -31480,7 +30464,7 @@
             </a:br>
             <a:r>
               <a:rPr lang="en-US" sz="1600" dirty="0"/>
-              <a:t>  </a:t>
+              <a:t>  private </a:t>
             </a:r>
             <a:r>
               <a:rPr lang="en-US" dirty="0" err="1"/>
@@ -31524,7 +30508,7 @@
             </a:br>
             <a:r>
               <a:rPr lang="en-US" sz="1600" dirty="0"/>
-              <a:t>  </a:t>
+              <a:t>  public </a:t>
             </a:r>
             <a:r>
               <a:rPr lang="en-US" dirty="0" err="1">
@@ -31535,12 +30519,8 @@
               <a:t>ngOnInit</a:t>
             </a:r>
             <a:r>
-              <a:rPr lang="en-US" dirty="0"/>
-              <a:t> </a:t>
-            </a:r>
-            <a:r>
               <a:rPr lang="en-US" sz="1600" dirty="0"/>
-              <a:t>( )  {</a:t>
+              <a:t>( ) : void {</a:t>
             </a:r>
             <a:br>
               <a:rPr lang="en-US" sz="1600" dirty="0"/>
